--- a/variational_principle/fig/fig.pptx
+++ b/variational_principle/fig/fig.pptx
@@ -5,12 +5,13 @@
     <p:sldMasterId id="2147483648" r:id="rId1"/>
   </p:sldMasterIdLst>
   <p:notesMasterIdLst>
-    <p:notesMasterId r:id="rId5"/>
+    <p:notesMasterId r:id="rId6"/>
   </p:notesMasterIdLst>
   <p:sldIdLst>
-    <p:sldId id="256" r:id="rId2"/>
+    <p:sldId id="260" r:id="rId2"/>
     <p:sldId id="257" r:id="rId3"/>
     <p:sldId id="258" r:id="rId4"/>
+    <p:sldId id="259" r:id="rId5"/>
   </p:sldIdLst>
   <p:sldSz cx="9144000" cy="6858000" type="screen4x3"/>
   <p:notesSz cx="6858000" cy="9144000"/>
@@ -841,10 +842,10 @@
       </p:grpSpPr>
       <p:pic>
         <p:nvPicPr>
-          <p:cNvPr id="8" name="Picture 2" descr="草原の背景イラスト">
+          <p:cNvPr id="4" name="Picture 2" descr="草原の背景イラスト">
             <a:extLst>
               <a:ext uri="{FF2B5EF4-FFF2-40B4-BE49-F238E27FC236}">
-                <a16:creationId xmlns:a16="http://schemas.microsoft.com/office/drawing/2014/main" id="{E4B89DB2-B728-32FD-F9EE-F9CF13BB00CF}"/>
+                <a16:creationId xmlns:a16="http://schemas.microsoft.com/office/drawing/2014/main" id="{DFF1EC48-15A6-E71B-4EEF-4E8FB887B4FF}"/>
               </a:ext>
             </a:extLst>
           </p:cNvPr>
@@ -868,8 +869,8 @@
         </p:blipFill>
         <p:spPr bwMode="auto">
           <a:xfrm>
-            <a:off x="337587" y="1153410"/>
-            <a:ext cx="3461655" cy="992341"/>
+            <a:off x="1195143" y="1501075"/>
+            <a:ext cx="5973972" cy="1712539"/>
           </a:xfrm>
           <a:prstGeom prst="rect">
             <a:avLst/>
@@ -888,10 +889,10 @@
       </p:pic>
       <p:pic>
         <p:nvPicPr>
-          <p:cNvPr id="9" name="図 8">
+          <p:cNvPr id="5" name="図 4">
             <a:extLst>
               <a:ext uri="{FF2B5EF4-FFF2-40B4-BE49-F238E27FC236}">
-                <a16:creationId xmlns:a16="http://schemas.microsoft.com/office/drawing/2014/main" id="{D945B6F5-F4D6-195E-5F3D-363732486B86}"/>
+                <a16:creationId xmlns:a16="http://schemas.microsoft.com/office/drawing/2014/main" id="{BE0CEC21-4E70-51CD-CA3F-724333EB007A}"/>
               </a:ext>
             </a:extLst>
           </p:cNvPr>
@@ -908,8 +909,8 @@
         </p:blipFill>
         <p:spPr>
           <a:xfrm>
-            <a:off x="395536" y="2060848"/>
-            <a:ext cx="3353397" cy="891484"/>
+            <a:off x="1295149" y="3067091"/>
+            <a:ext cx="5787145" cy="1538483"/>
           </a:xfrm>
           <a:prstGeom prst="rect">
             <a:avLst/>
@@ -918,10 +919,10 @@
       </p:pic>
       <p:pic>
         <p:nvPicPr>
-          <p:cNvPr id="10" name="Picture 4" descr="探検家・考古学者のイラスト（女性）">
+          <p:cNvPr id="6" name="Picture 4" descr="探検家・考古学者のイラスト（女性）">
             <a:extLst>
               <a:ext uri="{FF2B5EF4-FFF2-40B4-BE49-F238E27FC236}">
-                <a16:creationId xmlns:a16="http://schemas.microsoft.com/office/drawing/2014/main" id="{A1BD474C-1F7D-9631-7501-97449477A19B}"/>
+                <a16:creationId xmlns:a16="http://schemas.microsoft.com/office/drawing/2014/main" id="{F50ED899-F35B-E7AF-50B3-79F6E252D79C}"/>
               </a:ext>
             </a:extLst>
           </p:cNvPr>
@@ -945,8 +946,8 @@
         </p:blipFill>
         <p:spPr bwMode="auto">
           <a:xfrm>
-            <a:off x="82877" y="601539"/>
-            <a:ext cx="718826" cy="881394"/>
+            <a:off x="755576" y="548680"/>
+            <a:ext cx="1240518" cy="1521071"/>
           </a:xfrm>
           <a:prstGeom prst="rect">
             <a:avLst/>
@@ -965,10 +966,10 @@
       </p:pic>
       <p:sp>
         <p:nvSpPr>
-          <p:cNvPr id="13" name="テキスト ボックス 12">
+          <p:cNvPr id="7" name="テキスト ボックス 6">
             <a:extLst>
               <a:ext uri="{FF2B5EF4-FFF2-40B4-BE49-F238E27FC236}">
-                <a16:creationId xmlns:a16="http://schemas.microsoft.com/office/drawing/2014/main" id="{F8D7300A-3B89-D14D-33F7-F21357E5A5C8}"/>
+                <a16:creationId xmlns:a16="http://schemas.microsoft.com/office/drawing/2014/main" id="{E77CA4DD-B0DC-8539-1A27-4A97A2047577}"/>
               </a:ext>
             </a:extLst>
           </p:cNvPr>
@@ -977,8 +978,8 @@
         </p:nvSpPr>
         <p:spPr>
           <a:xfrm>
-            <a:off x="634748" y="870906"/>
-            <a:ext cx="281663" cy="461665"/>
+            <a:off x="1779979" y="1196752"/>
+            <a:ext cx="487765" cy="471242"/>
           </a:xfrm>
           <a:prstGeom prst="rect">
             <a:avLst/>
@@ -1001,10 +1002,10 @@
       </p:sp>
       <p:sp>
         <p:nvSpPr>
-          <p:cNvPr id="14" name="テキスト ボックス 13">
+          <p:cNvPr id="8" name="テキスト ボックス 7">
             <a:extLst>
               <a:ext uri="{FF2B5EF4-FFF2-40B4-BE49-F238E27FC236}">
-                <a16:creationId xmlns:a16="http://schemas.microsoft.com/office/drawing/2014/main" id="{6489F794-02E8-B189-A7E3-24686AC35400}"/>
+                <a16:creationId xmlns:a16="http://schemas.microsoft.com/office/drawing/2014/main" id="{F6433956-FFA3-9E99-BE54-815DCA3CEF69}"/>
               </a:ext>
             </a:extLst>
           </p:cNvPr>
@@ -1013,8 +1014,8 @@
         </p:nvSpPr>
         <p:spPr>
           <a:xfrm>
-            <a:off x="3118294" y="2559952"/>
-            <a:ext cx="281663" cy="461665"/>
+            <a:off x="6084168" y="4149080"/>
+            <a:ext cx="486081" cy="796721"/>
           </a:xfrm>
           <a:prstGeom prst="rect">
             <a:avLst/>
@@ -1037,10 +1038,10 @@
       </p:sp>
       <p:cxnSp>
         <p:nvCxnSpPr>
-          <p:cNvPr id="16" name="直線コネクタ 15">
+          <p:cNvPr id="9" name="直線コネクタ 8">
             <a:extLst>
               <a:ext uri="{FF2B5EF4-FFF2-40B4-BE49-F238E27FC236}">
-                <a16:creationId xmlns:a16="http://schemas.microsoft.com/office/drawing/2014/main" id="{B75BA2DF-D635-03BF-B249-7E57F8251138}"/>
+                <a16:creationId xmlns:a16="http://schemas.microsoft.com/office/drawing/2014/main" id="{DE06A770-7382-1D90-6ADF-E1664FDABA2D}"/>
               </a:ext>
             </a:extLst>
           </p:cNvPr>
@@ -1051,8 +1052,8 @@
         </p:nvCxnSpPr>
         <p:spPr>
           <a:xfrm>
-            <a:off x="805734" y="1396914"/>
-            <a:ext cx="1725415" cy="651359"/>
+            <a:off x="2003050" y="1921304"/>
+            <a:ext cx="2993853" cy="1189845"/>
           </a:xfrm>
           <a:prstGeom prst="line">
             <a:avLst/>
@@ -1082,10 +1083,10 @@
       </p:cxnSp>
       <p:cxnSp>
         <p:nvCxnSpPr>
-          <p:cNvPr id="17" name="直線コネクタ 16">
+          <p:cNvPr id="10" name="直線コネクタ 9">
             <a:extLst>
               <a:ext uri="{FF2B5EF4-FFF2-40B4-BE49-F238E27FC236}">
-                <a16:creationId xmlns:a16="http://schemas.microsoft.com/office/drawing/2014/main" id="{CE2BD6DD-771C-167A-8340-A1080C10DC91}"/>
+                <a16:creationId xmlns:a16="http://schemas.microsoft.com/office/drawing/2014/main" id="{F6F2A469-8249-54A1-1103-54CD39A14B87}"/>
               </a:ext>
             </a:extLst>
           </p:cNvPr>
@@ -1096,8 +1097,8 @@
         </p:nvCxnSpPr>
         <p:spPr>
           <a:xfrm>
-            <a:off x="2513256" y="2060848"/>
-            <a:ext cx="529674" cy="736616"/>
+            <a:off x="4949817" y="3067091"/>
+            <a:ext cx="914089" cy="1271220"/>
           </a:xfrm>
           <a:prstGeom prst="line">
             <a:avLst/>
@@ -1130,7 +1131,7 @@
           <p:cNvPr id="11" name="Picture 6" descr="バツのマークのイラスト「×」">
             <a:extLst>
               <a:ext uri="{FF2B5EF4-FFF2-40B4-BE49-F238E27FC236}">
-                <a16:creationId xmlns:a16="http://schemas.microsoft.com/office/drawing/2014/main" id="{029F56EA-B842-AA9E-A8A1-A22677B48F20}"/>
+                <a16:creationId xmlns:a16="http://schemas.microsoft.com/office/drawing/2014/main" id="{87FFA0C6-2709-C03E-FC5A-3E60693235D4}"/>
               </a:ext>
             </a:extLst>
           </p:cNvPr>
@@ -1154,8 +1155,8 @@
         </p:blipFill>
         <p:spPr bwMode="auto">
           <a:xfrm>
-            <a:off x="634748" y="1238313"/>
-            <a:ext cx="316493" cy="316494"/>
+            <a:off x="1707971" y="1647597"/>
+            <a:ext cx="546189" cy="546192"/>
           </a:xfrm>
           <a:prstGeom prst="rect">
             <a:avLst/>
@@ -1177,7 +1178,7 @@
           <p:cNvPr id="12" name="Picture 6" descr="バツのマークのイラスト「×」">
             <a:extLst>
               <a:ext uri="{FF2B5EF4-FFF2-40B4-BE49-F238E27FC236}">
-                <a16:creationId xmlns:a16="http://schemas.microsoft.com/office/drawing/2014/main" id="{50B49206-A284-64B1-7D07-E102E6D05B72}"/>
+                <a16:creationId xmlns:a16="http://schemas.microsoft.com/office/drawing/2014/main" id="{1F68BD5E-EF6D-E542-B671-086807112FDF}"/>
               </a:ext>
             </a:extLst>
           </p:cNvPr>
@@ -1201,8 +1202,8 @@
         </p:blipFill>
         <p:spPr bwMode="auto">
           <a:xfrm>
-            <a:off x="2884684" y="2639217"/>
-            <a:ext cx="316493" cy="316494"/>
+            <a:off x="5590811" y="4065215"/>
+            <a:ext cx="546189" cy="546192"/>
           </a:xfrm>
           <a:prstGeom prst="rect">
             <a:avLst/>
@@ -1219,392 +1220,14 @@
           </a:extLst>
         </p:spPr>
       </p:pic>
-      <p:sp>
-        <p:nvSpPr>
-          <p:cNvPr id="25" name="テキスト ボックス 24">
-            <a:extLst>
-              <a:ext uri="{FF2B5EF4-FFF2-40B4-BE49-F238E27FC236}">
-                <a16:creationId xmlns:a16="http://schemas.microsoft.com/office/drawing/2014/main" id="{03C26A90-BC34-4F6E-8D7B-FCD8A63C0FDD}"/>
-              </a:ext>
-            </a:extLst>
-          </p:cNvPr>
-          <p:cNvSpPr txBox="1"/>
-          <p:nvPr/>
-        </p:nvSpPr>
-        <p:spPr>
-          <a:xfrm>
-            <a:off x="4748501" y="1060429"/>
-            <a:ext cx="281663" cy="461665"/>
-          </a:xfrm>
-          <a:prstGeom prst="rect">
-            <a:avLst/>
-          </a:prstGeom>
-          <a:noFill/>
-        </p:spPr>
-        <p:txBody>
-          <a:bodyPr wrap="square" rtlCol="0">
-            <a:spAutoFit/>
-          </a:bodyPr>
-          <a:lstStyle/>
-          <a:p>
-            <a:r>
-              <a:rPr kumimoji="1" lang="en-US" altLang="ja-JP" sz="2400" dirty="0"/>
-              <a:t>A</a:t>
-            </a:r>
-            <a:endParaRPr kumimoji="1" lang="ja-JP" altLang="en-US" sz="2400"/>
-          </a:p>
-        </p:txBody>
-      </p:sp>
-      <p:sp>
-        <p:nvSpPr>
-          <p:cNvPr id="26" name="テキスト ボックス 25">
-            <a:extLst>
-              <a:ext uri="{FF2B5EF4-FFF2-40B4-BE49-F238E27FC236}">
-                <a16:creationId xmlns:a16="http://schemas.microsoft.com/office/drawing/2014/main" id="{7C77567D-957A-BB40-73AD-6F6391C98F81}"/>
-              </a:ext>
-            </a:extLst>
-          </p:cNvPr>
-          <p:cNvSpPr txBox="1"/>
-          <p:nvPr/>
-        </p:nvSpPr>
-        <p:spPr>
-          <a:xfrm>
-            <a:off x="6997787" y="2559952"/>
-            <a:ext cx="281663" cy="461665"/>
-          </a:xfrm>
-          <a:prstGeom prst="rect">
-            <a:avLst/>
-          </a:prstGeom>
-          <a:noFill/>
-        </p:spPr>
-        <p:txBody>
-          <a:bodyPr wrap="square" rtlCol="0">
-            <a:spAutoFit/>
-          </a:bodyPr>
-          <a:lstStyle/>
-          <a:p>
-            <a:r>
-              <a:rPr kumimoji="1" lang="en-US" altLang="ja-JP" sz="2400" dirty="0"/>
-              <a:t>B</a:t>
-            </a:r>
-            <a:endParaRPr kumimoji="1" lang="ja-JP" altLang="en-US" sz="2400"/>
-          </a:p>
-        </p:txBody>
-      </p:sp>
-      <p:cxnSp>
-        <p:nvCxnSpPr>
-          <p:cNvPr id="32" name="直線矢印コネクタ 31">
-            <a:extLst>
-              <a:ext uri="{FF2B5EF4-FFF2-40B4-BE49-F238E27FC236}">
-                <a16:creationId xmlns:a16="http://schemas.microsoft.com/office/drawing/2014/main" id="{4596F2C3-40E7-7E92-C1B7-7D50A04F79B0}"/>
-              </a:ext>
-            </a:extLst>
-          </p:cNvPr>
-          <p:cNvCxnSpPr/>
-          <p:nvPr/>
-        </p:nvCxnSpPr>
-        <p:spPr>
-          <a:xfrm>
-            <a:off x="4681196" y="2048273"/>
-            <a:ext cx="3203172" cy="0"/>
-          </a:xfrm>
-          <a:prstGeom prst="straightConnector1">
-            <a:avLst/>
-          </a:prstGeom>
-          <a:ln w="9525">
-            <a:solidFill>
-              <a:schemeClr val="tx1"/>
-            </a:solidFill>
-            <a:headEnd type="none"/>
-            <a:tailEnd type="triangle"/>
-          </a:ln>
-          <a:effectLst/>
-        </p:spPr>
-        <p:style>
-          <a:lnRef idx="2">
-            <a:schemeClr val="accent1"/>
-          </a:lnRef>
-          <a:fillRef idx="0">
-            <a:schemeClr val="accent1"/>
-          </a:fillRef>
-          <a:effectRef idx="1">
-            <a:schemeClr val="accent1"/>
-          </a:effectRef>
-          <a:fontRef idx="minor">
-            <a:schemeClr val="tx1"/>
-          </a:fontRef>
-        </p:style>
-      </p:cxnSp>
-      <p:cxnSp>
-        <p:nvCxnSpPr>
-          <p:cNvPr id="34" name="直線矢印コネクタ 33">
-            <a:extLst>
-              <a:ext uri="{FF2B5EF4-FFF2-40B4-BE49-F238E27FC236}">
-                <a16:creationId xmlns:a16="http://schemas.microsoft.com/office/drawing/2014/main" id="{1918FE01-CEAF-B2BE-9983-2C7ACD5AB6E3}"/>
-              </a:ext>
-            </a:extLst>
-          </p:cNvPr>
-          <p:cNvCxnSpPr/>
-          <p:nvPr/>
-        </p:nvCxnSpPr>
-        <p:spPr>
-          <a:xfrm flipV="1">
-            <a:off x="4681196" y="1052736"/>
-            <a:ext cx="0" cy="1968881"/>
-          </a:xfrm>
-          <a:prstGeom prst="straightConnector1">
-            <a:avLst/>
-          </a:prstGeom>
-          <a:ln w="9525">
-            <a:solidFill>
-              <a:schemeClr val="tx1"/>
-            </a:solidFill>
-            <a:headEnd type="none"/>
-            <a:tailEnd type="triangle"/>
-          </a:ln>
-          <a:effectLst/>
-        </p:spPr>
-        <p:style>
-          <a:lnRef idx="2">
-            <a:schemeClr val="accent1"/>
-          </a:lnRef>
-          <a:fillRef idx="0">
-            <a:schemeClr val="accent1"/>
-          </a:fillRef>
-          <a:effectRef idx="1">
-            <a:schemeClr val="accent1"/>
-          </a:effectRef>
-          <a:fontRef idx="minor">
-            <a:schemeClr val="tx1"/>
-          </a:fontRef>
-        </p:style>
-      </p:cxnSp>
-      <p:cxnSp>
-        <p:nvCxnSpPr>
-          <p:cNvPr id="36" name="直線コネクタ 35">
-            <a:extLst>
-              <a:ext uri="{FF2B5EF4-FFF2-40B4-BE49-F238E27FC236}">
-                <a16:creationId xmlns:a16="http://schemas.microsoft.com/office/drawing/2014/main" id="{F6A86C92-E392-578F-431B-54568B7E1EF7}"/>
-              </a:ext>
-            </a:extLst>
-          </p:cNvPr>
-          <p:cNvCxnSpPr>
-            <a:cxnSpLocks/>
-          </p:cNvCxnSpPr>
-          <p:nvPr/>
-        </p:nvCxnSpPr>
-        <p:spPr>
-          <a:xfrm>
-            <a:off x="4681196" y="1396560"/>
-            <a:ext cx="1711553" cy="640616"/>
-          </a:xfrm>
-          <a:prstGeom prst="line">
-            <a:avLst/>
-          </a:prstGeom>
-          <a:ln w="9525">
-            <a:solidFill>
-              <a:schemeClr val="tx1"/>
-            </a:solidFill>
-            <a:headEnd type="none"/>
-            <a:tailEnd type="none"/>
-          </a:ln>
-          <a:effectLst/>
-        </p:spPr>
-        <p:style>
-          <a:lnRef idx="2">
-            <a:schemeClr val="accent1"/>
-          </a:lnRef>
-          <a:fillRef idx="0">
-            <a:schemeClr val="accent1"/>
-          </a:fillRef>
-          <a:effectRef idx="1">
-            <a:schemeClr val="accent1"/>
-          </a:effectRef>
-          <a:fontRef idx="minor">
-            <a:schemeClr val="tx1"/>
-          </a:fontRef>
-        </p:style>
-      </p:cxnSp>
-      <p:sp>
-        <p:nvSpPr>
-          <p:cNvPr id="38" name="円/楕円 37">
-            <a:extLst>
-              <a:ext uri="{FF2B5EF4-FFF2-40B4-BE49-F238E27FC236}">
-                <a16:creationId xmlns:a16="http://schemas.microsoft.com/office/drawing/2014/main" id="{35C272F9-81DF-E233-BBC7-4A3528330C9A}"/>
-              </a:ext>
-            </a:extLst>
-          </p:cNvPr>
-          <p:cNvSpPr/>
-          <p:nvPr/>
-        </p:nvSpPr>
-        <p:spPr>
-          <a:xfrm>
-            <a:off x="4602072" y="1306340"/>
-            <a:ext cx="158246" cy="158246"/>
-          </a:xfrm>
-          <a:prstGeom prst="ellipse">
-            <a:avLst/>
-          </a:prstGeom>
-          <a:solidFill>
-            <a:schemeClr val="tx2">
-              <a:lumMod val="60000"/>
-              <a:lumOff val="40000"/>
-            </a:schemeClr>
-          </a:solidFill>
-          <a:ln>
-            <a:solidFill>
-              <a:schemeClr val="tx1"/>
-            </a:solidFill>
-          </a:ln>
-        </p:spPr>
-        <p:txBody>
-          <a:bodyPr wrap="square" rtlCol="0" anchor="ctr">
-            <a:spAutoFit/>
-          </a:bodyPr>
-          <a:lstStyle/>
-          <a:p>
-            <a:pPr algn="ctr"/>
-            <a:endParaRPr kumimoji="1" lang="ja-JP" altLang="en-US" sz="2400" dirty="0"/>
-          </a:p>
-        </p:txBody>
-      </p:sp>
-      <p:cxnSp>
-        <p:nvCxnSpPr>
-          <p:cNvPr id="41" name="直線コネクタ 40">
-            <a:extLst>
-              <a:ext uri="{FF2B5EF4-FFF2-40B4-BE49-F238E27FC236}">
-                <a16:creationId xmlns:a16="http://schemas.microsoft.com/office/drawing/2014/main" id="{9AA8E50D-BCAC-F0DC-390F-C63454602B20}"/>
-              </a:ext>
-            </a:extLst>
-          </p:cNvPr>
-          <p:cNvCxnSpPr>
-            <a:cxnSpLocks/>
-          </p:cNvCxnSpPr>
-          <p:nvPr/>
-        </p:nvCxnSpPr>
-        <p:spPr>
-          <a:xfrm>
-            <a:off x="6388146" y="2037176"/>
-            <a:ext cx="530518" cy="753608"/>
-          </a:xfrm>
-          <a:prstGeom prst="line">
-            <a:avLst/>
-          </a:prstGeom>
-          <a:ln w="9525">
-            <a:solidFill>
-              <a:schemeClr val="tx1"/>
-            </a:solidFill>
-            <a:headEnd type="none"/>
-            <a:tailEnd type="none"/>
-          </a:ln>
-          <a:effectLst/>
-        </p:spPr>
-        <p:style>
-          <a:lnRef idx="2">
-            <a:schemeClr val="accent1"/>
-          </a:lnRef>
-          <a:fillRef idx="0">
-            <a:schemeClr val="accent1"/>
-          </a:fillRef>
-          <a:effectRef idx="1">
-            <a:schemeClr val="accent1"/>
-          </a:effectRef>
-          <a:fontRef idx="minor">
-            <a:schemeClr val="tx1"/>
-          </a:fontRef>
-        </p:style>
-      </p:cxnSp>
-      <p:sp>
-        <p:nvSpPr>
-          <p:cNvPr id="39" name="円/楕円 38">
-            <a:extLst>
-              <a:ext uri="{FF2B5EF4-FFF2-40B4-BE49-F238E27FC236}">
-                <a16:creationId xmlns:a16="http://schemas.microsoft.com/office/drawing/2014/main" id="{2BA9CDD6-A2F2-0C58-0378-EBE7376D84E8}"/>
-              </a:ext>
-            </a:extLst>
-          </p:cNvPr>
-          <p:cNvSpPr/>
-          <p:nvPr/>
-        </p:nvSpPr>
-        <p:spPr>
-          <a:xfrm>
-            <a:off x="6839541" y="2718341"/>
-            <a:ext cx="158246" cy="158246"/>
-          </a:xfrm>
-          <a:prstGeom prst="ellipse">
-            <a:avLst/>
-          </a:prstGeom>
-          <a:solidFill>
-            <a:schemeClr val="tx2">
-              <a:lumMod val="60000"/>
-              <a:lumOff val="40000"/>
-            </a:schemeClr>
-          </a:solidFill>
-          <a:ln>
-            <a:solidFill>
-              <a:schemeClr val="tx1"/>
-            </a:solidFill>
-          </a:ln>
-        </p:spPr>
-        <p:txBody>
-          <a:bodyPr wrap="square" rtlCol="0" anchor="ctr">
-            <a:spAutoFit/>
-          </a:bodyPr>
-          <a:lstStyle/>
-          <a:p>
-            <a:pPr algn="ctr"/>
-            <a:endParaRPr kumimoji="1" lang="ja-JP" altLang="en-US" sz="2400" dirty="0"/>
-          </a:p>
-        </p:txBody>
-      </p:sp>
-      <p:sp>
-        <p:nvSpPr>
-          <p:cNvPr id="40" name="円/楕円 39">
-            <a:extLst>
-              <a:ext uri="{FF2B5EF4-FFF2-40B4-BE49-F238E27FC236}">
-                <a16:creationId xmlns:a16="http://schemas.microsoft.com/office/drawing/2014/main" id="{1A33F197-EFC5-CF1E-653F-B654F8C1E1B4}"/>
-              </a:ext>
-            </a:extLst>
-          </p:cNvPr>
-          <p:cNvSpPr/>
-          <p:nvPr/>
-        </p:nvSpPr>
-        <p:spPr>
-          <a:xfrm>
-            <a:off x="6309022" y="1969150"/>
-            <a:ext cx="158246" cy="158246"/>
-          </a:xfrm>
-          <a:prstGeom prst="ellipse">
-            <a:avLst/>
-          </a:prstGeom>
-          <a:solidFill>
-            <a:srgbClr val="FF0000"/>
-          </a:solidFill>
-          <a:ln>
-            <a:solidFill>
-              <a:schemeClr val="tx1"/>
-            </a:solidFill>
-          </a:ln>
-        </p:spPr>
-        <p:txBody>
-          <a:bodyPr wrap="square" rtlCol="0" anchor="ctr">
-            <a:spAutoFit/>
-          </a:bodyPr>
-          <a:lstStyle/>
-          <a:p>
-            <a:pPr algn="ctr"/>
-            <a:endParaRPr kumimoji="1" lang="ja-JP" altLang="en-US" sz="2400" dirty="0"/>
-          </a:p>
-        </p:txBody>
-      </p:sp>
       <mc:AlternateContent xmlns:mc="http://schemas.openxmlformats.org/markup-compatibility/2006">
         <mc:Choice xmlns:a14="http://schemas.microsoft.com/office/drawing/2010/main" Requires="a14">
           <p:sp>
             <p:nvSpPr>
-              <p:cNvPr id="45" name="テキスト ボックス 44">
+              <p:cNvPr id="13" name="テキスト ボックス 12">
                 <a:extLst>
                   <a:ext uri="{FF2B5EF4-FFF2-40B4-BE49-F238E27FC236}">
-                    <a16:creationId xmlns:a16="http://schemas.microsoft.com/office/drawing/2014/main" id="{3955550E-7E1E-9190-4EF0-BC90BB3AA406}"/>
+                    <a16:creationId xmlns:a16="http://schemas.microsoft.com/office/drawing/2014/main" id="{69BB2C8E-7965-B759-2D79-E154C4BF34B6}"/>
                   </a:ext>
                 </a:extLst>
               </p:cNvPr>
@@ -1613,8 +1236,8 @@
             </p:nvSpPr>
             <p:spPr>
               <a:xfrm>
-                <a:off x="4256594" y="1552079"/>
-                <a:ext cx="315406" cy="369332"/>
+                <a:off x="5968874" y="1962456"/>
+                <a:ext cx="625993" cy="604277"/>
               </a:xfrm>
               <a:prstGeom prst="rect">
                 <a:avLst/>
@@ -1636,22 +1259,22 @@
                       <m:sSub>
                         <m:sSubPr>
                           <m:ctrlPr>
-                            <a:rPr kumimoji="1" lang="en-US" altLang="ja-JP" sz="2400" b="0" i="1" smtClean="0">
+                            <a:rPr kumimoji="1" lang="en-US" altLang="ja-JP" sz="3200" b="0" i="1" smtClean="0">
                               <a:latin typeface="Cambria Math" panose="02040503050406030204" pitchFamily="18" charset="0"/>
                             </a:rPr>
                           </m:ctrlPr>
                         </m:sSubPr>
                         <m:e>
                           <m:r>
-                            <a:rPr kumimoji="1" lang="en-US" altLang="ja-JP" sz="2400" b="0" i="1" smtClean="0">
+                            <a:rPr kumimoji="1" lang="en-US" altLang="ja-JP" sz="3200" b="0" i="1" smtClean="0">
                               <a:latin typeface="Cambria Math" panose="02040503050406030204" pitchFamily="18" charset="0"/>
                             </a:rPr>
-                            <m:t>𝑙</m:t>
+                            <m:t>𝑣</m:t>
                           </m:r>
                         </m:e>
                         <m:sub>
                           <m:r>
-                            <a:rPr kumimoji="1" lang="en-US" altLang="ja-JP" sz="2400" b="0" i="1" smtClean="0">
+                            <a:rPr kumimoji="1" lang="en-US" altLang="ja-JP" sz="3200" b="0" i="1" smtClean="0">
                               <a:latin typeface="Cambria Math" panose="02040503050406030204" pitchFamily="18" charset="0"/>
                             </a:rPr>
                             <m:t>𝐴</m:t>
@@ -1661,7 +1284,7 @@
                     </m:oMath>
                   </m:oMathPara>
                 </a14:m>
-                <a:endParaRPr kumimoji="1" lang="ja-JP" altLang="en-US" sz="2400" dirty="0"/>
+                <a:endParaRPr kumimoji="1" lang="ja-JP" altLang="en-US" sz="3200" dirty="0"/>
               </a:p>
             </p:txBody>
           </p:sp>
@@ -1669,10 +1292,10 @@
         <mc:Fallback>
           <p:sp>
             <p:nvSpPr>
-              <p:cNvPr id="45" name="テキスト ボックス 44">
+              <p:cNvPr id="13" name="テキスト ボックス 12">
                 <a:extLst>
                   <a:ext uri="{FF2B5EF4-FFF2-40B4-BE49-F238E27FC236}">
-                    <a16:creationId xmlns:a16="http://schemas.microsoft.com/office/drawing/2014/main" id="{3955550E-7E1E-9190-4EF0-BC90BB3AA406}"/>
+                    <a16:creationId xmlns:a16="http://schemas.microsoft.com/office/drawing/2014/main" id="{69BB2C8E-7965-B759-2D79-E154C4BF34B6}"/>
                   </a:ext>
                 </a:extLst>
               </p:cNvPr>
@@ -1683,8 +1306,8 @@
             </p:nvSpPr>
             <p:spPr>
               <a:xfrm>
-                <a:off x="4256594" y="1552079"/>
-                <a:ext cx="315406" cy="369332"/>
+                <a:off x="5968874" y="1962456"/>
+                <a:ext cx="625993" cy="604277"/>
               </a:xfrm>
               <a:prstGeom prst="rect">
                 <a:avLst/>
@@ -1692,798 +1315,7 @@
               <a:blipFill>
                 <a:blip r:embed="rId6"/>
                 <a:stretch>
-                  <a:fillRect l="-24000" r="-8000" b="-13333"/>
-                </a:stretch>
-              </a:blipFill>
-            </p:spPr>
-            <p:txBody>
-              <a:bodyPr/>
-              <a:lstStyle/>
-              <a:p>
-                <a:r>
-                  <a:rPr lang="ja-JP" altLang="en-US">
-                    <a:noFill/>
-                  </a:rPr>
-                  <a:t> </a:t>
-                </a:r>
-              </a:p>
-            </p:txBody>
-          </p:sp>
-        </mc:Fallback>
-      </mc:AlternateContent>
-      <p:cxnSp>
-        <p:nvCxnSpPr>
-          <p:cNvPr id="48" name="直線矢印コネクタ 47">
-            <a:extLst>
-              <a:ext uri="{FF2B5EF4-FFF2-40B4-BE49-F238E27FC236}">
-                <a16:creationId xmlns:a16="http://schemas.microsoft.com/office/drawing/2014/main" id="{BC42BF87-FEC6-9C58-6F61-FC970749CF0C}"/>
-              </a:ext>
-            </a:extLst>
-          </p:cNvPr>
-          <p:cNvCxnSpPr>
-            <a:cxnSpLocks/>
-            <a:endCxn id="39" idx="0"/>
-          </p:cNvCxnSpPr>
-          <p:nvPr/>
-        </p:nvCxnSpPr>
-        <p:spPr>
-          <a:xfrm>
-            <a:off x="6918664" y="2060848"/>
-            <a:ext cx="0" cy="657493"/>
-          </a:xfrm>
-          <a:prstGeom prst="straightConnector1">
-            <a:avLst/>
-          </a:prstGeom>
-          <a:ln w="9525">
-            <a:solidFill>
-              <a:schemeClr val="tx1"/>
-            </a:solidFill>
-            <a:headEnd type="none" w="med" len="med"/>
-            <a:tailEnd type="none" w="med" len="med"/>
-          </a:ln>
-          <a:effectLst/>
-        </p:spPr>
-        <p:style>
-          <a:lnRef idx="2">
-            <a:schemeClr val="accent1"/>
-          </a:lnRef>
-          <a:fillRef idx="0">
-            <a:schemeClr val="accent1"/>
-          </a:fillRef>
-          <a:effectRef idx="1">
-            <a:schemeClr val="accent1"/>
-          </a:effectRef>
-          <a:fontRef idx="minor">
-            <a:schemeClr val="tx1"/>
-          </a:fontRef>
-        </p:style>
-      </p:cxnSp>
-      <mc:AlternateContent xmlns:mc="http://schemas.openxmlformats.org/markup-compatibility/2006">
-        <mc:Choice xmlns:a14="http://schemas.microsoft.com/office/drawing/2010/main" Requires="a14">
-          <p:sp>
-            <p:nvSpPr>
-              <p:cNvPr id="54" name="テキスト ボックス 53">
-                <a:extLst>
-                  <a:ext uri="{FF2B5EF4-FFF2-40B4-BE49-F238E27FC236}">
-                    <a16:creationId xmlns:a16="http://schemas.microsoft.com/office/drawing/2014/main" id="{78FD95D3-A76E-46A5-E573-7BF01C9E62CD}"/>
-                  </a:ext>
-                </a:extLst>
-              </p:cNvPr>
-              <p:cNvSpPr txBox="1"/>
-              <p:nvPr/>
-            </p:nvSpPr>
-            <p:spPr>
-              <a:xfrm>
-                <a:off x="7027215" y="2165613"/>
-                <a:ext cx="337785" cy="369332"/>
-              </a:xfrm>
-              <a:prstGeom prst="rect">
-                <a:avLst/>
-              </a:prstGeom>
-              <a:noFill/>
-            </p:spPr>
-            <p:txBody>
-              <a:bodyPr wrap="none" lIns="0" tIns="0" rIns="0" bIns="0" rtlCol="0">
-                <a:spAutoFit/>
-              </a:bodyPr>
-              <a:lstStyle/>
-              <a:p>
-                <a14:m>
-                  <m:oMathPara xmlns:m="http://schemas.openxmlformats.org/officeDocument/2006/math">
-                    <m:oMathParaPr>
-                      <m:jc m:val="centerGroup"/>
-                    </m:oMathParaPr>
-                    <m:oMath xmlns:m="http://schemas.openxmlformats.org/officeDocument/2006/math">
-                      <m:sSub>
-                        <m:sSubPr>
-                          <m:ctrlPr>
-                            <a:rPr kumimoji="1" lang="en-US" altLang="ja-JP" sz="2400" b="0" i="1" smtClean="0">
-                              <a:latin typeface="Cambria Math" panose="02040503050406030204" pitchFamily="18" charset="0"/>
-                            </a:rPr>
-                          </m:ctrlPr>
-                        </m:sSubPr>
-                        <m:e>
-                          <m:r>
-                            <a:rPr kumimoji="1" lang="en-US" altLang="ja-JP" sz="2400" b="0" i="1" smtClean="0">
-                              <a:latin typeface="Cambria Math" panose="02040503050406030204" pitchFamily="18" charset="0"/>
-                            </a:rPr>
-                            <m:t>𝑙</m:t>
-                          </m:r>
-                        </m:e>
-                        <m:sub>
-                          <m:r>
-                            <a:rPr kumimoji="1" lang="en-US" altLang="ja-JP" sz="2400" b="0" i="1" smtClean="0">
-                              <a:latin typeface="Cambria Math" panose="02040503050406030204" pitchFamily="18" charset="0"/>
-                            </a:rPr>
-                            <m:t>𝐵</m:t>
-                          </m:r>
-                        </m:sub>
-                      </m:sSub>
-                    </m:oMath>
-                  </m:oMathPara>
-                </a14:m>
-                <a:endParaRPr kumimoji="1" lang="ja-JP" altLang="en-US" sz="2400" dirty="0"/>
-              </a:p>
-            </p:txBody>
-          </p:sp>
-        </mc:Choice>
-        <mc:Fallback>
-          <p:sp>
-            <p:nvSpPr>
-              <p:cNvPr id="54" name="テキスト ボックス 53">
-                <a:extLst>
-                  <a:ext uri="{FF2B5EF4-FFF2-40B4-BE49-F238E27FC236}">
-                    <a16:creationId xmlns:a16="http://schemas.microsoft.com/office/drawing/2014/main" id="{78FD95D3-A76E-46A5-E573-7BF01C9E62CD}"/>
-                  </a:ext>
-                </a:extLst>
-              </p:cNvPr>
-              <p:cNvSpPr txBox="1">
-                <a:spLocks noRot="1" noChangeAspect="1" noMove="1" noResize="1" noEditPoints="1" noAdjustHandles="1" noChangeArrowheads="1" noChangeShapeType="1" noTextEdit="1"/>
-              </p:cNvSpPr>
-              <p:nvPr/>
-            </p:nvSpPr>
-            <p:spPr>
-              <a:xfrm>
-                <a:off x="7027215" y="2165613"/>
-                <a:ext cx="337785" cy="369332"/>
-              </a:xfrm>
-              <a:prstGeom prst="rect">
-                <a:avLst/>
-              </a:prstGeom>
-              <a:blipFill>
-                <a:blip r:embed="rId7"/>
-                <a:stretch>
-                  <a:fillRect l="-22222" r="-7407" b="-16667"/>
-                </a:stretch>
-              </a:blipFill>
-            </p:spPr>
-            <p:txBody>
-              <a:bodyPr/>
-              <a:lstStyle/>
-              <a:p>
-                <a:r>
-                  <a:rPr lang="ja-JP" altLang="en-US">
-                    <a:noFill/>
-                  </a:rPr>
-                  <a:t> </a:t>
-                </a:r>
-              </a:p>
-            </p:txBody>
-          </p:sp>
-        </mc:Fallback>
-      </mc:AlternateContent>
-      <mc:AlternateContent xmlns:mc="http://schemas.openxmlformats.org/markup-compatibility/2006">
-        <mc:Choice xmlns:a14="http://schemas.microsoft.com/office/drawing/2010/main" Requires="a14">
-          <p:sp>
-            <p:nvSpPr>
-              <p:cNvPr id="55" name="テキスト ボックス 54">
-                <a:extLst>
-                  <a:ext uri="{FF2B5EF4-FFF2-40B4-BE49-F238E27FC236}">
-                    <a16:creationId xmlns:a16="http://schemas.microsoft.com/office/drawing/2014/main" id="{CA18BD86-F809-F006-B2C0-FDDDEF7634C6}"/>
-                  </a:ext>
-                </a:extLst>
-              </p:cNvPr>
-              <p:cNvSpPr txBox="1"/>
-              <p:nvPr/>
-            </p:nvSpPr>
-            <p:spPr>
-              <a:xfrm>
-                <a:off x="6227718" y="2089758"/>
-                <a:ext cx="241733" cy="369332"/>
-              </a:xfrm>
-              <a:prstGeom prst="rect">
-                <a:avLst/>
-              </a:prstGeom>
-              <a:noFill/>
-            </p:spPr>
-            <p:txBody>
-              <a:bodyPr wrap="none" lIns="0" tIns="0" rIns="0" bIns="0" rtlCol="0">
-                <a:spAutoFit/>
-              </a:bodyPr>
-              <a:lstStyle/>
-              <a:p>
-                <a14:m>
-                  <m:oMathPara xmlns:m="http://schemas.openxmlformats.org/officeDocument/2006/math">
-                    <m:oMathParaPr>
-                      <m:jc m:val="centerGroup"/>
-                    </m:oMathParaPr>
-                    <m:oMath xmlns:m="http://schemas.openxmlformats.org/officeDocument/2006/math">
-                      <m:r>
-                        <a:rPr kumimoji="1" lang="en-US" altLang="ja-JP" sz="2400" b="0" i="1" smtClean="0">
-                          <a:latin typeface="Cambria Math" panose="02040503050406030204" pitchFamily="18" charset="0"/>
-                        </a:rPr>
-                        <m:t>𝑥</m:t>
-                      </m:r>
-                    </m:oMath>
-                  </m:oMathPara>
-                </a14:m>
-                <a:endParaRPr kumimoji="1" lang="ja-JP" altLang="en-US" sz="2400" dirty="0"/>
-              </a:p>
-            </p:txBody>
-          </p:sp>
-        </mc:Choice>
-        <mc:Fallback>
-          <p:sp>
-            <p:nvSpPr>
-              <p:cNvPr id="55" name="テキスト ボックス 54">
-                <a:extLst>
-                  <a:ext uri="{FF2B5EF4-FFF2-40B4-BE49-F238E27FC236}">
-                    <a16:creationId xmlns:a16="http://schemas.microsoft.com/office/drawing/2014/main" id="{CA18BD86-F809-F006-B2C0-FDDDEF7634C6}"/>
-                  </a:ext>
-                </a:extLst>
-              </p:cNvPr>
-              <p:cNvSpPr txBox="1">
-                <a:spLocks noRot="1" noChangeAspect="1" noMove="1" noResize="1" noEditPoints="1" noAdjustHandles="1" noChangeArrowheads="1" noChangeShapeType="1" noTextEdit="1"/>
-              </p:cNvSpPr>
-              <p:nvPr/>
-            </p:nvSpPr>
-            <p:spPr>
-              <a:xfrm>
-                <a:off x="6227718" y="2089758"/>
-                <a:ext cx="241733" cy="369332"/>
-              </a:xfrm>
-              <a:prstGeom prst="rect">
-                <a:avLst/>
-              </a:prstGeom>
-              <a:blipFill>
-                <a:blip r:embed="rId8"/>
-                <a:stretch>
-                  <a:fillRect l="-15000" r="-10000"/>
-                </a:stretch>
-              </a:blipFill>
-            </p:spPr>
-            <p:txBody>
-              <a:bodyPr/>
-              <a:lstStyle/>
-              <a:p>
-                <a:r>
-                  <a:rPr lang="ja-JP" altLang="en-US">
-                    <a:noFill/>
-                  </a:rPr>
-                  <a:t> </a:t>
-                </a:r>
-              </a:p>
-            </p:txBody>
-          </p:sp>
-        </mc:Fallback>
-      </mc:AlternateContent>
-      <mc:AlternateContent xmlns:mc="http://schemas.openxmlformats.org/markup-compatibility/2006">
-        <mc:Choice xmlns:a14="http://schemas.microsoft.com/office/drawing/2010/main" Requires="a14">
-          <p:sp>
-            <p:nvSpPr>
-              <p:cNvPr id="56" name="テキスト ボックス 55">
-                <a:extLst>
-                  <a:ext uri="{FF2B5EF4-FFF2-40B4-BE49-F238E27FC236}">
-                    <a16:creationId xmlns:a16="http://schemas.microsoft.com/office/drawing/2014/main" id="{71B11105-DFA9-198D-637A-155C84F7CD37}"/>
-                  </a:ext>
-                </a:extLst>
-              </p:cNvPr>
-              <p:cNvSpPr txBox="1"/>
-              <p:nvPr/>
-            </p:nvSpPr>
-            <p:spPr>
-              <a:xfrm>
-                <a:off x="6785482" y="1642356"/>
-                <a:ext cx="238720" cy="369332"/>
-              </a:xfrm>
-              <a:prstGeom prst="rect">
-                <a:avLst/>
-              </a:prstGeom>
-              <a:noFill/>
-            </p:spPr>
-            <p:txBody>
-              <a:bodyPr wrap="none" lIns="0" tIns="0" rIns="0" bIns="0" rtlCol="0">
-                <a:spAutoFit/>
-              </a:bodyPr>
-              <a:lstStyle/>
-              <a:p>
-                <a14:m>
-                  <m:oMathPara xmlns:m="http://schemas.openxmlformats.org/officeDocument/2006/math">
-                    <m:oMathParaPr>
-                      <m:jc m:val="centerGroup"/>
-                    </m:oMathParaPr>
-                    <m:oMath xmlns:m="http://schemas.openxmlformats.org/officeDocument/2006/math">
-                      <m:r>
-                        <a:rPr kumimoji="1" lang="en-US" altLang="ja-JP" sz="2400" b="0" i="1" smtClean="0">
-                          <a:latin typeface="Cambria Math" panose="02040503050406030204" pitchFamily="18" charset="0"/>
-                        </a:rPr>
-                        <m:t>𝐿</m:t>
-                      </m:r>
-                    </m:oMath>
-                  </m:oMathPara>
-                </a14:m>
-                <a:endParaRPr kumimoji="1" lang="ja-JP" altLang="en-US" sz="2400" dirty="0"/>
-              </a:p>
-            </p:txBody>
-          </p:sp>
-        </mc:Choice>
-        <mc:Fallback>
-          <p:sp>
-            <p:nvSpPr>
-              <p:cNvPr id="56" name="テキスト ボックス 55">
-                <a:extLst>
-                  <a:ext uri="{FF2B5EF4-FFF2-40B4-BE49-F238E27FC236}">
-                    <a16:creationId xmlns:a16="http://schemas.microsoft.com/office/drawing/2014/main" id="{71B11105-DFA9-198D-637A-155C84F7CD37}"/>
-                  </a:ext>
-                </a:extLst>
-              </p:cNvPr>
-              <p:cNvSpPr txBox="1">
-                <a:spLocks noRot="1" noChangeAspect="1" noMove="1" noResize="1" noEditPoints="1" noAdjustHandles="1" noChangeArrowheads="1" noChangeShapeType="1" noTextEdit="1"/>
-              </p:cNvSpPr>
-              <p:nvPr/>
-            </p:nvSpPr>
-            <p:spPr>
-              <a:xfrm>
-                <a:off x="6785482" y="1642356"/>
-                <a:ext cx="238720" cy="369332"/>
-              </a:xfrm>
-              <a:prstGeom prst="rect">
-                <a:avLst/>
-              </a:prstGeom>
-              <a:blipFill>
-                <a:blip r:embed="rId9"/>
-                <a:stretch>
-                  <a:fillRect l="-31579" r="-31579" b="-6667"/>
-                </a:stretch>
-              </a:blipFill>
-            </p:spPr>
-            <p:txBody>
-              <a:bodyPr/>
-              <a:lstStyle/>
-              <a:p>
-                <a:r>
-                  <a:rPr lang="ja-JP" altLang="en-US">
-                    <a:noFill/>
-                  </a:rPr>
-                  <a:t> </a:t>
-                </a:r>
-              </a:p>
-            </p:txBody>
-          </p:sp>
-        </mc:Fallback>
-      </mc:AlternateContent>
-    </p:spTree>
-    <p:extLst>
-      <p:ext uri="{BB962C8B-B14F-4D97-AF65-F5344CB8AC3E}">
-        <p14:creationId xmlns:p14="http://schemas.microsoft.com/office/powerpoint/2010/main" val="3270609545"/>
-      </p:ext>
-    </p:extLst>
-  </p:cSld>
-  <p:clrMapOvr>
-    <a:masterClrMapping/>
-  </p:clrMapOvr>
-</p:sld>
-</file>
-
-<file path=ppt/slides/slide2.xml><?xml version="1.0" encoding="utf-8"?>
-<p:sld xmlns:a="http://schemas.openxmlformats.org/drawingml/2006/main" xmlns:r="http://schemas.openxmlformats.org/officeDocument/2006/relationships" xmlns:p="http://schemas.openxmlformats.org/presentationml/2006/main">
-  <p:cSld>
-    <p:spTree>
-      <p:nvGrpSpPr>
-        <p:cNvPr id="1" name=""/>
-        <p:cNvGrpSpPr/>
-        <p:nvPr/>
-      </p:nvGrpSpPr>
-      <p:grpSpPr>
-        <a:xfrm>
-          <a:off x="0" y="0"/>
-          <a:ext cx="0" cy="0"/>
-          <a:chOff x="0" y="0"/>
-          <a:chExt cx="0" cy="0"/>
-        </a:xfrm>
-      </p:grpSpPr>
-      <p:cxnSp>
-        <p:nvCxnSpPr>
-          <p:cNvPr id="4" name="直線矢印コネクタ 3">
-            <a:extLst>
-              <a:ext uri="{FF2B5EF4-FFF2-40B4-BE49-F238E27FC236}">
-                <a16:creationId xmlns:a16="http://schemas.microsoft.com/office/drawing/2014/main" id="{ED2FC934-4877-C39E-653D-A9FF08F855AE}"/>
-              </a:ext>
-            </a:extLst>
-          </p:cNvPr>
-          <p:cNvCxnSpPr>
-            <a:cxnSpLocks/>
-          </p:cNvCxnSpPr>
-          <p:nvPr/>
-        </p:nvCxnSpPr>
-        <p:spPr>
-          <a:xfrm flipV="1">
-            <a:off x="1015366" y="2702632"/>
-            <a:ext cx="4404586" cy="6288"/>
-          </a:xfrm>
-          <a:prstGeom prst="straightConnector1">
-            <a:avLst/>
-          </a:prstGeom>
-          <a:ln w="9525">
-            <a:solidFill>
-              <a:schemeClr val="tx1"/>
-            </a:solidFill>
-            <a:headEnd type="none" w="med" len="med"/>
-            <a:tailEnd type="none" w="med" len="med"/>
-          </a:ln>
-          <a:effectLst/>
-        </p:spPr>
-        <p:style>
-          <a:lnRef idx="2">
-            <a:schemeClr val="accent1"/>
-          </a:lnRef>
-          <a:fillRef idx="0">
-            <a:schemeClr val="accent1"/>
-          </a:fillRef>
-          <a:effectRef idx="1">
-            <a:schemeClr val="accent1"/>
-          </a:effectRef>
-          <a:fontRef idx="minor">
-            <a:schemeClr val="tx1"/>
-          </a:fontRef>
-        </p:style>
-      </p:cxnSp>
-      <p:cxnSp>
-        <p:nvCxnSpPr>
-          <p:cNvPr id="5" name="直線矢印コネクタ 4">
-            <a:extLst>
-              <a:ext uri="{FF2B5EF4-FFF2-40B4-BE49-F238E27FC236}">
-                <a16:creationId xmlns:a16="http://schemas.microsoft.com/office/drawing/2014/main" id="{5C9095DA-7B3C-519C-B95B-1CEC62479987}"/>
-              </a:ext>
-            </a:extLst>
-          </p:cNvPr>
-          <p:cNvCxnSpPr/>
-          <p:nvPr/>
-        </p:nvCxnSpPr>
-        <p:spPr>
-          <a:xfrm flipV="1">
-            <a:off x="4384658" y="611338"/>
-            <a:ext cx="0" cy="3875857"/>
-          </a:xfrm>
-          <a:prstGeom prst="straightConnector1">
-            <a:avLst/>
-          </a:prstGeom>
-          <a:ln w="9525">
-            <a:solidFill>
-              <a:schemeClr val="tx1"/>
-            </a:solidFill>
-            <a:headEnd type="none"/>
-            <a:tailEnd type="triangle"/>
-          </a:ln>
-          <a:effectLst/>
-        </p:spPr>
-        <p:style>
-          <a:lnRef idx="2">
-            <a:schemeClr val="accent1"/>
-          </a:lnRef>
-          <a:fillRef idx="0">
-            <a:schemeClr val="accent1"/>
-          </a:fillRef>
-          <a:effectRef idx="1">
-            <a:schemeClr val="accent1"/>
-          </a:effectRef>
-          <a:fontRef idx="minor">
-            <a:schemeClr val="tx1"/>
-          </a:fontRef>
-        </p:style>
-      </p:cxnSp>
-      <p:cxnSp>
-        <p:nvCxnSpPr>
-          <p:cNvPr id="6" name="直線コネクタ 5">
-            <a:extLst>
-              <a:ext uri="{FF2B5EF4-FFF2-40B4-BE49-F238E27FC236}">
-                <a16:creationId xmlns:a16="http://schemas.microsoft.com/office/drawing/2014/main" id="{8067FAB5-5D5E-C48E-6C96-54A92F6B9396}"/>
-              </a:ext>
-            </a:extLst>
-          </p:cNvPr>
-          <p:cNvCxnSpPr>
-            <a:cxnSpLocks/>
-          </p:cNvCxnSpPr>
-          <p:nvPr/>
-        </p:nvCxnSpPr>
-        <p:spPr>
-          <a:xfrm>
-            <a:off x="1015366" y="1441542"/>
-            <a:ext cx="3369292" cy="1261090"/>
-          </a:xfrm>
-          <a:prstGeom prst="line">
-            <a:avLst/>
-          </a:prstGeom>
-          <a:ln w="9525">
-            <a:solidFill>
-              <a:schemeClr val="tx1"/>
-            </a:solidFill>
-            <a:headEnd type="none"/>
-            <a:tailEnd type="none"/>
-          </a:ln>
-          <a:effectLst/>
-        </p:spPr>
-        <p:style>
-          <a:lnRef idx="2">
-            <a:schemeClr val="accent1"/>
-          </a:lnRef>
-          <a:fillRef idx="0">
-            <a:schemeClr val="accent1"/>
-          </a:fillRef>
-          <a:effectRef idx="1">
-            <a:schemeClr val="accent1"/>
-          </a:effectRef>
-          <a:fontRef idx="minor">
-            <a:schemeClr val="tx1"/>
-          </a:fontRef>
-        </p:style>
-      </p:cxnSp>
-      <p:cxnSp>
-        <p:nvCxnSpPr>
-          <p:cNvPr id="8" name="直線コネクタ 7">
-            <a:extLst>
-              <a:ext uri="{FF2B5EF4-FFF2-40B4-BE49-F238E27FC236}">
-                <a16:creationId xmlns:a16="http://schemas.microsoft.com/office/drawing/2014/main" id="{BD59905F-151B-94E9-DD14-2651400F97A4}"/>
-              </a:ext>
-            </a:extLst>
-          </p:cNvPr>
-          <p:cNvCxnSpPr>
-            <a:cxnSpLocks/>
-          </p:cNvCxnSpPr>
-          <p:nvPr/>
-        </p:nvCxnSpPr>
-        <p:spPr>
-          <a:xfrm>
-            <a:off x="4375597" y="2702632"/>
-            <a:ext cx="1044356" cy="1483521"/>
-          </a:xfrm>
-          <a:prstGeom prst="line">
-            <a:avLst/>
-          </a:prstGeom>
-          <a:ln w="9525">
-            <a:solidFill>
-              <a:schemeClr val="tx1"/>
-            </a:solidFill>
-            <a:headEnd type="none"/>
-            <a:tailEnd type="none"/>
-          </a:ln>
-          <a:effectLst/>
-        </p:spPr>
-        <p:style>
-          <a:lnRef idx="2">
-            <a:schemeClr val="accent1"/>
-          </a:lnRef>
-          <a:fillRef idx="0">
-            <a:schemeClr val="accent1"/>
-          </a:fillRef>
-          <a:effectRef idx="1">
-            <a:schemeClr val="accent1"/>
-          </a:effectRef>
-          <a:fontRef idx="minor">
-            <a:schemeClr val="tx1"/>
-          </a:fontRef>
-        </p:style>
-      </p:cxnSp>
-      <mc:AlternateContent xmlns:mc="http://schemas.openxmlformats.org/markup-compatibility/2006">
-        <mc:Choice xmlns:a14="http://schemas.microsoft.com/office/drawing/2010/main" Requires="a14">
-          <p:sp>
-            <p:nvSpPr>
-              <p:cNvPr id="11" name="テキスト ボックス 10">
-                <a:extLst>
-                  <a:ext uri="{FF2B5EF4-FFF2-40B4-BE49-F238E27FC236}">
-                    <a16:creationId xmlns:a16="http://schemas.microsoft.com/office/drawing/2014/main" id="{72226681-1F13-D46F-8B70-C5C30CF0749E}"/>
-                  </a:ext>
-                </a:extLst>
-              </p:cNvPr>
-              <p:cNvSpPr txBox="1"/>
-              <p:nvPr/>
-            </p:nvSpPr>
-            <p:spPr>
-              <a:xfrm>
-                <a:off x="4326891" y="1707091"/>
-                <a:ext cx="668405" cy="369332"/>
-              </a:xfrm>
-              <a:prstGeom prst="rect">
-                <a:avLst/>
-              </a:prstGeom>
-              <a:noFill/>
-            </p:spPr>
-            <p:txBody>
-              <a:bodyPr wrap="square" lIns="0" tIns="0" rIns="0" bIns="0" rtlCol="0">
-                <a:spAutoFit/>
-              </a:bodyPr>
-              <a:lstStyle/>
-              <a:p>
-                <a14:m>
-                  <m:oMathPara xmlns:m="http://schemas.openxmlformats.org/officeDocument/2006/math">
-                    <m:oMathParaPr>
-                      <m:jc m:val="centerGroup"/>
-                    </m:oMathParaPr>
-                    <m:oMath xmlns:m="http://schemas.openxmlformats.org/officeDocument/2006/math">
-                      <m:sSub>
-                        <m:sSubPr>
-                          <m:ctrlPr>
-                            <a:rPr kumimoji="1" lang="en-US" altLang="ja-JP" sz="2400" b="0" i="1" smtClean="0">
-                              <a:latin typeface="Cambria Math" panose="02040503050406030204" pitchFamily="18" charset="0"/>
-                            </a:rPr>
-                          </m:ctrlPr>
-                        </m:sSubPr>
-                        <m:e>
-                          <m:r>
-                            <a:rPr kumimoji="1" lang="en-US" altLang="ja-JP" sz="2400" b="0" i="1" smtClean="0">
-                              <a:latin typeface="Cambria Math" panose="02040503050406030204" pitchFamily="18" charset="0"/>
-                            </a:rPr>
-                            <m:t>𝑙</m:t>
-                          </m:r>
-                        </m:e>
-                        <m:sub>
-                          <m:r>
-                            <a:rPr kumimoji="1" lang="en-US" altLang="ja-JP" sz="2400" b="0" i="1" smtClean="0">
-                              <a:latin typeface="Cambria Math" panose="02040503050406030204" pitchFamily="18" charset="0"/>
-                            </a:rPr>
-                            <m:t>𝐴</m:t>
-                          </m:r>
-                        </m:sub>
-                      </m:sSub>
-                    </m:oMath>
-                  </m:oMathPara>
-                </a14:m>
-                <a:endParaRPr kumimoji="1" lang="ja-JP" altLang="en-US" sz="2400" dirty="0"/>
-              </a:p>
-            </p:txBody>
-          </p:sp>
-        </mc:Choice>
-        <mc:Fallback>
-          <p:sp>
-            <p:nvSpPr>
-              <p:cNvPr id="11" name="テキスト ボックス 10">
-                <a:extLst>
-                  <a:ext uri="{FF2B5EF4-FFF2-40B4-BE49-F238E27FC236}">
-                    <a16:creationId xmlns:a16="http://schemas.microsoft.com/office/drawing/2014/main" id="{72226681-1F13-D46F-8B70-C5C30CF0749E}"/>
-                  </a:ext>
-                </a:extLst>
-              </p:cNvPr>
-              <p:cNvSpPr txBox="1">
-                <a:spLocks noRot="1" noChangeAspect="1" noMove="1" noResize="1" noEditPoints="1" noAdjustHandles="1" noChangeArrowheads="1" noChangeShapeType="1" noTextEdit="1"/>
-              </p:cNvSpPr>
-              <p:nvPr/>
-            </p:nvSpPr>
-            <p:spPr>
-              <a:xfrm>
-                <a:off x="4326891" y="1707091"/>
-                <a:ext cx="668405" cy="369332"/>
-              </a:xfrm>
-              <a:prstGeom prst="rect">
-                <a:avLst/>
-              </a:prstGeom>
-              <a:blipFill>
-                <a:blip r:embed="rId2"/>
-                <a:stretch>
-                  <a:fillRect b="-13333"/>
-                </a:stretch>
-              </a:blipFill>
-            </p:spPr>
-            <p:txBody>
-              <a:bodyPr/>
-              <a:lstStyle/>
-              <a:p>
-                <a:r>
-                  <a:rPr lang="ja-JP" altLang="en-US">
-                    <a:noFill/>
-                  </a:rPr>
-                  <a:t> </a:t>
-                </a:r>
-              </a:p>
-            </p:txBody>
-          </p:sp>
-        </mc:Fallback>
-      </mc:AlternateContent>
-      <mc:AlternateContent xmlns:mc="http://schemas.openxmlformats.org/markup-compatibility/2006">
-        <mc:Choice xmlns:a14="http://schemas.microsoft.com/office/drawing/2010/main" Requires="a14">
-          <p:sp>
-            <p:nvSpPr>
-              <p:cNvPr id="13" name="テキスト ボックス 12">
-                <a:extLst>
-                  <a:ext uri="{FF2B5EF4-FFF2-40B4-BE49-F238E27FC236}">
-                    <a16:creationId xmlns:a16="http://schemas.microsoft.com/office/drawing/2014/main" id="{5C7BB246-CA3B-661C-DA7B-5A1FEDB094CA}"/>
-                  </a:ext>
-                </a:extLst>
-              </p:cNvPr>
-              <p:cNvSpPr txBox="1"/>
-              <p:nvPr/>
-            </p:nvSpPr>
-            <p:spPr>
-              <a:xfrm>
-                <a:off x="3841123" y="3272976"/>
-                <a:ext cx="554464" cy="369332"/>
-              </a:xfrm>
-              <a:prstGeom prst="rect">
-                <a:avLst/>
-              </a:prstGeom>
-              <a:noFill/>
-            </p:spPr>
-            <p:txBody>
-              <a:bodyPr wrap="square" lIns="0" tIns="0" rIns="0" bIns="0" rtlCol="0">
-                <a:spAutoFit/>
-              </a:bodyPr>
-              <a:lstStyle/>
-              <a:p>
-                <a14:m>
-                  <m:oMathPara xmlns:m="http://schemas.openxmlformats.org/officeDocument/2006/math">
-                    <m:oMathParaPr>
-                      <m:jc m:val="centerGroup"/>
-                    </m:oMathParaPr>
-                    <m:oMath xmlns:m="http://schemas.openxmlformats.org/officeDocument/2006/math">
-                      <m:sSub>
-                        <m:sSubPr>
-                          <m:ctrlPr>
-                            <a:rPr kumimoji="1" lang="en-US" altLang="ja-JP" sz="2400" b="0" i="1" smtClean="0">
-                              <a:latin typeface="Cambria Math" panose="02040503050406030204" pitchFamily="18" charset="0"/>
-                            </a:rPr>
-                          </m:ctrlPr>
-                        </m:sSubPr>
-                        <m:e>
-                          <m:r>
-                            <a:rPr kumimoji="1" lang="en-US" altLang="ja-JP" sz="2400" b="0" i="1" smtClean="0">
-                              <a:latin typeface="Cambria Math" panose="02040503050406030204" pitchFamily="18" charset="0"/>
-                            </a:rPr>
-                            <m:t>𝑙</m:t>
-                          </m:r>
-                        </m:e>
-                        <m:sub>
-                          <m:r>
-                            <a:rPr kumimoji="1" lang="en-US" altLang="ja-JP" sz="2400" b="0" i="1" smtClean="0">
-                              <a:latin typeface="Cambria Math" panose="02040503050406030204" pitchFamily="18" charset="0"/>
-                            </a:rPr>
-                            <m:t>𝐵</m:t>
-                          </m:r>
-                        </m:sub>
-                      </m:sSub>
-                    </m:oMath>
-                  </m:oMathPara>
-                </a14:m>
-                <a:endParaRPr kumimoji="1" lang="ja-JP" altLang="en-US" sz="2400" dirty="0"/>
-              </a:p>
-            </p:txBody>
-          </p:sp>
-        </mc:Choice>
-        <mc:Fallback>
-          <p:sp>
-            <p:nvSpPr>
-              <p:cNvPr id="13" name="テキスト ボックス 12">
-                <a:extLst>
-                  <a:ext uri="{FF2B5EF4-FFF2-40B4-BE49-F238E27FC236}">
-                    <a16:creationId xmlns:a16="http://schemas.microsoft.com/office/drawing/2014/main" id="{5C7BB246-CA3B-661C-DA7B-5A1FEDB094CA}"/>
-                  </a:ext>
-                </a:extLst>
-              </p:cNvPr>
-              <p:cNvSpPr txBox="1">
-                <a:spLocks noRot="1" noChangeAspect="1" noMove="1" noResize="1" noEditPoints="1" noAdjustHandles="1" noChangeArrowheads="1" noChangeShapeType="1" noTextEdit="1"/>
-              </p:cNvSpPr>
-              <p:nvPr/>
-            </p:nvSpPr>
-            <p:spPr>
-              <a:xfrm>
-                <a:off x="3841123" y="3272976"/>
-                <a:ext cx="554464" cy="369332"/>
-              </a:xfrm>
-              <a:prstGeom prst="rect">
-                <a:avLst/>
-              </a:prstGeom>
-              <a:blipFill>
-                <a:blip r:embed="rId3"/>
-                <a:stretch>
-                  <a:fillRect b="-16667"/>
+                  <a:fillRect/>
                 </a:stretch>
               </a:blipFill>
             </p:spPr>
@@ -2509,7 +1341,7 @@
               <p:cNvPr id="14" name="テキスト ボックス 13">
                 <a:extLst>
                   <a:ext uri="{FF2B5EF4-FFF2-40B4-BE49-F238E27FC236}">
-                    <a16:creationId xmlns:a16="http://schemas.microsoft.com/office/drawing/2014/main" id="{A76FCFFA-A131-1754-8796-5767EEF70745}"/>
+                    <a16:creationId xmlns:a16="http://schemas.microsoft.com/office/drawing/2014/main" id="{6FAA7064-978C-A53C-57DC-8A1897D55E2A}"/>
                   </a:ext>
                 </a:extLst>
               </p:cNvPr>
@@ -2518,8 +1350,8 @@
             </p:nvSpPr>
             <p:spPr>
               <a:xfrm>
-                <a:off x="2555776" y="1005904"/>
-                <a:ext cx="475866" cy="727052"/>
+                <a:off x="2080991" y="3552953"/>
+                <a:ext cx="663209" cy="604277"/>
               </a:xfrm>
               <a:prstGeom prst="rect">
                 <a:avLst/>
@@ -2538,16 +1370,35 @@
                       <m:jc m:val="centerGroup"/>
                     </m:oMathParaPr>
                     <m:oMath xmlns:m="http://schemas.openxmlformats.org/officeDocument/2006/math">
-                      <m:r>
-                        <a:rPr kumimoji="1" lang="en-US" altLang="ja-JP" sz="2400" b="0" i="1" smtClean="0">
-                          <a:latin typeface="Cambria Math" panose="02040503050406030204" pitchFamily="18" charset="0"/>
-                        </a:rPr>
-                        <m:t>𝑥</m:t>
-                      </m:r>
+                      <m:sSub>
+                        <m:sSubPr>
+                          <m:ctrlPr>
+                            <a:rPr kumimoji="1" lang="en-US" altLang="ja-JP" sz="3200" b="0" i="1" smtClean="0">
+                              <a:latin typeface="Cambria Math" panose="02040503050406030204" pitchFamily="18" charset="0"/>
+                            </a:rPr>
+                          </m:ctrlPr>
+                        </m:sSubPr>
+                        <m:e>
+                          <m:r>
+                            <a:rPr kumimoji="1" lang="en-US" altLang="ja-JP" sz="3200" b="0" i="1" smtClean="0">
+                              <a:latin typeface="Cambria Math" panose="02040503050406030204" pitchFamily="18" charset="0"/>
+                            </a:rPr>
+                            <m:t>𝑣</m:t>
+                          </m:r>
+                        </m:e>
+                        <m:sub>
+                          <m:r>
+                            <a:rPr kumimoji="1" lang="en-US" altLang="ja-JP" sz="3200" b="0" i="1" smtClean="0">
+                              <a:latin typeface="Cambria Math" panose="02040503050406030204" pitchFamily="18" charset="0"/>
+                            </a:rPr>
+                            <m:t>𝐵</m:t>
+                          </m:r>
+                        </m:sub>
+                      </m:sSub>
                     </m:oMath>
                   </m:oMathPara>
                 </a14:m>
-                <a:endParaRPr kumimoji="1" lang="ja-JP" altLang="en-US" sz="2400" dirty="0"/>
+                <a:endParaRPr kumimoji="1" lang="ja-JP" altLang="en-US" sz="3200" dirty="0"/>
               </a:p>
             </p:txBody>
           </p:sp>
@@ -2558,7 +1409,7 @@
               <p:cNvPr id="14" name="テキスト ボックス 13">
                 <a:extLst>
                   <a:ext uri="{FF2B5EF4-FFF2-40B4-BE49-F238E27FC236}">
-                    <a16:creationId xmlns:a16="http://schemas.microsoft.com/office/drawing/2014/main" id="{A76FCFFA-A131-1754-8796-5767EEF70745}"/>
+                    <a16:creationId xmlns:a16="http://schemas.microsoft.com/office/drawing/2014/main" id="{6FAA7064-978C-A53C-57DC-8A1897D55E2A}"/>
                   </a:ext>
                 </a:extLst>
               </p:cNvPr>
@@ -2569,582 +1420,8 @@
             </p:nvSpPr>
             <p:spPr>
               <a:xfrm>
-                <a:off x="2555776" y="1005904"/>
-                <a:ext cx="475866" cy="727052"/>
-              </a:xfrm>
-              <a:prstGeom prst="rect">
-                <a:avLst/>
-              </a:prstGeom>
-              <a:blipFill>
-                <a:blip r:embed="rId4"/>
-                <a:stretch>
-                  <a:fillRect/>
-                </a:stretch>
-              </a:blipFill>
-            </p:spPr>
-            <p:txBody>
-              <a:bodyPr/>
-              <a:lstStyle/>
-              <a:p>
-                <a:r>
-                  <a:rPr lang="ja-JP" altLang="en-US">
-                    <a:noFill/>
-                  </a:rPr>
-                  <a:t> </a:t>
-                </a:r>
-              </a:p>
-            </p:txBody>
-          </p:sp>
-        </mc:Fallback>
-      </mc:AlternateContent>
-      <mc:AlternateContent xmlns:mc="http://schemas.openxmlformats.org/markup-compatibility/2006">
-        <mc:Choice xmlns:a14="http://schemas.microsoft.com/office/drawing/2010/main" Requires="a14">
-          <p:sp>
-            <p:nvSpPr>
-              <p:cNvPr id="15" name="テキスト ボックス 14">
-                <a:extLst>
-                  <a:ext uri="{FF2B5EF4-FFF2-40B4-BE49-F238E27FC236}">
-                    <a16:creationId xmlns:a16="http://schemas.microsoft.com/office/drawing/2014/main" id="{DB8AC21A-180F-B992-7A4C-CCD30F88577B}"/>
-                  </a:ext>
-                </a:extLst>
-              </p:cNvPr>
-              <p:cNvSpPr txBox="1"/>
-              <p:nvPr/>
-            </p:nvSpPr>
-            <p:spPr>
-              <a:xfrm>
-                <a:off x="4474354" y="4270717"/>
-                <a:ext cx="777585" cy="369332"/>
-              </a:xfrm>
-              <a:prstGeom prst="rect">
-                <a:avLst/>
-              </a:prstGeom>
-              <a:noFill/>
-            </p:spPr>
-            <p:txBody>
-              <a:bodyPr wrap="none" lIns="0" tIns="0" rIns="0" bIns="0" rtlCol="0">
-                <a:spAutoFit/>
-              </a:bodyPr>
-              <a:lstStyle/>
-              <a:p>
-                <a14:m>
-                  <m:oMathPara xmlns:m="http://schemas.openxmlformats.org/officeDocument/2006/math">
-                    <m:oMathParaPr>
-                      <m:jc m:val="centerGroup"/>
-                    </m:oMathParaPr>
-                    <m:oMath xmlns:m="http://schemas.openxmlformats.org/officeDocument/2006/math">
-                      <m:r>
-                        <a:rPr kumimoji="1" lang="en-US" altLang="ja-JP" sz="2400" b="0" i="1" smtClean="0">
-                          <a:latin typeface="Cambria Math" panose="02040503050406030204" pitchFamily="18" charset="0"/>
-                        </a:rPr>
-                        <m:t>𝐿</m:t>
-                      </m:r>
-                      <m:r>
-                        <a:rPr kumimoji="1" lang="en-US" altLang="ja-JP" sz="2400" b="0" i="1" smtClean="0">
-                          <a:latin typeface="Cambria Math" panose="02040503050406030204" pitchFamily="18" charset="0"/>
-                        </a:rPr>
-                        <m:t>−</m:t>
-                      </m:r>
-                      <m:r>
-                        <a:rPr kumimoji="1" lang="en-US" altLang="ja-JP" sz="2400" b="0" i="1" smtClean="0">
-                          <a:latin typeface="Cambria Math" panose="02040503050406030204" pitchFamily="18" charset="0"/>
-                        </a:rPr>
-                        <m:t>𝑥</m:t>
-                      </m:r>
-                    </m:oMath>
-                  </m:oMathPara>
-                </a14:m>
-                <a:endParaRPr kumimoji="1" lang="ja-JP" altLang="en-US" sz="2400" dirty="0"/>
-              </a:p>
-            </p:txBody>
-          </p:sp>
-        </mc:Choice>
-        <mc:Fallback>
-          <p:sp>
-            <p:nvSpPr>
-              <p:cNvPr id="15" name="テキスト ボックス 14">
-                <a:extLst>
-                  <a:ext uri="{FF2B5EF4-FFF2-40B4-BE49-F238E27FC236}">
-                    <a16:creationId xmlns:a16="http://schemas.microsoft.com/office/drawing/2014/main" id="{DB8AC21A-180F-B992-7A4C-CCD30F88577B}"/>
-                  </a:ext>
-                </a:extLst>
-              </p:cNvPr>
-              <p:cNvSpPr txBox="1">
-                <a:spLocks noRot="1" noChangeAspect="1" noMove="1" noResize="1" noEditPoints="1" noAdjustHandles="1" noChangeArrowheads="1" noChangeShapeType="1" noTextEdit="1"/>
-              </p:cNvSpPr>
-              <p:nvPr/>
-            </p:nvSpPr>
-            <p:spPr>
-              <a:xfrm>
-                <a:off x="4474354" y="4270717"/>
-                <a:ext cx="777585" cy="369332"/>
-              </a:xfrm>
-              <a:prstGeom prst="rect">
-                <a:avLst/>
-              </a:prstGeom>
-              <a:blipFill>
-                <a:blip r:embed="rId5"/>
-                <a:stretch>
-                  <a:fillRect l="-8065" r="-3226" b="-6667"/>
-                </a:stretch>
-              </a:blipFill>
-            </p:spPr>
-            <p:txBody>
-              <a:bodyPr/>
-              <a:lstStyle/>
-              <a:p>
-                <a:r>
-                  <a:rPr lang="ja-JP" altLang="en-US">
-                    <a:noFill/>
-                  </a:rPr>
-                  <a:t> </a:t>
-                </a:r>
-              </a:p>
-            </p:txBody>
-          </p:sp>
-        </mc:Fallback>
-      </mc:AlternateContent>
-      <p:sp>
-        <p:nvSpPr>
-          <p:cNvPr id="26" name="フリーフォーム 25">
-            <a:extLst>
-              <a:ext uri="{FF2B5EF4-FFF2-40B4-BE49-F238E27FC236}">
-                <a16:creationId xmlns:a16="http://schemas.microsoft.com/office/drawing/2014/main" id="{0B3C412F-125E-3872-BDAA-4422B4497425}"/>
-              </a:ext>
-            </a:extLst>
-          </p:cNvPr>
-          <p:cNvSpPr/>
-          <p:nvPr/>
-        </p:nvSpPr>
-        <p:spPr>
-          <a:xfrm>
-            <a:off x="4381500" y="2978150"/>
-            <a:ext cx="184150" cy="53996"/>
-          </a:xfrm>
-          <a:custGeom>
-            <a:avLst/>
-            <a:gdLst>
-              <a:gd name="connsiteX0" fmla="*/ 0 w 184150"/>
-              <a:gd name="connsiteY0" fmla="*/ 44450 h 53996"/>
-              <a:gd name="connsiteX1" fmla="*/ 82550 w 184150"/>
-              <a:gd name="connsiteY1" fmla="*/ 50800 h 53996"/>
-              <a:gd name="connsiteX2" fmla="*/ 184150 w 184150"/>
-              <a:gd name="connsiteY2" fmla="*/ 0 h 53996"/>
-            </a:gdLst>
-            <a:ahLst/>
-            <a:cxnLst>
-              <a:cxn ang="0">
-                <a:pos x="connsiteX0" y="connsiteY0"/>
-              </a:cxn>
-              <a:cxn ang="0">
-                <a:pos x="connsiteX1" y="connsiteY1"/>
-              </a:cxn>
-              <a:cxn ang="0">
-                <a:pos x="connsiteX2" y="connsiteY2"/>
-              </a:cxn>
-            </a:cxnLst>
-            <a:rect l="l" t="t" r="r" b="b"/>
-            <a:pathLst>
-              <a:path w="184150" h="53996">
-                <a:moveTo>
-                  <a:pt x="0" y="44450"/>
-                </a:moveTo>
-                <a:cubicBezTo>
-                  <a:pt x="25929" y="51329"/>
-                  <a:pt x="51858" y="58208"/>
-                  <a:pt x="82550" y="50800"/>
-                </a:cubicBezTo>
-                <a:cubicBezTo>
-                  <a:pt x="113242" y="43392"/>
-                  <a:pt x="148696" y="21696"/>
-                  <a:pt x="184150" y="0"/>
-                </a:cubicBezTo>
-              </a:path>
-            </a:pathLst>
-          </a:custGeom>
-          <a:noFill/>
-          <a:ln>
-            <a:solidFill>
-              <a:schemeClr val="tx1"/>
-            </a:solidFill>
-          </a:ln>
-        </p:spPr>
-        <p:txBody>
-          <a:bodyPr rtlCol="0" anchor="ctr"/>
-          <a:lstStyle/>
-          <a:p>
-            <a:pPr algn="ctr"/>
-            <a:endParaRPr kumimoji="1" lang="ja-JP" altLang="en-US"/>
-          </a:p>
-        </p:txBody>
-      </p:sp>
-      <mc:AlternateContent xmlns:mc="http://schemas.openxmlformats.org/markup-compatibility/2006">
-        <mc:Choice xmlns:a14="http://schemas.microsoft.com/office/drawing/2010/main" Requires="a14">
-          <p:sp>
-            <p:nvSpPr>
-              <p:cNvPr id="27" name="テキスト ボックス 26">
-                <a:extLst>
-                  <a:ext uri="{FF2B5EF4-FFF2-40B4-BE49-F238E27FC236}">
-                    <a16:creationId xmlns:a16="http://schemas.microsoft.com/office/drawing/2014/main" id="{3707BF5E-340B-0F2A-3601-097184F91D8C}"/>
-                  </a:ext>
-                </a:extLst>
-              </p:cNvPr>
-              <p:cNvSpPr txBox="1"/>
-              <p:nvPr/>
-            </p:nvSpPr>
-            <p:spPr>
-              <a:xfrm>
-                <a:off x="4326891" y="3086622"/>
-                <a:ext cx="554464" cy="369332"/>
-              </a:xfrm>
-              <a:prstGeom prst="rect">
-                <a:avLst/>
-              </a:prstGeom>
-              <a:noFill/>
-            </p:spPr>
-            <p:txBody>
-              <a:bodyPr wrap="square" lIns="0" tIns="0" rIns="0" bIns="0" rtlCol="0">
-                <a:spAutoFit/>
-              </a:bodyPr>
-              <a:lstStyle/>
-              <a:p>
-                <a14:m>
-                  <m:oMathPara xmlns:m="http://schemas.openxmlformats.org/officeDocument/2006/math">
-                    <m:oMathParaPr>
-                      <m:jc m:val="centerGroup"/>
-                    </m:oMathParaPr>
-                    <m:oMath xmlns:m="http://schemas.openxmlformats.org/officeDocument/2006/math">
-                      <m:sSub>
-                        <m:sSubPr>
-                          <m:ctrlPr>
-                            <a:rPr kumimoji="1" lang="en-US" altLang="ja-JP" sz="2400" b="0" i="1" smtClean="0">
-                              <a:latin typeface="Cambria Math" panose="02040503050406030204" pitchFamily="18" charset="0"/>
-                            </a:rPr>
-                          </m:ctrlPr>
-                        </m:sSubPr>
-                        <m:e>
-                          <m:r>
-                            <a:rPr kumimoji="1" lang="en-US" altLang="ja-JP" sz="2400" b="0" i="1" smtClean="0">
-                              <a:latin typeface="Cambria Math" panose="02040503050406030204" pitchFamily="18" charset="0"/>
-                            </a:rPr>
-                            <m:t>𝜃</m:t>
-                          </m:r>
-                        </m:e>
-                        <m:sub>
-                          <m:r>
-                            <a:rPr kumimoji="1" lang="en-US" altLang="ja-JP" sz="2400" b="0" i="1" smtClean="0">
-                              <a:latin typeface="Cambria Math" panose="02040503050406030204" pitchFamily="18" charset="0"/>
-                            </a:rPr>
-                            <m:t>𝐵</m:t>
-                          </m:r>
-                        </m:sub>
-                      </m:sSub>
-                    </m:oMath>
-                  </m:oMathPara>
-                </a14:m>
-                <a:endParaRPr kumimoji="1" lang="ja-JP" altLang="en-US" sz="2400" dirty="0"/>
-              </a:p>
-            </p:txBody>
-          </p:sp>
-        </mc:Choice>
-        <mc:Fallback>
-          <p:sp>
-            <p:nvSpPr>
-              <p:cNvPr id="27" name="テキスト ボックス 26">
-                <a:extLst>
-                  <a:ext uri="{FF2B5EF4-FFF2-40B4-BE49-F238E27FC236}">
-                    <a16:creationId xmlns:a16="http://schemas.microsoft.com/office/drawing/2014/main" id="{3707BF5E-340B-0F2A-3601-097184F91D8C}"/>
-                  </a:ext>
-                </a:extLst>
-              </p:cNvPr>
-              <p:cNvSpPr txBox="1">
-                <a:spLocks noRot="1" noChangeAspect="1" noMove="1" noResize="1" noEditPoints="1" noAdjustHandles="1" noChangeArrowheads="1" noChangeShapeType="1" noTextEdit="1"/>
-              </p:cNvSpPr>
-              <p:nvPr/>
-            </p:nvSpPr>
-            <p:spPr>
-              <a:xfrm>
-                <a:off x="4326891" y="3086622"/>
-                <a:ext cx="554464" cy="369332"/>
-              </a:xfrm>
-              <a:prstGeom prst="rect">
-                <a:avLst/>
-              </a:prstGeom>
-              <a:blipFill>
-                <a:blip r:embed="rId6"/>
-                <a:stretch>
-                  <a:fillRect b="-12903"/>
-                </a:stretch>
-              </a:blipFill>
-            </p:spPr>
-            <p:txBody>
-              <a:bodyPr/>
-              <a:lstStyle/>
-              <a:p>
-                <a:r>
-                  <a:rPr lang="ja-JP" altLang="en-US">
-                    <a:noFill/>
-                  </a:rPr>
-                  <a:t> </a:t>
-                </a:r>
-              </a:p>
-            </p:txBody>
-          </p:sp>
-        </mc:Fallback>
-      </mc:AlternateContent>
-      <p:cxnSp>
-        <p:nvCxnSpPr>
-          <p:cNvPr id="32" name="直線コネクタ 31">
-            <a:extLst>
-              <a:ext uri="{FF2B5EF4-FFF2-40B4-BE49-F238E27FC236}">
-                <a16:creationId xmlns:a16="http://schemas.microsoft.com/office/drawing/2014/main" id="{139DFF87-9869-BA4E-1C95-8D92DE1E2B1C}"/>
-              </a:ext>
-            </a:extLst>
-          </p:cNvPr>
-          <p:cNvCxnSpPr/>
-          <p:nvPr/>
-        </p:nvCxnSpPr>
-        <p:spPr>
-          <a:xfrm>
-            <a:off x="1015366" y="1441542"/>
-            <a:ext cx="3369292" cy="0"/>
-          </a:xfrm>
-          <a:prstGeom prst="line">
-            <a:avLst/>
-          </a:prstGeom>
-          <a:ln w="9525">
-            <a:solidFill>
-              <a:schemeClr val="tx1"/>
-            </a:solidFill>
-            <a:headEnd type="none"/>
-            <a:tailEnd type="none"/>
-          </a:ln>
-          <a:effectLst/>
-        </p:spPr>
-        <p:style>
-          <a:lnRef idx="2">
-            <a:schemeClr val="accent1"/>
-          </a:lnRef>
-          <a:fillRef idx="0">
-            <a:schemeClr val="accent1"/>
-          </a:fillRef>
-          <a:effectRef idx="1">
-            <a:schemeClr val="accent1"/>
-          </a:effectRef>
-          <a:fontRef idx="minor">
-            <a:schemeClr val="tx1"/>
-          </a:fontRef>
-        </p:style>
-      </p:cxnSp>
-      <p:cxnSp>
-        <p:nvCxnSpPr>
-          <p:cNvPr id="33" name="直線コネクタ 32">
-            <a:extLst>
-              <a:ext uri="{FF2B5EF4-FFF2-40B4-BE49-F238E27FC236}">
-                <a16:creationId xmlns:a16="http://schemas.microsoft.com/office/drawing/2014/main" id="{3E5CC719-8A9D-3E6C-AD8C-F5E8F95D7DD0}"/>
-              </a:ext>
-            </a:extLst>
-          </p:cNvPr>
-          <p:cNvCxnSpPr>
-            <a:cxnSpLocks/>
-          </p:cNvCxnSpPr>
-          <p:nvPr/>
-        </p:nvCxnSpPr>
-        <p:spPr>
-          <a:xfrm>
-            <a:off x="4375597" y="4186153"/>
-            <a:ext cx="1044355" cy="0"/>
-          </a:xfrm>
-          <a:prstGeom prst="line">
-            <a:avLst/>
-          </a:prstGeom>
-          <a:ln w="9525">
-            <a:solidFill>
-              <a:schemeClr val="tx1"/>
-            </a:solidFill>
-            <a:headEnd type="none"/>
-            <a:tailEnd type="none"/>
-          </a:ln>
-          <a:effectLst/>
-        </p:spPr>
-        <p:style>
-          <a:lnRef idx="2">
-            <a:schemeClr val="accent1"/>
-          </a:lnRef>
-          <a:fillRef idx="0">
-            <a:schemeClr val="accent1"/>
-          </a:fillRef>
-          <a:effectRef idx="1">
-            <a:schemeClr val="accent1"/>
-          </a:effectRef>
-          <a:fontRef idx="minor">
-            <a:schemeClr val="tx1"/>
-          </a:fontRef>
-        </p:style>
-      </p:cxnSp>
-      <mc:AlternateContent xmlns:mc="http://schemas.openxmlformats.org/markup-compatibility/2006">
-        <mc:Choice xmlns:a14="http://schemas.microsoft.com/office/drawing/2010/main" Requires="a14">
-          <p:sp>
-            <p:nvSpPr>
-              <p:cNvPr id="35" name="テキスト ボックス 34">
-                <a:extLst>
-                  <a:ext uri="{FF2B5EF4-FFF2-40B4-BE49-F238E27FC236}">
-                    <a16:creationId xmlns:a16="http://schemas.microsoft.com/office/drawing/2014/main" id="{9E876160-FBC0-D80E-58C1-334B18F8C966}"/>
-                  </a:ext>
-                </a:extLst>
-              </p:cNvPr>
-              <p:cNvSpPr txBox="1"/>
-              <p:nvPr/>
-            </p:nvSpPr>
-            <p:spPr>
-              <a:xfrm>
-                <a:off x="5044188" y="3178450"/>
-                <a:ext cx="1362168" cy="501099"/>
-              </a:xfrm>
-              <a:prstGeom prst="rect">
-                <a:avLst/>
-              </a:prstGeom>
-              <a:noFill/>
-            </p:spPr>
-            <p:txBody>
-              <a:bodyPr wrap="none" lIns="0" tIns="0" rIns="0" bIns="0" rtlCol="0">
-                <a:spAutoFit/>
-              </a:bodyPr>
-              <a:lstStyle/>
-              <a:p>
-                <a14:m>
-                  <m:oMathPara xmlns:m="http://schemas.openxmlformats.org/officeDocument/2006/math">
-                    <m:oMathParaPr>
-                      <m:jc m:val="centerGroup"/>
-                    </m:oMathParaPr>
-                    <m:oMath xmlns:m="http://schemas.openxmlformats.org/officeDocument/2006/math">
-                      <m:rad>
-                        <m:radPr>
-                          <m:degHide m:val="on"/>
-                          <m:ctrlPr>
-                            <a:rPr kumimoji="1" lang="en-US" altLang="ja-JP" sz="1600" b="0" i="1" smtClean="0">
-                              <a:latin typeface="Cambria Math" panose="02040503050406030204" pitchFamily="18" charset="0"/>
-                            </a:rPr>
-                          </m:ctrlPr>
-                        </m:radPr>
-                        <m:deg/>
-                        <m:e>
-                          <m:sSup>
-                            <m:sSupPr>
-                              <m:ctrlPr>
-                                <a:rPr kumimoji="1" lang="en-US" altLang="ja-JP" sz="1600" b="0" i="1" smtClean="0">
-                                  <a:latin typeface="Cambria Math" panose="02040503050406030204" pitchFamily="18" charset="0"/>
-                                </a:rPr>
-                              </m:ctrlPr>
-                            </m:sSupPr>
-                            <m:e>
-                              <m:d>
-                                <m:dPr>
-                                  <m:ctrlPr>
-                                    <a:rPr kumimoji="1" lang="en-US" altLang="ja-JP" sz="1600" b="0" i="1" smtClean="0">
-                                      <a:latin typeface="Cambria Math" panose="02040503050406030204" pitchFamily="18" charset="0"/>
-                                    </a:rPr>
-                                  </m:ctrlPr>
-                                </m:dPr>
-                                <m:e>
-                                  <m:r>
-                                    <a:rPr kumimoji="1" lang="en-US" altLang="ja-JP" sz="1600" b="0" i="1" smtClean="0">
-                                      <a:latin typeface="Cambria Math" panose="02040503050406030204" pitchFamily="18" charset="0"/>
-                                    </a:rPr>
-                                    <m:t>𝐿</m:t>
-                                  </m:r>
-                                  <m:r>
-                                    <a:rPr kumimoji="1" lang="en-US" altLang="ja-JP" sz="1600" b="0" i="1" smtClean="0">
-                                      <a:latin typeface="Cambria Math" panose="02040503050406030204" pitchFamily="18" charset="0"/>
-                                    </a:rPr>
-                                    <m:t>−</m:t>
-                                  </m:r>
-                                  <m:r>
-                                    <a:rPr kumimoji="1" lang="en-US" altLang="ja-JP" sz="1600" b="0" i="1" smtClean="0">
-                                      <a:latin typeface="Cambria Math" panose="02040503050406030204" pitchFamily="18" charset="0"/>
-                                    </a:rPr>
-                                    <m:t>𝑥</m:t>
-                                  </m:r>
-                                </m:e>
-                              </m:d>
-                            </m:e>
-                            <m:sup>
-                              <m:r>
-                                <a:rPr kumimoji="1" lang="en-US" altLang="ja-JP" sz="1600" b="0" i="1" smtClean="0">
-                                  <a:latin typeface="Cambria Math" panose="02040503050406030204" pitchFamily="18" charset="0"/>
-                                </a:rPr>
-                                <m:t>2</m:t>
-                              </m:r>
-                            </m:sup>
-                          </m:sSup>
-                          <m:r>
-                            <a:rPr kumimoji="1" lang="en-US" altLang="ja-JP" sz="1600" b="0" i="1" smtClean="0">
-                              <a:latin typeface="Cambria Math" panose="02040503050406030204" pitchFamily="18" charset="0"/>
-                            </a:rPr>
-                            <m:t>+</m:t>
-                          </m:r>
-                          <m:sSubSup>
-                            <m:sSubSupPr>
-                              <m:ctrlPr>
-                                <a:rPr kumimoji="1" lang="en-US" altLang="ja-JP" sz="1600" b="0" i="1" smtClean="0">
-                                  <a:latin typeface="Cambria Math" panose="02040503050406030204" pitchFamily="18" charset="0"/>
-                                </a:rPr>
-                              </m:ctrlPr>
-                            </m:sSubSupPr>
-                            <m:e>
-                              <m:r>
-                                <a:rPr kumimoji="1" lang="en-US" altLang="ja-JP" sz="1600" b="0" i="1" smtClean="0">
-                                  <a:latin typeface="Cambria Math" panose="02040503050406030204" pitchFamily="18" charset="0"/>
-                                </a:rPr>
-                                <m:t>𝑙</m:t>
-                              </m:r>
-                            </m:e>
-                            <m:sub>
-                              <m:r>
-                                <a:rPr kumimoji="1" lang="en-US" altLang="ja-JP" sz="1600" b="0" i="1" smtClean="0">
-                                  <a:latin typeface="Cambria Math" panose="02040503050406030204" pitchFamily="18" charset="0"/>
-                                </a:rPr>
-                                <m:t>𝐵</m:t>
-                              </m:r>
-                            </m:sub>
-                            <m:sup>
-                              <m:r>
-                                <a:rPr kumimoji="1" lang="en-US" altLang="ja-JP" sz="1600" b="0" i="1" smtClean="0">
-                                  <a:latin typeface="Cambria Math" panose="02040503050406030204" pitchFamily="18" charset="0"/>
-                                </a:rPr>
-                                <m:t>2</m:t>
-                              </m:r>
-                            </m:sup>
-                          </m:sSubSup>
-                        </m:e>
-                      </m:rad>
-                    </m:oMath>
-                  </m:oMathPara>
-                </a14:m>
-                <a:endParaRPr kumimoji="1" lang="ja-JP" altLang="en-US" sz="1600" dirty="0"/>
-              </a:p>
-            </p:txBody>
-          </p:sp>
-        </mc:Choice>
-        <mc:Fallback>
-          <p:sp>
-            <p:nvSpPr>
-              <p:cNvPr id="35" name="テキスト ボックス 34">
-                <a:extLst>
-                  <a:ext uri="{FF2B5EF4-FFF2-40B4-BE49-F238E27FC236}">
-                    <a16:creationId xmlns:a16="http://schemas.microsoft.com/office/drawing/2014/main" id="{9E876160-FBC0-D80E-58C1-334B18F8C966}"/>
-                  </a:ext>
-                </a:extLst>
-              </p:cNvPr>
-              <p:cNvSpPr txBox="1">
-                <a:spLocks noRot="1" noChangeAspect="1" noMove="1" noResize="1" noEditPoints="1" noAdjustHandles="1" noChangeArrowheads="1" noChangeShapeType="1" noTextEdit="1"/>
-              </p:cNvSpPr>
-              <p:nvPr/>
-            </p:nvSpPr>
-            <p:spPr>
-              <a:xfrm>
-                <a:off x="5044188" y="3178450"/>
-                <a:ext cx="1362168" cy="501099"/>
+                <a:off x="2080991" y="3552953"/>
+                <a:ext cx="663209" cy="604277"/>
               </a:xfrm>
               <a:prstGeom prst="rect">
                 <a:avLst/>
@@ -3175,10 +1452,10 @@
         <mc:Choice xmlns:a14="http://schemas.microsoft.com/office/drawing/2010/main" Requires="a14">
           <p:sp>
             <p:nvSpPr>
-              <p:cNvPr id="36" name="テキスト ボックス 35">
+              <p:cNvPr id="15" name="テキスト ボックス 14">
                 <a:extLst>
                   <a:ext uri="{FF2B5EF4-FFF2-40B4-BE49-F238E27FC236}">
-                    <a16:creationId xmlns:a16="http://schemas.microsoft.com/office/drawing/2014/main" id="{768B53B6-4B9F-E779-5A36-0A82A6E1169F}"/>
+                    <a16:creationId xmlns:a16="http://schemas.microsoft.com/office/drawing/2014/main" id="{8DB9C4FF-5367-2F3E-0CC8-97F480676E38}"/>
                   </a:ext>
                 </a:extLst>
               </p:cNvPr>
@@ -3187,8 +1464,8 @@
             </p:nvSpPr>
             <p:spPr>
               <a:xfrm>
-                <a:off x="3772427" y="1926992"/>
-                <a:ext cx="554464" cy="369332"/>
+                <a:off x="3318045" y="1785734"/>
+                <a:ext cx="516782" cy="604277"/>
               </a:xfrm>
               <a:prstGeom prst="rect">
                 <a:avLst/>
@@ -3196,7 +1473,7 @@
               <a:noFill/>
             </p:spPr>
             <p:txBody>
-              <a:bodyPr wrap="square" lIns="0" tIns="0" rIns="0" bIns="0" rtlCol="0">
+              <a:bodyPr wrap="none" lIns="0" tIns="0" rIns="0" bIns="0" rtlCol="0">
                 <a:spAutoFit/>
               </a:bodyPr>
               <a:lstStyle/>
@@ -3210,22 +1487,22 @@
                       <m:sSub>
                         <m:sSubPr>
                           <m:ctrlPr>
-                            <a:rPr kumimoji="1" lang="en-US" altLang="ja-JP" sz="2400" b="0" i="1" smtClean="0">
+                            <a:rPr kumimoji="1" lang="en-US" altLang="ja-JP" sz="3200" b="0" i="1" smtClean="0">
                               <a:latin typeface="Cambria Math" panose="02040503050406030204" pitchFamily="18" charset="0"/>
                             </a:rPr>
                           </m:ctrlPr>
                         </m:sSubPr>
                         <m:e>
                           <m:r>
-                            <a:rPr kumimoji="1" lang="en-US" altLang="ja-JP" sz="2400" b="0" i="1" smtClean="0">
+                            <a:rPr kumimoji="1" lang="en-US" altLang="ja-JP" sz="3200" b="0" i="1" smtClean="0">
                               <a:latin typeface="Cambria Math" panose="02040503050406030204" pitchFamily="18" charset="0"/>
                             </a:rPr>
-                            <m:t>𝜃</m:t>
+                            <m:t>𝑙</m:t>
                           </m:r>
                         </m:e>
                         <m:sub>
                           <m:r>
-                            <a:rPr kumimoji="1" lang="en-US" altLang="ja-JP" sz="2400" b="0" i="1" smtClean="0">
+                            <a:rPr kumimoji="1" lang="en-US" altLang="ja-JP" sz="3200" b="0" i="1" smtClean="0">
                               <a:latin typeface="Cambria Math" panose="02040503050406030204" pitchFamily="18" charset="0"/>
                             </a:rPr>
                             <m:t>𝐴</m:t>
@@ -3235,7 +1512,7 @@
                     </m:oMath>
                   </m:oMathPara>
                 </a14:m>
-                <a:endParaRPr kumimoji="1" lang="ja-JP" altLang="en-US" sz="2400" dirty="0"/>
+                <a:endParaRPr kumimoji="1" lang="ja-JP" altLang="en-US" sz="3200" dirty="0"/>
               </a:p>
             </p:txBody>
           </p:sp>
@@ -3243,10 +1520,10 @@
         <mc:Fallback>
           <p:sp>
             <p:nvSpPr>
-              <p:cNvPr id="36" name="テキスト ボックス 35">
+              <p:cNvPr id="15" name="テキスト ボックス 14">
                 <a:extLst>
                   <a:ext uri="{FF2B5EF4-FFF2-40B4-BE49-F238E27FC236}">
-                    <a16:creationId xmlns:a16="http://schemas.microsoft.com/office/drawing/2014/main" id="{768B53B6-4B9F-E779-5A36-0A82A6E1169F}"/>
+                    <a16:creationId xmlns:a16="http://schemas.microsoft.com/office/drawing/2014/main" id="{8DB9C4FF-5367-2F3E-0CC8-97F480676E38}"/>
                   </a:ext>
                 </a:extLst>
               </p:cNvPr>
@@ -3257,8 +1534,8 @@
             </p:nvSpPr>
             <p:spPr>
               <a:xfrm>
-                <a:off x="3772427" y="1926992"/>
-                <a:ext cx="554464" cy="369332"/>
+                <a:off x="3318045" y="1785734"/>
+                <a:ext cx="516782" cy="604277"/>
               </a:xfrm>
               <a:prstGeom prst="rect">
                 <a:avLst/>
@@ -3266,7 +1543,7 @@
               <a:blipFill>
                 <a:blip r:embed="rId8"/>
                 <a:stretch>
-                  <a:fillRect b="-16667"/>
+                  <a:fillRect/>
                 </a:stretch>
               </a:blipFill>
             </p:spPr>
@@ -3289,10 +1566,10 @@
         <mc:Choice xmlns:a14="http://schemas.microsoft.com/office/drawing/2010/main" Requires="a14">
           <p:sp>
             <p:nvSpPr>
-              <p:cNvPr id="37" name="テキスト ボックス 36">
+              <p:cNvPr id="16" name="テキスト ボックス 15">
                 <a:extLst>
                   <a:ext uri="{FF2B5EF4-FFF2-40B4-BE49-F238E27FC236}">
-                    <a16:creationId xmlns:a16="http://schemas.microsoft.com/office/drawing/2014/main" id="{92C1C1FD-1611-EFD6-39F6-BF458466566C}"/>
+                    <a16:creationId xmlns:a16="http://schemas.microsoft.com/office/drawing/2014/main" id="{21C1DA4C-0634-CC25-DB47-4B9540112E84}"/>
                   </a:ext>
                 </a:extLst>
               </p:cNvPr>
@@ -3301,8 +1578,8 @@
             </p:nvSpPr>
             <p:spPr>
               <a:xfrm>
-                <a:off x="1832565" y="2024369"/>
-                <a:ext cx="838563" cy="501099"/>
+                <a:off x="4954105" y="3616811"/>
+                <a:ext cx="553999" cy="604277"/>
               </a:xfrm>
               <a:prstGeom prst="rect">
                 <a:avLst/>
@@ -3321,87 +1598,35 @@
                       <m:jc m:val="centerGroup"/>
                     </m:oMathParaPr>
                     <m:oMath xmlns:m="http://schemas.openxmlformats.org/officeDocument/2006/math">
-                      <m:rad>
-                        <m:radPr>
-                          <m:degHide m:val="on"/>
+                      <m:sSub>
+                        <m:sSubPr>
                           <m:ctrlPr>
-                            <a:rPr kumimoji="1" lang="en-US" altLang="ja-JP" sz="1600" b="0" i="1" smtClean="0">
+                            <a:rPr kumimoji="1" lang="en-US" altLang="ja-JP" sz="3200" b="0" i="1" smtClean="0">
                               <a:latin typeface="Cambria Math" panose="02040503050406030204" pitchFamily="18" charset="0"/>
                             </a:rPr>
                           </m:ctrlPr>
-                        </m:radPr>
-                        <m:deg/>
+                        </m:sSubPr>
                         <m:e>
-                          <m:sSup>
-                            <m:sSupPr>
-                              <m:ctrlPr>
-                                <a:rPr kumimoji="1" lang="en-US" altLang="ja-JP" sz="1600" b="0" i="1" smtClean="0">
-                                  <a:latin typeface="Cambria Math" panose="02040503050406030204" pitchFamily="18" charset="0"/>
-                                </a:rPr>
-                              </m:ctrlPr>
-                            </m:sSupPr>
-                            <m:e>
-                              <m:r>
-                                <a:rPr kumimoji="1" lang="en-US" altLang="ja-JP" sz="1600" b="0" i="1" smtClean="0">
-                                  <a:latin typeface="Cambria Math" panose="02040503050406030204" pitchFamily="18" charset="0"/>
-                                </a:rPr>
-                                <m:t>𝑥</m:t>
-                              </m:r>
-                            </m:e>
-                            <m:sup>
-                              <m:r>
-                                <a:rPr kumimoji="1" lang="en-US" altLang="ja-JP" sz="1600" b="0" i="1" smtClean="0">
-                                  <a:latin typeface="Cambria Math" panose="02040503050406030204" pitchFamily="18" charset="0"/>
-                                </a:rPr>
-                                <m:t>2</m:t>
-                              </m:r>
-                            </m:sup>
-                          </m:sSup>
                           <m:r>
-                            <a:rPr kumimoji="1" lang="en-US" altLang="ja-JP" sz="1600" b="0" i="1" smtClean="0">
+                            <a:rPr kumimoji="1" lang="en-US" altLang="ja-JP" sz="3200" b="0" i="1" smtClean="0">
                               <a:latin typeface="Cambria Math" panose="02040503050406030204" pitchFamily="18" charset="0"/>
                             </a:rPr>
-                            <m:t>+</m:t>
+                            <m:t>𝑙</m:t>
                           </m:r>
-                          <m:sSubSup>
-                            <m:sSubSupPr>
-                              <m:ctrlPr>
-                                <a:rPr kumimoji="1" lang="en-US" altLang="ja-JP" sz="1600" b="0" i="1" smtClean="0">
-                                  <a:latin typeface="Cambria Math" panose="02040503050406030204" pitchFamily="18" charset="0"/>
-                                </a:rPr>
-                              </m:ctrlPr>
-                            </m:sSubSupPr>
-                            <m:e>
-                              <m:r>
-                                <a:rPr kumimoji="1" lang="en-US" altLang="ja-JP" sz="1600" b="0" i="1" smtClean="0">
-                                  <a:latin typeface="Cambria Math" panose="02040503050406030204" pitchFamily="18" charset="0"/>
-                                </a:rPr>
-                                <m:t>𝑙</m:t>
-                              </m:r>
-                            </m:e>
-                            <m:sub>
-                              <m:r>
-                                <a:rPr kumimoji="1" lang="en-US" altLang="ja-JP" sz="1600" b="0" i="1" smtClean="0">
-                                  <a:latin typeface="Cambria Math" panose="02040503050406030204" pitchFamily="18" charset="0"/>
-                                </a:rPr>
-                                <m:t>𝐵</m:t>
-                              </m:r>
-                            </m:sub>
-                            <m:sup>
-                              <m:r>
-                                <a:rPr kumimoji="1" lang="en-US" altLang="ja-JP" sz="1600" b="0" i="1" smtClean="0">
-                                  <a:latin typeface="Cambria Math" panose="02040503050406030204" pitchFamily="18" charset="0"/>
-                                </a:rPr>
-                                <m:t>2</m:t>
-                              </m:r>
-                            </m:sup>
-                          </m:sSubSup>
                         </m:e>
-                      </m:rad>
+                        <m:sub>
+                          <m:r>
+                            <a:rPr kumimoji="1" lang="en-US" altLang="ja-JP" sz="3200" b="0" i="1" smtClean="0">
+                              <a:latin typeface="Cambria Math" panose="02040503050406030204" pitchFamily="18" charset="0"/>
+                            </a:rPr>
+                            <m:t>𝐵</m:t>
+                          </m:r>
+                        </m:sub>
+                      </m:sSub>
                     </m:oMath>
                   </m:oMathPara>
                 </a14:m>
-                <a:endParaRPr kumimoji="1" lang="ja-JP" altLang="en-US" sz="1600" dirty="0"/>
+                <a:endParaRPr kumimoji="1" lang="ja-JP" altLang="en-US" sz="3200" dirty="0"/>
               </a:p>
             </p:txBody>
           </p:sp>
@@ -3409,10 +1634,10 @@
         <mc:Fallback>
           <p:sp>
             <p:nvSpPr>
-              <p:cNvPr id="37" name="テキスト ボックス 36">
+              <p:cNvPr id="16" name="テキスト ボックス 15">
                 <a:extLst>
                   <a:ext uri="{FF2B5EF4-FFF2-40B4-BE49-F238E27FC236}">
-                    <a16:creationId xmlns:a16="http://schemas.microsoft.com/office/drawing/2014/main" id="{92C1C1FD-1611-EFD6-39F6-BF458466566C}"/>
+                    <a16:creationId xmlns:a16="http://schemas.microsoft.com/office/drawing/2014/main" id="{21C1DA4C-0634-CC25-DB47-4B9540112E84}"/>
                   </a:ext>
                 </a:extLst>
               </p:cNvPr>
@@ -3423,8 +1648,8 @@
             </p:nvSpPr>
             <p:spPr>
               <a:xfrm>
-                <a:off x="1832565" y="2024369"/>
-                <a:ext cx="838563" cy="501099"/>
+                <a:off x="4954105" y="3616811"/>
+                <a:ext cx="553999" cy="604277"/>
               </a:xfrm>
               <a:prstGeom prst="rect">
                 <a:avLst/>
@@ -3453,10 +1678,10 @@
       </mc:AlternateContent>
       <p:sp>
         <p:nvSpPr>
-          <p:cNvPr id="39" name="フリーフォーム 38">
+          <p:cNvPr id="18" name="正方形/長方形 17">
             <a:extLst>
               <a:ext uri="{FF2B5EF4-FFF2-40B4-BE49-F238E27FC236}">
-                <a16:creationId xmlns:a16="http://schemas.microsoft.com/office/drawing/2014/main" id="{DEDE4363-8D23-35F4-A6CB-F52226E2E28A}"/>
+                <a16:creationId xmlns:a16="http://schemas.microsoft.com/office/drawing/2014/main" id="{FFB80432-3327-811C-CFC0-76F7CC935AA4}"/>
               </a:ext>
             </a:extLst>
           </p:cNvPr>
@@ -3464,175 +1689,1802 @@
           <p:nvPr/>
         </p:nvSpPr>
         <p:spPr>
-          <a:xfrm rot="19288572">
-            <a:off x="4104417" y="2454570"/>
-            <a:ext cx="303241" cy="61209"/>
-          </a:xfrm>
-          <a:custGeom>
-            <a:avLst/>
-            <a:gdLst>
-              <a:gd name="connsiteX0" fmla="*/ 0 w 250825"/>
-              <a:gd name="connsiteY0" fmla="*/ 136607 h 136607"/>
-              <a:gd name="connsiteX1" fmla="*/ 114300 w 250825"/>
-              <a:gd name="connsiteY1" fmla="*/ 82 h 136607"/>
-              <a:gd name="connsiteX2" fmla="*/ 250825 w 250825"/>
-              <a:gd name="connsiteY2" fmla="*/ 120732 h 136607"/>
-            </a:gdLst>
-            <a:ahLst/>
-            <a:cxnLst>
-              <a:cxn ang="0">
-                <a:pos x="connsiteX0" y="connsiteY0"/>
-              </a:cxn>
-              <a:cxn ang="0">
-                <a:pos x="connsiteX1" y="connsiteY1"/>
-              </a:cxn>
-              <a:cxn ang="0">
-                <a:pos x="connsiteX2" y="connsiteY2"/>
-              </a:cxn>
-            </a:cxnLst>
-            <a:rect l="l" t="t" r="r" b="b"/>
-            <a:pathLst>
-              <a:path w="250825" h="136607">
-                <a:moveTo>
-                  <a:pt x="0" y="136607"/>
-                </a:moveTo>
-                <a:cubicBezTo>
-                  <a:pt x="36248" y="69667"/>
-                  <a:pt x="72496" y="2728"/>
-                  <a:pt x="114300" y="82"/>
-                </a:cubicBezTo>
-                <a:cubicBezTo>
-                  <a:pt x="156104" y="-2564"/>
-                  <a:pt x="203464" y="59084"/>
-                  <a:pt x="250825" y="120732"/>
-                </a:cubicBezTo>
-              </a:path>
-            </a:pathLst>
-          </a:custGeom>
-          <a:noFill/>
-          <a:ln>
-            <a:solidFill>
-              <a:schemeClr val="tx1"/>
-            </a:solidFill>
-          </a:ln>
-        </p:spPr>
-        <p:txBody>
-          <a:bodyPr rtlCol="0" anchor="ctr"/>
-          <a:lstStyle/>
-          <a:p>
-            <a:pPr algn="ctr"/>
-            <a:endParaRPr kumimoji="1" lang="ja-JP" altLang="en-US"/>
-          </a:p>
-        </p:txBody>
-      </p:sp>
-      <p:sp>
-        <p:nvSpPr>
-          <p:cNvPr id="40" name="テキスト ボックス 39">
-            <a:extLst>
-              <a:ext uri="{FF2B5EF4-FFF2-40B4-BE49-F238E27FC236}">
-                <a16:creationId xmlns:a16="http://schemas.microsoft.com/office/drawing/2014/main" id="{F0AF3D59-2517-CC5B-DBB8-3562D75BFE0B}"/>
-              </a:ext>
-            </a:extLst>
-          </p:cNvPr>
-          <p:cNvSpPr txBox="1"/>
-          <p:nvPr/>
-        </p:nvSpPr>
-        <p:spPr>
           <a:xfrm>
-            <a:off x="644008" y="1138597"/>
-            <a:ext cx="281663" cy="461665"/>
+            <a:off x="6948264" y="1412776"/>
+            <a:ext cx="360040" cy="3384376"/>
           </a:xfrm>
           <a:prstGeom prst="rect">
             <a:avLst/>
           </a:prstGeom>
-          <a:noFill/>
+          <a:solidFill>
+            <a:schemeClr val="bg1"/>
+          </a:solidFill>
+          <a:ln>
+            <a:noFill/>
+          </a:ln>
         </p:spPr>
         <p:txBody>
-          <a:bodyPr wrap="square" rtlCol="0">
+          <a:bodyPr wrap="square" rtlCol="0" anchor="ctr">
             <a:spAutoFit/>
           </a:bodyPr>
           <a:lstStyle/>
           <a:p>
-            <a:r>
-              <a:rPr kumimoji="1" lang="en-US" altLang="ja-JP" sz="2400" dirty="0"/>
-              <a:t>A</a:t>
-            </a:r>
-            <a:endParaRPr kumimoji="1" lang="ja-JP" altLang="en-US" sz="2400"/>
+            <a:pPr algn="ctr"/>
+            <a:endParaRPr kumimoji="1" lang="ja-JP" altLang="en-US" sz="2400" dirty="0"/>
           </a:p>
         </p:txBody>
       </p:sp>
-      <p:sp>
-        <p:nvSpPr>
-          <p:cNvPr id="41" name="テキスト ボックス 40">
+      <mc:AlternateContent xmlns:mc="http://schemas.openxmlformats.org/markup-compatibility/2006">
+        <mc:Choice xmlns:a14="http://schemas.microsoft.com/office/drawing/2010/main" Requires="a14">
+          <p:sp>
+            <p:nvSpPr>
+              <p:cNvPr id="21" name="テキスト ボックス 20">
+                <a:extLst>
+                  <a:ext uri="{FF2B5EF4-FFF2-40B4-BE49-F238E27FC236}">
+                    <a16:creationId xmlns:a16="http://schemas.microsoft.com/office/drawing/2014/main" id="{EF2B71E9-3205-3ADA-836F-4F1D6F632057}"/>
+                  </a:ext>
+                </a:extLst>
+              </p:cNvPr>
+              <p:cNvSpPr txBox="1"/>
+              <p:nvPr/>
+            </p:nvSpPr>
+            <p:spPr>
+              <a:xfrm>
+                <a:off x="2627784" y="4869160"/>
+                <a:ext cx="3071161" cy="1396344"/>
+              </a:xfrm>
+              <a:prstGeom prst="rect">
+                <a:avLst/>
+              </a:prstGeom>
+              <a:noFill/>
+            </p:spPr>
+            <p:txBody>
+              <a:bodyPr wrap="none" lIns="0" tIns="0" rIns="0" bIns="0" rtlCol="0">
+                <a:spAutoFit/>
+              </a:bodyPr>
+              <a:lstStyle/>
+              <a:p>
+                <a14:m>
+                  <m:oMathPara xmlns:m="http://schemas.openxmlformats.org/officeDocument/2006/math">
+                    <m:oMathParaPr>
+                      <m:jc m:val="centerGroup"/>
+                    </m:oMathParaPr>
+                    <m:oMath xmlns:m="http://schemas.openxmlformats.org/officeDocument/2006/math">
+                      <m:r>
+                        <a:rPr kumimoji="1" lang="en-US" altLang="ja-JP" sz="4400" b="0" i="1" smtClean="0">
+                          <a:latin typeface="Cambria Math" panose="02040503050406030204" pitchFamily="18" charset="0"/>
+                        </a:rPr>
+                        <m:t>𝑇</m:t>
+                      </m:r>
+                      <m:r>
+                        <a:rPr kumimoji="1" lang="en-US" altLang="ja-JP" sz="4400" b="0" i="1" smtClean="0">
+                          <a:latin typeface="Cambria Math" panose="02040503050406030204" pitchFamily="18" charset="0"/>
+                        </a:rPr>
+                        <m:t>=</m:t>
+                      </m:r>
+                      <m:f>
+                        <m:fPr>
+                          <m:ctrlPr>
+                            <a:rPr lang="en-US" altLang="ja-JP" sz="4400" i="1">
+                              <a:latin typeface="Cambria Math" panose="02040503050406030204" pitchFamily="18" charset="0"/>
+                            </a:rPr>
+                          </m:ctrlPr>
+                        </m:fPr>
+                        <m:num>
+                          <m:sSub>
+                            <m:sSubPr>
+                              <m:ctrlPr>
+                                <a:rPr lang="en-US" altLang="ja-JP" sz="4400" i="1">
+                                  <a:latin typeface="Cambria Math" panose="02040503050406030204" pitchFamily="18" charset="0"/>
+                                </a:rPr>
+                              </m:ctrlPr>
+                            </m:sSubPr>
+                            <m:e>
+                              <m:r>
+                                <a:rPr lang="en-US" altLang="ja-JP" sz="4400" i="1">
+                                  <a:latin typeface="Cambria Math" panose="02040503050406030204" pitchFamily="18" charset="0"/>
+                                </a:rPr>
+                                <m:t>𝑙</m:t>
+                              </m:r>
+                            </m:e>
+                            <m:sub>
+                              <m:r>
+                                <a:rPr lang="en-US" altLang="ja-JP" sz="4400" i="1">
+                                  <a:latin typeface="Cambria Math" panose="02040503050406030204" pitchFamily="18" charset="0"/>
+                                </a:rPr>
+                                <m:t>𝐴</m:t>
+                              </m:r>
+                            </m:sub>
+                          </m:sSub>
+                        </m:num>
+                        <m:den>
+                          <m:sSub>
+                            <m:sSubPr>
+                              <m:ctrlPr>
+                                <a:rPr lang="en-US" altLang="ja-JP" sz="4400" i="1">
+                                  <a:latin typeface="Cambria Math" panose="02040503050406030204" pitchFamily="18" charset="0"/>
+                                </a:rPr>
+                              </m:ctrlPr>
+                            </m:sSubPr>
+                            <m:e>
+                              <m:r>
+                                <a:rPr lang="en-US" altLang="ja-JP" sz="4400" i="1">
+                                  <a:latin typeface="Cambria Math" panose="02040503050406030204" pitchFamily="18" charset="0"/>
+                                </a:rPr>
+                                <m:t>𝑣</m:t>
+                              </m:r>
+                            </m:e>
+                            <m:sub>
+                              <m:r>
+                                <a:rPr lang="en-US" altLang="ja-JP" sz="4400" i="1">
+                                  <a:latin typeface="Cambria Math" panose="02040503050406030204" pitchFamily="18" charset="0"/>
+                                </a:rPr>
+                                <m:t>𝐴</m:t>
+                              </m:r>
+                            </m:sub>
+                          </m:sSub>
+                        </m:den>
+                      </m:f>
+                      <m:r>
+                        <a:rPr lang="en-US" altLang="ja-JP" sz="4400" i="1">
+                          <a:latin typeface="Cambria Math" panose="02040503050406030204" pitchFamily="18" charset="0"/>
+                        </a:rPr>
+                        <m:t>+</m:t>
+                      </m:r>
+                      <m:f>
+                        <m:fPr>
+                          <m:ctrlPr>
+                            <a:rPr lang="en-US" altLang="ja-JP" sz="4400" b="0" i="1" smtClean="0">
+                              <a:latin typeface="Cambria Math" panose="02040503050406030204" pitchFamily="18" charset="0"/>
+                            </a:rPr>
+                          </m:ctrlPr>
+                        </m:fPr>
+                        <m:num>
+                          <m:sSub>
+                            <m:sSubPr>
+                              <m:ctrlPr>
+                                <a:rPr lang="en-US" altLang="ja-JP" sz="4400" b="0" i="1" smtClean="0">
+                                  <a:latin typeface="Cambria Math" panose="02040503050406030204" pitchFamily="18" charset="0"/>
+                                </a:rPr>
+                              </m:ctrlPr>
+                            </m:sSubPr>
+                            <m:e>
+                              <m:r>
+                                <a:rPr lang="en-US" altLang="ja-JP" sz="4400" b="0" i="1" smtClean="0">
+                                  <a:latin typeface="Cambria Math" panose="02040503050406030204" pitchFamily="18" charset="0"/>
+                                </a:rPr>
+                                <m:t>𝑙</m:t>
+                              </m:r>
+                            </m:e>
+                            <m:sub>
+                              <m:r>
+                                <a:rPr lang="en-US" altLang="ja-JP" sz="4400" b="0" i="1" smtClean="0">
+                                  <a:latin typeface="Cambria Math" panose="02040503050406030204" pitchFamily="18" charset="0"/>
+                                </a:rPr>
+                                <m:t>𝐵</m:t>
+                              </m:r>
+                            </m:sub>
+                          </m:sSub>
+                        </m:num>
+                        <m:den>
+                          <m:sSub>
+                            <m:sSubPr>
+                              <m:ctrlPr>
+                                <a:rPr lang="en-US" altLang="ja-JP" sz="4400" b="0" i="1" smtClean="0">
+                                  <a:latin typeface="Cambria Math" panose="02040503050406030204" pitchFamily="18" charset="0"/>
+                                </a:rPr>
+                              </m:ctrlPr>
+                            </m:sSubPr>
+                            <m:e>
+                              <m:r>
+                                <a:rPr lang="en-US" altLang="ja-JP" sz="4400" b="0" i="1" smtClean="0">
+                                  <a:latin typeface="Cambria Math" panose="02040503050406030204" pitchFamily="18" charset="0"/>
+                                </a:rPr>
+                                <m:t>𝑣</m:t>
+                              </m:r>
+                            </m:e>
+                            <m:sub>
+                              <m:r>
+                                <a:rPr lang="en-US" altLang="ja-JP" sz="4400" b="0" i="1" smtClean="0">
+                                  <a:latin typeface="Cambria Math" panose="02040503050406030204" pitchFamily="18" charset="0"/>
+                                </a:rPr>
+                                <m:t>𝐵</m:t>
+                              </m:r>
+                            </m:sub>
+                          </m:sSub>
+                        </m:den>
+                      </m:f>
+                    </m:oMath>
+                  </m:oMathPara>
+                </a14:m>
+                <a:endParaRPr kumimoji="1" lang="ja-JP" altLang="en-US" sz="4400" dirty="0"/>
+              </a:p>
+            </p:txBody>
+          </p:sp>
+        </mc:Choice>
+        <mc:Fallback>
+          <p:sp>
+            <p:nvSpPr>
+              <p:cNvPr id="21" name="テキスト ボックス 20">
+                <a:extLst>
+                  <a:ext uri="{FF2B5EF4-FFF2-40B4-BE49-F238E27FC236}">
+                    <a16:creationId xmlns:a16="http://schemas.microsoft.com/office/drawing/2014/main" id="{EF2B71E9-3205-3ADA-836F-4F1D6F632057}"/>
+                  </a:ext>
+                </a:extLst>
+              </p:cNvPr>
+              <p:cNvSpPr txBox="1">
+                <a:spLocks noRot="1" noChangeAspect="1" noMove="1" noResize="1" noEditPoints="1" noAdjustHandles="1" noChangeArrowheads="1" noChangeShapeType="1" noTextEdit="1"/>
+              </p:cNvSpPr>
+              <p:nvPr/>
+            </p:nvSpPr>
+            <p:spPr>
+              <a:xfrm>
+                <a:off x="2627784" y="4869160"/>
+                <a:ext cx="3071161" cy="1396344"/>
+              </a:xfrm>
+              <a:prstGeom prst="rect">
+                <a:avLst/>
+              </a:prstGeom>
+              <a:blipFill>
+                <a:blip r:embed="rId10"/>
+                <a:stretch>
+                  <a:fillRect/>
+                </a:stretch>
+              </a:blipFill>
+            </p:spPr>
+            <p:txBody>
+              <a:bodyPr/>
+              <a:lstStyle/>
+              <a:p>
+                <a:r>
+                  <a:rPr lang="ja-JP" altLang="en-US">
+                    <a:noFill/>
+                  </a:rPr>
+                  <a:t> </a:t>
+                </a:r>
+              </a:p>
+            </p:txBody>
+          </p:sp>
+        </mc:Fallback>
+      </mc:AlternateContent>
+    </p:spTree>
+    <p:extLst>
+      <p:ext uri="{BB962C8B-B14F-4D97-AF65-F5344CB8AC3E}">
+        <p14:creationId xmlns:p14="http://schemas.microsoft.com/office/powerpoint/2010/main" val="2080758410"/>
+      </p:ext>
+    </p:extLst>
+  </p:cSld>
+  <p:clrMapOvr>
+    <a:masterClrMapping/>
+  </p:clrMapOvr>
+</p:sld>
+</file>
+
+<file path=ppt/slides/slide2.xml><?xml version="1.0" encoding="utf-8"?>
+<p:sld xmlns:a="http://schemas.openxmlformats.org/drawingml/2006/main" xmlns:r="http://schemas.openxmlformats.org/officeDocument/2006/relationships" xmlns:p="http://schemas.openxmlformats.org/presentationml/2006/main">
+  <p:cSld>
+    <p:spTree>
+      <p:nvGrpSpPr>
+        <p:cNvPr id="1" name=""/>
+        <p:cNvGrpSpPr/>
+        <p:nvPr/>
+      </p:nvGrpSpPr>
+      <p:grpSpPr>
+        <a:xfrm>
+          <a:off x="0" y="0"/>
+          <a:ext cx="0" cy="0"/>
+          <a:chOff x="0" y="0"/>
+          <a:chExt cx="0" cy="0"/>
+        </a:xfrm>
+      </p:grpSpPr>
+      <p:grpSp>
+        <p:nvGrpSpPr>
+          <p:cNvPr id="31" name="グループ化 30">
             <a:extLst>
               <a:ext uri="{FF2B5EF4-FFF2-40B4-BE49-F238E27FC236}">
-                <a16:creationId xmlns:a16="http://schemas.microsoft.com/office/drawing/2014/main" id="{06835E43-6555-79C2-4D86-85398ED0B1ED}"/>
+                <a16:creationId xmlns:a16="http://schemas.microsoft.com/office/drawing/2014/main" id="{8E1265C7-EDB7-25D0-55E8-F52B46A1D28C}"/>
               </a:ext>
             </a:extLst>
           </p:cNvPr>
-          <p:cNvSpPr txBox="1"/>
+          <p:cNvGrpSpPr/>
           <p:nvPr/>
-        </p:nvSpPr>
+        </p:nvGrpSpPr>
+        <p:grpSpPr>
+          <a:xfrm>
+            <a:off x="755576" y="980728"/>
+            <a:ext cx="5267902" cy="4028711"/>
+            <a:chOff x="2400442" y="179290"/>
+            <a:chExt cx="5267902" cy="4028711"/>
+          </a:xfrm>
+        </p:grpSpPr>
+        <p:cxnSp>
+          <p:nvCxnSpPr>
+            <p:cNvPr id="4" name="直線矢印コネクタ 3">
+              <a:extLst>
+                <a:ext uri="{FF2B5EF4-FFF2-40B4-BE49-F238E27FC236}">
+                  <a16:creationId xmlns:a16="http://schemas.microsoft.com/office/drawing/2014/main" id="{ED2FC934-4877-C39E-653D-A9FF08F855AE}"/>
+                </a:ext>
+              </a:extLst>
+            </p:cNvPr>
+            <p:cNvCxnSpPr>
+              <a:cxnSpLocks/>
+            </p:cNvCxnSpPr>
+            <p:nvPr/>
+          </p:nvCxnSpPr>
+          <p:spPr>
+            <a:xfrm>
+              <a:off x="2771800" y="2276872"/>
+              <a:ext cx="4896544" cy="0"/>
+            </a:xfrm>
+            <a:prstGeom prst="straightConnector1">
+              <a:avLst/>
+            </a:prstGeom>
+            <a:ln w="9525">
+              <a:solidFill>
+                <a:schemeClr val="tx1"/>
+              </a:solidFill>
+              <a:headEnd type="none" w="med" len="med"/>
+              <a:tailEnd type="triangle" w="med" len="med"/>
+            </a:ln>
+            <a:effectLst/>
+          </p:spPr>
+          <p:style>
+            <a:lnRef idx="2">
+              <a:schemeClr val="accent1"/>
+            </a:lnRef>
+            <a:fillRef idx="0">
+              <a:schemeClr val="accent1"/>
+            </a:fillRef>
+            <a:effectRef idx="1">
+              <a:schemeClr val="accent1"/>
+            </a:effectRef>
+            <a:fontRef idx="minor">
+              <a:schemeClr val="tx1"/>
+            </a:fontRef>
+          </p:style>
+        </p:cxnSp>
+        <p:cxnSp>
+          <p:nvCxnSpPr>
+            <p:cNvPr id="5" name="直線矢印コネクタ 4">
+              <a:extLst>
+                <a:ext uri="{FF2B5EF4-FFF2-40B4-BE49-F238E27FC236}">
+                  <a16:creationId xmlns:a16="http://schemas.microsoft.com/office/drawing/2014/main" id="{5C9095DA-7B3C-519C-B95B-1CEC62479987}"/>
+                </a:ext>
+              </a:extLst>
+            </p:cNvPr>
+            <p:cNvCxnSpPr/>
+            <p:nvPr/>
+          </p:nvCxnSpPr>
+          <p:spPr>
+            <a:xfrm flipV="1">
+              <a:off x="6141092" y="179290"/>
+              <a:ext cx="0" cy="3875857"/>
+            </a:xfrm>
+            <a:prstGeom prst="straightConnector1">
+              <a:avLst/>
+            </a:prstGeom>
+            <a:ln w="9525">
+              <a:solidFill>
+                <a:schemeClr val="tx1"/>
+              </a:solidFill>
+              <a:headEnd type="none"/>
+              <a:tailEnd type="triangle"/>
+            </a:ln>
+            <a:effectLst/>
+          </p:spPr>
+          <p:style>
+            <a:lnRef idx="2">
+              <a:schemeClr val="accent1"/>
+            </a:lnRef>
+            <a:fillRef idx="0">
+              <a:schemeClr val="accent1"/>
+            </a:fillRef>
+            <a:effectRef idx="1">
+              <a:schemeClr val="accent1"/>
+            </a:effectRef>
+            <a:fontRef idx="minor">
+              <a:schemeClr val="tx1"/>
+            </a:fontRef>
+          </p:style>
+        </p:cxnSp>
+        <p:cxnSp>
+          <p:nvCxnSpPr>
+            <p:cNvPr id="6" name="直線コネクタ 5">
+              <a:extLst>
+                <a:ext uri="{FF2B5EF4-FFF2-40B4-BE49-F238E27FC236}">
+                  <a16:creationId xmlns:a16="http://schemas.microsoft.com/office/drawing/2014/main" id="{8067FAB5-5D5E-C48E-6C96-54A92F6B9396}"/>
+                </a:ext>
+              </a:extLst>
+            </p:cNvPr>
+            <p:cNvCxnSpPr>
+              <a:cxnSpLocks/>
+            </p:cNvCxnSpPr>
+            <p:nvPr/>
+          </p:nvCxnSpPr>
+          <p:spPr>
+            <a:xfrm>
+              <a:off x="2771800" y="1009494"/>
+              <a:ext cx="3369292" cy="1261090"/>
+            </a:xfrm>
+            <a:prstGeom prst="line">
+              <a:avLst/>
+            </a:prstGeom>
+            <a:ln w="9525">
+              <a:solidFill>
+                <a:schemeClr val="tx1"/>
+              </a:solidFill>
+              <a:headEnd type="none"/>
+              <a:tailEnd type="none"/>
+            </a:ln>
+            <a:effectLst/>
+          </p:spPr>
+          <p:style>
+            <a:lnRef idx="2">
+              <a:schemeClr val="accent1"/>
+            </a:lnRef>
+            <a:fillRef idx="0">
+              <a:schemeClr val="accent1"/>
+            </a:fillRef>
+            <a:effectRef idx="1">
+              <a:schemeClr val="accent1"/>
+            </a:effectRef>
+            <a:fontRef idx="minor">
+              <a:schemeClr val="tx1"/>
+            </a:fontRef>
+          </p:style>
+        </p:cxnSp>
+        <p:cxnSp>
+          <p:nvCxnSpPr>
+            <p:cNvPr id="8" name="直線コネクタ 7">
+              <a:extLst>
+                <a:ext uri="{FF2B5EF4-FFF2-40B4-BE49-F238E27FC236}">
+                  <a16:creationId xmlns:a16="http://schemas.microsoft.com/office/drawing/2014/main" id="{BD59905F-151B-94E9-DD14-2651400F97A4}"/>
+                </a:ext>
+              </a:extLst>
+            </p:cNvPr>
+            <p:cNvCxnSpPr>
+              <a:cxnSpLocks/>
+            </p:cNvCxnSpPr>
+            <p:nvPr/>
+          </p:nvCxnSpPr>
+          <p:spPr>
+            <a:xfrm>
+              <a:off x="6132031" y="2270584"/>
+              <a:ext cx="1044356" cy="1483521"/>
+            </a:xfrm>
+            <a:prstGeom prst="line">
+              <a:avLst/>
+            </a:prstGeom>
+            <a:ln w="9525">
+              <a:solidFill>
+                <a:schemeClr val="tx1"/>
+              </a:solidFill>
+              <a:headEnd type="none"/>
+              <a:tailEnd type="none"/>
+            </a:ln>
+            <a:effectLst/>
+          </p:spPr>
+          <p:style>
+            <a:lnRef idx="2">
+              <a:schemeClr val="accent1"/>
+            </a:lnRef>
+            <a:fillRef idx="0">
+              <a:schemeClr val="accent1"/>
+            </a:fillRef>
+            <a:effectRef idx="1">
+              <a:schemeClr val="accent1"/>
+            </a:effectRef>
+            <a:fontRef idx="minor">
+              <a:schemeClr val="tx1"/>
+            </a:fontRef>
+          </p:style>
+        </p:cxnSp>
+        <mc:AlternateContent xmlns:mc="http://schemas.openxmlformats.org/markup-compatibility/2006">
+          <mc:Choice xmlns:a14="http://schemas.microsoft.com/office/drawing/2010/main" Requires="a14">
+            <p:sp>
+              <p:nvSpPr>
+                <p:cNvPr id="11" name="テキスト ボックス 10">
+                  <a:extLst>
+                    <a:ext uri="{FF2B5EF4-FFF2-40B4-BE49-F238E27FC236}">
+                      <a16:creationId xmlns:a16="http://schemas.microsoft.com/office/drawing/2014/main" id="{72226681-1F13-D46F-8B70-C5C30CF0749E}"/>
+                    </a:ext>
+                  </a:extLst>
+                </p:cNvPr>
+                <p:cNvSpPr txBox="1"/>
+                <p:nvPr/>
+              </p:nvSpPr>
+              <p:spPr>
+                <a:xfrm>
+                  <a:off x="3696586" y="1547442"/>
+                  <a:ext cx="668405" cy="369332"/>
+                </a:xfrm>
+                <a:prstGeom prst="rect">
+                  <a:avLst/>
+                </a:prstGeom>
+                <a:noFill/>
+              </p:spPr>
+              <p:txBody>
+                <a:bodyPr wrap="square" lIns="0" tIns="0" rIns="0" bIns="0" rtlCol="0">
+                  <a:spAutoFit/>
+                </a:bodyPr>
+                <a:lstStyle/>
+                <a:p>
+                  <a:pPr/>
+                  <a14:m>
+                    <m:oMathPara xmlns:m="http://schemas.openxmlformats.org/officeDocument/2006/math">
+                      <m:oMathParaPr>
+                        <m:jc m:val="centerGroup"/>
+                      </m:oMathParaPr>
+                      <m:oMath xmlns:m="http://schemas.openxmlformats.org/officeDocument/2006/math">
+                        <m:sSub>
+                          <m:sSubPr>
+                            <m:ctrlPr>
+                              <a:rPr kumimoji="1" lang="en-US" altLang="ja-JP" sz="2400" b="0" i="1" smtClean="0">
+                                <a:latin typeface="Cambria Math" panose="02040503050406030204" pitchFamily="18" charset="0"/>
+                              </a:rPr>
+                            </m:ctrlPr>
+                          </m:sSubPr>
+                          <m:e>
+                            <m:r>
+                              <a:rPr kumimoji="1" lang="en-US" altLang="ja-JP" sz="2400" b="0" i="1" smtClean="0">
+                                <a:latin typeface="Cambria Math" panose="02040503050406030204" pitchFamily="18" charset="0"/>
+                              </a:rPr>
+                              <m:t>𝑙</m:t>
+                            </m:r>
+                          </m:e>
+                          <m:sub>
+                            <m:r>
+                              <a:rPr kumimoji="1" lang="en-US" altLang="ja-JP" sz="2400" b="0" i="1" smtClean="0">
+                                <a:latin typeface="Cambria Math" panose="02040503050406030204" pitchFamily="18" charset="0"/>
+                              </a:rPr>
+                              <m:t>𝐴</m:t>
+                            </m:r>
+                          </m:sub>
+                        </m:sSub>
+                      </m:oMath>
+                    </m:oMathPara>
+                  </a14:m>
+                  <a:endParaRPr kumimoji="1" lang="ja-JP" altLang="en-US" sz="2400" dirty="0"/>
+                </a:p>
+              </p:txBody>
+            </p:sp>
+          </mc:Choice>
+          <mc:Fallback>
+            <p:sp>
+              <p:nvSpPr>
+                <p:cNvPr id="11" name="テキスト ボックス 10">
+                  <a:extLst>
+                    <a:ext uri="{FF2B5EF4-FFF2-40B4-BE49-F238E27FC236}">
+                      <a16:creationId xmlns:a16="http://schemas.microsoft.com/office/drawing/2014/main" id="{72226681-1F13-D46F-8B70-C5C30CF0749E}"/>
+                    </a:ext>
+                  </a:extLst>
+                </p:cNvPr>
+                <p:cNvSpPr txBox="1">
+                  <a:spLocks noRot="1" noChangeAspect="1" noMove="1" noResize="1" noEditPoints="1" noAdjustHandles="1" noChangeArrowheads="1" noChangeShapeType="1" noTextEdit="1"/>
+                </p:cNvSpPr>
+                <p:nvPr/>
+              </p:nvSpPr>
+              <p:spPr>
+                <a:xfrm>
+                  <a:off x="3696586" y="1547442"/>
+                  <a:ext cx="668405" cy="369332"/>
+                </a:xfrm>
+                <a:prstGeom prst="rect">
+                  <a:avLst/>
+                </a:prstGeom>
+                <a:blipFill>
+                  <a:blip r:embed="rId2"/>
+                  <a:stretch>
+                    <a:fillRect b="-14754"/>
+                  </a:stretch>
+                </a:blipFill>
+              </p:spPr>
+              <p:txBody>
+                <a:bodyPr/>
+                <a:lstStyle/>
+                <a:p>
+                  <a:r>
+                    <a:rPr lang="ja-JP" altLang="en-US">
+                      <a:noFill/>
+                    </a:rPr>
+                    <a:t> </a:t>
+                  </a:r>
+                </a:p>
+              </p:txBody>
+            </p:sp>
+          </mc:Fallback>
+        </mc:AlternateContent>
+        <mc:AlternateContent xmlns:mc="http://schemas.openxmlformats.org/markup-compatibility/2006">
+          <mc:Choice xmlns:a14="http://schemas.microsoft.com/office/drawing/2010/main" Requires="a14">
+            <p:sp>
+              <p:nvSpPr>
+                <p:cNvPr id="13" name="テキスト ボックス 12">
+                  <a:extLst>
+                    <a:ext uri="{FF2B5EF4-FFF2-40B4-BE49-F238E27FC236}">
+                      <a16:creationId xmlns:a16="http://schemas.microsoft.com/office/drawing/2014/main" id="{5C7BB246-CA3B-661C-DA7B-5A1FEDB094CA}"/>
+                    </a:ext>
+                  </a:extLst>
+                </p:cNvPr>
+                <p:cNvSpPr txBox="1"/>
+                <p:nvPr/>
+              </p:nvSpPr>
+              <p:spPr>
+                <a:xfrm>
+                  <a:off x="6792930" y="2771578"/>
+                  <a:ext cx="554464" cy="369332"/>
+                </a:xfrm>
+                <a:prstGeom prst="rect">
+                  <a:avLst/>
+                </a:prstGeom>
+                <a:noFill/>
+              </p:spPr>
+              <p:txBody>
+                <a:bodyPr wrap="square" lIns="0" tIns="0" rIns="0" bIns="0" rtlCol="0">
+                  <a:spAutoFit/>
+                </a:bodyPr>
+                <a:lstStyle/>
+                <a:p>
+                  <a:pPr/>
+                  <a14:m>
+                    <m:oMathPara xmlns:m="http://schemas.openxmlformats.org/officeDocument/2006/math">
+                      <m:oMathParaPr>
+                        <m:jc m:val="centerGroup"/>
+                      </m:oMathParaPr>
+                      <m:oMath xmlns:m="http://schemas.openxmlformats.org/officeDocument/2006/math">
+                        <m:sSub>
+                          <m:sSubPr>
+                            <m:ctrlPr>
+                              <a:rPr kumimoji="1" lang="en-US" altLang="ja-JP" sz="2400" b="0" i="1" smtClean="0">
+                                <a:latin typeface="Cambria Math" panose="02040503050406030204" pitchFamily="18" charset="0"/>
+                              </a:rPr>
+                            </m:ctrlPr>
+                          </m:sSubPr>
+                          <m:e>
+                            <m:r>
+                              <a:rPr kumimoji="1" lang="en-US" altLang="ja-JP" sz="2400" b="0" i="1" smtClean="0">
+                                <a:latin typeface="Cambria Math" panose="02040503050406030204" pitchFamily="18" charset="0"/>
+                              </a:rPr>
+                              <m:t>𝑙</m:t>
+                            </m:r>
+                          </m:e>
+                          <m:sub>
+                            <m:r>
+                              <a:rPr kumimoji="1" lang="en-US" altLang="ja-JP" sz="2400" b="0" i="1" smtClean="0">
+                                <a:latin typeface="Cambria Math" panose="02040503050406030204" pitchFamily="18" charset="0"/>
+                              </a:rPr>
+                              <m:t>𝐵</m:t>
+                            </m:r>
+                          </m:sub>
+                        </m:sSub>
+                      </m:oMath>
+                    </m:oMathPara>
+                  </a14:m>
+                  <a:endParaRPr kumimoji="1" lang="ja-JP" altLang="en-US" sz="2400" dirty="0"/>
+                </a:p>
+              </p:txBody>
+            </p:sp>
+          </mc:Choice>
+          <mc:Fallback>
+            <p:sp>
+              <p:nvSpPr>
+                <p:cNvPr id="13" name="テキスト ボックス 12">
+                  <a:extLst>
+                    <a:ext uri="{FF2B5EF4-FFF2-40B4-BE49-F238E27FC236}">
+                      <a16:creationId xmlns:a16="http://schemas.microsoft.com/office/drawing/2014/main" id="{5C7BB246-CA3B-661C-DA7B-5A1FEDB094CA}"/>
+                    </a:ext>
+                  </a:extLst>
+                </p:cNvPr>
+                <p:cNvSpPr txBox="1">
+                  <a:spLocks noRot="1" noChangeAspect="1" noMove="1" noResize="1" noEditPoints="1" noAdjustHandles="1" noChangeArrowheads="1" noChangeShapeType="1" noTextEdit="1"/>
+                </p:cNvSpPr>
+                <p:nvPr/>
+              </p:nvSpPr>
+              <p:spPr>
+                <a:xfrm>
+                  <a:off x="6792930" y="2771578"/>
+                  <a:ext cx="554464" cy="369332"/>
+                </a:xfrm>
+                <a:prstGeom prst="rect">
+                  <a:avLst/>
+                </a:prstGeom>
+                <a:blipFill>
+                  <a:blip r:embed="rId3"/>
+                  <a:stretch>
+                    <a:fillRect b="-13115"/>
+                  </a:stretch>
+                </a:blipFill>
+              </p:spPr>
+              <p:txBody>
+                <a:bodyPr/>
+                <a:lstStyle/>
+                <a:p>
+                  <a:r>
+                    <a:rPr lang="ja-JP" altLang="en-US">
+                      <a:noFill/>
+                    </a:rPr>
+                    <a:t> </a:t>
+                  </a:r>
+                </a:p>
+              </p:txBody>
+            </p:sp>
+          </mc:Fallback>
+        </mc:AlternateContent>
+        <mc:AlternateContent xmlns:mc="http://schemas.openxmlformats.org/markup-compatibility/2006">
+          <mc:Choice xmlns:a14="http://schemas.microsoft.com/office/drawing/2010/main" Requires="a14">
+            <p:sp>
+              <p:nvSpPr>
+                <p:cNvPr id="14" name="テキスト ボックス 13">
+                  <a:extLst>
+                    <a:ext uri="{FF2B5EF4-FFF2-40B4-BE49-F238E27FC236}">
+                      <a16:creationId xmlns:a16="http://schemas.microsoft.com/office/drawing/2014/main" id="{A76FCFFA-A131-1754-8796-5767EEF70745}"/>
+                    </a:ext>
+                  </a:extLst>
+                </p:cNvPr>
+                <p:cNvSpPr txBox="1"/>
+                <p:nvPr/>
+              </p:nvSpPr>
+              <p:spPr>
+                <a:xfrm>
+                  <a:off x="4312210" y="573856"/>
+                  <a:ext cx="475866" cy="727052"/>
+                </a:xfrm>
+                <a:prstGeom prst="rect">
+                  <a:avLst/>
+                </a:prstGeom>
+                <a:noFill/>
+              </p:spPr>
+              <p:txBody>
+                <a:bodyPr wrap="none" lIns="0" tIns="0" rIns="0" bIns="0" rtlCol="0">
+                  <a:spAutoFit/>
+                </a:bodyPr>
+                <a:lstStyle/>
+                <a:p>
+                  <a:pPr/>
+                  <a14:m>
+                    <m:oMathPara xmlns:m="http://schemas.openxmlformats.org/officeDocument/2006/math">
+                      <m:oMathParaPr>
+                        <m:jc m:val="centerGroup"/>
+                      </m:oMathParaPr>
+                      <m:oMath xmlns:m="http://schemas.openxmlformats.org/officeDocument/2006/math">
+                        <m:r>
+                          <a:rPr kumimoji="1" lang="en-US" altLang="ja-JP" sz="2400" b="0" i="1" smtClean="0">
+                            <a:latin typeface="Cambria Math" panose="02040503050406030204" pitchFamily="18" charset="0"/>
+                          </a:rPr>
+                          <m:t>𝑥</m:t>
+                        </m:r>
+                      </m:oMath>
+                    </m:oMathPara>
+                  </a14:m>
+                  <a:endParaRPr kumimoji="1" lang="ja-JP" altLang="en-US" sz="2400" dirty="0"/>
+                </a:p>
+              </p:txBody>
+            </p:sp>
+          </mc:Choice>
+          <mc:Fallback>
+            <p:sp>
+              <p:nvSpPr>
+                <p:cNvPr id="14" name="テキスト ボックス 13">
+                  <a:extLst>
+                    <a:ext uri="{FF2B5EF4-FFF2-40B4-BE49-F238E27FC236}">
+                      <a16:creationId xmlns:a16="http://schemas.microsoft.com/office/drawing/2014/main" id="{A76FCFFA-A131-1754-8796-5767EEF70745}"/>
+                    </a:ext>
+                  </a:extLst>
+                </p:cNvPr>
+                <p:cNvSpPr txBox="1">
+                  <a:spLocks noRot="1" noChangeAspect="1" noMove="1" noResize="1" noEditPoints="1" noAdjustHandles="1" noChangeArrowheads="1" noChangeShapeType="1" noTextEdit="1"/>
+                </p:cNvSpPr>
+                <p:nvPr/>
+              </p:nvSpPr>
+              <p:spPr>
+                <a:xfrm>
+                  <a:off x="4312210" y="573856"/>
+                  <a:ext cx="475866" cy="727052"/>
+                </a:xfrm>
+                <a:prstGeom prst="rect">
+                  <a:avLst/>
+                </a:prstGeom>
+                <a:blipFill>
+                  <a:blip r:embed="rId4"/>
+                  <a:stretch>
+                    <a:fillRect/>
+                  </a:stretch>
+                </a:blipFill>
+              </p:spPr>
+              <p:txBody>
+                <a:bodyPr/>
+                <a:lstStyle/>
+                <a:p>
+                  <a:r>
+                    <a:rPr lang="ja-JP" altLang="en-US">
+                      <a:noFill/>
+                    </a:rPr>
+                    <a:t> </a:t>
+                  </a:r>
+                </a:p>
+              </p:txBody>
+            </p:sp>
+          </mc:Fallback>
+        </mc:AlternateContent>
+        <mc:AlternateContent xmlns:mc="http://schemas.openxmlformats.org/markup-compatibility/2006">
+          <mc:Choice xmlns:a14="http://schemas.microsoft.com/office/drawing/2010/main" Requires="a14">
+            <p:sp>
+              <p:nvSpPr>
+                <p:cNvPr id="15" name="テキスト ボックス 14">
+                  <a:extLst>
+                    <a:ext uri="{FF2B5EF4-FFF2-40B4-BE49-F238E27FC236}">
+                      <a16:creationId xmlns:a16="http://schemas.microsoft.com/office/drawing/2014/main" id="{DB8AC21A-180F-B992-7A4C-CCD30F88577B}"/>
+                    </a:ext>
+                  </a:extLst>
+                </p:cNvPr>
+                <p:cNvSpPr txBox="1"/>
+                <p:nvPr/>
+              </p:nvSpPr>
+              <p:spPr>
+                <a:xfrm>
+                  <a:off x="6230788" y="3838669"/>
+                  <a:ext cx="777585" cy="369332"/>
+                </a:xfrm>
+                <a:prstGeom prst="rect">
+                  <a:avLst/>
+                </a:prstGeom>
+                <a:noFill/>
+              </p:spPr>
+              <p:txBody>
+                <a:bodyPr wrap="none" lIns="0" tIns="0" rIns="0" bIns="0" rtlCol="0">
+                  <a:spAutoFit/>
+                </a:bodyPr>
+                <a:lstStyle/>
+                <a:p>
+                  <a:pPr/>
+                  <a14:m>
+                    <m:oMathPara xmlns:m="http://schemas.openxmlformats.org/officeDocument/2006/math">
+                      <m:oMathParaPr>
+                        <m:jc m:val="centerGroup"/>
+                      </m:oMathParaPr>
+                      <m:oMath xmlns:m="http://schemas.openxmlformats.org/officeDocument/2006/math">
+                        <m:r>
+                          <a:rPr kumimoji="1" lang="en-US" altLang="ja-JP" sz="2400" b="0" i="1" smtClean="0">
+                            <a:latin typeface="Cambria Math" panose="02040503050406030204" pitchFamily="18" charset="0"/>
+                          </a:rPr>
+                          <m:t>𝐿</m:t>
+                        </m:r>
+                        <m:r>
+                          <a:rPr kumimoji="1" lang="en-US" altLang="ja-JP" sz="2400" b="0" i="1" smtClean="0">
+                            <a:latin typeface="Cambria Math" panose="02040503050406030204" pitchFamily="18" charset="0"/>
+                          </a:rPr>
+                          <m:t>−</m:t>
+                        </m:r>
+                        <m:r>
+                          <a:rPr kumimoji="1" lang="en-US" altLang="ja-JP" sz="2400" b="0" i="1" smtClean="0">
+                            <a:latin typeface="Cambria Math" panose="02040503050406030204" pitchFamily="18" charset="0"/>
+                          </a:rPr>
+                          <m:t>𝑥</m:t>
+                        </m:r>
+                      </m:oMath>
+                    </m:oMathPara>
+                  </a14:m>
+                  <a:endParaRPr kumimoji="1" lang="ja-JP" altLang="en-US" sz="2400" dirty="0"/>
+                </a:p>
+              </p:txBody>
+            </p:sp>
+          </mc:Choice>
+          <mc:Fallback>
+            <p:sp>
+              <p:nvSpPr>
+                <p:cNvPr id="15" name="テキスト ボックス 14">
+                  <a:extLst>
+                    <a:ext uri="{FF2B5EF4-FFF2-40B4-BE49-F238E27FC236}">
+                      <a16:creationId xmlns:a16="http://schemas.microsoft.com/office/drawing/2014/main" id="{DB8AC21A-180F-B992-7A4C-CCD30F88577B}"/>
+                    </a:ext>
+                  </a:extLst>
+                </p:cNvPr>
+                <p:cNvSpPr txBox="1">
+                  <a:spLocks noRot="1" noChangeAspect="1" noMove="1" noResize="1" noEditPoints="1" noAdjustHandles="1" noChangeArrowheads="1" noChangeShapeType="1" noTextEdit="1"/>
+                </p:cNvSpPr>
+                <p:nvPr/>
+              </p:nvSpPr>
+              <p:spPr>
+                <a:xfrm>
+                  <a:off x="6230788" y="3838669"/>
+                  <a:ext cx="777585" cy="369332"/>
+                </a:xfrm>
+                <a:prstGeom prst="rect">
+                  <a:avLst/>
+                </a:prstGeom>
+                <a:blipFill>
+                  <a:blip r:embed="rId5"/>
+                  <a:stretch>
+                    <a:fillRect l="-8594" r="-3906" b="-6557"/>
+                  </a:stretch>
+                </a:blipFill>
+              </p:spPr>
+              <p:txBody>
+                <a:bodyPr/>
+                <a:lstStyle/>
+                <a:p>
+                  <a:r>
+                    <a:rPr lang="ja-JP" altLang="en-US">
+                      <a:noFill/>
+                    </a:rPr>
+                    <a:t> </a:t>
+                  </a:r>
+                </a:p>
+              </p:txBody>
+            </p:sp>
+          </mc:Fallback>
+        </mc:AlternateContent>
+        <p:sp>
+          <p:nvSpPr>
+            <p:cNvPr id="26" name="フリーフォーム 25">
+              <a:extLst>
+                <a:ext uri="{FF2B5EF4-FFF2-40B4-BE49-F238E27FC236}">
+                  <a16:creationId xmlns:a16="http://schemas.microsoft.com/office/drawing/2014/main" id="{0B3C412F-125E-3872-BDAA-4422B4497425}"/>
+                </a:ext>
+              </a:extLst>
+            </p:cNvPr>
+            <p:cNvSpPr/>
+            <p:nvPr/>
+          </p:nvSpPr>
+          <p:spPr>
+            <a:xfrm>
+              <a:off x="6137934" y="2546102"/>
+              <a:ext cx="184150" cy="53996"/>
+            </a:xfrm>
+            <a:custGeom>
+              <a:avLst/>
+              <a:gdLst>
+                <a:gd name="connsiteX0" fmla="*/ 0 w 184150"/>
+                <a:gd name="connsiteY0" fmla="*/ 44450 h 53996"/>
+                <a:gd name="connsiteX1" fmla="*/ 82550 w 184150"/>
+                <a:gd name="connsiteY1" fmla="*/ 50800 h 53996"/>
+                <a:gd name="connsiteX2" fmla="*/ 184150 w 184150"/>
+                <a:gd name="connsiteY2" fmla="*/ 0 h 53996"/>
+              </a:gdLst>
+              <a:ahLst/>
+              <a:cxnLst>
+                <a:cxn ang="0">
+                  <a:pos x="connsiteX0" y="connsiteY0"/>
+                </a:cxn>
+                <a:cxn ang="0">
+                  <a:pos x="connsiteX1" y="connsiteY1"/>
+                </a:cxn>
+                <a:cxn ang="0">
+                  <a:pos x="connsiteX2" y="connsiteY2"/>
+                </a:cxn>
+              </a:cxnLst>
+              <a:rect l="l" t="t" r="r" b="b"/>
+              <a:pathLst>
+                <a:path w="184150" h="53996">
+                  <a:moveTo>
+                    <a:pt x="0" y="44450"/>
+                  </a:moveTo>
+                  <a:cubicBezTo>
+                    <a:pt x="25929" y="51329"/>
+                    <a:pt x="51858" y="58208"/>
+                    <a:pt x="82550" y="50800"/>
+                  </a:cubicBezTo>
+                  <a:cubicBezTo>
+                    <a:pt x="113242" y="43392"/>
+                    <a:pt x="148696" y="21696"/>
+                    <a:pt x="184150" y="0"/>
+                  </a:cubicBezTo>
+                </a:path>
+              </a:pathLst>
+            </a:custGeom>
+            <a:noFill/>
+            <a:ln>
+              <a:solidFill>
+                <a:schemeClr val="tx1"/>
+              </a:solidFill>
+            </a:ln>
+          </p:spPr>
+          <p:txBody>
+            <a:bodyPr rtlCol="0" anchor="ctr"/>
+            <a:lstStyle/>
+            <a:p>
+              <a:pPr algn="ctr"/>
+              <a:endParaRPr kumimoji="1" lang="ja-JP" altLang="en-US"/>
+            </a:p>
+          </p:txBody>
+        </p:sp>
+        <mc:AlternateContent xmlns:mc="http://schemas.openxmlformats.org/markup-compatibility/2006">
+          <mc:Choice xmlns:a14="http://schemas.microsoft.com/office/drawing/2010/main" Requires="a14">
+            <p:sp>
+              <p:nvSpPr>
+                <p:cNvPr id="27" name="テキスト ボックス 26">
+                  <a:extLst>
+                    <a:ext uri="{FF2B5EF4-FFF2-40B4-BE49-F238E27FC236}">
+                      <a16:creationId xmlns:a16="http://schemas.microsoft.com/office/drawing/2014/main" id="{3707BF5E-340B-0F2A-3601-097184F91D8C}"/>
+                    </a:ext>
+                  </a:extLst>
+                </p:cNvPr>
+                <p:cNvSpPr txBox="1"/>
+                <p:nvPr/>
+              </p:nvSpPr>
+              <p:spPr>
+                <a:xfrm>
+                  <a:off x="6083325" y="2654574"/>
+                  <a:ext cx="554464" cy="369332"/>
+                </a:xfrm>
+                <a:prstGeom prst="rect">
+                  <a:avLst/>
+                </a:prstGeom>
+                <a:noFill/>
+              </p:spPr>
+              <p:txBody>
+                <a:bodyPr wrap="square" lIns="0" tIns="0" rIns="0" bIns="0" rtlCol="0">
+                  <a:spAutoFit/>
+                </a:bodyPr>
+                <a:lstStyle/>
+                <a:p>
+                  <a:pPr/>
+                  <a14:m>
+                    <m:oMathPara xmlns:m="http://schemas.openxmlformats.org/officeDocument/2006/math">
+                      <m:oMathParaPr>
+                        <m:jc m:val="centerGroup"/>
+                      </m:oMathParaPr>
+                      <m:oMath xmlns:m="http://schemas.openxmlformats.org/officeDocument/2006/math">
+                        <m:sSub>
+                          <m:sSubPr>
+                            <m:ctrlPr>
+                              <a:rPr kumimoji="1" lang="en-US" altLang="ja-JP" sz="2400" b="0" i="1" smtClean="0">
+                                <a:latin typeface="Cambria Math" panose="02040503050406030204" pitchFamily="18" charset="0"/>
+                              </a:rPr>
+                            </m:ctrlPr>
+                          </m:sSubPr>
+                          <m:e>
+                            <m:r>
+                              <a:rPr kumimoji="1" lang="en-US" altLang="ja-JP" sz="2400" b="0" i="1" smtClean="0">
+                                <a:latin typeface="Cambria Math" panose="02040503050406030204" pitchFamily="18" charset="0"/>
+                              </a:rPr>
+                              <m:t>𝜃</m:t>
+                            </m:r>
+                          </m:e>
+                          <m:sub>
+                            <m:r>
+                              <a:rPr kumimoji="1" lang="en-US" altLang="ja-JP" sz="2400" b="0" i="1" smtClean="0">
+                                <a:latin typeface="Cambria Math" panose="02040503050406030204" pitchFamily="18" charset="0"/>
+                              </a:rPr>
+                              <m:t>𝐵</m:t>
+                            </m:r>
+                          </m:sub>
+                        </m:sSub>
+                      </m:oMath>
+                    </m:oMathPara>
+                  </a14:m>
+                  <a:endParaRPr kumimoji="1" lang="ja-JP" altLang="en-US" sz="2400" dirty="0"/>
+                </a:p>
+              </p:txBody>
+            </p:sp>
+          </mc:Choice>
+          <mc:Fallback>
+            <p:sp>
+              <p:nvSpPr>
+                <p:cNvPr id="27" name="テキスト ボックス 26">
+                  <a:extLst>
+                    <a:ext uri="{FF2B5EF4-FFF2-40B4-BE49-F238E27FC236}">
+                      <a16:creationId xmlns:a16="http://schemas.microsoft.com/office/drawing/2014/main" id="{3707BF5E-340B-0F2A-3601-097184F91D8C}"/>
+                    </a:ext>
+                  </a:extLst>
+                </p:cNvPr>
+                <p:cNvSpPr txBox="1">
+                  <a:spLocks noRot="1" noChangeAspect="1" noMove="1" noResize="1" noEditPoints="1" noAdjustHandles="1" noChangeArrowheads="1" noChangeShapeType="1" noTextEdit="1"/>
+                </p:cNvSpPr>
+                <p:nvPr/>
+              </p:nvSpPr>
+              <p:spPr>
+                <a:xfrm>
+                  <a:off x="6083325" y="2654574"/>
+                  <a:ext cx="554464" cy="369332"/>
+                </a:xfrm>
+                <a:prstGeom prst="rect">
+                  <a:avLst/>
+                </a:prstGeom>
+                <a:blipFill>
+                  <a:blip r:embed="rId6"/>
+                  <a:stretch>
+                    <a:fillRect b="-13115"/>
+                  </a:stretch>
+                </a:blipFill>
+              </p:spPr>
+              <p:txBody>
+                <a:bodyPr/>
+                <a:lstStyle/>
+                <a:p>
+                  <a:r>
+                    <a:rPr lang="ja-JP" altLang="en-US">
+                      <a:noFill/>
+                    </a:rPr>
+                    <a:t> </a:t>
+                  </a:r>
+                </a:p>
+              </p:txBody>
+            </p:sp>
+          </mc:Fallback>
+        </mc:AlternateContent>
+        <p:cxnSp>
+          <p:nvCxnSpPr>
+            <p:cNvPr id="32" name="直線コネクタ 31">
+              <a:extLst>
+                <a:ext uri="{FF2B5EF4-FFF2-40B4-BE49-F238E27FC236}">
+                  <a16:creationId xmlns:a16="http://schemas.microsoft.com/office/drawing/2014/main" id="{139DFF87-9869-BA4E-1C95-8D92DE1E2B1C}"/>
+                </a:ext>
+              </a:extLst>
+            </p:cNvPr>
+            <p:cNvCxnSpPr/>
+            <p:nvPr/>
+          </p:nvCxnSpPr>
+          <p:spPr>
+            <a:xfrm>
+              <a:off x="2771800" y="1009494"/>
+              <a:ext cx="3369292" cy="0"/>
+            </a:xfrm>
+            <a:prstGeom prst="line">
+              <a:avLst/>
+            </a:prstGeom>
+            <a:ln w="9525">
+              <a:solidFill>
+                <a:schemeClr val="tx1"/>
+              </a:solidFill>
+              <a:headEnd type="none"/>
+              <a:tailEnd type="none"/>
+            </a:ln>
+            <a:effectLst/>
+          </p:spPr>
+          <p:style>
+            <a:lnRef idx="2">
+              <a:schemeClr val="accent1"/>
+            </a:lnRef>
+            <a:fillRef idx="0">
+              <a:schemeClr val="accent1"/>
+            </a:fillRef>
+            <a:effectRef idx="1">
+              <a:schemeClr val="accent1"/>
+            </a:effectRef>
+            <a:fontRef idx="minor">
+              <a:schemeClr val="tx1"/>
+            </a:fontRef>
+          </p:style>
+        </p:cxnSp>
+        <p:cxnSp>
+          <p:nvCxnSpPr>
+            <p:cNvPr id="33" name="直線コネクタ 32">
+              <a:extLst>
+                <a:ext uri="{FF2B5EF4-FFF2-40B4-BE49-F238E27FC236}">
+                  <a16:creationId xmlns:a16="http://schemas.microsoft.com/office/drawing/2014/main" id="{3E5CC719-8A9D-3E6C-AD8C-F5E8F95D7DD0}"/>
+                </a:ext>
+              </a:extLst>
+            </p:cNvPr>
+            <p:cNvCxnSpPr>
+              <a:cxnSpLocks/>
+            </p:cNvCxnSpPr>
+            <p:nvPr/>
+          </p:nvCxnSpPr>
+          <p:spPr>
+            <a:xfrm>
+              <a:off x="6132031" y="3754105"/>
+              <a:ext cx="1044355" cy="0"/>
+            </a:xfrm>
+            <a:prstGeom prst="line">
+              <a:avLst/>
+            </a:prstGeom>
+            <a:ln w="9525">
+              <a:solidFill>
+                <a:schemeClr val="tx1"/>
+              </a:solidFill>
+              <a:headEnd type="none"/>
+              <a:tailEnd type="none"/>
+            </a:ln>
+            <a:effectLst/>
+          </p:spPr>
+          <p:style>
+            <a:lnRef idx="2">
+              <a:schemeClr val="accent1"/>
+            </a:lnRef>
+            <a:fillRef idx="0">
+              <a:schemeClr val="accent1"/>
+            </a:fillRef>
+            <a:effectRef idx="1">
+              <a:schemeClr val="accent1"/>
+            </a:effectRef>
+            <a:fontRef idx="minor">
+              <a:schemeClr val="tx1"/>
+            </a:fontRef>
+          </p:style>
+        </p:cxnSp>
+        <mc:AlternateContent xmlns:mc="http://schemas.openxmlformats.org/markup-compatibility/2006">
+          <mc:Choice xmlns:a14="http://schemas.microsoft.com/office/drawing/2010/main" Requires="a14">
+            <p:sp>
+              <p:nvSpPr>
+                <p:cNvPr id="36" name="テキスト ボックス 35">
+                  <a:extLst>
+                    <a:ext uri="{FF2B5EF4-FFF2-40B4-BE49-F238E27FC236}">
+                      <a16:creationId xmlns:a16="http://schemas.microsoft.com/office/drawing/2014/main" id="{768B53B6-4B9F-E779-5A36-0A82A6E1169F}"/>
+                    </a:ext>
+                  </a:extLst>
+                </p:cNvPr>
+                <p:cNvSpPr txBox="1"/>
+                <p:nvPr/>
+              </p:nvSpPr>
+              <p:spPr>
+                <a:xfrm>
+                  <a:off x="5528861" y="1494944"/>
+                  <a:ext cx="554464" cy="369332"/>
+                </a:xfrm>
+                <a:prstGeom prst="rect">
+                  <a:avLst/>
+                </a:prstGeom>
+                <a:noFill/>
+              </p:spPr>
+              <p:txBody>
+                <a:bodyPr wrap="square" lIns="0" tIns="0" rIns="0" bIns="0" rtlCol="0">
+                  <a:spAutoFit/>
+                </a:bodyPr>
+                <a:lstStyle/>
+                <a:p>
+                  <a:pPr/>
+                  <a14:m>
+                    <m:oMathPara xmlns:m="http://schemas.openxmlformats.org/officeDocument/2006/math">
+                      <m:oMathParaPr>
+                        <m:jc m:val="centerGroup"/>
+                      </m:oMathParaPr>
+                      <m:oMath xmlns:m="http://schemas.openxmlformats.org/officeDocument/2006/math">
+                        <m:sSub>
+                          <m:sSubPr>
+                            <m:ctrlPr>
+                              <a:rPr kumimoji="1" lang="en-US" altLang="ja-JP" sz="2400" b="0" i="1" smtClean="0">
+                                <a:latin typeface="Cambria Math" panose="02040503050406030204" pitchFamily="18" charset="0"/>
+                              </a:rPr>
+                            </m:ctrlPr>
+                          </m:sSubPr>
+                          <m:e>
+                            <m:r>
+                              <a:rPr kumimoji="1" lang="en-US" altLang="ja-JP" sz="2400" b="0" i="1" smtClean="0">
+                                <a:latin typeface="Cambria Math" panose="02040503050406030204" pitchFamily="18" charset="0"/>
+                              </a:rPr>
+                              <m:t>𝜃</m:t>
+                            </m:r>
+                          </m:e>
+                          <m:sub>
+                            <m:r>
+                              <a:rPr kumimoji="1" lang="en-US" altLang="ja-JP" sz="2400" b="0" i="1" smtClean="0">
+                                <a:latin typeface="Cambria Math" panose="02040503050406030204" pitchFamily="18" charset="0"/>
+                              </a:rPr>
+                              <m:t>𝐴</m:t>
+                            </m:r>
+                          </m:sub>
+                        </m:sSub>
+                      </m:oMath>
+                    </m:oMathPara>
+                  </a14:m>
+                  <a:endParaRPr kumimoji="1" lang="ja-JP" altLang="en-US" sz="2400" dirty="0"/>
+                </a:p>
+              </p:txBody>
+            </p:sp>
+          </mc:Choice>
+          <mc:Fallback>
+            <p:sp>
+              <p:nvSpPr>
+                <p:cNvPr id="36" name="テキスト ボックス 35">
+                  <a:extLst>
+                    <a:ext uri="{FF2B5EF4-FFF2-40B4-BE49-F238E27FC236}">
+                      <a16:creationId xmlns:a16="http://schemas.microsoft.com/office/drawing/2014/main" id="{768B53B6-4B9F-E779-5A36-0A82A6E1169F}"/>
+                    </a:ext>
+                  </a:extLst>
+                </p:cNvPr>
+                <p:cNvSpPr txBox="1">
+                  <a:spLocks noRot="1" noChangeAspect="1" noMove="1" noResize="1" noEditPoints="1" noAdjustHandles="1" noChangeArrowheads="1" noChangeShapeType="1" noTextEdit="1"/>
+                </p:cNvSpPr>
+                <p:nvPr/>
+              </p:nvSpPr>
+              <p:spPr>
+                <a:xfrm>
+                  <a:off x="5528861" y="1494944"/>
+                  <a:ext cx="554464" cy="369332"/>
+                </a:xfrm>
+                <a:prstGeom prst="rect">
+                  <a:avLst/>
+                </a:prstGeom>
+                <a:blipFill>
+                  <a:blip r:embed="rId7"/>
+                  <a:stretch>
+                    <a:fillRect b="-15000"/>
+                  </a:stretch>
+                </a:blipFill>
+              </p:spPr>
+              <p:txBody>
+                <a:bodyPr/>
+                <a:lstStyle/>
+                <a:p>
+                  <a:r>
+                    <a:rPr lang="ja-JP" altLang="en-US">
+                      <a:noFill/>
+                    </a:rPr>
+                    <a:t> </a:t>
+                  </a:r>
+                </a:p>
+              </p:txBody>
+            </p:sp>
+          </mc:Fallback>
+        </mc:AlternateContent>
+        <p:sp>
+          <p:nvSpPr>
+            <p:cNvPr id="39" name="フリーフォーム 38">
+              <a:extLst>
+                <a:ext uri="{FF2B5EF4-FFF2-40B4-BE49-F238E27FC236}">
+                  <a16:creationId xmlns:a16="http://schemas.microsoft.com/office/drawing/2014/main" id="{DEDE4363-8D23-35F4-A6CB-F52226E2E28A}"/>
+                </a:ext>
+              </a:extLst>
+            </p:cNvPr>
+            <p:cNvSpPr/>
+            <p:nvPr/>
+          </p:nvSpPr>
+          <p:spPr>
+            <a:xfrm rot="19288572">
+              <a:off x="5860851" y="2022522"/>
+              <a:ext cx="303241" cy="61209"/>
+            </a:xfrm>
+            <a:custGeom>
+              <a:avLst/>
+              <a:gdLst>
+                <a:gd name="connsiteX0" fmla="*/ 0 w 250825"/>
+                <a:gd name="connsiteY0" fmla="*/ 136607 h 136607"/>
+                <a:gd name="connsiteX1" fmla="*/ 114300 w 250825"/>
+                <a:gd name="connsiteY1" fmla="*/ 82 h 136607"/>
+                <a:gd name="connsiteX2" fmla="*/ 250825 w 250825"/>
+                <a:gd name="connsiteY2" fmla="*/ 120732 h 136607"/>
+              </a:gdLst>
+              <a:ahLst/>
+              <a:cxnLst>
+                <a:cxn ang="0">
+                  <a:pos x="connsiteX0" y="connsiteY0"/>
+                </a:cxn>
+                <a:cxn ang="0">
+                  <a:pos x="connsiteX1" y="connsiteY1"/>
+                </a:cxn>
+                <a:cxn ang="0">
+                  <a:pos x="connsiteX2" y="connsiteY2"/>
+                </a:cxn>
+              </a:cxnLst>
+              <a:rect l="l" t="t" r="r" b="b"/>
+              <a:pathLst>
+                <a:path w="250825" h="136607">
+                  <a:moveTo>
+                    <a:pt x="0" y="136607"/>
+                  </a:moveTo>
+                  <a:cubicBezTo>
+                    <a:pt x="36248" y="69667"/>
+                    <a:pt x="72496" y="2728"/>
+                    <a:pt x="114300" y="82"/>
+                  </a:cubicBezTo>
+                  <a:cubicBezTo>
+                    <a:pt x="156104" y="-2564"/>
+                    <a:pt x="203464" y="59084"/>
+                    <a:pt x="250825" y="120732"/>
+                  </a:cubicBezTo>
+                </a:path>
+              </a:pathLst>
+            </a:custGeom>
+            <a:noFill/>
+            <a:ln>
+              <a:solidFill>
+                <a:schemeClr val="tx1"/>
+              </a:solidFill>
+            </a:ln>
+          </p:spPr>
+          <p:txBody>
+            <a:bodyPr rtlCol="0" anchor="ctr"/>
+            <a:lstStyle/>
+            <a:p>
+              <a:pPr algn="ctr"/>
+              <a:endParaRPr kumimoji="1" lang="ja-JP" altLang="en-US"/>
+            </a:p>
+          </p:txBody>
+        </p:sp>
+        <p:sp>
+          <p:nvSpPr>
+            <p:cNvPr id="40" name="テキスト ボックス 39">
+              <a:extLst>
+                <a:ext uri="{FF2B5EF4-FFF2-40B4-BE49-F238E27FC236}">
+                  <a16:creationId xmlns:a16="http://schemas.microsoft.com/office/drawing/2014/main" id="{F0AF3D59-2517-CC5B-DBB8-3562D75BFE0B}"/>
+                </a:ext>
+              </a:extLst>
+            </p:cNvPr>
+            <p:cNvSpPr txBox="1"/>
+            <p:nvPr/>
+          </p:nvSpPr>
+          <p:spPr>
+            <a:xfrm>
+              <a:off x="2400442" y="706549"/>
+              <a:ext cx="281663" cy="461665"/>
+            </a:xfrm>
+            <a:prstGeom prst="rect">
+              <a:avLst/>
+            </a:prstGeom>
+            <a:noFill/>
+          </p:spPr>
+          <p:txBody>
+            <a:bodyPr wrap="square" rtlCol="0">
+              <a:spAutoFit/>
+            </a:bodyPr>
+            <a:lstStyle/>
+            <a:p>
+              <a:r>
+                <a:rPr kumimoji="1" lang="en-US" altLang="ja-JP" sz="2400" dirty="0"/>
+                <a:t>A</a:t>
+              </a:r>
+              <a:endParaRPr kumimoji="1" lang="ja-JP" altLang="en-US" sz="2400"/>
+            </a:p>
+          </p:txBody>
+        </p:sp>
+        <p:sp>
+          <p:nvSpPr>
+            <p:cNvPr id="41" name="テキスト ボックス 40">
+              <a:extLst>
+                <a:ext uri="{FF2B5EF4-FFF2-40B4-BE49-F238E27FC236}">
+                  <a16:creationId xmlns:a16="http://schemas.microsoft.com/office/drawing/2014/main" id="{06835E43-6555-79C2-4D86-85398ED0B1ED}"/>
+                </a:ext>
+              </a:extLst>
+            </p:cNvPr>
+            <p:cNvSpPr txBox="1"/>
+            <p:nvPr/>
+          </p:nvSpPr>
+          <p:spPr>
+            <a:xfrm>
+              <a:off x="7187404" y="3561670"/>
+              <a:ext cx="281663" cy="461665"/>
+            </a:xfrm>
+            <a:prstGeom prst="rect">
+              <a:avLst/>
+            </a:prstGeom>
+            <a:noFill/>
+          </p:spPr>
+          <p:txBody>
+            <a:bodyPr wrap="square" rtlCol="0">
+              <a:spAutoFit/>
+            </a:bodyPr>
+            <a:lstStyle/>
+            <a:p>
+              <a:r>
+                <a:rPr kumimoji="1" lang="en-US" altLang="ja-JP" sz="2400" dirty="0"/>
+                <a:t>B</a:t>
+              </a:r>
+              <a:endParaRPr kumimoji="1" lang="ja-JP" altLang="en-US" sz="2400"/>
+            </a:p>
+          </p:txBody>
+        </p:sp>
+        <p:sp>
+          <p:nvSpPr>
+            <p:cNvPr id="42" name="テキスト ボックス 41">
+              <a:extLst>
+                <a:ext uri="{FF2B5EF4-FFF2-40B4-BE49-F238E27FC236}">
+                  <a16:creationId xmlns:a16="http://schemas.microsoft.com/office/drawing/2014/main" id="{F911D29F-1C65-607E-5579-E161BE90C118}"/>
+                </a:ext>
+              </a:extLst>
+            </p:cNvPr>
+            <p:cNvSpPr txBox="1"/>
+            <p:nvPr/>
+          </p:nvSpPr>
+          <p:spPr>
+            <a:xfrm>
+              <a:off x="6142113" y="1874415"/>
+              <a:ext cx="281663" cy="461665"/>
+            </a:xfrm>
+            <a:prstGeom prst="rect">
+              <a:avLst/>
+            </a:prstGeom>
+            <a:noFill/>
+          </p:spPr>
+          <p:txBody>
+            <a:bodyPr wrap="square" rtlCol="0">
+              <a:spAutoFit/>
+            </a:bodyPr>
+            <a:lstStyle/>
+            <a:p>
+              <a:r>
+                <a:rPr kumimoji="1" lang="en-US" altLang="ja-JP" sz="2400" dirty="0"/>
+                <a:t>X</a:t>
+              </a:r>
+              <a:endParaRPr kumimoji="1" lang="ja-JP" altLang="en-US" sz="2400"/>
+            </a:p>
+          </p:txBody>
+        </p:sp>
+      </p:grpSp>
+      <mc:AlternateContent xmlns:mc="http://schemas.openxmlformats.org/markup-compatibility/2006">
+        <mc:Choice xmlns:a14="http://schemas.microsoft.com/office/drawing/2010/main" Requires="a14">
+          <p:sp>
+            <p:nvSpPr>
+              <p:cNvPr id="30" name="テキスト ボックス 29">
+                <a:extLst>
+                  <a:ext uri="{FF2B5EF4-FFF2-40B4-BE49-F238E27FC236}">
+                    <a16:creationId xmlns:a16="http://schemas.microsoft.com/office/drawing/2014/main" id="{F2FB1350-C724-80B4-326F-D9B71AFE0283}"/>
+                  </a:ext>
+                </a:extLst>
+              </p:cNvPr>
+              <p:cNvSpPr txBox="1"/>
+              <p:nvPr/>
+            </p:nvSpPr>
+            <p:spPr>
+              <a:xfrm>
+                <a:off x="2123728" y="5373216"/>
+                <a:ext cx="4248472" cy="1136145"/>
+              </a:xfrm>
+              <a:prstGeom prst="rect">
+                <a:avLst/>
+              </a:prstGeom>
+              <a:noFill/>
+            </p:spPr>
+            <p:txBody>
+              <a:bodyPr wrap="square" lIns="0" tIns="0" rIns="0" bIns="0" rtlCol="0">
+                <a:spAutoFit/>
+              </a:bodyPr>
+              <a:lstStyle/>
+              <a:p>
+                <a14:m>
+                  <m:oMathPara xmlns:m="http://schemas.openxmlformats.org/officeDocument/2006/math">
+                    <m:oMathParaPr>
+                      <m:jc m:val="centerGroup"/>
+                    </m:oMathParaPr>
+                    <m:oMath xmlns:m="http://schemas.openxmlformats.org/officeDocument/2006/math">
+                      <m:f>
+                        <m:fPr>
+                          <m:ctrlPr>
+                            <a:rPr lang="en-US" altLang="ja-JP" sz="3600" i="1" smtClean="0">
+                              <a:latin typeface="Cambria Math" panose="02040503050406030204" pitchFamily="18" charset="0"/>
+                            </a:rPr>
+                          </m:ctrlPr>
+                        </m:fPr>
+                        <m:num>
+                          <m:func>
+                            <m:funcPr>
+                              <m:ctrlPr>
+                                <a:rPr lang="en-US" altLang="ja-JP" sz="3600" i="1">
+                                  <a:latin typeface="Cambria Math" panose="02040503050406030204" pitchFamily="18" charset="0"/>
+                                </a:rPr>
+                              </m:ctrlPr>
+                            </m:funcPr>
+                            <m:fName>
+                              <m:r>
+                                <m:rPr>
+                                  <m:sty m:val="p"/>
+                                </m:rPr>
+                                <a:rPr lang="en-US" altLang="ja-JP" sz="3600">
+                                  <a:latin typeface="Cambria Math" panose="02040503050406030204" pitchFamily="18" charset="0"/>
+                                </a:rPr>
+                                <m:t>sin</m:t>
+                              </m:r>
+                            </m:fName>
+                            <m:e>
+                              <m:sSub>
+                                <m:sSubPr>
+                                  <m:ctrlPr>
+                                    <a:rPr lang="en-US" altLang="ja-JP" sz="3600" i="1">
+                                      <a:latin typeface="Cambria Math" panose="02040503050406030204" pitchFamily="18" charset="0"/>
+                                    </a:rPr>
+                                  </m:ctrlPr>
+                                </m:sSubPr>
+                                <m:e>
+                                  <m:r>
+                                    <a:rPr lang="en-US" altLang="ja-JP" sz="3600" i="1">
+                                      <a:latin typeface="Cambria Math" panose="02040503050406030204" pitchFamily="18" charset="0"/>
+                                    </a:rPr>
+                                    <m:t>𝜃</m:t>
+                                  </m:r>
+                                </m:e>
+                                <m:sub>
+                                  <m:r>
+                                    <a:rPr lang="en-US" altLang="ja-JP" sz="3600" b="0" i="1" smtClean="0">
+                                      <a:latin typeface="Cambria Math" panose="02040503050406030204" pitchFamily="18" charset="0"/>
+                                    </a:rPr>
+                                    <m:t>𝐴</m:t>
+                                  </m:r>
+                                </m:sub>
+                              </m:sSub>
+                            </m:e>
+                          </m:func>
+                        </m:num>
+                        <m:den>
+                          <m:sSub>
+                            <m:sSubPr>
+                              <m:ctrlPr>
+                                <a:rPr lang="en-US" altLang="ja-JP" sz="3600" i="1">
+                                  <a:latin typeface="Cambria Math" panose="02040503050406030204" pitchFamily="18" charset="0"/>
+                                </a:rPr>
+                              </m:ctrlPr>
+                            </m:sSubPr>
+                            <m:e>
+                              <m:r>
+                                <a:rPr lang="en-US" altLang="ja-JP" sz="3600" i="1">
+                                  <a:latin typeface="Cambria Math" panose="02040503050406030204" pitchFamily="18" charset="0"/>
+                                </a:rPr>
+                                <m:t>𝑣</m:t>
+                              </m:r>
+                            </m:e>
+                            <m:sub>
+                              <m:r>
+                                <a:rPr lang="en-US" altLang="ja-JP" sz="3600" b="0" i="1" smtClean="0">
+                                  <a:latin typeface="Cambria Math" panose="02040503050406030204" pitchFamily="18" charset="0"/>
+                                </a:rPr>
+                                <m:t>𝐴</m:t>
+                              </m:r>
+                            </m:sub>
+                          </m:sSub>
+                        </m:den>
+                      </m:f>
+                      <m:r>
+                        <a:rPr lang="en-US" altLang="ja-JP" sz="3600" i="1">
+                          <a:latin typeface="Cambria Math" panose="02040503050406030204" pitchFamily="18" charset="0"/>
+                        </a:rPr>
+                        <m:t>=</m:t>
+                      </m:r>
+                      <m:f>
+                        <m:fPr>
+                          <m:ctrlPr>
+                            <a:rPr lang="en-US" altLang="ja-JP" sz="3600" i="1">
+                              <a:latin typeface="Cambria Math" panose="02040503050406030204" pitchFamily="18" charset="0"/>
+                            </a:rPr>
+                          </m:ctrlPr>
+                        </m:fPr>
+                        <m:num>
+                          <m:func>
+                            <m:funcPr>
+                              <m:ctrlPr>
+                                <a:rPr lang="en-US" altLang="ja-JP" sz="3600" i="1">
+                                  <a:latin typeface="Cambria Math" panose="02040503050406030204" pitchFamily="18" charset="0"/>
+                                </a:rPr>
+                              </m:ctrlPr>
+                            </m:funcPr>
+                            <m:fName>
+                              <m:r>
+                                <m:rPr>
+                                  <m:sty m:val="p"/>
+                                </m:rPr>
+                                <a:rPr lang="en-US" altLang="ja-JP" sz="3600">
+                                  <a:latin typeface="Cambria Math" panose="02040503050406030204" pitchFamily="18" charset="0"/>
+                                </a:rPr>
+                                <m:t>sin</m:t>
+                              </m:r>
+                            </m:fName>
+                            <m:e>
+                              <m:sSub>
+                                <m:sSubPr>
+                                  <m:ctrlPr>
+                                    <a:rPr lang="en-US" altLang="ja-JP" sz="3600" i="1">
+                                      <a:latin typeface="Cambria Math" panose="02040503050406030204" pitchFamily="18" charset="0"/>
+                                    </a:rPr>
+                                  </m:ctrlPr>
+                                </m:sSubPr>
+                                <m:e>
+                                  <m:r>
+                                    <a:rPr lang="en-US" altLang="ja-JP" sz="3600" i="1">
+                                      <a:latin typeface="Cambria Math" panose="02040503050406030204" pitchFamily="18" charset="0"/>
+                                    </a:rPr>
+                                    <m:t>𝜃</m:t>
+                                  </m:r>
+                                </m:e>
+                                <m:sub>
+                                  <m:r>
+                                    <a:rPr lang="en-US" altLang="ja-JP" sz="3600" b="0" i="1" smtClean="0">
+                                      <a:latin typeface="Cambria Math" panose="02040503050406030204" pitchFamily="18" charset="0"/>
+                                    </a:rPr>
+                                    <m:t>𝐵</m:t>
+                                  </m:r>
+                                </m:sub>
+                              </m:sSub>
+                            </m:e>
+                          </m:func>
+                        </m:num>
+                        <m:den>
+                          <m:sSub>
+                            <m:sSubPr>
+                              <m:ctrlPr>
+                                <a:rPr lang="en-US" altLang="ja-JP" sz="3600" i="1">
+                                  <a:latin typeface="Cambria Math" panose="02040503050406030204" pitchFamily="18" charset="0"/>
+                                </a:rPr>
+                              </m:ctrlPr>
+                            </m:sSubPr>
+                            <m:e>
+                              <m:r>
+                                <a:rPr lang="en-US" altLang="ja-JP" sz="3600" i="1">
+                                  <a:latin typeface="Cambria Math" panose="02040503050406030204" pitchFamily="18" charset="0"/>
+                                </a:rPr>
+                                <m:t>𝑣</m:t>
+                              </m:r>
+                            </m:e>
+                            <m:sub>
+                              <m:r>
+                                <a:rPr lang="en-US" altLang="ja-JP" sz="3600" b="0" i="1" smtClean="0">
+                                  <a:latin typeface="Cambria Math" panose="02040503050406030204" pitchFamily="18" charset="0"/>
+                                </a:rPr>
+                                <m:t>𝐵</m:t>
+                              </m:r>
+                            </m:sub>
+                          </m:sSub>
+                        </m:den>
+                      </m:f>
+                    </m:oMath>
+                  </m:oMathPara>
+                </a14:m>
+                <a:endParaRPr lang="ja-JP" altLang="en-US" sz="3600" dirty="0"/>
+              </a:p>
+            </p:txBody>
+          </p:sp>
+        </mc:Choice>
+        <mc:Fallback>
+          <p:sp>
+            <p:nvSpPr>
+              <p:cNvPr id="30" name="テキスト ボックス 29">
+                <a:extLst>
+                  <a:ext uri="{FF2B5EF4-FFF2-40B4-BE49-F238E27FC236}">
+                    <a16:creationId xmlns:a16="http://schemas.microsoft.com/office/drawing/2014/main" id="{F2FB1350-C724-80B4-326F-D9B71AFE0283}"/>
+                  </a:ext>
+                </a:extLst>
+              </p:cNvPr>
+              <p:cNvSpPr txBox="1">
+                <a:spLocks noRot="1" noChangeAspect="1" noMove="1" noResize="1" noEditPoints="1" noAdjustHandles="1" noChangeArrowheads="1" noChangeShapeType="1" noTextEdit="1"/>
+              </p:cNvSpPr>
+              <p:nvPr/>
+            </p:nvSpPr>
+            <p:spPr>
+              <a:xfrm>
+                <a:off x="2123728" y="5373216"/>
+                <a:ext cx="4248472" cy="1136145"/>
+              </a:xfrm>
+              <a:prstGeom prst="rect">
+                <a:avLst/>
+              </a:prstGeom>
+              <a:blipFill>
+                <a:blip r:embed="rId8"/>
+                <a:stretch>
+                  <a:fillRect/>
+                </a:stretch>
+              </a:blipFill>
+            </p:spPr>
+            <p:txBody>
+              <a:bodyPr/>
+              <a:lstStyle/>
+              <a:p>
+                <a:r>
+                  <a:rPr lang="ja-JP" altLang="en-US">
+                    <a:noFill/>
+                  </a:rPr>
+                  <a:t> </a:t>
+                </a:r>
+              </a:p>
+            </p:txBody>
+          </p:sp>
+        </mc:Fallback>
+      </mc:AlternateContent>
+      <p:pic>
+        <p:nvPicPr>
+          <p:cNvPr id="38" name="図 37">
+            <a:extLst>
+              <a:ext uri="{FF2B5EF4-FFF2-40B4-BE49-F238E27FC236}">
+                <a16:creationId xmlns:a16="http://schemas.microsoft.com/office/drawing/2014/main" id="{36814C26-A64E-0D41-2237-4D88903CDE22}"/>
+              </a:ext>
+            </a:extLst>
+          </p:cNvPr>
+          <p:cNvPicPr>
+            <a:picLocks noChangeAspect="1"/>
+          </p:cNvPicPr>
+          <p:nvPr/>
+        </p:nvPicPr>
+        <p:blipFill>
+          <a:blip r:embed="rId9"/>
+          <a:stretch>
+            <a:fillRect/>
+          </a:stretch>
+        </p:blipFill>
         <p:spPr>
           <a:xfrm>
-            <a:off x="5430970" y="3993718"/>
-            <a:ext cx="281663" cy="461665"/>
+            <a:off x="5364088" y="336509"/>
+            <a:ext cx="3226633" cy="2156387"/>
           </a:xfrm>
           <a:prstGeom prst="rect">
             <a:avLst/>
           </a:prstGeom>
-          <a:noFill/>
         </p:spPr>
-        <p:txBody>
-          <a:bodyPr wrap="square" rtlCol="0">
-            <a:spAutoFit/>
-          </a:bodyPr>
-          <a:lstStyle/>
-          <a:p>
-            <a:r>
-              <a:rPr kumimoji="1" lang="en-US" altLang="ja-JP" sz="2400" dirty="0"/>
-              <a:t>B</a:t>
-            </a:r>
-            <a:endParaRPr kumimoji="1" lang="ja-JP" altLang="en-US" sz="2400"/>
-          </a:p>
-        </p:txBody>
-      </p:sp>
-      <p:sp>
-        <p:nvSpPr>
-          <p:cNvPr id="42" name="テキスト ボックス 41">
-            <a:extLst>
-              <a:ext uri="{FF2B5EF4-FFF2-40B4-BE49-F238E27FC236}">
-                <a16:creationId xmlns:a16="http://schemas.microsoft.com/office/drawing/2014/main" id="{F911D29F-1C65-607E-5579-E161BE90C118}"/>
-              </a:ext>
-            </a:extLst>
-          </p:cNvPr>
-          <p:cNvSpPr txBox="1"/>
-          <p:nvPr/>
-        </p:nvSpPr>
-        <p:spPr>
-          <a:xfrm>
-            <a:off x="4385679" y="2306463"/>
-            <a:ext cx="281663" cy="461665"/>
-          </a:xfrm>
-          <a:prstGeom prst="rect">
-            <a:avLst/>
-          </a:prstGeom>
-          <a:noFill/>
-        </p:spPr>
-        <p:txBody>
-          <a:bodyPr wrap="square" rtlCol="0">
-            <a:spAutoFit/>
-          </a:bodyPr>
-          <a:lstStyle/>
-          <a:p>
-            <a:r>
-              <a:rPr kumimoji="1" lang="en-US" altLang="ja-JP" sz="2400" dirty="0"/>
-              <a:t>X</a:t>
-            </a:r>
-            <a:endParaRPr kumimoji="1" lang="ja-JP" altLang="en-US" sz="2400"/>
-          </a:p>
-        </p:txBody>
-      </p:sp>
+      </p:pic>
     </p:spTree>
     <p:extLst>
       <p:ext uri="{BB962C8B-B14F-4D97-AF65-F5344CB8AC3E}">
@@ -4153,8 +4005,8 @@
           </a:fontRef>
         </p:style>
       </p:cxnSp>
-      <mc:AlternateContent xmlns:mc="http://schemas.openxmlformats.org/markup-compatibility/2006">
-        <mc:Choice xmlns:a14="http://schemas.microsoft.com/office/drawing/2010/main" Requires="a14">
+      <mc:AlternateContent xmlns:mc="http://schemas.openxmlformats.org/markup-compatibility/2006" xmlns:a14="http://schemas.microsoft.com/office/drawing/2010/main">
+        <mc:Choice Requires="a14">
           <p:sp>
             <p:nvSpPr>
               <p:cNvPr id="28" name="テキスト ボックス 27">
@@ -4183,6 +4035,7 @@
               </a:bodyPr>
               <a:lstStyle/>
               <a:p>
+                <a:pPr/>
                 <a14:m>
                   <m:oMathPara xmlns:m="http://schemas.openxmlformats.org/officeDocument/2006/math">
                     <m:oMathParaPr>
@@ -4203,7 +4056,7 @@
             </p:txBody>
           </p:sp>
         </mc:Choice>
-        <mc:Fallback>
+        <mc:Fallback xmlns="">
           <p:sp>
             <p:nvSpPr>
               <p:cNvPr id="28" name="テキスト ボックス 27">
@@ -4248,8 +4101,8 @@
           </p:sp>
         </mc:Fallback>
       </mc:AlternateContent>
-      <mc:AlternateContent xmlns:mc="http://schemas.openxmlformats.org/markup-compatibility/2006">
-        <mc:Choice xmlns:a14="http://schemas.microsoft.com/office/drawing/2010/main" Requires="a14">
+      <mc:AlternateContent xmlns:mc="http://schemas.openxmlformats.org/markup-compatibility/2006" xmlns:a14="http://schemas.microsoft.com/office/drawing/2010/main">
+        <mc:Choice Requires="a14">
           <p:sp>
             <p:nvSpPr>
               <p:cNvPr id="29" name="テキスト ボックス 28">
@@ -4278,6 +4131,7 @@
               </a:bodyPr>
               <a:lstStyle/>
               <a:p>
+                <a:pPr/>
                 <a14:m>
                   <m:oMathPara xmlns:m="http://schemas.openxmlformats.org/officeDocument/2006/math">
                     <m:oMathParaPr>
@@ -4298,7 +4152,7 @@
             </p:txBody>
           </p:sp>
         </mc:Choice>
-        <mc:Fallback>
+        <mc:Fallback xmlns="">
           <p:sp>
             <p:nvSpPr>
               <p:cNvPr id="29" name="テキスト ボックス 28">
@@ -4435,8 +4289,8 @@
           </a:fontRef>
         </p:style>
       </p:cxnSp>
-      <mc:AlternateContent xmlns:mc="http://schemas.openxmlformats.org/markup-compatibility/2006">
-        <mc:Choice xmlns:a14="http://schemas.microsoft.com/office/drawing/2010/main" Requires="a14">
+      <mc:AlternateContent xmlns:mc="http://schemas.openxmlformats.org/markup-compatibility/2006" xmlns:a14="http://schemas.microsoft.com/office/drawing/2010/main">
+        <mc:Choice Requires="a14">
           <p:sp>
             <p:nvSpPr>
               <p:cNvPr id="37" name="テキスト ボックス 36">
@@ -4465,6 +4319,7 @@
               </a:bodyPr>
               <a:lstStyle/>
               <a:p>
+                <a:pPr/>
                 <a14:m>
                   <m:oMathPara xmlns:m="http://schemas.openxmlformats.org/officeDocument/2006/math">
                     <m:oMathParaPr>
@@ -4485,7 +4340,7 @@
             </p:txBody>
           </p:sp>
         </mc:Choice>
-        <mc:Fallback>
+        <mc:Fallback xmlns="">
           <p:sp>
             <p:nvSpPr>
               <p:cNvPr id="37" name="テキスト ボックス 36">
@@ -4574,8 +4429,8 @@
           </a:fontRef>
         </p:style>
       </p:cxnSp>
-      <mc:AlternateContent xmlns:mc="http://schemas.openxmlformats.org/markup-compatibility/2006">
-        <mc:Choice xmlns:a14="http://schemas.microsoft.com/office/drawing/2010/main" Requires="a14">
+      <mc:AlternateContent xmlns:mc="http://schemas.openxmlformats.org/markup-compatibility/2006" xmlns:a14="http://schemas.microsoft.com/office/drawing/2010/main">
+        <mc:Choice Requires="a14">
           <p:sp>
             <p:nvSpPr>
               <p:cNvPr id="40" name="テキスト ボックス 39">
@@ -4604,6 +4459,7 @@
               </a:bodyPr>
               <a:lstStyle/>
               <a:p>
+                <a:pPr/>
                 <a14:m>
                   <m:oMathPara xmlns:m="http://schemas.openxmlformats.org/officeDocument/2006/math">
                     <m:oMathParaPr>
@@ -4624,7 +4480,7 @@
             </p:txBody>
           </p:sp>
         </mc:Choice>
-        <mc:Fallback>
+        <mc:Fallback xmlns="">
           <p:sp>
             <p:nvSpPr>
               <p:cNvPr id="40" name="テキスト ボックス 39">
@@ -4762,8 +4618,8 @@
           </a:fontRef>
         </p:style>
       </p:cxnSp>
-      <mc:AlternateContent xmlns:mc="http://schemas.openxmlformats.org/markup-compatibility/2006">
-        <mc:Choice xmlns:a14="http://schemas.microsoft.com/office/drawing/2010/main" Requires="a14">
+      <mc:AlternateContent xmlns:mc="http://schemas.openxmlformats.org/markup-compatibility/2006" xmlns:a14="http://schemas.microsoft.com/office/drawing/2010/main">
+        <mc:Choice Requires="a14">
           <p:sp>
             <p:nvSpPr>
               <p:cNvPr id="45" name="テキスト ボックス 44">
@@ -4792,6 +4648,7 @@
               </a:bodyPr>
               <a:lstStyle/>
               <a:p>
+                <a:pPr/>
                 <a14:m>
                   <m:oMathPara xmlns:m="http://schemas.openxmlformats.org/officeDocument/2006/math">
                     <m:oMathParaPr>
@@ -4812,7 +4669,7 @@
             </p:txBody>
           </p:sp>
         </mc:Choice>
-        <mc:Fallback>
+        <mc:Fallback xmlns="">
           <p:sp>
             <p:nvSpPr>
               <p:cNvPr id="45" name="テキスト ボックス 44">
@@ -4861,6 +4718,2822 @@
     <p:extLst>
       <p:ext uri="{BB962C8B-B14F-4D97-AF65-F5344CB8AC3E}">
         <p14:creationId xmlns:p14="http://schemas.microsoft.com/office/powerpoint/2010/main" val="3484267932"/>
+      </p:ext>
+    </p:extLst>
+  </p:cSld>
+  <p:clrMapOvr>
+    <a:masterClrMapping/>
+  </p:clrMapOvr>
+</p:sld>
+</file>
+
+<file path=ppt/slides/slide4.xml><?xml version="1.0" encoding="utf-8"?>
+<p:sld xmlns:a="http://schemas.openxmlformats.org/drawingml/2006/main" xmlns:r="http://schemas.openxmlformats.org/officeDocument/2006/relationships" xmlns:p="http://schemas.openxmlformats.org/presentationml/2006/main">
+  <p:cSld>
+    <p:spTree>
+      <p:nvGrpSpPr>
+        <p:cNvPr id="1" name=""/>
+        <p:cNvGrpSpPr/>
+        <p:nvPr/>
+      </p:nvGrpSpPr>
+      <p:grpSpPr>
+        <a:xfrm>
+          <a:off x="0" y="0"/>
+          <a:ext cx="0" cy="0"/>
+          <a:chOff x="0" y="0"/>
+          <a:chExt cx="0" cy="0"/>
+        </a:xfrm>
+      </p:grpSpPr>
+      <p:sp>
+        <p:nvSpPr>
+          <p:cNvPr id="54" name="正方形/長方形 53">
+            <a:extLst>
+              <a:ext uri="{FF2B5EF4-FFF2-40B4-BE49-F238E27FC236}">
+                <a16:creationId xmlns:a16="http://schemas.microsoft.com/office/drawing/2014/main" id="{0728EAFD-F905-C549-CF5E-DDA8EE0823B7}"/>
+              </a:ext>
+            </a:extLst>
+          </p:cNvPr>
+          <p:cNvSpPr/>
+          <p:nvPr/>
+        </p:nvSpPr>
+        <p:spPr>
+          <a:xfrm>
+            <a:off x="4067944" y="2780928"/>
+            <a:ext cx="4320480" cy="1080120"/>
+          </a:xfrm>
+          <a:prstGeom prst="rect">
+            <a:avLst/>
+          </a:prstGeom>
+          <a:solidFill>
+            <a:schemeClr val="accent6">
+              <a:lumMod val="40000"/>
+              <a:lumOff val="60000"/>
+            </a:schemeClr>
+          </a:solidFill>
+          <a:ln>
+            <a:noFill/>
+          </a:ln>
+        </p:spPr>
+        <p:txBody>
+          <a:bodyPr wrap="square" rtlCol="0" anchor="ctr">
+            <a:spAutoFit/>
+          </a:bodyPr>
+          <a:lstStyle/>
+          <a:p>
+            <a:pPr algn="ctr"/>
+            <a:endParaRPr kumimoji="1" lang="ja-JP" altLang="en-US" sz="2400" dirty="0"/>
+          </a:p>
+        </p:txBody>
+      </p:sp>
+      <p:sp>
+        <p:nvSpPr>
+          <p:cNvPr id="55" name="正方形/長方形 54">
+            <a:extLst>
+              <a:ext uri="{FF2B5EF4-FFF2-40B4-BE49-F238E27FC236}">
+                <a16:creationId xmlns:a16="http://schemas.microsoft.com/office/drawing/2014/main" id="{D3818F42-D535-82E7-BCEE-ADF9A8B318AA}"/>
+              </a:ext>
+            </a:extLst>
+          </p:cNvPr>
+          <p:cNvSpPr/>
+          <p:nvPr/>
+        </p:nvSpPr>
+        <p:spPr>
+          <a:xfrm>
+            <a:off x="4067944" y="1772816"/>
+            <a:ext cx="4320480" cy="360040"/>
+          </a:xfrm>
+          <a:prstGeom prst="rect">
+            <a:avLst/>
+          </a:prstGeom>
+          <a:solidFill>
+            <a:schemeClr val="accent3">
+              <a:lumMod val="20000"/>
+              <a:lumOff val="80000"/>
+            </a:schemeClr>
+          </a:solidFill>
+          <a:ln>
+            <a:noFill/>
+          </a:ln>
+        </p:spPr>
+        <p:txBody>
+          <a:bodyPr wrap="square" rtlCol="0" anchor="ctr">
+            <a:spAutoFit/>
+          </a:bodyPr>
+          <a:lstStyle/>
+          <a:p>
+            <a:pPr algn="ctr"/>
+            <a:endParaRPr kumimoji="1" lang="ja-JP" altLang="en-US" sz="2400" dirty="0"/>
+          </a:p>
+        </p:txBody>
+      </p:sp>
+      <p:sp>
+        <p:nvSpPr>
+          <p:cNvPr id="53" name="正方形/長方形 52">
+            <a:extLst>
+              <a:ext uri="{FF2B5EF4-FFF2-40B4-BE49-F238E27FC236}">
+                <a16:creationId xmlns:a16="http://schemas.microsoft.com/office/drawing/2014/main" id="{9FB72CDD-03C7-2A88-A6EA-9916E44E7450}"/>
+              </a:ext>
+            </a:extLst>
+          </p:cNvPr>
+          <p:cNvSpPr/>
+          <p:nvPr/>
+        </p:nvSpPr>
+        <p:spPr>
+          <a:xfrm>
+            <a:off x="4067944" y="2132856"/>
+            <a:ext cx="4320480" cy="648072"/>
+          </a:xfrm>
+          <a:prstGeom prst="rect">
+            <a:avLst/>
+          </a:prstGeom>
+          <a:solidFill>
+            <a:schemeClr val="accent6">
+              <a:lumMod val="20000"/>
+              <a:lumOff val="80000"/>
+            </a:schemeClr>
+          </a:solidFill>
+          <a:ln>
+            <a:noFill/>
+          </a:ln>
+        </p:spPr>
+        <p:txBody>
+          <a:bodyPr wrap="square" rtlCol="0" anchor="ctr">
+            <a:spAutoFit/>
+          </a:bodyPr>
+          <a:lstStyle/>
+          <a:p>
+            <a:pPr algn="ctr"/>
+            <a:endParaRPr kumimoji="1" lang="ja-JP" altLang="en-US" sz="2400" dirty="0"/>
+          </a:p>
+        </p:txBody>
+      </p:sp>
+      <p:cxnSp>
+        <p:nvCxnSpPr>
+          <p:cNvPr id="13" name="直線コネクタ 12">
+            <a:extLst>
+              <a:ext uri="{FF2B5EF4-FFF2-40B4-BE49-F238E27FC236}">
+                <a16:creationId xmlns:a16="http://schemas.microsoft.com/office/drawing/2014/main" id="{170B5484-14BB-F285-5615-0394D140E5A6}"/>
+              </a:ext>
+            </a:extLst>
+          </p:cNvPr>
+          <p:cNvCxnSpPr/>
+          <p:nvPr/>
+        </p:nvCxnSpPr>
+        <p:spPr>
+          <a:xfrm flipV="1">
+            <a:off x="4067944" y="2780928"/>
+            <a:ext cx="1440160" cy="1080120"/>
+          </a:xfrm>
+          <a:prstGeom prst="line">
+            <a:avLst/>
+          </a:prstGeom>
+          <a:ln w="9525">
+            <a:solidFill>
+              <a:schemeClr val="tx1"/>
+            </a:solidFill>
+            <a:headEnd type="none"/>
+            <a:tailEnd type="none"/>
+          </a:ln>
+          <a:effectLst/>
+        </p:spPr>
+        <p:style>
+          <a:lnRef idx="2">
+            <a:schemeClr val="accent1"/>
+          </a:lnRef>
+          <a:fillRef idx="0">
+            <a:schemeClr val="accent1"/>
+          </a:fillRef>
+          <a:effectRef idx="1">
+            <a:schemeClr val="accent1"/>
+          </a:effectRef>
+          <a:fontRef idx="minor">
+            <a:schemeClr val="tx1"/>
+          </a:fontRef>
+        </p:style>
+      </p:cxnSp>
+      <p:cxnSp>
+        <p:nvCxnSpPr>
+          <p:cNvPr id="15" name="直線コネクタ 14">
+            <a:extLst>
+              <a:ext uri="{FF2B5EF4-FFF2-40B4-BE49-F238E27FC236}">
+                <a16:creationId xmlns:a16="http://schemas.microsoft.com/office/drawing/2014/main" id="{F0B859B1-E7C4-846A-DA4A-29C1C49EA153}"/>
+              </a:ext>
+            </a:extLst>
+          </p:cNvPr>
+          <p:cNvCxnSpPr>
+            <a:cxnSpLocks/>
+          </p:cNvCxnSpPr>
+          <p:nvPr/>
+        </p:nvCxnSpPr>
+        <p:spPr>
+          <a:xfrm>
+            <a:off x="5508104" y="1196752"/>
+            <a:ext cx="0" cy="2880320"/>
+          </a:xfrm>
+          <a:prstGeom prst="line">
+            <a:avLst/>
+          </a:prstGeom>
+          <a:ln w="9525">
+            <a:solidFill>
+              <a:schemeClr val="tx1"/>
+            </a:solidFill>
+            <a:headEnd type="none"/>
+            <a:tailEnd type="none"/>
+          </a:ln>
+          <a:effectLst/>
+        </p:spPr>
+        <p:style>
+          <a:lnRef idx="2">
+            <a:schemeClr val="accent1"/>
+          </a:lnRef>
+          <a:fillRef idx="0">
+            <a:schemeClr val="accent1"/>
+          </a:fillRef>
+          <a:effectRef idx="1">
+            <a:schemeClr val="accent1"/>
+          </a:effectRef>
+          <a:fontRef idx="minor">
+            <a:schemeClr val="tx1"/>
+          </a:fontRef>
+        </p:style>
+      </p:cxnSp>
+      <p:cxnSp>
+        <p:nvCxnSpPr>
+          <p:cNvPr id="18" name="直線コネクタ 17">
+            <a:extLst>
+              <a:ext uri="{FF2B5EF4-FFF2-40B4-BE49-F238E27FC236}">
+                <a16:creationId xmlns:a16="http://schemas.microsoft.com/office/drawing/2014/main" id="{B1B3A04E-3D2D-97A9-78A5-42B495E1CC1B}"/>
+              </a:ext>
+            </a:extLst>
+          </p:cNvPr>
+          <p:cNvCxnSpPr/>
+          <p:nvPr/>
+        </p:nvCxnSpPr>
+        <p:spPr>
+          <a:xfrm flipV="1">
+            <a:off x="5508104" y="2132856"/>
+            <a:ext cx="1440160" cy="648072"/>
+          </a:xfrm>
+          <a:prstGeom prst="line">
+            <a:avLst/>
+          </a:prstGeom>
+          <a:ln w="9525">
+            <a:solidFill>
+              <a:schemeClr val="tx1"/>
+            </a:solidFill>
+            <a:headEnd type="none"/>
+            <a:tailEnd type="none"/>
+          </a:ln>
+          <a:effectLst/>
+        </p:spPr>
+        <p:style>
+          <a:lnRef idx="2">
+            <a:schemeClr val="accent1"/>
+          </a:lnRef>
+          <a:fillRef idx="0">
+            <a:schemeClr val="accent1"/>
+          </a:fillRef>
+          <a:effectRef idx="1">
+            <a:schemeClr val="accent1"/>
+          </a:effectRef>
+          <a:fontRef idx="minor">
+            <a:schemeClr val="tx1"/>
+          </a:fontRef>
+        </p:style>
+      </p:cxnSp>
+      <p:cxnSp>
+        <p:nvCxnSpPr>
+          <p:cNvPr id="19" name="直線コネクタ 18">
+            <a:extLst>
+              <a:ext uri="{FF2B5EF4-FFF2-40B4-BE49-F238E27FC236}">
+                <a16:creationId xmlns:a16="http://schemas.microsoft.com/office/drawing/2014/main" id="{5933B795-9477-CA92-5EE7-0349087E7FB7}"/>
+              </a:ext>
+            </a:extLst>
+          </p:cNvPr>
+          <p:cNvCxnSpPr>
+            <a:cxnSpLocks/>
+          </p:cNvCxnSpPr>
+          <p:nvPr/>
+        </p:nvCxnSpPr>
+        <p:spPr>
+          <a:xfrm>
+            <a:off x="6948264" y="1196752"/>
+            <a:ext cx="0" cy="2880320"/>
+          </a:xfrm>
+          <a:prstGeom prst="line">
+            <a:avLst/>
+          </a:prstGeom>
+          <a:ln w="9525">
+            <a:solidFill>
+              <a:schemeClr val="tx1"/>
+            </a:solidFill>
+            <a:headEnd type="none"/>
+            <a:tailEnd type="none"/>
+          </a:ln>
+          <a:effectLst/>
+        </p:spPr>
+        <p:style>
+          <a:lnRef idx="2">
+            <a:schemeClr val="accent1"/>
+          </a:lnRef>
+          <a:fillRef idx="0">
+            <a:schemeClr val="accent1"/>
+          </a:fillRef>
+          <a:effectRef idx="1">
+            <a:schemeClr val="accent1"/>
+          </a:effectRef>
+          <a:fontRef idx="minor">
+            <a:schemeClr val="tx1"/>
+          </a:fontRef>
+        </p:style>
+      </p:cxnSp>
+      <p:cxnSp>
+        <p:nvCxnSpPr>
+          <p:cNvPr id="21" name="直線コネクタ 20">
+            <a:extLst>
+              <a:ext uri="{FF2B5EF4-FFF2-40B4-BE49-F238E27FC236}">
+                <a16:creationId xmlns:a16="http://schemas.microsoft.com/office/drawing/2014/main" id="{7DD67522-0573-6131-3191-5D170895321B}"/>
+              </a:ext>
+            </a:extLst>
+          </p:cNvPr>
+          <p:cNvCxnSpPr/>
+          <p:nvPr/>
+        </p:nvCxnSpPr>
+        <p:spPr>
+          <a:xfrm flipV="1">
+            <a:off x="6948264" y="1772816"/>
+            <a:ext cx="1440160" cy="360040"/>
+          </a:xfrm>
+          <a:prstGeom prst="line">
+            <a:avLst/>
+          </a:prstGeom>
+          <a:ln w="9525">
+            <a:solidFill>
+              <a:schemeClr val="tx1"/>
+            </a:solidFill>
+            <a:headEnd type="none"/>
+            <a:tailEnd type="none"/>
+          </a:ln>
+          <a:effectLst/>
+        </p:spPr>
+        <p:style>
+          <a:lnRef idx="2">
+            <a:schemeClr val="accent1"/>
+          </a:lnRef>
+          <a:fillRef idx="0">
+            <a:schemeClr val="accent1"/>
+          </a:fillRef>
+          <a:effectRef idx="1">
+            <a:schemeClr val="accent1"/>
+          </a:effectRef>
+          <a:fontRef idx="minor">
+            <a:schemeClr val="tx1"/>
+          </a:fontRef>
+        </p:style>
+      </p:cxnSp>
+      <p:sp>
+        <p:nvSpPr>
+          <p:cNvPr id="24" name="フリーフォーム: 図形 23">
+            <a:extLst>
+              <a:ext uri="{FF2B5EF4-FFF2-40B4-BE49-F238E27FC236}">
+                <a16:creationId xmlns:a16="http://schemas.microsoft.com/office/drawing/2014/main" id="{398333F2-B7AA-EA98-27B3-60B963D541BD}"/>
+              </a:ext>
+            </a:extLst>
+          </p:cNvPr>
+          <p:cNvSpPr/>
+          <p:nvPr/>
+        </p:nvSpPr>
+        <p:spPr>
+          <a:xfrm>
+            <a:off x="5502697" y="2553532"/>
+            <a:ext cx="239712" cy="117536"/>
+          </a:xfrm>
+          <a:custGeom>
+            <a:avLst/>
+            <a:gdLst>
+              <a:gd name="connsiteX0" fmla="*/ 0 w 239712"/>
+              <a:gd name="connsiteY0" fmla="*/ 61 h 117536"/>
+              <a:gd name="connsiteX1" fmla="*/ 153987 w 239712"/>
+              <a:gd name="connsiteY1" fmla="*/ 19111 h 117536"/>
+              <a:gd name="connsiteX2" fmla="*/ 239712 w 239712"/>
+              <a:gd name="connsiteY2" fmla="*/ 117536 h 117536"/>
+            </a:gdLst>
+            <a:ahLst/>
+            <a:cxnLst>
+              <a:cxn ang="0">
+                <a:pos x="connsiteX0" y="connsiteY0"/>
+              </a:cxn>
+              <a:cxn ang="0">
+                <a:pos x="connsiteX1" y="connsiteY1"/>
+              </a:cxn>
+              <a:cxn ang="0">
+                <a:pos x="connsiteX2" y="connsiteY2"/>
+              </a:cxn>
+            </a:cxnLst>
+            <a:rect l="l" t="t" r="r" b="b"/>
+            <a:pathLst>
+              <a:path w="239712" h="117536">
+                <a:moveTo>
+                  <a:pt x="0" y="61"/>
+                </a:moveTo>
+                <a:cubicBezTo>
+                  <a:pt x="57017" y="-204"/>
+                  <a:pt x="114035" y="-468"/>
+                  <a:pt x="153987" y="19111"/>
+                </a:cubicBezTo>
+                <a:cubicBezTo>
+                  <a:pt x="193939" y="38690"/>
+                  <a:pt x="216825" y="78113"/>
+                  <a:pt x="239712" y="117536"/>
+                </a:cubicBezTo>
+              </a:path>
+            </a:pathLst>
+          </a:custGeom>
+          <a:noFill/>
+          <a:ln>
+            <a:solidFill>
+              <a:schemeClr val="tx1"/>
+            </a:solidFill>
+          </a:ln>
+        </p:spPr>
+        <p:txBody>
+          <a:bodyPr rtlCol="0" anchor="ctr"/>
+          <a:lstStyle/>
+          <a:p>
+            <a:pPr algn="ctr"/>
+            <a:endParaRPr kumimoji="1" lang="ja-JP" altLang="en-US"/>
+          </a:p>
+        </p:txBody>
+      </p:sp>
+      <p:sp>
+        <p:nvSpPr>
+          <p:cNvPr id="25" name="フリーフォーム: 図形 24">
+            <a:extLst>
+              <a:ext uri="{FF2B5EF4-FFF2-40B4-BE49-F238E27FC236}">
+                <a16:creationId xmlns:a16="http://schemas.microsoft.com/office/drawing/2014/main" id="{9EB8B0FA-51B1-77BB-66D8-299EB4C01C83}"/>
+              </a:ext>
+            </a:extLst>
+          </p:cNvPr>
+          <p:cNvSpPr/>
+          <p:nvPr/>
+        </p:nvSpPr>
+        <p:spPr>
+          <a:xfrm>
+            <a:off x="5264572" y="2961581"/>
+            <a:ext cx="239712" cy="147637"/>
+          </a:xfrm>
+          <a:custGeom>
+            <a:avLst/>
+            <a:gdLst>
+              <a:gd name="connsiteX0" fmla="*/ 0 w 239712"/>
+              <a:gd name="connsiteY0" fmla="*/ 0 h 147637"/>
+              <a:gd name="connsiteX1" fmla="*/ 79375 w 239712"/>
+              <a:gd name="connsiteY1" fmla="*/ 115887 h 147637"/>
+              <a:gd name="connsiteX2" fmla="*/ 239712 w 239712"/>
+              <a:gd name="connsiteY2" fmla="*/ 147637 h 147637"/>
+            </a:gdLst>
+            <a:ahLst/>
+            <a:cxnLst>
+              <a:cxn ang="0">
+                <a:pos x="connsiteX0" y="connsiteY0"/>
+              </a:cxn>
+              <a:cxn ang="0">
+                <a:pos x="connsiteX1" y="connsiteY1"/>
+              </a:cxn>
+              <a:cxn ang="0">
+                <a:pos x="connsiteX2" y="connsiteY2"/>
+              </a:cxn>
+            </a:cxnLst>
+            <a:rect l="l" t="t" r="r" b="b"/>
+            <a:pathLst>
+              <a:path w="239712" h="147637">
+                <a:moveTo>
+                  <a:pt x="0" y="0"/>
+                </a:moveTo>
+                <a:cubicBezTo>
+                  <a:pt x="19711" y="45640"/>
+                  <a:pt x="39423" y="91281"/>
+                  <a:pt x="79375" y="115887"/>
+                </a:cubicBezTo>
+                <a:cubicBezTo>
+                  <a:pt x="119327" y="140493"/>
+                  <a:pt x="179519" y="144065"/>
+                  <a:pt x="239712" y="147637"/>
+                </a:cubicBezTo>
+              </a:path>
+            </a:pathLst>
+          </a:custGeom>
+          <a:noFill/>
+          <a:ln>
+            <a:solidFill>
+              <a:schemeClr val="tx1"/>
+            </a:solidFill>
+          </a:ln>
+        </p:spPr>
+        <p:txBody>
+          <a:bodyPr rtlCol="0" anchor="ctr"/>
+          <a:lstStyle/>
+          <a:p>
+            <a:pPr algn="ctr"/>
+            <a:endParaRPr kumimoji="1" lang="ja-JP" altLang="en-US"/>
+          </a:p>
+        </p:txBody>
+      </p:sp>
+      <p:sp>
+        <p:nvSpPr>
+          <p:cNvPr id="26" name="フリーフォーム: 図形 25">
+            <a:extLst>
+              <a:ext uri="{FF2B5EF4-FFF2-40B4-BE49-F238E27FC236}">
+                <a16:creationId xmlns:a16="http://schemas.microsoft.com/office/drawing/2014/main" id="{9C6253C9-AF22-08B3-1855-F793D507E79D}"/>
+              </a:ext>
+            </a:extLst>
+          </p:cNvPr>
+          <p:cNvSpPr/>
+          <p:nvPr/>
+        </p:nvSpPr>
+        <p:spPr>
+          <a:xfrm rot="10800000">
+            <a:off x="6701392" y="2250412"/>
+            <a:ext cx="239712" cy="117536"/>
+          </a:xfrm>
+          <a:custGeom>
+            <a:avLst/>
+            <a:gdLst>
+              <a:gd name="connsiteX0" fmla="*/ 0 w 239712"/>
+              <a:gd name="connsiteY0" fmla="*/ 61 h 117536"/>
+              <a:gd name="connsiteX1" fmla="*/ 153987 w 239712"/>
+              <a:gd name="connsiteY1" fmla="*/ 19111 h 117536"/>
+              <a:gd name="connsiteX2" fmla="*/ 239712 w 239712"/>
+              <a:gd name="connsiteY2" fmla="*/ 117536 h 117536"/>
+            </a:gdLst>
+            <a:ahLst/>
+            <a:cxnLst>
+              <a:cxn ang="0">
+                <a:pos x="connsiteX0" y="connsiteY0"/>
+              </a:cxn>
+              <a:cxn ang="0">
+                <a:pos x="connsiteX1" y="connsiteY1"/>
+              </a:cxn>
+              <a:cxn ang="0">
+                <a:pos x="connsiteX2" y="connsiteY2"/>
+              </a:cxn>
+            </a:cxnLst>
+            <a:rect l="l" t="t" r="r" b="b"/>
+            <a:pathLst>
+              <a:path w="239712" h="117536">
+                <a:moveTo>
+                  <a:pt x="0" y="61"/>
+                </a:moveTo>
+                <a:cubicBezTo>
+                  <a:pt x="57017" y="-204"/>
+                  <a:pt x="114035" y="-468"/>
+                  <a:pt x="153987" y="19111"/>
+                </a:cubicBezTo>
+                <a:cubicBezTo>
+                  <a:pt x="193939" y="38690"/>
+                  <a:pt x="216825" y="78113"/>
+                  <a:pt x="239712" y="117536"/>
+                </a:cubicBezTo>
+              </a:path>
+            </a:pathLst>
+          </a:custGeom>
+          <a:noFill/>
+          <a:ln>
+            <a:solidFill>
+              <a:schemeClr val="tx1"/>
+            </a:solidFill>
+          </a:ln>
+        </p:spPr>
+        <p:txBody>
+          <a:bodyPr rtlCol="0" anchor="ctr"/>
+          <a:lstStyle/>
+          <a:p>
+            <a:pPr algn="ctr"/>
+            <a:endParaRPr kumimoji="1" lang="ja-JP" altLang="en-US"/>
+          </a:p>
+        </p:txBody>
+      </p:sp>
+      <p:sp>
+        <p:nvSpPr>
+          <p:cNvPr id="28" name="フリーフォーム: 図形 27">
+            <a:extLst>
+              <a:ext uri="{FF2B5EF4-FFF2-40B4-BE49-F238E27FC236}">
+                <a16:creationId xmlns:a16="http://schemas.microsoft.com/office/drawing/2014/main" id="{EC248C79-6912-309A-E78E-95F800C7139F}"/>
+              </a:ext>
+            </a:extLst>
+          </p:cNvPr>
+          <p:cNvSpPr/>
+          <p:nvPr/>
+        </p:nvSpPr>
+        <p:spPr>
+          <a:xfrm>
+            <a:off x="6953672" y="1911532"/>
+            <a:ext cx="258762" cy="146761"/>
+          </a:xfrm>
+          <a:custGeom>
+            <a:avLst/>
+            <a:gdLst>
+              <a:gd name="connsiteX0" fmla="*/ 0 w 258762"/>
+              <a:gd name="connsiteY0" fmla="*/ 2299 h 146761"/>
+              <a:gd name="connsiteX1" fmla="*/ 179387 w 258762"/>
+              <a:gd name="connsiteY1" fmla="*/ 19761 h 146761"/>
+              <a:gd name="connsiteX2" fmla="*/ 258762 w 258762"/>
+              <a:gd name="connsiteY2" fmla="*/ 146761 h 146761"/>
+            </a:gdLst>
+            <a:ahLst/>
+            <a:cxnLst>
+              <a:cxn ang="0">
+                <a:pos x="connsiteX0" y="connsiteY0"/>
+              </a:cxn>
+              <a:cxn ang="0">
+                <a:pos x="connsiteX1" y="connsiteY1"/>
+              </a:cxn>
+              <a:cxn ang="0">
+                <a:pos x="connsiteX2" y="connsiteY2"/>
+              </a:cxn>
+            </a:cxnLst>
+            <a:rect l="l" t="t" r="r" b="b"/>
+            <a:pathLst>
+              <a:path w="258762" h="146761">
+                <a:moveTo>
+                  <a:pt x="0" y="2299"/>
+                </a:moveTo>
+                <a:cubicBezTo>
+                  <a:pt x="68130" y="-1009"/>
+                  <a:pt x="136260" y="-4316"/>
+                  <a:pt x="179387" y="19761"/>
+                </a:cubicBezTo>
+                <a:cubicBezTo>
+                  <a:pt x="222514" y="43838"/>
+                  <a:pt x="240638" y="95299"/>
+                  <a:pt x="258762" y="146761"/>
+                </a:cubicBezTo>
+              </a:path>
+            </a:pathLst>
+          </a:custGeom>
+          <a:noFill/>
+          <a:ln>
+            <a:solidFill>
+              <a:schemeClr val="tx1"/>
+            </a:solidFill>
+          </a:ln>
+        </p:spPr>
+        <p:txBody>
+          <a:bodyPr rtlCol="0" anchor="ctr"/>
+          <a:lstStyle/>
+          <a:p>
+            <a:pPr algn="ctr"/>
+            <a:endParaRPr kumimoji="1" lang="ja-JP" altLang="en-US"/>
+          </a:p>
+        </p:txBody>
+      </p:sp>
+      <mc:AlternateContent xmlns:mc="http://schemas.openxmlformats.org/markup-compatibility/2006">
+        <mc:Choice xmlns:a14="http://schemas.microsoft.com/office/drawing/2010/main" Requires="a14">
+          <p:sp>
+            <p:nvSpPr>
+              <p:cNvPr id="29" name="テキスト ボックス 28">
+                <a:extLst>
+                  <a:ext uri="{FF2B5EF4-FFF2-40B4-BE49-F238E27FC236}">
+                    <a16:creationId xmlns:a16="http://schemas.microsoft.com/office/drawing/2014/main" id="{70795326-5B99-6683-D6D9-0627F4288167}"/>
+                  </a:ext>
+                </a:extLst>
+              </p:cNvPr>
+              <p:cNvSpPr txBox="1"/>
+              <p:nvPr/>
+            </p:nvSpPr>
+            <p:spPr>
+              <a:xfrm>
+                <a:off x="4932040" y="3068960"/>
+                <a:ext cx="554464" cy="369332"/>
+              </a:xfrm>
+              <a:prstGeom prst="rect">
+                <a:avLst/>
+              </a:prstGeom>
+              <a:noFill/>
+            </p:spPr>
+            <p:txBody>
+              <a:bodyPr wrap="square" lIns="0" tIns="0" rIns="0" bIns="0" rtlCol="0">
+                <a:spAutoFit/>
+              </a:bodyPr>
+              <a:lstStyle/>
+              <a:p>
+                <a:pPr/>
+                <a14:m>
+                  <m:oMathPara xmlns:m="http://schemas.openxmlformats.org/officeDocument/2006/math">
+                    <m:oMathParaPr>
+                      <m:jc m:val="centerGroup"/>
+                    </m:oMathParaPr>
+                    <m:oMath xmlns:m="http://schemas.openxmlformats.org/officeDocument/2006/math">
+                      <m:sSub>
+                        <m:sSubPr>
+                          <m:ctrlPr>
+                            <a:rPr kumimoji="1" lang="en-US" altLang="ja-JP" sz="2400" b="0" i="1" smtClean="0">
+                              <a:latin typeface="Cambria Math" panose="02040503050406030204" pitchFamily="18" charset="0"/>
+                            </a:rPr>
+                          </m:ctrlPr>
+                        </m:sSubPr>
+                        <m:e>
+                          <m:r>
+                            <a:rPr kumimoji="1" lang="en-US" altLang="ja-JP" sz="2400" b="0" i="1" smtClean="0">
+                              <a:latin typeface="Cambria Math" panose="02040503050406030204" pitchFamily="18" charset="0"/>
+                            </a:rPr>
+                            <m:t>𝜃</m:t>
+                          </m:r>
+                        </m:e>
+                        <m:sub>
+                          <m:r>
+                            <a:rPr kumimoji="1" lang="en-US" altLang="ja-JP" sz="2400" b="0" i="1" smtClean="0">
+                              <a:latin typeface="Cambria Math" panose="02040503050406030204" pitchFamily="18" charset="0"/>
+                            </a:rPr>
+                            <m:t>𝑘</m:t>
+                          </m:r>
+                          <m:r>
+                            <a:rPr kumimoji="1" lang="en-US" altLang="ja-JP" sz="2400" b="0" i="1" smtClean="0">
+                              <a:latin typeface="Cambria Math" panose="02040503050406030204" pitchFamily="18" charset="0"/>
+                            </a:rPr>
+                            <m:t>−1</m:t>
+                          </m:r>
+                        </m:sub>
+                      </m:sSub>
+                    </m:oMath>
+                  </m:oMathPara>
+                </a14:m>
+                <a:endParaRPr kumimoji="1" lang="ja-JP" altLang="en-US" sz="2400" dirty="0"/>
+              </a:p>
+            </p:txBody>
+          </p:sp>
+        </mc:Choice>
+        <mc:Fallback>
+          <p:sp>
+            <p:nvSpPr>
+              <p:cNvPr id="29" name="テキスト ボックス 28">
+                <a:extLst>
+                  <a:ext uri="{FF2B5EF4-FFF2-40B4-BE49-F238E27FC236}">
+                    <a16:creationId xmlns:a16="http://schemas.microsoft.com/office/drawing/2014/main" id="{70795326-5B99-6683-D6D9-0627F4288167}"/>
+                  </a:ext>
+                </a:extLst>
+              </p:cNvPr>
+              <p:cNvSpPr txBox="1">
+                <a:spLocks noRot="1" noChangeAspect="1" noMove="1" noResize="1" noEditPoints="1" noAdjustHandles="1" noChangeArrowheads="1" noChangeShapeType="1" noTextEdit="1"/>
+              </p:cNvSpPr>
+              <p:nvPr/>
+            </p:nvSpPr>
+            <p:spPr>
+              <a:xfrm>
+                <a:off x="4932040" y="3068960"/>
+                <a:ext cx="554464" cy="369332"/>
+              </a:xfrm>
+              <a:prstGeom prst="rect">
+                <a:avLst/>
+              </a:prstGeom>
+              <a:blipFill>
+                <a:blip r:embed="rId2"/>
+                <a:stretch>
+                  <a:fillRect l="-18681" r="-20879" b="-14754"/>
+                </a:stretch>
+              </a:blipFill>
+            </p:spPr>
+            <p:txBody>
+              <a:bodyPr/>
+              <a:lstStyle/>
+              <a:p>
+                <a:r>
+                  <a:rPr lang="ja-JP" altLang="en-US">
+                    <a:noFill/>
+                  </a:rPr>
+                  <a:t> </a:t>
+                </a:r>
+              </a:p>
+            </p:txBody>
+          </p:sp>
+        </mc:Fallback>
+      </mc:AlternateContent>
+      <mc:AlternateContent xmlns:mc="http://schemas.openxmlformats.org/markup-compatibility/2006">
+        <mc:Choice xmlns:a14="http://schemas.microsoft.com/office/drawing/2010/main" Requires="a14">
+          <p:sp>
+            <p:nvSpPr>
+              <p:cNvPr id="30" name="テキスト ボックス 29">
+                <a:extLst>
+                  <a:ext uri="{FF2B5EF4-FFF2-40B4-BE49-F238E27FC236}">
+                    <a16:creationId xmlns:a16="http://schemas.microsoft.com/office/drawing/2014/main" id="{37227B66-A918-D9F0-571E-3847FC0EBCAA}"/>
+                  </a:ext>
+                </a:extLst>
+              </p:cNvPr>
+              <p:cNvSpPr txBox="1"/>
+              <p:nvPr/>
+            </p:nvSpPr>
+            <p:spPr>
+              <a:xfrm>
+                <a:off x="5508104" y="2123564"/>
+                <a:ext cx="554464" cy="369332"/>
+              </a:xfrm>
+              <a:prstGeom prst="rect">
+                <a:avLst/>
+              </a:prstGeom>
+              <a:noFill/>
+            </p:spPr>
+            <p:txBody>
+              <a:bodyPr wrap="square" lIns="0" tIns="0" rIns="0" bIns="0" rtlCol="0">
+                <a:spAutoFit/>
+              </a:bodyPr>
+              <a:lstStyle/>
+              <a:p>
+                <a:pPr/>
+                <a14:m>
+                  <m:oMathPara xmlns:m="http://schemas.openxmlformats.org/officeDocument/2006/math">
+                    <m:oMathParaPr>
+                      <m:jc m:val="centerGroup"/>
+                    </m:oMathParaPr>
+                    <m:oMath xmlns:m="http://schemas.openxmlformats.org/officeDocument/2006/math">
+                      <m:sSub>
+                        <m:sSubPr>
+                          <m:ctrlPr>
+                            <a:rPr kumimoji="1" lang="en-US" altLang="ja-JP" sz="2400" b="0" i="1" smtClean="0">
+                              <a:latin typeface="Cambria Math" panose="02040503050406030204" pitchFamily="18" charset="0"/>
+                            </a:rPr>
+                          </m:ctrlPr>
+                        </m:sSubPr>
+                        <m:e>
+                          <m:r>
+                            <a:rPr kumimoji="1" lang="en-US" altLang="ja-JP" sz="2400" b="0" i="1" smtClean="0">
+                              <a:latin typeface="Cambria Math" panose="02040503050406030204" pitchFamily="18" charset="0"/>
+                            </a:rPr>
+                            <m:t>𝜃</m:t>
+                          </m:r>
+                        </m:e>
+                        <m:sub>
+                          <m:r>
+                            <a:rPr kumimoji="1" lang="en-US" altLang="ja-JP" sz="2400" b="0" i="1" smtClean="0">
+                              <a:latin typeface="Cambria Math" panose="02040503050406030204" pitchFamily="18" charset="0"/>
+                            </a:rPr>
+                            <m:t>𝑘</m:t>
+                          </m:r>
+                        </m:sub>
+                      </m:sSub>
+                    </m:oMath>
+                  </m:oMathPara>
+                </a14:m>
+                <a:endParaRPr kumimoji="1" lang="ja-JP" altLang="en-US" sz="2400" dirty="0"/>
+              </a:p>
+            </p:txBody>
+          </p:sp>
+        </mc:Choice>
+        <mc:Fallback>
+          <p:sp>
+            <p:nvSpPr>
+              <p:cNvPr id="30" name="テキスト ボックス 29">
+                <a:extLst>
+                  <a:ext uri="{FF2B5EF4-FFF2-40B4-BE49-F238E27FC236}">
+                    <a16:creationId xmlns:a16="http://schemas.microsoft.com/office/drawing/2014/main" id="{37227B66-A918-D9F0-571E-3847FC0EBCAA}"/>
+                  </a:ext>
+                </a:extLst>
+              </p:cNvPr>
+              <p:cNvSpPr txBox="1">
+                <a:spLocks noRot="1" noChangeAspect="1" noMove="1" noResize="1" noEditPoints="1" noAdjustHandles="1" noChangeArrowheads="1" noChangeShapeType="1" noTextEdit="1"/>
+              </p:cNvSpPr>
+              <p:nvPr/>
+            </p:nvSpPr>
+            <p:spPr>
+              <a:xfrm>
+                <a:off x="5508104" y="2123564"/>
+                <a:ext cx="554464" cy="369332"/>
+              </a:xfrm>
+              <a:prstGeom prst="rect">
+                <a:avLst/>
+              </a:prstGeom>
+              <a:blipFill>
+                <a:blip r:embed="rId3"/>
+                <a:stretch>
+                  <a:fillRect b="-14754"/>
+                </a:stretch>
+              </a:blipFill>
+            </p:spPr>
+            <p:txBody>
+              <a:bodyPr/>
+              <a:lstStyle/>
+              <a:p>
+                <a:r>
+                  <a:rPr lang="ja-JP" altLang="en-US">
+                    <a:noFill/>
+                  </a:rPr>
+                  <a:t> </a:t>
+                </a:r>
+              </a:p>
+            </p:txBody>
+          </p:sp>
+        </mc:Fallback>
+      </mc:AlternateContent>
+      <mc:AlternateContent xmlns:mc="http://schemas.openxmlformats.org/markup-compatibility/2006">
+        <mc:Choice xmlns:a14="http://schemas.microsoft.com/office/drawing/2010/main" Requires="a14">
+          <p:sp>
+            <p:nvSpPr>
+              <p:cNvPr id="31" name="テキスト ボックス 30">
+                <a:extLst>
+                  <a:ext uri="{FF2B5EF4-FFF2-40B4-BE49-F238E27FC236}">
+                    <a16:creationId xmlns:a16="http://schemas.microsoft.com/office/drawing/2014/main" id="{C8E9D8FC-BE84-D8DC-1073-7F6BE55CB36E}"/>
+                  </a:ext>
+                </a:extLst>
+              </p:cNvPr>
+              <p:cNvSpPr txBox="1"/>
+              <p:nvPr/>
+            </p:nvSpPr>
+            <p:spPr>
+              <a:xfrm>
+                <a:off x="6372200" y="2276872"/>
+                <a:ext cx="554464" cy="369332"/>
+              </a:xfrm>
+              <a:prstGeom prst="rect">
+                <a:avLst/>
+              </a:prstGeom>
+              <a:noFill/>
+            </p:spPr>
+            <p:txBody>
+              <a:bodyPr wrap="square" lIns="0" tIns="0" rIns="0" bIns="0" rtlCol="0">
+                <a:spAutoFit/>
+              </a:bodyPr>
+              <a:lstStyle/>
+              <a:p>
+                <a:pPr/>
+                <a14:m>
+                  <m:oMathPara xmlns:m="http://schemas.openxmlformats.org/officeDocument/2006/math">
+                    <m:oMathParaPr>
+                      <m:jc m:val="centerGroup"/>
+                    </m:oMathParaPr>
+                    <m:oMath xmlns:m="http://schemas.openxmlformats.org/officeDocument/2006/math">
+                      <m:sSub>
+                        <m:sSubPr>
+                          <m:ctrlPr>
+                            <a:rPr kumimoji="1" lang="en-US" altLang="ja-JP" sz="2400" b="0" i="1" smtClean="0">
+                              <a:latin typeface="Cambria Math" panose="02040503050406030204" pitchFamily="18" charset="0"/>
+                            </a:rPr>
+                          </m:ctrlPr>
+                        </m:sSubPr>
+                        <m:e>
+                          <m:r>
+                            <a:rPr kumimoji="1" lang="en-US" altLang="ja-JP" sz="2400" b="0" i="1" smtClean="0">
+                              <a:latin typeface="Cambria Math" panose="02040503050406030204" pitchFamily="18" charset="0"/>
+                            </a:rPr>
+                            <m:t>𝜃</m:t>
+                          </m:r>
+                        </m:e>
+                        <m:sub>
+                          <m:r>
+                            <a:rPr kumimoji="1" lang="en-US" altLang="ja-JP" sz="2400" b="0" i="1" smtClean="0">
+                              <a:latin typeface="Cambria Math" panose="02040503050406030204" pitchFamily="18" charset="0"/>
+                            </a:rPr>
+                            <m:t>𝑘</m:t>
+                          </m:r>
+                        </m:sub>
+                      </m:sSub>
+                    </m:oMath>
+                  </m:oMathPara>
+                </a14:m>
+                <a:endParaRPr kumimoji="1" lang="ja-JP" altLang="en-US" sz="2400" dirty="0"/>
+              </a:p>
+            </p:txBody>
+          </p:sp>
+        </mc:Choice>
+        <mc:Fallback>
+          <p:sp>
+            <p:nvSpPr>
+              <p:cNvPr id="31" name="テキスト ボックス 30">
+                <a:extLst>
+                  <a:ext uri="{FF2B5EF4-FFF2-40B4-BE49-F238E27FC236}">
+                    <a16:creationId xmlns:a16="http://schemas.microsoft.com/office/drawing/2014/main" id="{C8E9D8FC-BE84-D8DC-1073-7F6BE55CB36E}"/>
+                  </a:ext>
+                </a:extLst>
+              </p:cNvPr>
+              <p:cNvSpPr txBox="1">
+                <a:spLocks noRot="1" noChangeAspect="1" noMove="1" noResize="1" noEditPoints="1" noAdjustHandles="1" noChangeArrowheads="1" noChangeShapeType="1" noTextEdit="1"/>
+              </p:cNvSpPr>
+              <p:nvPr/>
+            </p:nvSpPr>
+            <p:spPr>
+              <a:xfrm>
+                <a:off x="6372200" y="2276872"/>
+                <a:ext cx="554464" cy="369332"/>
+              </a:xfrm>
+              <a:prstGeom prst="rect">
+                <a:avLst/>
+              </a:prstGeom>
+              <a:blipFill>
+                <a:blip r:embed="rId4"/>
+                <a:stretch>
+                  <a:fillRect b="-16667"/>
+                </a:stretch>
+              </a:blipFill>
+            </p:spPr>
+            <p:txBody>
+              <a:bodyPr/>
+              <a:lstStyle/>
+              <a:p>
+                <a:r>
+                  <a:rPr lang="ja-JP" altLang="en-US">
+                    <a:noFill/>
+                  </a:rPr>
+                  <a:t> </a:t>
+                </a:r>
+              </a:p>
+            </p:txBody>
+          </p:sp>
+        </mc:Fallback>
+      </mc:AlternateContent>
+      <p:cxnSp>
+        <p:nvCxnSpPr>
+          <p:cNvPr id="33" name="直線コネクタ 32">
+            <a:extLst>
+              <a:ext uri="{FF2B5EF4-FFF2-40B4-BE49-F238E27FC236}">
+                <a16:creationId xmlns:a16="http://schemas.microsoft.com/office/drawing/2014/main" id="{18BF505D-E9D5-36AE-7BC5-4ACA56A0CBA4}"/>
+              </a:ext>
+            </a:extLst>
+          </p:cNvPr>
+          <p:cNvCxnSpPr>
+            <a:cxnSpLocks/>
+          </p:cNvCxnSpPr>
+          <p:nvPr/>
+        </p:nvCxnSpPr>
+        <p:spPr>
+          <a:xfrm>
+            <a:off x="4067944" y="2780928"/>
+            <a:ext cx="4248472" cy="0"/>
+          </a:xfrm>
+          <a:prstGeom prst="line">
+            <a:avLst/>
+          </a:prstGeom>
+          <a:ln w="9525">
+            <a:solidFill>
+              <a:schemeClr val="tx1"/>
+            </a:solidFill>
+            <a:headEnd type="none"/>
+            <a:tailEnd type="none"/>
+          </a:ln>
+          <a:effectLst/>
+        </p:spPr>
+        <p:style>
+          <a:lnRef idx="2">
+            <a:schemeClr val="accent1"/>
+          </a:lnRef>
+          <a:fillRef idx="0">
+            <a:schemeClr val="accent1"/>
+          </a:fillRef>
+          <a:effectRef idx="1">
+            <a:schemeClr val="accent1"/>
+          </a:effectRef>
+          <a:fontRef idx="minor">
+            <a:schemeClr val="tx1"/>
+          </a:fontRef>
+        </p:style>
+      </p:cxnSp>
+      <p:cxnSp>
+        <p:nvCxnSpPr>
+          <p:cNvPr id="41" name="直線コネクタ 40">
+            <a:extLst>
+              <a:ext uri="{FF2B5EF4-FFF2-40B4-BE49-F238E27FC236}">
+                <a16:creationId xmlns:a16="http://schemas.microsoft.com/office/drawing/2014/main" id="{29FFBE4A-C058-3ABC-63DB-9B31D97C94C3}"/>
+              </a:ext>
+            </a:extLst>
+          </p:cNvPr>
+          <p:cNvCxnSpPr>
+            <a:cxnSpLocks/>
+          </p:cNvCxnSpPr>
+          <p:nvPr/>
+        </p:nvCxnSpPr>
+        <p:spPr>
+          <a:xfrm>
+            <a:off x="4067944" y="2132856"/>
+            <a:ext cx="4392488" cy="0"/>
+          </a:xfrm>
+          <a:prstGeom prst="line">
+            <a:avLst/>
+          </a:prstGeom>
+          <a:ln w="9525">
+            <a:solidFill>
+              <a:schemeClr val="tx1"/>
+            </a:solidFill>
+            <a:headEnd type="none"/>
+            <a:tailEnd type="none"/>
+          </a:ln>
+          <a:effectLst/>
+        </p:spPr>
+        <p:style>
+          <a:lnRef idx="2">
+            <a:schemeClr val="accent1"/>
+          </a:lnRef>
+          <a:fillRef idx="0">
+            <a:schemeClr val="accent1"/>
+          </a:fillRef>
+          <a:effectRef idx="1">
+            <a:schemeClr val="accent1"/>
+          </a:effectRef>
+          <a:fontRef idx="minor">
+            <a:schemeClr val="tx1"/>
+          </a:fontRef>
+        </p:style>
+      </p:cxnSp>
+      <mc:AlternateContent xmlns:mc="http://schemas.openxmlformats.org/markup-compatibility/2006">
+        <mc:Choice xmlns:a14="http://schemas.microsoft.com/office/drawing/2010/main" Requires="a14">
+          <p:sp>
+            <p:nvSpPr>
+              <p:cNvPr id="44" name="テキスト ボックス 43">
+                <a:extLst>
+                  <a:ext uri="{FF2B5EF4-FFF2-40B4-BE49-F238E27FC236}">
+                    <a16:creationId xmlns:a16="http://schemas.microsoft.com/office/drawing/2014/main" id="{D5828338-669E-184D-BF31-9173B2F56628}"/>
+                  </a:ext>
+                </a:extLst>
+              </p:cNvPr>
+              <p:cNvSpPr txBox="1"/>
+              <p:nvPr/>
+            </p:nvSpPr>
+            <p:spPr>
+              <a:xfrm>
+                <a:off x="7020272" y="1556792"/>
+                <a:ext cx="554464" cy="369332"/>
+              </a:xfrm>
+              <a:prstGeom prst="rect">
+                <a:avLst/>
+              </a:prstGeom>
+              <a:noFill/>
+            </p:spPr>
+            <p:txBody>
+              <a:bodyPr wrap="square" lIns="0" tIns="0" rIns="0" bIns="0" rtlCol="0">
+                <a:spAutoFit/>
+              </a:bodyPr>
+              <a:lstStyle/>
+              <a:p>
+                <a:pPr/>
+                <a14:m>
+                  <m:oMathPara xmlns:m="http://schemas.openxmlformats.org/officeDocument/2006/math">
+                    <m:oMathParaPr>
+                      <m:jc m:val="centerGroup"/>
+                    </m:oMathParaPr>
+                    <m:oMath xmlns:m="http://schemas.openxmlformats.org/officeDocument/2006/math">
+                      <m:sSub>
+                        <m:sSubPr>
+                          <m:ctrlPr>
+                            <a:rPr kumimoji="1" lang="en-US" altLang="ja-JP" sz="2400" b="0" i="1" smtClean="0">
+                              <a:latin typeface="Cambria Math" panose="02040503050406030204" pitchFamily="18" charset="0"/>
+                            </a:rPr>
+                          </m:ctrlPr>
+                        </m:sSubPr>
+                        <m:e>
+                          <m:r>
+                            <a:rPr kumimoji="1" lang="en-US" altLang="ja-JP" sz="2400" b="0" i="1" smtClean="0">
+                              <a:latin typeface="Cambria Math" panose="02040503050406030204" pitchFamily="18" charset="0"/>
+                            </a:rPr>
+                            <m:t>𝜃</m:t>
+                          </m:r>
+                        </m:e>
+                        <m:sub>
+                          <m:r>
+                            <a:rPr kumimoji="1" lang="en-US" altLang="ja-JP" sz="2400" b="0" i="1" smtClean="0">
+                              <a:latin typeface="Cambria Math" panose="02040503050406030204" pitchFamily="18" charset="0"/>
+                            </a:rPr>
+                            <m:t>𝑘</m:t>
+                          </m:r>
+                          <m:r>
+                            <a:rPr kumimoji="1" lang="en-US" altLang="ja-JP" sz="2400" b="0" i="1" smtClean="0">
+                              <a:latin typeface="Cambria Math" panose="02040503050406030204" pitchFamily="18" charset="0"/>
+                            </a:rPr>
+                            <m:t>+1</m:t>
+                          </m:r>
+                        </m:sub>
+                      </m:sSub>
+                    </m:oMath>
+                  </m:oMathPara>
+                </a14:m>
+                <a:endParaRPr kumimoji="1" lang="ja-JP" altLang="en-US" sz="2400" dirty="0"/>
+              </a:p>
+            </p:txBody>
+          </p:sp>
+        </mc:Choice>
+        <mc:Fallback>
+          <p:sp>
+            <p:nvSpPr>
+              <p:cNvPr id="44" name="テキスト ボックス 43">
+                <a:extLst>
+                  <a:ext uri="{FF2B5EF4-FFF2-40B4-BE49-F238E27FC236}">
+                    <a16:creationId xmlns:a16="http://schemas.microsoft.com/office/drawing/2014/main" id="{D5828338-669E-184D-BF31-9173B2F56628}"/>
+                  </a:ext>
+                </a:extLst>
+              </p:cNvPr>
+              <p:cNvSpPr txBox="1">
+                <a:spLocks noRot="1" noChangeAspect="1" noMove="1" noResize="1" noEditPoints="1" noAdjustHandles="1" noChangeArrowheads="1" noChangeShapeType="1" noTextEdit="1"/>
+              </p:cNvSpPr>
+              <p:nvPr/>
+            </p:nvSpPr>
+            <p:spPr>
+              <a:xfrm>
+                <a:off x="7020272" y="1556792"/>
+                <a:ext cx="554464" cy="369332"/>
+              </a:xfrm>
+              <a:prstGeom prst="rect">
+                <a:avLst/>
+              </a:prstGeom>
+              <a:blipFill>
+                <a:blip r:embed="rId5"/>
+                <a:stretch>
+                  <a:fillRect l="-19780" r="-20879" b="-14754"/>
+                </a:stretch>
+              </a:blipFill>
+            </p:spPr>
+            <p:txBody>
+              <a:bodyPr/>
+              <a:lstStyle/>
+              <a:p>
+                <a:r>
+                  <a:rPr lang="ja-JP" altLang="en-US">
+                    <a:noFill/>
+                  </a:rPr>
+                  <a:t> </a:t>
+                </a:r>
+              </a:p>
+            </p:txBody>
+          </p:sp>
+        </mc:Fallback>
+      </mc:AlternateContent>
+      <mc:AlternateContent xmlns:mc="http://schemas.openxmlformats.org/markup-compatibility/2006">
+        <mc:Choice xmlns:a14="http://schemas.microsoft.com/office/drawing/2010/main" Requires="a14">
+          <p:sp>
+            <p:nvSpPr>
+              <p:cNvPr id="56" name="テキスト ボックス 55">
+                <a:extLst>
+                  <a:ext uri="{FF2B5EF4-FFF2-40B4-BE49-F238E27FC236}">
+                    <a16:creationId xmlns:a16="http://schemas.microsoft.com/office/drawing/2014/main" id="{DD19744E-B5D8-4FEB-E0E8-FA023FDF6065}"/>
+                  </a:ext>
+                </a:extLst>
+              </p:cNvPr>
+              <p:cNvSpPr txBox="1"/>
+              <p:nvPr/>
+            </p:nvSpPr>
+            <p:spPr>
+              <a:xfrm>
+                <a:off x="5220072" y="4077072"/>
+                <a:ext cx="554464" cy="369332"/>
+              </a:xfrm>
+              <a:prstGeom prst="rect">
+                <a:avLst/>
+              </a:prstGeom>
+              <a:noFill/>
+            </p:spPr>
+            <p:txBody>
+              <a:bodyPr wrap="square" lIns="0" tIns="0" rIns="0" bIns="0" rtlCol="0">
+                <a:spAutoFit/>
+              </a:bodyPr>
+              <a:lstStyle/>
+              <a:p>
+                <a:pPr/>
+                <a14:m>
+                  <m:oMathPara xmlns:m="http://schemas.openxmlformats.org/officeDocument/2006/math">
+                    <m:oMathParaPr>
+                      <m:jc m:val="centerGroup"/>
+                    </m:oMathParaPr>
+                    <m:oMath xmlns:m="http://schemas.openxmlformats.org/officeDocument/2006/math">
+                      <m:sSub>
+                        <m:sSubPr>
+                          <m:ctrlPr>
+                            <a:rPr kumimoji="1" lang="en-US" altLang="ja-JP" sz="2400" b="0" i="1" smtClean="0">
+                              <a:latin typeface="Cambria Math" panose="02040503050406030204" pitchFamily="18" charset="0"/>
+                            </a:rPr>
+                          </m:ctrlPr>
+                        </m:sSubPr>
+                        <m:e>
+                          <m:r>
+                            <a:rPr kumimoji="1" lang="en-US" altLang="ja-JP" sz="2400" b="0" i="1" smtClean="0">
+                              <a:latin typeface="Cambria Math" panose="02040503050406030204" pitchFamily="18" charset="0"/>
+                            </a:rPr>
+                            <m:t>𝑥</m:t>
+                          </m:r>
+                        </m:e>
+                        <m:sub>
+                          <m:r>
+                            <a:rPr kumimoji="1" lang="en-US" altLang="ja-JP" sz="2400" b="0" i="1" smtClean="0">
+                              <a:latin typeface="Cambria Math" panose="02040503050406030204" pitchFamily="18" charset="0"/>
+                            </a:rPr>
+                            <m:t>𝑘</m:t>
+                          </m:r>
+                        </m:sub>
+                      </m:sSub>
+                    </m:oMath>
+                  </m:oMathPara>
+                </a14:m>
+                <a:endParaRPr kumimoji="1" lang="ja-JP" altLang="en-US" sz="2400" dirty="0"/>
+              </a:p>
+            </p:txBody>
+          </p:sp>
+        </mc:Choice>
+        <mc:Fallback>
+          <p:sp>
+            <p:nvSpPr>
+              <p:cNvPr id="56" name="テキスト ボックス 55">
+                <a:extLst>
+                  <a:ext uri="{FF2B5EF4-FFF2-40B4-BE49-F238E27FC236}">
+                    <a16:creationId xmlns:a16="http://schemas.microsoft.com/office/drawing/2014/main" id="{DD19744E-B5D8-4FEB-E0E8-FA023FDF6065}"/>
+                  </a:ext>
+                </a:extLst>
+              </p:cNvPr>
+              <p:cNvSpPr txBox="1">
+                <a:spLocks noRot="1" noChangeAspect="1" noMove="1" noResize="1" noEditPoints="1" noAdjustHandles="1" noChangeArrowheads="1" noChangeShapeType="1" noTextEdit="1"/>
+              </p:cNvSpPr>
+              <p:nvPr/>
+            </p:nvSpPr>
+            <p:spPr>
+              <a:xfrm>
+                <a:off x="5220072" y="4077072"/>
+                <a:ext cx="554464" cy="369332"/>
+              </a:xfrm>
+              <a:prstGeom prst="rect">
+                <a:avLst/>
+              </a:prstGeom>
+              <a:blipFill>
+                <a:blip r:embed="rId6"/>
+                <a:stretch>
+                  <a:fillRect b="-16667"/>
+                </a:stretch>
+              </a:blipFill>
+            </p:spPr>
+            <p:txBody>
+              <a:bodyPr/>
+              <a:lstStyle/>
+              <a:p>
+                <a:r>
+                  <a:rPr lang="ja-JP" altLang="en-US">
+                    <a:noFill/>
+                  </a:rPr>
+                  <a:t> </a:t>
+                </a:r>
+              </a:p>
+            </p:txBody>
+          </p:sp>
+        </mc:Fallback>
+      </mc:AlternateContent>
+      <mc:AlternateContent xmlns:mc="http://schemas.openxmlformats.org/markup-compatibility/2006">
+        <mc:Choice xmlns:a14="http://schemas.microsoft.com/office/drawing/2010/main" Requires="a14">
+          <p:sp>
+            <p:nvSpPr>
+              <p:cNvPr id="57" name="テキスト ボックス 56">
+                <a:extLst>
+                  <a:ext uri="{FF2B5EF4-FFF2-40B4-BE49-F238E27FC236}">
+                    <a16:creationId xmlns:a16="http://schemas.microsoft.com/office/drawing/2014/main" id="{59B60F22-7368-9E92-A332-15003539C5A7}"/>
+                  </a:ext>
+                </a:extLst>
+              </p:cNvPr>
+              <p:cNvSpPr txBox="1"/>
+              <p:nvPr/>
+            </p:nvSpPr>
+            <p:spPr>
+              <a:xfrm>
+                <a:off x="6660232" y="4077072"/>
+                <a:ext cx="554464" cy="369332"/>
+              </a:xfrm>
+              <a:prstGeom prst="rect">
+                <a:avLst/>
+              </a:prstGeom>
+              <a:noFill/>
+            </p:spPr>
+            <p:txBody>
+              <a:bodyPr wrap="square" lIns="0" tIns="0" rIns="0" bIns="0" rtlCol="0">
+                <a:spAutoFit/>
+              </a:bodyPr>
+              <a:lstStyle/>
+              <a:p>
+                <a:pPr/>
+                <a14:m>
+                  <m:oMathPara xmlns:m="http://schemas.openxmlformats.org/officeDocument/2006/math">
+                    <m:oMathParaPr>
+                      <m:jc m:val="centerGroup"/>
+                    </m:oMathParaPr>
+                    <m:oMath xmlns:m="http://schemas.openxmlformats.org/officeDocument/2006/math">
+                      <m:sSub>
+                        <m:sSubPr>
+                          <m:ctrlPr>
+                            <a:rPr kumimoji="1" lang="en-US" altLang="ja-JP" sz="2400" b="0" i="1" smtClean="0">
+                              <a:latin typeface="Cambria Math" panose="02040503050406030204" pitchFamily="18" charset="0"/>
+                            </a:rPr>
+                          </m:ctrlPr>
+                        </m:sSubPr>
+                        <m:e>
+                          <m:r>
+                            <a:rPr kumimoji="1" lang="en-US" altLang="ja-JP" sz="2400" b="0" i="1" smtClean="0">
+                              <a:latin typeface="Cambria Math" panose="02040503050406030204" pitchFamily="18" charset="0"/>
+                            </a:rPr>
+                            <m:t>𝑥</m:t>
+                          </m:r>
+                        </m:e>
+                        <m:sub>
+                          <m:r>
+                            <a:rPr kumimoji="1" lang="en-US" altLang="ja-JP" sz="2400" b="0" i="1" smtClean="0">
+                              <a:latin typeface="Cambria Math" panose="02040503050406030204" pitchFamily="18" charset="0"/>
+                            </a:rPr>
+                            <m:t>𝑘</m:t>
+                          </m:r>
+                          <m:r>
+                            <a:rPr kumimoji="1" lang="en-US" altLang="ja-JP" sz="2400" b="0" i="1" smtClean="0">
+                              <a:latin typeface="Cambria Math" panose="02040503050406030204" pitchFamily="18" charset="0"/>
+                            </a:rPr>
+                            <m:t>+1</m:t>
+                          </m:r>
+                        </m:sub>
+                      </m:sSub>
+                    </m:oMath>
+                  </m:oMathPara>
+                </a14:m>
+                <a:endParaRPr kumimoji="1" lang="ja-JP" altLang="en-US" sz="2400" dirty="0"/>
+              </a:p>
+            </p:txBody>
+          </p:sp>
+        </mc:Choice>
+        <mc:Fallback>
+          <p:sp>
+            <p:nvSpPr>
+              <p:cNvPr id="57" name="テキスト ボックス 56">
+                <a:extLst>
+                  <a:ext uri="{FF2B5EF4-FFF2-40B4-BE49-F238E27FC236}">
+                    <a16:creationId xmlns:a16="http://schemas.microsoft.com/office/drawing/2014/main" id="{59B60F22-7368-9E92-A332-15003539C5A7}"/>
+                  </a:ext>
+                </a:extLst>
+              </p:cNvPr>
+              <p:cNvSpPr txBox="1">
+                <a:spLocks noRot="1" noChangeAspect="1" noMove="1" noResize="1" noEditPoints="1" noAdjustHandles="1" noChangeArrowheads="1" noChangeShapeType="1" noTextEdit="1"/>
+              </p:cNvSpPr>
+              <p:nvPr/>
+            </p:nvSpPr>
+            <p:spPr>
+              <a:xfrm>
+                <a:off x="6660232" y="4077072"/>
+                <a:ext cx="554464" cy="369332"/>
+              </a:xfrm>
+              <a:prstGeom prst="rect">
+                <a:avLst/>
+              </a:prstGeom>
+              <a:blipFill>
+                <a:blip r:embed="rId7"/>
+                <a:stretch>
+                  <a:fillRect l="-14286" r="-19780" b="-16667"/>
+                </a:stretch>
+              </a:blipFill>
+            </p:spPr>
+            <p:txBody>
+              <a:bodyPr/>
+              <a:lstStyle/>
+              <a:p>
+                <a:r>
+                  <a:rPr lang="ja-JP" altLang="en-US">
+                    <a:noFill/>
+                  </a:rPr>
+                  <a:t> </a:t>
+                </a:r>
+              </a:p>
+            </p:txBody>
+          </p:sp>
+        </mc:Fallback>
+      </mc:AlternateContent>
+      <p:cxnSp>
+        <p:nvCxnSpPr>
+          <p:cNvPr id="59" name="直線矢印コネクタ 58">
+            <a:extLst>
+              <a:ext uri="{FF2B5EF4-FFF2-40B4-BE49-F238E27FC236}">
+                <a16:creationId xmlns:a16="http://schemas.microsoft.com/office/drawing/2014/main" id="{E99CBA29-CBB9-16BC-B2B1-26FCE43ED588}"/>
+              </a:ext>
+            </a:extLst>
+          </p:cNvPr>
+          <p:cNvCxnSpPr/>
+          <p:nvPr/>
+        </p:nvCxnSpPr>
+        <p:spPr>
+          <a:xfrm>
+            <a:off x="5508104" y="1412776"/>
+            <a:ext cx="1440160" cy="0"/>
+          </a:xfrm>
+          <a:prstGeom prst="straightConnector1">
+            <a:avLst/>
+          </a:prstGeom>
+          <a:ln w="9525">
+            <a:solidFill>
+              <a:schemeClr val="tx1"/>
+            </a:solidFill>
+            <a:headEnd type="triangle"/>
+            <a:tailEnd type="triangle"/>
+          </a:ln>
+          <a:effectLst/>
+        </p:spPr>
+        <p:style>
+          <a:lnRef idx="2">
+            <a:schemeClr val="accent1"/>
+          </a:lnRef>
+          <a:fillRef idx="0">
+            <a:schemeClr val="accent1"/>
+          </a:fillRef>
+          <a:effectRef idx="1">
+            <a:schemeClr val="accent1"/>
+          </a:effectRef>
+          <a:fontRef idx="minor">
+            <a:schemeClr val="tx1"/>
+          </a:fontRef>
+        </p:style>
+      </p:cxnSp>
+      <mc:AlternateContent xmlns:mc="http://schemas.openxmlformats.org/markup-compatibility/2006">
+        <mc:Choice xmlns:a14="http://schemas.microsoft.com/office/drawing/2010/main" Requires="a14">
+          <p:sp>
+            <p:nvSpPr>
+              <p:cNvPr id="60" name="テキスト ボックス 59">
+                <a:extLst>
+                  <a:ext uri="{FF2B5EF4-FFF2-40B4-BE49-F238E27FC236}">
+                    <a16:creationId xmlns:a16="http://schemas.microsoft.com/office/drawing/2014/main" id="{EABFD88F-A790-2D1D-DCC2-64A7462D361A}"/>
+                  </a:ext>
+                </a:extLst>
+              </p:cNvPr>
+              <p:cNvSpPr txBox="1"/>
+              <p:nvPr/>
+            </p:nvSpPr>
+            <p:spPr>
+              <a:xfrm>
+                <a:off x="5940152" y="1052736"/>
+                <a:ext cx="554464" cy="369332"/>
+              </a:xfrm>
+              <a:prstGeom prst="rect">
+                <a:avLst/>
+              </a:prstGeom>
+              <a:noFill/>
+            </p:spPr>
+            <p:txBody>
+              <a:bodyPr wrap="square" lIns="0" tIns="0" rIns="0" bIns="0" rtlCol="0">
+                <a:spAutoFit/>
+              </a:bodyPr>
+              <a:lstStyle/>
+              <a:p>
+                <a:pPr/>
+                <a14:m>
+                  <m:oMathPara xmlns:m="http://schemas.openxmlformats.org/officeDocument/2006/math">
+                    <m:oMathParaPr>
+                      <m:jc m:val="centerGroup"/>
+                    </m:oMathParaPr>
+                    <m:oMath xmlns:m="http://schemas.openxmlformats.org/officeDocument/2006/math">
+                      <m:r>
+                        <m:rPr>
+                          <m:sty m:val="p"/>
+                        </m:rPr>
+                        <a:rPr lang="en-US" altLang="ja-JP" sz="2400" i="0" smtClean="0">
+                          <a:latin typeface="Cambria Math" panose="02040503050406030204" pitchFamily="18" charset="0"/>
+                        </a:rPr>
+                        <m:t>Δ</m:t>
+                      </m:r>
+                      <m:r>
+                        <a:rPr lang="en-US" altLang="ja-JP" sz="2400" b="0" i="1" smtClean="0">
+                          <a:latin typeface="Cambria Math" panose="02040503050406030204" pitchFamily="18" charset="0"/>
+                        </a:rPr>
+                        <m:t>𝑥</m:t>
+                      </m:r>
+                    </m:oMath>
+                  </m:oMathPara>
+                </a14:m>
+                <a:endParaRPr kumimoji="1" lang="ja-JP" altLang="en-US" sz="2400" dirty="0"/>
+              </a:p>
+            </p:txBody>
+          </p:sp>
+        </mc:Choice>
+        <mc:Fallback>
+          <p:sp>
+            <p:nvSpPr>
+              <p:cNvPr id="60" name="テキスト ボックス 59">
+                <a:extLst>
+                  <a:ext uri="{FF2B5EF4-FFF2-40B4-BE49-F238E27FC236}">
+                    <a16:creationId xmlns:a16="http://schemas.microsoft.com/office/drawing/2014/main" id="{EABFD88F-A790-2D1D-DCC2-64A7462D361A}"/>
+                  </a:ext>
+                </a:extLst>
+              </p:cNvPr>
+              <p:cNvSpPr txBox="1">
+                <a:spLocks noRot="1" noChangeAspect="1" noMove="1" noResize="1" noEditPoints="1" noAdjustHandles="1" noChangeArrowheads="1" noChangeShapeType="1" noTextEdit="1"/>
+              </p:cNvSpPr>
+              <p:nvPr/>
+            </p:nvSpPr>
+            <p:spPr>
+              <a:xfrm>
+                <a:off x="5940152" y="1052736"/>
+                <a:ext cx="554464" cy="369332"/>
+              </a:xfrm>
+              <a:prstGeom prst="rect">
+                <a:avLst/>
+              </a:prstGeom>
+              <a:blipFill>
+                <a:blip r:embed="rId8"/>
+                <a:stretch>
+                  <a:fillRect b="-6667"/>
+                </a:stretch>
+              </a:blipFill>
+            </p:spPr>
+            <p:txBody>
+              <a:bodyPr/>
+              <a:lstStyle/>
+              <a:p>
+                <a:r>
+                  <a:rPr lang="ja-JP" altLang="en-US">
+                    <a:noFill/>
+                  </a:rPr>
+                  <a:t> </a:t>
+                </a:r>
+              </a:p>
+            </p:txBody>
+          </p:sp>
+        </mc:Fallback>
+      </mc:AlternateContent>
+      <mc:AlternateContent xmlns:mc="http://schemas.openxmlformats.org/markup-compatibility/2006">
+        <mc:Choice xmlns:a14="http://schemas.microsoft.com/office/drawing/2010/main" Requires="a14">
+          <p:sp>
+            <p:nvSpPr>
+              <p:cNvPr id="2" name="テキスト ボックス 60">
+                <a:extLst>
+                  <a:ext uri="{FF2B5EF4-FFF2-40B4-BE49-F238E27FC236}">
+                    <a16:creationId xmlns:a16="http://schemas.microsoft.com/office/drawing/2014/main" id="{E24F486C-2B8E-4E72-BD5F-4298659D939C}"/>
+                  </a:ext>
+                </a:extLst>
+              </p:cNvPr>
+              <p:cNvSpPr txBox="1"/>
+              <p:nvPr/>
+            </p:nvSpPr>
+            <p:spPr>
+              <a:xfrm>
+                <a:off x="3995936" y="2276872"/>
+                <a:ext cx="554464" cy="369332"/>
+              </a:xfrm>
+              <a:prstGeom prst="rect">
+                <a:avLst/>
+              </a:prstGeom>
+              <a:noFill/>
+            </p:spPr>
+            <p:txBody>
+              <a:bodyPr wrap="square" lIns="0" tIns="0" rIns="0" bIns="0" rtlCol="0">
+                <a:spAutoFit/>
+              </a:bodyPr>
+              <a:lstStyle>
+                <a:defPPr>
+                  <a:defRPr lang="ja-JP"/>
+                </a:defPPr>
+                <a:lvl1pPr marL="0" algn="l" defTabSz="457200" rtl="0" eaLnBrk="1" latinLnBrk="0" hangingPunct="1">
+                  <a:defRPr kumimoji="1" sz="1800" kern="1200">
+                    <a:solidFill>
+                      <a:schemeClr val="tx1"/>
+                    </a:solidFill>
+                    <a:latin typeface="+mn-lt"/>
+                    <a:ea typeface="+mn-ea"/>
+                    <a:cs typeface="+mn-cs"/>
+                  </a:defRPr>
+                </a:lvl1pPr>
+                <a:lvl2pPr marL="457200" algn="l" defTabSz="457200" rtl="0" eaLnBrk="1" latinLnBrk="0" hangingPunct="1">
+                  <a:defRPr kumimoji="1" sz="1800" kern="1200">
+                    <a:solidFill>
+                      <a:schemeClr val="tx1"/>
+                    </a:solidFill>
+                    <a:latin typeface="+mn-lt"/>
+                    <a:ea typeface="+mn-ea"/>
+                    <a:cs typeface="+mn-cs"/>
+                  </a:defRPr>
+                </a:lvl2pPr>
+                <a:lvl3pPr marL="914400" algn="l" defTabSz="457200" rtl="0" eaLnBrk="1" latinLnBrk="0" hangingPunct="1">
+                  <a:defRPr kumimoji="1" sz="1800" kern="1200">
+                    <a:solidFill>
+                      <a:schemeClr val="tx1"/>
+                    </a:solidFill>
+                    <a:latin typeface="+mn-lt"/>
+                    <a:ea typeface="+mn-ea"/>
+                    <a:cs typeface="+mn-cs"/>
+                  </a:defRPr>
+                </a:lvl3pPr>
+                <a:lvl4pPr marL="1371600" algn="l" defTabSz="457200" rtl="0" eaLnBrk="1" latinLnBrk="0" hangingPunct="1">
+                  <a:defRPr kumimoji="1" sz="1800" kern="1200">
+                    <a:solidFill>
+                      <a:schemeClr val="tx1"/>
+                    </a:solidFill>
+                    <a:latin typeface="+mn-lt"/>
+                    <a:ea typeface="+mn-ea"/>
+                    <a:cs typeface="+mn-cs"/>
+                  </a:defRPr>
+                </a:lvl4pPr>
+                <a:lvl5pPr marL="1828800" algn="l" defTabSz="457200" rtl="0" eaLnBrk="1" latinLnBrk="0" hangingPunct="1">
+                  <a:defRPr kumimoji="1" sz="1800" kern="1200">
+                    <a:solidFill>
+                      <a:schemeClr val="tx1"/>
+                    </a:solidFill>
+                    <a:latin typeface="+mn-lt"/>
+                    <a:ea typeface="+mn-ea"/>
+                    <a:cs typeface="+mn-cs"/>
+                  </a:defRPr>
+                </a:lvl5pPr>
+                <a:lvl6pPr marL="2286000" algn="l" defTabSz="457200" rtl="0" eaLnBrk="1" latinLnBrk="0" hangingPunct="1">
+                  <a:defRPr kumimoji="1" sz="1800" kern="1200">
+                    <a:solidFill>
+                      <a:schemeClr val="tx1"/>
+                    </a:solidFill>
+                    <a:latin typeface="+mn-lt"/>
+                    <a:ea typeface="+mn-ea"/>
+                    <a:cs typeface="+mn-cs"/>
+                  </a:defRPr>
+                </a:lvl6pPr>
+                <a:lvl7pPr marL="2743200" algn="l" defTabSz="457200" rtl="0" eaLnBrk="1" latinLnBrk="0" hangingPunct="1">
+                  <a:defRPr kumimoji="1" sz="1800" kern="1200">
+                    <a:solidFill>
+                      <a:schemeClr val="tx1"/>
+                    </a:solidFill>
+                    <a:latin typeface="+mn-lt"/>
+                    <a:ea typeface="+mn-ea"/>
+                    <a:cs typeface="+mn-cs"/>
+                  </a:defRPr>
+                </a:lvl7pPr>
+                <a:lvl8pPr marL="3200400" algn="l" defTabSz="457200" rtl="0" eaLnBrk="1" latinLnBrk="0" hangingPunct="1">
+                  <a:defRPr kumimoji="1" sz="1800" kern="1200">
+                    <a:solidFill>
+                      <a:schemeClr val="tx1"/>
+                    </a:solidFill>
+                    <a:latin typeface="+mn-lt"/>
+                    <a:ea typeface="+mn-ea"/>
+                    <a:cs typeface="+mn-cs"/>
+                  </a:defRPr>
+                </a:lvl8pPr>
+                <a:lvl9pPr marL="3657600" algn="l" defTabSz="457200" rtl="0" eaLnBrk="1" latinLnBrk="0" hangingPunct="1">
+                  <a:defRPr kumimoji="1" sz="1800" kern="1200">
+                    <a:solidFill>
+                      <a:schemeClr val="tx1"/>
+                    </a:solidFill>
+                    <a:latin typeface="+mn-lt"/>
+                    <a:ea typeface="+mn-ea"/>
+                    <a:cs typeface="+mn-cs"/>
+                  </a:defRPr>
+                </a:lvl9pPr>
+              </a:lstStyle>
+              <a:p>
+                <a:pPr/>
+                <a14:m>
+                  <m:oMathPara xmlns:m="http://schemas.openxmlformats.org/officeDocument/2006/math">
+                    <m:oMathParaPr>
+                      <m:jc m:val="centerGroup"/>
+                    </m:oMathParaPr>
+                    <m:oMath xmlns:m="http://schemas.openxmlformats.org/officeDocument/2006/math">
+                      <m:sSub>
+                        <m:sSubPr>
+                          <m:ctrlPr>
+                            <a:rPr kumimoji="1" lang="en-US" altLang="ja-JP" sz="2400" b="0" i="1" smtClean="0">
+                              <a:latin typeface="Cambria Math" panose="02040503050406030204" pitchFamily="18" charset="0"/>
+                            </a:rPr>
+                          </m:ctrlPr>
+                        </m:sSubPr>
+                        <m:e>
+                          <m:r>
+                            <a:rPr kumimoji="1" lang="en-US" altLang="ja-JP" sz="2400" b="0" i="1" smtClean="0">
+                              <a:latin typeface="Cambria Math" panose="02040503050406030204" pitchFamily="18" charset="0"/>
+                            </a:rPr>
+                            <m:t>𝑣</m:t>
+                          </m:r>
+                        </m:e>
+                        <m:sub>
+                          <m:r>
+                            <a:rPr kumimoji="1" lang="en-US" altLang="ja-JP" sz="2400" b="0" i="1" smtClean="0">
+                              <a:latin typeface="Cambria Math" panose="02040503050406030204" pitchFamily="18" charset="0"/>
+                            </a:rPr>
+                            <m:t>𝑘</m:t>
+                          </m:r>
+                        </m:sub>
+                      </m:sSub>
+                    </m:oMath>
+                  </m:oMathPara>
+                </a14:m>
+                <a:endParaRPr kumimoji="1" lang="ja-JP" altLang="en-US" sz="2400" dirty="0"/>
+              </a:p>
+            </p:txBody>
+          </p:sp>
+        </mc:Choice>
+        <mc:Fallback>
+          <p:sp>
+            <p:nvSpPr>
+              <p:cNvPr id="2" name="テキスト ボックス 60">
+                <a:extLst>
+                  <a:ext uri="{FF2B5EF4-FFF2-40B4-BE49-F238E27FC236}">
+                    <a16:creationId xmlns:a16="http://schemas.microsoft.com/office/drawing/2014/main" id="{E24F486C-2B8E-4E72-BD5F-4298659D939C}"/>
+                  </a:ext>
+                </a:extLst>
+              </p:cNvPr>
+              <p:cNvSpPr txBox="1">
+                <a:spLocks noRot="1" noChangeAspect="1" noMove="1" noResize="1" noEditPoints="1" noAdjustHandles="1" noChangeArrowheads="1" noChangeShapeType="1" noTextEdit="1"/>
+              </p:cNvSpPr>
+              <p:nvPr/>
+            </p:nvSpPr>
+            <p:spPr>
+              <a:xfrm>
+                <a:off x="3995936" y="2276872"/>
+                <a:ext cx="554464" cy="369332"/>
+              </a:xfrm>
+              <a:prstGeom prst="rect">
+                <a:avLst/>
+              </a:prstGeom>
+              <a:blipFill>
+                <a:blip r:embed="rId9"/>
+                <a:stretch>
+                  <a:fillRect b="-16667"/>
+                </a:stretch>
+              </a:blipFill>
+            </p:spPr>
+            <p:txBody>
+              <a:bodyPr/>
+              <a:lstStyle/>
+              <a:p>
+                <a:r>
+                  <a:rPr lang="ja-JP" altLang="en-US">
+                    <a:noFill/>
+                  </a:rPr>
+                  <a:t> </a:t>
+                </a:r>
+              </a:p>
+            </p:txBody>
+          </p:sp>
+        </mc:Fallback>
+      </mc:AlternateContent>
+      <mc:AlternateContent xmlns:mc="http://schemas.openxmlformats.org/markup-compatibility/2006">
+        <mc:Choice xmlns:a14="http://schemas.microsoft.com/office/drawing/2010/main" Requires="a14">
+          <p:sp>
+            <p:nvSpPr>
+              <p:cNvPr id="3" name="テキスト ボックス 60">
+                <a:extLst>
+                  <a:ext uri="{FF2B5EF4-FFF2-40B4-BE49-F238E27FC236}">
+                    <a16:creationId xmlns:a16="http://schemas.microsoft.com/office/drawing/2014/main" id="{44A978B1-C77E-AD86-DF91-CF15788239D6}"/>
+                  </a:ext>
+                </a:extLst>
+              </p:cNvPr>
+              <p:cNvSpPr txBox="1"/>
+              <p:nvPr/>
+            </p:nvSpPr>
+            <p:spPr>
+              <a:xfrm>
+                <a:off x="4139952" y="2852936"/>
+                <a:ext cx="554464" cy="369332"/>
+              </a:xfrm>
+              <a:prstGeom prst="rect">
+                <a:avLst/>
+              </a:prstGeom>
+              <a:noFill/>
+            </p:spPr>
+            <p:txBody>
+              <a:bodyPr wrap="square" lIns="0" tIns="0" rIns="0" bIns="0" rtlCol="0">
+                <a:spAutoFit/>
+              </a:bodyPr>
+              <a:lstStyle>
+                <a:defPPr>
+                  <a:defRPr lang="ja-JP"/>
+                </a:defPPr>
+                <a:lvl1pPr marL="0" algn="l" defTabSz="457200" rtl="0" eaLnBrk="1" latinLnBrk="0" hangingPunct="1">
+                  <a:defRPr kumimoji="1" sz="1800" kern="1200">
+                    <a:solidFill>
+                      <a:schemeClr val="tx1"/>
+                    </a:solidFill>
+                    <a:latin typeface="+mn-lt"/>
+                    <a:ea typeface="+mn-ea"/>
+                    <a:cs typeface="+mn-cs"/>
+                  </a:defRPr>
+                </a:lvl1pPr>
+                <a:lvl2pPr marL="457200" algn="l" defTabSz="457200" rtl="0" eaLnBrk="1" latinLnBrk="0" hangingPunct="1">
+                  <a:defRPr kumimoji="1" sz="1800" kern="1200">
+                    <a:solidFill>
+                      <a:schemeClr val="tx1"/>
+                    </a:solidFill>
+                    <a:latin typeface="+mn-lt"/>
+                    <a:ea typeface="+mn-ea"/>
+                    <a:cs typeface="+mn-cs"/>
+                  </a:defRPr>
+                </a:lvl2pPr>
+                <a:lvl3pPr marL="914400" algn="l" defTabSz="457200" rtl="0" eaLnBrk="1" latinLnBrk="0" hangingPunct="1">
+                  <a:defRPr kumimoji="1" sz="1800" kern="1200">
+                    <a:solidFill>
+                      <a:schemeClr val="tx1"/>
+                    </a:solidFill>
+                    <a:latin typeface="+mn-lt"/>
+                    <a:ea typeface="+mn-ea"/>
+                    <a:cs typeface="+mn-cs"/>
+                  </a:defRPr>
+                </a:lvl3pPr>
+                <a:lvl4pPr marL="1371600" algn="l" defTabSz="457200" rtl="0" eaLnBrk="1" latinLnBrk="0" hangingPunct="1">
+                  <a:defRPr kumimoji="1" sz="1800" kern="1200">
+                    <a:solidFill>
+                      <a:schemeClr val="tx1"/>
+                    </a:solidFill>
+                    <a:latin typeface="+mn-lt"/>
+                    <a:ea typeface="+mn-ea"/>
+                    <a:cs typeface="+mn-cs"/>
+                  </a:defRPr>
+                </a:lvl4pPr>
+                <a:lvl5pPr marL="1828800" algn="l" defTabSz="457200" rtl="0" eaLnBrk="1" latinLnBrk="0" hangingPunct="1">
+                  <a:defRPr kumimoji="1" sz="1800" kern="1200">
+                    <a:solidFill>
+                      <a:schemeClr val="tx1"/>
+                    </a:solidFill>
+                    <a:latin typeface="+mn-lt"/>
+                    <a:ea typeface="+mn-ea"/>
+                    <a:cs typeface="+mn-cs"/>
+                  </a:defRPr>
+                </a:lvl5pPr>
+                <a:lvl6pPr marL="2286000" algn="l" defTabSz="457200" rtl="0" eaLnBrk="1" latinLnBrk="0" hangingPunct="1">
+                  <a:defRPr kumimoji="1" sz="1800" kern="1200">
+                    <a:solidFill>
+                      <a:schemeClr val="tx1"/>
+                    </a:solidFill>
+                    <a:latin typeface="+mn-lt"/>
+                    <a:ea typeface="+mn-ea"/>
+                    <a:cs typeface="+mn-cs"/>
+                  </a:defRPr>
+                </a:lvl6pPr>
+                <a:lvl7pPr marL="2743200" algn="l" defTabSz="457200" rtl="0" eaLnBrk="1" latinLnBrk="0" hangingPunct="1">
+                  <a:defRPr kumimoji="1" sz="1800" kern="1200">
+                    <a:solidFill>
+                      <a:schemeClr val="tx1"/>
+                    </a:solidFill>
+                    <a:latin typeface="+mn-lt"/>
+                    <a:ea typeface="+mn-ea"/>
+                    <a:cs typeface="+mn-cs"/>
+                  </a:defRPr>
+                </a:lvl7pPr>
+                <a:lvl8pPr marL="3200400" algn="l" defTabSz="457200" rtl="0" eaLnBrk="1" latinLnBrk="0" hangingPunct="1">
+                  <a:defRPr kumimoji="1" sz="1800" kern="1200">
+                    <a:solidFill>
+                      <a:schemeClr val="tx1"/>
+                    </a:solidFill>
+                    <a:latin typeface="+mn-lt"/>
+                    <a:ea typeface="+mn-ea"/>
+                    <a:cs typeface="+mn-cs"/>
+                  </a:defRPr>
+                </a:lvl8pPr>
+                <a:lvl9pPr marL="3657600" algn="l" defTabSz="457200" rtl="0" eaLnBrk="1" latinLnBrk="0" hangingPunct="1">
+                  <a:defRPr kumimoji="1" sz="1800" kern="1200">
+                    <a:solidFill>
+                      <a:schemeClr val="tx1"/>
+                    </a:solidFill>
+                    <a:latin typeface="+mn-lt"/>
+                    <a:ea typeface="+mn-ea"/>
+                    <a:cs typeface="+mn-cs"/>
+                  </a:defRPr>
+                </a:lvl9pPr>
+              </a:lstStyle>
+              <a:p>
+                <a:pPr/>
+                <a14:m>
+                  <m:oMathPara xmlns:m="http://schemas.openxmlformats.org/officeDocument/2006/math">
+                    <m:oMathParaPr>
+                      <m:jc m:val="centerGroup"/>
+                    </m:oMathParaPr>
+                    <m:oMath xmlns:m="http://schemas.openxmlformats.org/officeDocument/2006/math">
+                      <m:sSub>
+                        <m:sSubPr>
+                          <m:ctrlPr>
+                            <a:rPr kumimoji="1" lang="en-US" altLang="ja-JP" sz="2400" b="0" i="1" smtClean="0">
+                              <a:latin typeface="Cambria Math" panose="02040503050406030204" pitchFamily="18" charset="0"/>
+                            </a:rPr>
+                          </m:ctrlPr>
+                        </m:sSubPr>
+                        <m:e>
+                          <m:r>
+                            <a:rPr kumimoji="1" lang="en-US" altLang="ja-JP" sz="2400" b="0" i="1" smtClean="0">
+                              <a:latin typeface="Cambria Math" panose="02040503050406030204" pitchFamily="18" charset="0"/>
+                            </a:rPr>
+                            <m:t>𝑣</m:t>
+                          </m:r>
+                        </m:e>
+                        <m:sub>
+                          <m:r>
+                            <a:rPr kumimoji="1" lang="en-US" altLang="ja-JP" sz="2400" b="0" i="1" smtClean="0">
+                              <a:latin typeface="Cambria Math" panose="02040503050406030204" pitchFamily="18" charset="0"/>
+                            </a:rPr>
+                            <m:t>𝑘</m:t>
+                          </m:r>
+                          <m:r>
+                            <a:rPr kumimoji="1" lang="en-US" altLang="ja-JP" sz="2400" b="0" i="1" smtClean="0">
+                              <a:latin typeface="Cambria Math" panose="02040503050406030204" pitchFamily="18" charset="0"/>
+                            </a:rPr>
+                            <m:t>−1</m:t>
+                          </m:r>
+                        </m:sub>
+                      </m:sSub>
+                    </m:oMath>
+                  </m:oMathPara>
+                </a14:m>
+                <a:endParaRPr kumimoji="1" lang="ja-JP" altLang="en-US" sz="2400" dirty="0"/>
+              </a:p>
+            </p:txBody>
+          </p:sp>
+        </mc:Choice>
+        <mc:Fallback>
+          <p:sp>
+            <p:nvSpPr>
+              <p:cNvPr id="3" name="テキスト ボックス 60">
+                <a:extLst>
+                  <a:ext uri="{FF2B5EF4-FFF2-40B4-BE49-F238E27FC236}">
+                    <a16:creationId xmlns:a16="http://schemas.microsoft.com/office/drawing/2014/main" id="{44A978B1-C77E-AD86-DF91-CF15788239D6}"/>
+                  </a:ext>
+                </a:extLst>
+              </p:cNvPr>
+              <p:cNvSpPr txBox="1">
+                <a:spLocks noRot="1" noChangeAspect="1" noMove="1" noResize="1" noEditPoints="1" noAdjustHandles="1" noChangeArrowheads="1" noChangeShapeType="1" noTextEdit="1"/>
+              </p:cNvSpPr>
+              <p:nvPr/>
+            </p:nvSpPr>
+            <p:spPr>
+              <a:xfrm>
+                <a:off x="4139952" y="2852936"/>
+                <a:ext cx="554464" cy="369332"/>
+              </a:xfrm>
+              <a:prstGeom prst="rect">
+                <a:avLst/>
+              </a:prstGeom>
+              <a:blipFill>
+                <a:blip r:embed="rId10"/>
+                <a:stretch>
+                  <a:fillRect l="-14286" r="-20879" b="-14754"/>
+                </a:stretch>
+              </a:blipFill>
+            </p:spPr>
+            <p:txBody>
+              <a:bodyPr/>
+              <a:lstStyle/>
+              <a:p>
+                <a:r>
+                  <a:rPr lang="ja-JP" altLang="en-US">
+                    <a:noFill/>
+                  </a:rPr>
+                  <a:t> </a:t>
+                </a:r>
+              </a:p>
+            </p:txBody>
+          </p:sp>
+        </mc:Fallback>
+      </mc:AlternateContent>
+      <mc:AlternateContent xmlns:mc="http://schemas.openxmlformats.org/markup-compatibility/2006">
+        <mc:Choice xmlns:a14="http://schemas.microsoft.com/office/drawing/2010/main" Requires="a14">
+          <p:sp>
+            <p:nvSpPr>
+              <p:cNvPr id="4" name="テキスト ボックス 60">
+                <a:extLst>
+                  <a:ext uri="{FF2B5EF4-FFF2-40B4-BE49-F238E27FC236}">
+                    <a16:creationId xmlns:a16="http://schemas.microsoft.com/office/drawing/2014/main" id="{8406028C-A7A9-6FD5-B2B5-7A023AAD2EE2}"/>
+                  </a:ext>
+                </a:extLst>
+              </p:cNvPr>
+              <p:cNvSpPr txBox="1"/>
+              <p:nvPr/>
+            </p:nvSpPr>
+            <p:spPr>
+              <a:xfrm>
+                <a:off x="4139952" y="1700808"/>
+                <a:ext cx="554464" cy="369332"/>
+              </a:xfrm>
+              <a:prstGeom prst="rect">
+                <a:avLst/>
+              </a:prstGeom>
+              <a:noFill/>
+            </p:spPr>
+            <p:txBody>
+              <a:bodyPr wrap="square" lIns="0" tIns="0" rIns="0" bIns="0" rtlCol="0">
+                <a:spAutoFit/>
+              </a:bodyPr>
+              <a:lstStyle>
+                <a:defPPr>
+                  <a:defRPr lang="ja-JP"/>
+                </a:defPPr>
+                <a:lvl1pPr marL="0" algn="l" defTabSz="457200" rtl="0" eaLnBrk="1" latinLnBrk="0" hangingPunct="1">
+                  <a:defRPr kumimoji="1" sz="1800" kern="1200">
+                    <a:solidFill>
+                      <a:schemeClr val="tx1"/>
+                    </a:solidFill>
+                    <a:latin typeface="+mn-lt"/>
+                    <a:ea typeface="+mn-ea"/>
+                    <a:cs typeface="+mn-cs"/>
+                  </a:defRPr>
+                </a:lvl1pPr>
+                <a:lvl2pPr marL="457200" algn="l" defTabSz="457200" rtl="0" eaLnBrk="1" latinLnBrk="0" hangingPunct="1">
+                  <a:defRPr kumimoji="1" sz="1800" kern="1200">
+                    <a:solidFill>
+                      <a:schemeClr val="tx1"/>
+                    </a:solidFill>
+                    <a:latin typeface="+mn-lt"/>
+                    <a:ea typeface="+mn-ea"/>
+                    <a:cs typeface="+mn-cs"/>
+                  </a:defRPr>
+                </a:lvl2pPr>
+                <a:lvl3pPr marL="914400" algn="l" defTabSz="457200" rtl="0" eaLnBrk="1" latinLnBrk="0" hangingPunct="1">
+                  <a:defRPr kumimoji="1" sz="1800" kern="1200">
+                    <a:solidFill>
+                      <a:schemeClr val="tx1"/>
+                    </a:solidFill>
+                    <a:latin typeface="+mn-lt"/>
+                    <a:ea typeface="+mn-ea"/>
+                    <a:cs typeface="+mn-cs"/>
+                  </a:defRPr>
+                </a:lvl3pPr>
+                <a:lvl4pPr marL="1371600" algn="l" defTabSz="457200" rtl="0" eaLnBrk="1" latinLnBrk="0" hangingPunct="1">
+                  <a:defRPr kumimoji="1" sz="1800" kern="1200">
+                    <a:solidFill>
+                      <a:schemeClr val="tx1"/>
+                    </a:solidFill>
+                    <a:latin typeface="+mn-lt"/>
+                    <a:ea typeface="+mn-ea"/>
+                    <a:cs typeface="+mn-cs"/>
+                  </a:defRPr>
+                </a:lvl4pPr>
+                <a:lvl5pPr marL="1828800" algn="l" defTabSz="457200" rtl="0" eaLnBrk="1" latinLnBrk="0" hangingPunct="1">
+                  <a:defRPr kumimoji="1" sz="1800" kern="1200">
+                    <a:solidFill>
+                      <a:schemeClr val="tx1"/>
+                    </a:solidFill>
+                    <a:latin typeface="+mn-lt"/>
+                    <a:ea typeface="+mn-ea"/>
+                    <a:cs typeface="+mn-cs"/>
+                  </a:defRPr>
+                </a:lvl5pPr>
+                <a:lvl6pPr marL="2286000" algn="l" defTabSz="457200" rtl="0" eaLnBrk="1" latinLnBrk="0" hangingPunct="1">
+                  <a:defRPr kumimoji="1" sz="1800" kern="1200">
+                    <a:solidFill>
+                      <a:schemeClr val="tx1"/>
+                    </a:solidFill>
+                    <a:latin typeface="+mn-lt"/>
+                    <a:ea typeface="+mn-ea"/>
+                    <a:cs typeface="+mn-cs"/>
+                  </a:defRPr>
+                </a:lvl6pPr>
+                <a:lvl7pPr marL="2743200" algn="l" defTabSz="457200" rtl="0" eaLnBrk="1" latinLnBrk="0" hangingPunct="1">
+                  <a:defRPr kumimoji="1" sz="1800" kern="1200">
+                    <a:solidFill>
+                      <a:schemeClr val="tx1"/>
+                    </a:solidFill>
+                    <a:latin typeface="+mn-lt"/>
+                    <a:ea typeface="+mn-ea"/>
+                    <a:cs typeface="+mn-cs"/>
+                  </a:defRPr>
+                </a:lvl7pPr>
+                <a:lvl8pPr marL="3200400" algn="l" defTabSz="457200" rtl="0" eaLnBrk="1" latinLnBrk="0" hangingPunct="1">
+                  <a:defRPr kumimoji="1" sz="1800" kern="1200">
+                    <a:solidFill>
+                      <a:schemeClr val="tx1"/>
+                    </a:solidFill>
+                    <a:latin typeface="+mn-lt"/>
+                    <a:ea typeface="+mn-ea"/>
+                    <a:cs typeface="+mn-cs"/>
+                  </a:defRPr>
+                </a:lvl8pPr>
+                <a:lvl9pPr marL="3657600" algn="l" defTabSz="457200" rtl="0" eaLnBrk="1" latinLnBrk="0" hangingPunct="1">
+                  <a:defRPr kumimoji="1" sz="1800" kern="1200">
+                    <a:solidFill>
+                      <a:schemeClr val="tx1"/>
+                    </a:solidFill>
+                    <a:latin typeface="+mn-lt"/>
+                    <a:ea typeface="+mn-ea"/>
+                    <a:cs typeface="+mn-cs"/>
+                  </a:defRPr>
+                </a:lvl9pPr>
+              </a:lstStyle>
+              <a:p>
+                <a:pPr/>
+                <a14:m>
+                  <m:oMathPara xmlns:m="http://schemas.openxmlformats.org/officeDocument/2006/math">
+                    <m:oMathParaPr>
+                      <m:jc m:val="centerGroup"/>
+                    </m:oMathParaPr>
+                    <m:oMath xmlns:m="http://schemas.openxmlformats.org/officeDocument/2006/math">
+                      <m:sSub>
+                        <m:sSubPr>
+                          <m:ctrlPr>
+                            <a:rPr kumimoji="1" lang="en-US" altLang="ja-JP" sz="2400" b="0" i="1" smtClean="0">
+                              <a:latin typeface="Cambria Math" panose="02040503050406030204" pitchFamily="18" charset="0"/>
+                            </a:rPr>
+                          </m:ctrlPr>
+                        </m:sSubPr>
+                        <m:e>
+                          <m:r>
+                            <a:rPr kumimoji="1" lang="en-US" altLang="ja-JP" sz="2400" b="0" i="1" smtClean="0">
+                              <a:latin typeface="Cambria Math" panose="02040503050406030204" pitchFamily="18" charset="0"/>
+                            </a:rPr>
+                            <m:t>𝑣</m:t>
+                          </m:r>
+                        </m:e>
+                        <m:sub>
+                          <m:r>
+                            <a:rPr kumimoji="1" lang="en-US" altLang="ja-JP" sz="2400" b="0" i="1" smtClean="0">
+                              <a:latin typeface="Cambria Math" panose="02040503050406030204" pitchFamily="18" charset="0"/>
+                            </a:rPr>
+                            <m:t>𝑘</m:t>
+                          </m:r>
+                          <m:r>
+                            <a:rPr kumimoji="1" lang="en-US" altLang="ja-JP" sz="2400" b="0" i="1" smtClean="0">
+                              <a:latin typeface="Cambria Math" panose="02040503050406030204" pitchFamily="18" charset="0"/>
+                            </a:rPr>
+                            <m:t>+1</m:t>
+                          </m:r>
+                        </m:sub>
+                      </m:sSub>
+                    </m:oMath>
+                  </m:oMathPara>
+                </a14:m>
+                <a:endParaRPr kumimoji="1" lang="ja-JP" altLang="en-US" sz="2400" dirty="0"/>
+              </a:p>
+            </p:txBody>
+          </p:sp>
+        </mc:Choice>
+        <mc:Fallback>
+          <p:sp>
+            <p:nvSpPr>
+              <p:cNvPr id="4" name="テキスト ボックス 60">
+                <a:extLst>
+                  <a:ext uri="{FF2B5EF4-FFF2-40B4-BE49-F238E27FC236}">
+                    <a16:creationId xmlns:a16="http://schemas.microsoft.com/office/drawing/2014/main" id="{8406028C-A7A9-6FD5-B2B5-7A023AAD2EE2}"/>
+                  </a:ext>
+                </a:extLst>
+              </p:cNvPr>
+              <p:cNvSpPr txBox="1">
+                <a:spLocks noRot="1" noChangeAspect="1" noMove="1" noResize="1" noEditPoints="1" noAdjustHandles="1" noChangeArrowheads="1" noChangeShapeType="1" noTextEdit="1"/>
+              </p:cNvSpPr>
+              <p:nvPr/>
+            </p:nvSpPr>
+            <p:spPr>
+              <a:xfrm>
+                <a:off x="4139952" y="1700808"/>
+                <a:ext cx="554464" cy="369332"/>
+              </a:xfrm>
+              <a:prstGeom prst="rect">
+                <a:avLst/>
+              </a:prstGeom>
+              <a:blipFill>
+                <a:blip r:embed="rId11"/>
+                <a:stretch>
+                  <a:fillRect l="-14286" r="-20879" b="-14754"/>
+                </a:stretch>
+              </a:blipFill>
+            </p:spPr>
+            <p:txBody>
+              <a:bodyPr/>
+              <a:lstStyle/>
+              <a:p>
+                <a:r>
+                  <a:rPr lang="ja-JP" altLang="en-US">
+                    <a:noFill/>
+                  </a:rPr>
+                  <a:t> </a:t>
+                </a:r>
+              </a:p>
+            </p:txBody>
+          </p:sp>
+        </mc:Fallback>
+      </mc:AlternateContent>
+      <mc:AlternateContent xmlns:mc="http://schemas.openxmlformats.org/markup-compatibility/2006">
+        <mc:Choice xmlns:a14="http://schemas.microsoft.com/office/drawing/2010/main" Requires="a14">
+          <p:sp>
+            <p:nvSpPr>
+              <p:cNvPr id="5" name="テキスト ボックス 4">
+                <a:extLst>
+                  <a:ext uri="{FF2B5EF4-FFF2-40B4-BE49-F238E27FC236}">
+                    <a16:creationId xmlns:a16="http://schemas.microsoft.com/office/drawing/2014/main" id="{C62788AC-5C96-4329-B9C1-15165FEE03EC}"/>
+                  </a:ext>
+                </a:extLst>
+              </p:cNvPr>
+              <p:cNvSpPr txBox="1"/>
+              <p:nvPr/>
+            </p:nvSpPr>
+            <p:spPr>
+              <a:xfrm>
+                <a:off x="4139952" y="4653136"/>
+                <a:ext cx="4248472" cy="1128771"/>
+              </a:xfrm>
+              <a:prstGeom prst="rect">
+                <a:avLst/>
+              </a:prstGeom>
+              <a:noFill/>
+            </p:spPr>
+            <p:txBody>
+              <a:bodyPr wrap="square" lIns="0" tIns="0" rIns="0" bIns="0" rtlCol="0">
+                <a:spAutoFit/>
+              </a:bodyPr>
+              <a:lstStyle/>
+              <a:p>
+                <a14:m>
+                  <m:oMathPara xmlns:m="http://schemas.openxmlformats.org/officeDocument/2006/math">
+                    <m:oMathParaPr>
+                      <m:jc m:val="centerGroup"/>
+                    </m:oMathParaPr>
+                    <m:oMath xmlns:m="http://schemas.openxmlformats.org/officeDocument/2006/math">
+                      <m:f>
+                        <m:fPr>
+                          <m:ctrlPr>
+                            <a:rPr lang="en-US" altLang="ja-JP" sz="2400" i="1" smtClean="0">
+                              <a:latin typeface="Cambria Math" panose="02040503050406030204" pitchFamily="18" charset="0"/>
+                            </a:rPr>
+                          </m:ctrlPr>
+                        </m:fPr>
+                        <m:num>
+                          <m:func>
+                            <m:funcPr>
+                              <m:ctrlPr>
+                                <a:rPr lang="en-US" altLang="ja-JP" sz="2400" i="1">
+                                  <a:latin typeface="Cambria Math" panose="02040503050406030204" pitchFamily="18" charset="0"/>
+                                </a:rPr>
+                              </m:ctrlPr>
+                            </m:funcPr>
+                            <m:fName>
+                              <m:r>
+                                <m:rPr>
+                                  <m:sty m:val="p"/>
+                                </m:rPr>
+                                <a:rPr lang="en-US" altLang="ja-JP" sz="2400">
+                                  <a:latin typeface="Cambria Math" panose="02040503050406030204" pitchFamily="18" charset="0"/>
+                                </a:rPr>
+                                <m:t>sin</m:t>
+                              </m:r>
+                            </m:fName>
+                            <m:e>
+                              <m:sSub>
+                                <m:sSubPr>
+                                  <m:ctrlPr>
+                                    <a:rPr lang="en-US" altLang="ja-JP" sz="2400" i="1">
+                                      <a:latin typeface="Cambria Math" panose="02040503050406030204" pitchFamily="18" charset="0"/>
+                                    </a:rPr>
+                                  </m:ctrlPr>
+                                </m:sSubPr>
+                                <m:e>
+                                  <m:r>
+                                    <a:rPr lang="en-US" altLang="ja-JP" sz="2400" i="1">
+                                      <a:latin typeface="Cambria Math" panose="02040503050406030204" pitchFamily="18" charset="0"/>
+                                    </a:rPr>
+                                    <m:t>𝜃</m:t>
+                                  </m:r>
+                                </m:e>
+                                <m:sub>
+                                  <m:r>
+                                    <a:rPr lang="en-US" altLang="ja-JP" sz="2400" i="1">
+                                      <a:latin typeface="Cambria Math" panose="02040503050406030204" pitchFamily="18" charset="0"/>
+                                    </a:rPr>
+                                    <m:t>𝑘</m:t>
+                                  </m:r>
+                                  <m:r>
+                                    <a:rPr lang="en-US" altLang="ja-JP" sz="2400" i="1">
+                                      <a:latin typeface="Cambria Math" panose="02040503050406030204" pitchFamily="18" charset="0"/>
+                                    </a:rPr>
+                                    <m:t>−1</m:t>
+                                  </m:r>
+                                </m:sub>
+                              </m:sSub>
+                            </m:e>
+                          </m:func>
+                        </m:num>
+                        <m:den>
+                          <m:sSub>
+                            <m:sSubPr>
+                              <m:ctrlPr>
+                                <a:rPr lang="en-US" altLang="ja-JP" sz="2400" i="1">
+                                  <a:latin typeface="Cambria Math" panose="02040503050406030204" pitchFamily="18" charset="0"/>
+                                </a:rPr>
+                              </m:ctrlPr>
+                            </m:sSubPr>
+                            <m:e>
+                              <m:r>
+                                <a:rPr lang="en-US" altLang="ja-JP" sz="2400" i="1">
+                                  <a:latin typeface="Cambria Math" panose="02040503050406030204" pitchFamily="18" charset="0"/>
+                                </a:rPr>
+                                <m:t>𝑣</m:t>
+                              </m:r>
+                            </m:e>
+                            <m:sub>
+                              <m:r>
+                                <a:rPr lang="en-US" altLang="ja-JP" sz="2400" i="1">
+                                  <a:latin typeface="Cambria Math" panose="02040503050406030204" pitchFamily="18" charset="0"/>
+                                </a:rPr>
+                                <m:t>𝑘</m:t>
+                              </m:r>
+                              <m:r>
+                                <a:rPr lang="en-US" altLang="ja-JP" sz="2400" i="1">
+                                  <a:latin typeface="Cambria Math" panose="02040503050406030204" pitchFamily="18" charset="0"/>
+                                </a:rPr>
+                                <m:t>−1</m:t>
+                              </m:r>
+                            </m:sub>
+                          </m:sSub>
+                        </m:den>
+                      </m:f>
+                      <m:r>
+                        <a:rPr lang="en-US" altLang="ja-JP" sz="2400" i="1">
+                          <a:latin typeface="Cambria Math" panose="02040503050406030204" pitchFamily="18" charset="0"/>
+                        </a:rPr>
+                        <m:t>=</m:t>
+                      </m:r>
+                      <m:f>
+                        <m:fPr>
+                          <m:ctrlPr>
+                            <a:rPr lang="en-US" altLang="ja-JP" sz="2400" i="1">
+                              <a:latin typeface="Cambria Math" panose="02040503050406030204" pitchFamily="18" charset="0"/>
+                            </a:rPr>
+                          </m:ctrlPr>
+                        </m:fPr>
+                        <m:num>
+                          <m:func>
+                            <m:funcPr>
+                              <m:ctrlPr>
+                                <a:rPr lang="en-US" altLang="ja-JP" sz="2400" i="1">
+                                  <a:latin typeface="Cambria Math" panose="02040503050406030204" pitchFamily="18" charset="0"/>
+                                </a:rPr>
+                              </m:ctrlPr>
+                            </m:funcPr>
+                            <m:fName>
+                              <m:r>
+                                <m:rPr>
+                                  <m:sty m:val="p"/>
+                                </m:rPr>
+                                <a:rPr lang="en-US" altLang="ja-JP" sz="2400">
+                                  <a:latin typeface="Cambria Math" panose="02040503050406030204" pitchFamily="18" charset="0"/>
+                                </a:rPr>
+                                <m:t>sin</m:t>
+                              </m:r>
+                            </m:fName>
+                            <m:e>
+                              <m:sSub>
+                                <m:sSubPr>
+                                  <m:ctrlPr>
+                                    <a:rPr lang="en-US" altLang="ja-JP" sz="2400" i="1">
+                                      <a:latin typeface="Cambria Math" panose="02040503050406030204" pitchFamily="18" charset="0"/>
+                                    </a:rPr>
+                                  </m:ctrlPr>
+                                </m:sSubPr>
+                                <m:e>
+                                  <m:r>
+                                    <a:rPr lang="en-US" altLang="ja-JP" sz="2400" i="1">
+                                      <a:latin typeface="Cambria Math" panose="02040503050406030204" pitchFamily="18" charset="0"/>
+                                    </a:rPr>
+                                    <m:t>𝜃</m:t>
+                                  </m:r>
+                                </m:e>
+                                <m:sub>
+                                  <m:r>
+                                    <a:rPr lang="en-US" altLang="ja-JP" sz="2400" i="1">
+                                      <a:latin typeface="Cambria Math" panose="02040503050406030204" pitchFamily="18" charset="0"/>
+                                    </a:rPr>
+                                    <m:t>𝑘</m:t>
+                                  </m:r>
+                                </m:sub>
+                              </m:sSub>
+                            </m:e>
+                          </m:func>
+                        </m:num>
+                        <m:den>
+                          <m:sSub>
+                            <m:sSubPr>
+                              <m:ctrlPr>
+                                <a:rPr lang="en-US" altLang="ja-JP" sz="2400" i="1">
+                                  <a:latin typeface="Cambria Math" panose="02040503050406030204" pitchFamily="18" charset="0"/>
+                                </a:rPr>
+                              </m:ctrlPr>
+                            </m:sSubPr>
+                            <m:e>
+                              <m:r>
+                                <a:rPr lang="en-US" altLang="ja-JP" sz="2400" i="1">
+                                  <a:latin typeface="Cambria Math" panose="02040503050406030204" pitchFamily="18" charset="0"/>
+                                </a:rPr>
+                                <m:t>𝑣</m:t>
+                              </m:r>
+                            </m:e>
+                            <m:sub>
+                              <m:r>
+                                <a:rPr lang="en-US" altLang="ja-JP" sz="2400" i="1">
+                                  <a:latin typeface="Cambria Math" panose="02040503050406030204" pitchFamily="18" charset="0"/>
+                                </a:rPr>
+                                <m:t>𝑘</m:t>
+                              </m:r>
+                            </m:sub>
+                          </m:sSub>
+                        </m:den>
+                      </m:f>
+                      <m:r>
+                        <a:rPr lang="en-US" altLang="ja-JP" sz="2400" i="1">
+                          <a:latin typeface="Cambria Math" panose="02040503050406030204" pitchFamily="18" charset="0"/>
+                        </a:rPr>
+                        <m:t>=</m:t>
+                      </m:r>
+                      <m:f>
+                        <m:fPr>
+                          <m:ctrlPr>
+                            <a:rPr kumimoji="1" lang="en-US" altLang="ja-JP" sz="2400" b="0" i="1" smtClean="0">
+                              <a:latin typeface="Cambria Math" panose="02040503050406030204" pitchFamily="18" charset="0"/>
+                            </a:rPr>
+                          </m:ctrlPr>
+                        </m:fPr>
+                        <m:num>
+                          <m:func>
+                            <m:funcPr>
+                              <m:ctrlPr>
+                                <a:rPr kumimoji="1" lang="en-US" altLang="ja-JP" sz="2400" b="0" i="1" smtClean="0">
+                                  <a:latin typeface="Cambria Math" panose="02040503050406030204" pitchFamily="18" charset="0"/>
+                                </a:rPr>
+                              </m:ctrlPr>
+                            </m:funcPr>
+                            <m:fName>
+                              <m:r>
+                                <m:rPr>
+                                  <m:sty m:val="p"/>
+                                </m:rPr>
+                                <a:rPr kumimoji="1" lang="en-US" altLang="ja-JP" sz="2400" b="0" i="0" smtClean="0">
+                                  <a:latin typeface="Cambria Math" panose="02040503050406030204" pitchFamily="18" charset="0"/>
+                                </a:rPr>
+                                <m:t>sin</m:t>
+                              </m:r>
+                            </m:fName>
+                            <m:e>
+                              <m:sSub>
+                                <m:sSubPr>
+                                  <m:ctrlPr>
+                                    <a:rPr kumimoji="1" lang="en-US" altLang="ja-JP" sz="2400" b="0" i="1" smtClean="0">
+                                      <a:latin typeface="Cambria Math" panose="02040503050406030204" pitchFamily="18" charset="0"/>
+                                    </a:rPr>
+                                  </m:ctrlPr>
+                                </m:sSubPr>
+                                <m:e>
+                                  <m:r>
+                                    <a:rPr kumimoji="1" lang="en-US" altLang="ja-JP" sz="2400" b="0" i="1" smtClean="0">
+                                      <a:latin typeface="Cambria Math" panose="02040503050406030204" pitchFamily="18" charset="0"/>
+                                    </a:rPr>
+                                    <m:t>𝜃</m:t>
+                                  </m:r>
+                                </m:e>
+                                <m:sub>
+                                  <m:r>
+                                    <a:rPr kumimoji="1" lang="en-US" altLang="ja-JP" sz="2400" b="0" i="1" smtClean="0">
+                                      <a:latin typeface="Cambria Math" panose="02040503050406030204" pitchFamily="18" charset="0"/>
+                                    </a:rPr>
+                                    <m:t>𝑘</m:t>
+                                  </m:r>
+                                  <m:r>
+                                    <a:rPr kumimoji="1" lang="en-US" altLang="ja-JP" sz="2400" b="0" i="1" smtClean="0">
+                                      <a:latin typeface="Cambria Math" panose="02040503050406030204" pitchFamily="18" charset="0"/>
+                                    </a:rPr>
+                                    <m:t>+</m:t>
+                                  </m:r>
+                                  <m:r>
+                                    <a:rPr kumimoji="1" lang="en-US" altLang="ja-JP" sz="2400" b="0" i="1" smtClean="0">
+                                      <a:latin typeface="Cambria Math" panose="02040503050406030204" pitchFamily="18" charset="0"/>
+                                    </a:rPr>
+                                    <m:t>1</m:t>
+                                  </m:r>
+                                </m:sub>
+                              </m:sSub>
+                            </m:e>
+                          </m:func>
+                        </m:num>
+                        <m:den>
+                          <m:sSub>
+                            <m:sSubPr>
+                              <m:ctrlPr>
+                                <a:rPr kumimoji="1" lang="en-US" altLang="ja-JP" sz="2400" b="0" i="1" smtClean="0">
+                                  <a:latin typeface="Cambria Math" panose="02040503050406030204" pitchFamily="18" charset="0"/>
+                                </a:rPr>
+                              </m:ctrlPr>
+                            </m:sSubPr>
+                            <m:e>
+                              <m:r>
+                                <a:rPr kumimoji="1" lang="en-US" altLang="ja-JP" sz="2400" b="0" i="1" smtClean="0">
+                                  <a:latin typeface="Cambria Math" panose="02040503050406030204" pitchFamily="18" charset="0"/>
+                                </a:rPr>
+                                <m:t>𝑣</m:t>
+                              </m:r>
+                            </m:e>
+                            <m:sub>
+                              <m:r>
+                                <a:rPr kumimoji="1" lang="en-US" altLang="ja-JP" sz="2400" b="0" i="1" smtClean="0">
+                                  <a:latin typeface="Cambria Math" panose="02040503050406030204" pitchFamily="18" charset="0"/>
+                                </a:rPr>
+                                <m:t>𝑘</m:t>
+                              </m:r>
+                              <m:r>
+                                <a:rPr kumimoji="1" lang="en-US" altLang="ja-JP" sz="2400" b="0" i="1" smtClean="0">
+                                  <a:latin typeface="Cambria Math" panose="02040503050406030204" pitchFamily="18" charset="0"/>
+                                </a:rPr>
+                                <m:t>+</m:t>
+                              </m:r>
+                              <m:r>
+                                <a:rPr kumimoji="1" lang="en-US" altLang="ja-JP" sz="2400" b="0" i="1" smtClean="0">
+                                  <a:latin typeface="Cambria Math" panose="02040503050406030204" pitchFamily="18" charset="0"/>
+                                </a:rPr>
+                                <m:t>1</m:t>
+                              </m:r>
+                            </m:sub>
+                          </m:sSub>
+                        </m:den>
+                      </m:f>
+                    </m:oMath>
+                  </m:oMathPara>
+                </a14:m>
+                <a:endParaRPr kumimoji="1" lang="ja-JP" altLang="en-US" sz="2400" dirty="0"/>
+              </a:p>
+              <a:p>
+                <a:pPr/>
+                <a:endParaRPr lang="ja-JP" altLang="en-US" sz="2400" dirty="0"/>
+              </a:p>
+            </p:txBody>
+          </p:sp>
+        </mc:Choice>
+        <mc:Fallback>
+          <p:sp>
+            <p:nvSpPr>
+              <p:cNvPr id="5" name="テキスト ボックス 4">
+                <a:extLst>
+                  <a:ext uri="{FF2B5EF4-FFF2-40B4-BE49-F238E27FC236}">
+                    <a16:creationId xmlns:a16="http://schemas.microsoft.com/office/drawing/2014/main" id="{C62788AC-5C96-4329-B9C1-15165FEE03EC}"/>
+                  </a:ext>
+                </a:extLst>
+              </p:cNvPr>
+              <p:cNvSpPr txBox="1">
+                <a:spLocks noRot="1" noChangeAspect="1" noMove="1" noResize="1" noEditPoints="1" noAdjustHandles="1" noChangeArrowheads="1" noChangeShapeType="1" noTextEdit="1"/>
+              </p:cNvSpPr>
+              <p:nvPr/>
+            </p:nvSpPr>
+            <p:spPr>
+              <a:xfrm>
+                <a:off x="4139952" y="4653136"/>
+                <a:ext cx="4248472" cy="1128771"/>
+              </a:xfrm>
+              <a:prstGeom prst="rect">
+                <a:avLst/>
+              </a:prstGeom>
+              <a:blipFill>
+                <a:blip r:embed="rId12"/>
+                <a:stretch>
+                  <a:fillRect/>
+                </a:stretch>
+              </a:blipFill>
+            </p:spPr>
+            <p:txBody>
+              <a:bodyPr/>
+              <a:lstStyle/>
+              <a:p>
+                <a:r>
+                  <a:rPr lang="ja-JP" altLang="en-US">
+                    <a:noFill/>
+                  </a:rPr>
+                  <a:t> </a:t>
+                </a:r>
+              </a:p>
+            </p:txBody>
+          </p:sp>
+        </mc:Fallback>
+      </mc:AlternateContent>
+      <p:pic>
+        <p:nvPicPr>
+          <p:cNvPr id="7" name="図 6">
+            <a:extLst>
+              <a:ext uri="{FF2B5EF4-FFF2-40B4-BE49-F238E27FC236}">
+                <a16:creationId xmlns:a16="http://schemas.microsoft.com/office/drawing/2014/main" id="{CC6FC91B-9936-D050-9DA7-D900F36C0DA6}"/>
+              </a:ext>
+            </a:extLst>
+          </p:cNvPr>
+          <p:cNvPicPr>
+            <a:picLocks noChangeAspect="1"/>
+          </p:cNvPicPr>
+          <p:nvPr/>
+        </p:nvPicPr>
+        <p:blipFill>
+          <a:blip r:embed="rId13"/>
+          <a:stretch>
+            <a:fillRect/>
+          </a:stretch>
+        </p:blipFill>
+        <p:spPr>
+          <a:xfrm>
+            <a:off x="52220" y="1733466"/>
+            <a:ext cx="3871708" cy="2592288"/>
+          </a:xfrm>
+          <a:prstGeom prst="rect">
+            <a:avLst/>
+          </a:prstGeom>
+        </p:spPr>
+      </p:pic>
+      <p:sp>
+        <p:nvSpPr>
+          <p:cNvPr id="8" name="正方形/長方形 7">
+            <a:extLst>
+              <a:ext uri="{FF2B5EF4-FFF2-40B4-BE49-F238E27FC236}">
+                <a16:creationId xmlns:a16="http://schemas.microsoft.com/office/drawing/2014/main" id="{6FB7C425-B1D1-3382-938E-9BD187E5F349}"/>
+              </a:ext>
+            </a:extLst>
+          </p:cNvPr>
+          <p:cNvSpPr/>
+          <p:nvPr/>
+        </p:nvSpPr>
+        <p:spPr>
+          <a:xfrm>
+            <a:off x="1403648" y="2636912"/>
+            <a:ext cx="288032" cy="144016"/>
+          </a:xfrm>
+          <a:prstGeom prst="rect">
+            <a:avLst/>
+          </a:prstGeom>
+          <a:ln>
+            <a:solidFill>
+              <a:srgbClr val="FF0000"/>
+            </a:solidFill>
+          </a:ln>
+        </p:spPr>
+        <p:txBody>
+          <a:bodyPr wrap="square" rtlCol="0" anchor="ctr">
+            <a:spAutoFit/>
+          </a:bodyPr>
+          <a:lstStyle/>
+          <a:p>
+            <a:pPr algn="ctr"/>
+            <a:endParaRPr kumimoji="1" lang="ja-JP" altLang="en-US" sz="2400" dirty="0"/>
+          </a:p>
+        </p:txBody>
+      </p:sp>
+      <p:cxnSp>
+        <p:nvCxnSpPr>
+          <p:cNvPr id="10" name="直線コネクタ 9">
+            <a:extLst>
+              <a:ext uri="{FF2B5EF4-FFF2-40B4-BE49-F238E27FC236}">
+                <a16:creationId xmlns:a16="http://schemas.microsoft.com/office/drawing/2014/main" id="{193C95DE-1D68-DDBF-5925-87B1B8E60426}"/>
+              </a:ext>
+            </a:extLst>
+          </p:cNvPr>
+          <p:cNvCxnSpPr>
+            <a:cxnSpLocks/>
+          </p:cNvCxnSpPr>
+          <p:nvPr/>
+        </p:nvCxnSpPr>
+        <p:spPr>
+          <a:xfrm flipV="1">
+            <a:off x="1691680" y="1772816"/>
+            <a:ext cx="2376264" cy="864096"/>
+          </a:xfrm>
+          <a:prstGeom prst="line">
+            <a:avLst/>
+          </a:prstGeom>
+          <a:ln w="9525">
+            <a:solidFill>
+              <a:srgbClr val="FF0000"/>
+            </a:solidFill>
+            <a:headEnd type="none"/>
+            <a:tailEnd type="none"/>
+          </a:ln>
+          <a:effectLst/>
+        </p:spPr>
+        <p:style>
+          <a:lnRef idx="2">
+            <a:schemeClr val="accent1"/>
+          </a:lnRef>
+          <a:fillRef idx="0">
+            <a:schemeClr val="accent1"/>
+          </a:fillRef>
+          <a:effectRef idx="1">
+            <a:schemeClr val="accent1"/>
+          </a:effectRef>
+          <a:fontRef idx="minor">
+            <a:schemeClr val="tx1"/>
+          </a:fontRef>
+        </p:style>
+      </p:cxnSp>
+      <p:cxnSp>
+        <p:nvCxnSpPr>
+          <p:cNvPr id="14" name="直線コネクタ 13">
+            <a:extLst>
+              <a:ext uri="{FF2B5EF4-FFF2-40B4-BE49-F238E27FC236}">
+                <a16:creationId xmlns:a16="http://schemas.microsoft.com/office/drawing/2014/main" id="{7621B544-58B4-6FC1-4D1C-94AE4380C4C7}"/>
+              </a:ext>
+            </a:extLst>
+          </p:cNvPr>
+          <p:cNvCxnSpPr>
+            <a:cxnSpLocks/>
+          </p:cNvCxnSpPr>
+          <p:nvPr/>
+        </p:nvCxnSpPr>
+        <p:spPr>
+          <a:xfrm>
+            <a:off x="1691680" y="2780928"/>
+            <a:ext cx="2376264" cy="1080120"/>
+          </a:xfrm>
+          <a:prstGeom prst="line">
+            <a:avLst/>
+          </a:prstGeom>
+          <a:ln w="9525">
+            <a:solidFill>
+              <a:srgbClr val="FF0000"/>
+            </a:solidFill>
+            <a:headEnd type="none"/>
+            <a:tailEnd type="none"/>
+          </a:ln>
+          <a:effectLst/>
+        </p:spPr>
+        <p:style>
+          <a:lnRef idx="2">
+            <a:schemeClr val="accent1"/>
+          </a:lnRef>
+          <a:fillRef idx="0">
+            <a:schemeClr val="accent1"/>
+          </a:fillRef>
+          <a:effectRef idx="1">
+            <a:schemeClr val="accent1"/>
+          </a:effectRef>
+          <a:fontRef idx="minor">
+            <a:schemeClr val="tx1"/>
+          </a:fontRef>
+        </p:style>
+      </p:cxnSp>
+    </p:spTree>
+    <p:extLst>
+      <p:ext uri="{BB962C8B-B14F-4D97-AF65-F5344CB8AC3E}">
+        <p14:creationId xmlns:p14="http://schemas.microsoft.com/office/powerpoint/2010/main" val="3066936302"/>
       </p:ext>
     </p:extLst>
   </p:cSld>

--- a/variational_principle/fig/fig.pptx
+++ b/variational_principle/fig/fig.pptx
@@ -5,13 +5,14 @@
     <p:sldMasterId id="2147483648" r:id="rId1"/>
   </p:sldMasterIdLst>
   <p:notesMasterIdLst>
-    <p:notesMasterId r:id="rId6"/>
+    <p:notesMasterId r:id="rId7"/>
   </p:notesMasterIdLst>
   <p:sldIdLst>
     <p:sldId id="260" r:id="rId2"/>
-    <p:sldId id="257" r:id="rId3"/>
-    <p:sldId id="258" r:id="rId4"/>
-    <p:sldId id="259" r:id="rId5"/>
+    <p:sldId id="261" r:id="rId3"/>
+    <p:sldId id="257" r:id="rId4"/>
+    <p:sldId id="258" r:id="rId5"/>
+    <p:sldId id="259" r:id="rId6"/>
   </p:sldIdLst>
   <p:sldSz cx="9144000" cy="6858000" type="screen4x3"/>
   <p:notesSz cx="6858000" cy="9144000"/>
@@ -215,7 +216,7 @@
             <a:fld id="{D2C63D3F-0352-EF45-A95C-C8137A1B6577}" type="datetimeFigureOut">
               <a:rPr lang="ja-JP" altLang="en-US" smtClean="0"/>
               <a:pPr/>
-              <a:t>2023/5/1</a:t>
+              <a:t>2023/5/2</a:t>
             </a:fld>
             <a:endParaRPr lang="ja-JP" altLang="en-US"/>
           </a:p>
@@ -978,7 +979,7 @@
         </p:nvSpPr>
         <p:spPr>
           <a:xfrm>
-            <a:off x="1779979" y="1196752"/>
+            <a:off x="1767787" y="2121723"/>
             <a:ext cx="487765" cy="471242"/>
           </a:xfrm>
           <a:prstGeom prst="rect">
@@ -1126,102 +1127,8 @@
           </a:fontRef>
         </p:style>
       </p:cxnSp>
-      <p:pic>
-        <p:nvPicPr>
-          <p:cNvPr id="11" name="Picture 6" descr="バツのマークのイラスト「×」">
-            <a:extLst>
-              <a:ext uri="{FF2B5EF4-FFF2-40B4-BE49-F238E27FC236}">
-                <a16:creationId xmlns:a16="http://schemas.microsoft.com/office/drawing/2014/main" id="{87FFA0C6-2709-C03E-FC5A-3E60693235D4}"/>
-              </a:ext>
-            </a:extLst>
-          </p:cNvPr>
-          <p:cNvPicPr>
-            <a:picLocks noChangeAspect="1" noChangeArrowheads="1"/>
-          </p:cNvPicPr>
-          <p:nvPr/>
-        </p:nvPicPr>
-        <p:blipFill>
-          <a:blip r:embed="rId5" cstate="print">
-            <a:extLst>
-              <a:ext uri="{28A0092B-C50C-407E-A947-70E740481C1C}">
-                <a14:useLocalDpi xmlns:a14="http://schemas.microsoft.com/office/drawing/2010/main" val="0"/>
-              </a:ext>
-            </a:extLst>
-          </a:blip>
-          <a:srcRect/>
-          <a:stretch>
-            <a:fillRect/>
-          </a:stretch>
-        </p:blipFill>
-        <p:spPr bwMode="auto">
-          <a:xfrm>
-            <a:off x="1707971" y="1647597"/>
-            <a:ext cx="546189" cy="546192"/>
-          </a:xfrm>
-          <a:prstGeom prst="rect">
-            <a:avLst/>
-          </a:prstGeom>
-          <a:noFill/>
-          <a:extLst>
-            <a:ext uri="{909E8E84-426E-40DD-AFC4-6F175D3DCCD1}">
-              <a14:hiddenFill xmlns:a14="http://schemas.microsoft.com/office/drawing/2010/main">
-                <a:solidFill>
-                  <a:srgbClr val="FFFFFF"/>
-                </a:solidFill>
-              </a14:hiddenFill>
-            </a:ext>
-          </a:extLst>
-        </p:spPr>
-      </p:pic>
-      <p:pic>
-        <p:nvPicPr>
-          <p:cNvPr id="12" name="Picture 6" descr="バツのマークのイラスト「×」">
-            <a:extLst>
-              <a:ext uri="{FF2B5EF4-FFF2-40B4-BE49-F238E27FC236}">
-                <a16:creationId xmlns:a16="http://schemas.microsoft.com/office/drawing/2014/main" id="{1F68BD5E-EF6D-E542-B671-086807112FDF}"/>
-              </a:ext>
-            </a:extLst>
-          </p:cNvPr>
-          <p:cNvPicPr>
-            <a:picLocks noChangeAspect="1" noChangeArrowheads="1"/>
-          </p:cNvPicPr>
-          <p:nvPr/>
-        </p:nvPicPr>
-        <p:blipFill>
-          <a:blip r:embed="rId5" cstate="print">
-            <a:extLst>
-              <a:ext uri="{28A0092B-C50C-407E-A947-70E740481C1C}">
-                <a14:useLocalDpi xmlns:a14="http://schemas.microsoft.com/office/drawing/2010/main" val="0"/>
-              </a:ext>
-            </a:extLst>
-          </a:blip>
-          <a:srcRect/>
-          <a:stretch>
-            <a:fillRect/>
-          </a:stretch>
-        </p:blipFill>
-        <p:spPr bwMode="auto">
-          <a:xfrm>
-            <a:off x="5590811" y="4065215"/>
-            <a:ext cx="546189" cy="546192"/>
-          </a:xfrm>
-          <a:prstGeom prst="rect">
-            <a:avLst/>
-          </a:prstGeom>
-          <a:noFill/>
-          <a:extLst>
-            <a:ext uri="{909E8E84-426E-40DD-AFC4-6F175D3DCCD1}">
-              <a14:hiddenFill xmlns:a14="http://schemas.microsoft.com/office/drawing/2010/main">
-                <a:solidFill>
-                  <a:srgbClr val="FFFFFF"/>
-                </a:solidFill>
-              </a14:hiddenFill>
-            </a:ext>
-          </a:extLst>
-        </p:spPr>
-      </p:pic>
-      <mc:AlternateContent xmlns:mc="http://schemas.openxmlformats.org/markup-compatibility/2006">
-        <mc:Choice xmlns:a14="http://schemas.microsoft.com/office/drawing/2010/main" Requires="a14">
+      <mc:AlternateContent xmlns:mc="http://schemas.openxmlformats.org/markup-compatibility/2006" xmlns:a14="http://schemas.microsoft.com/office/drawing/2010/main">
+        <mc:Choice Requires="a14">
           <p:sp>
             <p:nvSpPr>
               <p:cNvPr id="13" name="テキスト ボックス 12">
@@ -1250,6 +1157,7 @@
               </a:bodyPr>
               <a:lstStyle/>
               <a:p>
+                <a:pPr/>
                 <a14:m>
                   <m:oMathPara xmlns:m="http://schemas.openxmlformats.org/officeDocument/2006/math">
                     <m:oMathParaPr>
@@ -1289,7 +1197,7 @@
             </p:txBody>
           </p:sp>
         </mc:Choice>
-        <mc:Fallback>
+        <mc:Fallback xmlns="">
           <p:sp>
             <p:nvSpPr>
               <p:cNvPr id="13" name="テキスト ボックス 12">
@@ -1334,8 +1242,8 @@
           </p:sp>
         </mc:Fallback>
       </mc:AlternateContent>
-      <mc:AlternateContent xmlns:mc="http://schemas.openxmlformats.org/markup-compatibility/2006">
-        <mc:Choice xmlns:a14="http://schemas.microsoft.com/office/drawing/2010/main" Requires="a14">
+      <mc:AlternateContent xmlns:mc="http://schemas.openxmlformats.org/markup-compatibility/2006" xmlns:a14="http://schemas.microsoft.com/office/drawing/2010/main">
+        <mc:Choice Requires="a14">
           <p:sp>
             <p:nvSpPr>
               <p:cNvPr id="14" name="テキスト ボックス 13">
@@ -1364,6 +1272,7 @@
               </a:bodyPr>
               <a:lstStyle/>
               <a:p>
+                <a:pPr/>
                 <a14:m>
                   <m:oMathPara xmlns:m="http://schemas.openxmlformats.org/officeDocument/2006/math">
                     <m:oMathParaPr>
@@ -1403,7 +1312,7 @@
             </p:txBody>
           </p:sp>
         </mc:Choice>
-        <mc:Fallback>
+        <mc:Fallback xmlns="">
           <p:sp>
             <p:nvSpPr>
               <p:cNvPr id="14" name="テキスト ボックス 13">
@@ -1464,7 +1373,7 @@
             </p:nvSpPr>
             <p:spPr>
               <a:xfrm>
-                <a:off x="3318045" y="1785734"/>
+                <a:off x="3494599" y="1969242"/>
                 <a:ext cx="516782" cy="604277"/>
               </a:xfrm>
               <a:prstGeom prst="rect">
@@ -1478,6 +1387,7 @@
               </a:bodyPr>
               <a:lstStyle/>
               <a:p>
+                <a:pPr/>
                 <a14:m>
                   <m:oMathPara xmlns:m="http://schemas.openxmlformats.org/officeDocument/2006/math">
                     <m:oMathParaPr>
@@ -1534,7 +1444,7 @@
             </p:nvSpPr>
             <p:spPr>
               <a:xfrm>
-                <a:off x="3318045" y="1785734"/>
+                <a:off x="3494599" y="1969242"/>
                 <a:ext cx="516782" cy="604277"/>
               </a:xfrm>
               <a:prstGeom prst="rect">
@@ -1543,7 +1453,7 @@
               <a:blipFill>
                 <a:blip r:embed="rId8"/>
                 <a:stretch>
-                  <a:fillRect/>
+                  <a:fillRect l="-9756"/>
                 </a:stretch>
               </a:blipFill>
             </p:spPr>
@@ -1562,8 +1472,8 @@
           </p:sp>
         </mc:Fallback>
       </mc:AlternateContent>
-      <mc:AlternateContent xmlns:mc="http://schemas.openxmlformats.org/markup-compatibility/2006">
-        <mc:Choice xmlns:a14="http://schemas.microsoft.com/office/drawing/2010/main" Requires="a14">
+      <mc:AlternateContent xmlns:mc="http://schemas.openxmlformats.org/markup-compatibility/2006" xmlns:a14="http://schemas.microsoft.com/office/drawing/2010/main">
+        <mc:Choice Requires="a14">
           <p:sp>
             <p:nvSpPr>
               <p:cNvPr id="16" name="テキスト ボックス 15">
@@ -1592,6 +1502,7 @@
               </a:bodyPr>
               <a:lstStyle/>
               <a:p>
+                <a:pPr/>
                 <a14:m>
                   <m:oMathPara xmlns:m="http://schemas.openxmlformats.org/officeDocument/2006/math">
                     <m:oMathParaPr>
@@ -1631,7 +1542,7 @@
             </p:txBody>
           </p:sp>
         </mc:Choice>
-        <mc:Fallback>
+        <mc:Fallback xmlns="">
           <p:sp>
             <p:nvSpPr>
               <p:cNvPr id="16" name="テキスト ボックス 15">
@@ -1730,7 +1641,7 @@
             </p:nvSpPr>
             <p:spPr>
               <a:xfrm>
-                <a:off x="2627784" y="4869160"/>
+                <a:off x="2200644" y="4904742"/>
                 <a:ext cx="3071161" cy="1396344"/>
               </a:xfrm>
               <a:prstGeom prst="rect">
@@ -1744,6 +1655,7 @@
               </a:bodyPr>
               <a:lstStyle/>
               <a:p>
+                <a:pPr/>
                 <a14:m>
                   <m:oMathPara xmlns:m="http://schemas.openxmlformats.org/officeDocument/2006/math">
                     <m:oMathParaPr>
@@ -1919,7 +1831,7 @@
             </p:nvSpPr>
             <p:spPr>
               <a:xfrm>
-                <a:off x="2627784" y="4869160"/>
+                <a:off x="2200644" y="4904742"/>
                 <a:ext cx="3071161" cy="1396344"/>
               </a:xfrm>
               <a:prstGeom prst="rect">
@@ -1928,7 +1840,7 @@
               <a:blipFill>
                 <a:blip r:embed="rId10"/>
                 <a:stretch>
-                  <a:fillRect/>
+                  <a:fillRect l="-3704" t="-1802" r="-823" b="-8108"/>
                 </a:stretch>
               </a:blipFill>
             </p:spPr>
@@ -1947,6 +1859,368 @@
           </p:sp>
         </mc:Fallback>
       </mc:AlternateContent>
+      <p:cxnSp>
+        <p:nvCxnSpPr>
+          <p:cNvPr id="24" name="直線コネクタ 23">
+            <a:extLst>
+              <a:ext uri="{FF2B5EF4-FFF2-40B4-BE49-F238E27FC236}">
+                <a16:creationId xmlns:a16="http://schemas.microsoft.com/office/drawing/2014/main" id="{B955D5D2-F3B5-F68C-9DBA-C14E57B5AF7F}"/>
+              </a:ext>
+            </a:extLst>
+          </p:cNvPr>
+          <p:cNvCxnSpPr>
+            <a:cxnSpLocks/>
+          </p:cNvCxnSpPr>
+          <p:nvPr/>
+        </p:nvCxnSpPr>
+        <p:spPr>
+          <a:xfrm flipV="1">
+            <a:off x="5863906" y="836834"/>
+            <a:ext cx="0" cy="3501477"/>
+          </a:xfrm>
+          <a:prstGeom prst="line">
+            <a:avLst/>
+          </a:prstGeom>
+          <a:ln w="9525">
+            <a:solidFill>
+              <a:schemeClr val="tx1"/>
+            </a:solidFill>
+            <a:headEnd type="none"/>
+            <a:tailEnd type="none"/>
+          </a:ln>
+          <a:effectLst/>
+        </p:spPr>
+        <p:style>
+          <a:lnRef idx="2">
+            <a:schemeClr val="accent1"/>
+          </a:lnRef>
+          <a:fillRef idx="0">
+            <a:schemeClr val="accent1"/>
+          </a:fillRef>
+          <a:effectRef idx="1">
+            <a:schemeClr val="accent1"/>
+          </a:effectRef>
+          <a:fontRef idx="minor">
+            <a:schemeClr val="tx1"/>
+          </a:fontRef>
+        </p:style>
+      </p:cxnSp>
+      <p:cxnSp>
+        <p:nvCxnSpPr>
+          <p:cNvPr id="25" name="直線コネクタ 24">
+            <a:extLst>
+              <a:ext uri="{FF2B5EF4-FFF2-40B4-BE49-F238E27FC236}">
+                <a16:creationId xmlns:a16="http://schemas.microsoft.com/office/drawing/2014/main" id="{FCA55645-6AA5-4AC0-E3D3-E2D907DF06A3}"/>
+              </a:ext>
+            </a:extLst>
+          </p:cNvPr>
+          <p:cNvCxnSpPr/>
+          <p:nvPr/>
+        </p:nvCxnSpPr>
+        <p:spPr>
+          <a:xfrm flipV="1">
+            <a:off x="1954015" y="836834"/>
+            <a:ext cx="0" cy="1153997"/>
+          </a:xfrm>
+          <a:prstGeom prst="line">
+            <a:avLst/>
+          </a:prstGeom>
+          <a:ln w="9525">
+            <a:solidFill>
+              <a:schemeClr val="tx1"/>
+            </a:solidFill>
+            <a:headEnd type="none"/>
+            <a:tailEnd type="none"/>
+          </a:ln>
+          <a:effectLst/>
+        </p:spPr>
+        <p:style>
+          <a:lnRef idx="2">
+            <a:schemeClr val="accent1"/>
+          </a:lnRef>
+          <a:fillRef idx="0">
+            <a:schemeClr val="accent1"/>
+          </a:fillRef>
+          <a:effectRef idx="1">
+            <a:schemeClr val="accent1"/>
+          </a:effectRef>
+          <a:fontRef idx="minor">
+            <a:schemeClr val="tx1"/>
+          </a:fontRef>
+        </p:style>
+      </p:cxnSp>
+      <p:pic>
+        <p:nvPicPr>
+          <p:cNvPr id="12" name="Picture 6" descr="バツのマークのイラスト「×」">
+            <a:extLst>
+              <a:ext uri="{FF2B5EF4-FFF2-40B4-BE49-F238E27FC236}">
+                <a16:creationId xmlns:a16="http://schemas.microsoft.com/office/drawing/2014/main" id="{1F68BD5E-EF6D-E542-B671-086807112FDF}"/>
+              </a:ext>
+            </a:extLst>
+          </p:cNvPr>
+          <p:cNvPicPr>
+            <a:picLocks noChangeAspect="1" noChangeArrowheads="1"/>
+          </p:cNvPicPr>
+          <p:nvPr/>
+        </p:nvPicPr>
+        <p:blipFill>
+          <a:blip r:embed="rId11" cstate="print">
+            <a:extLst>
+              <a:ext uri="{28A0092B-C50C-407E-A947-70E740481C1C}">
+                <a14:useLocalDpi xmlns:a14="http://schemas.microsoft.com/office/drawing/2010/main" val="0"/>
+              </a:ext>
+            </a:extLst>
+          </a:blip>
+          <a:srcRect/>
+          <a:stretch>
+            <a:fillRect/>
+          </a:stretch>
+        </p:blipFill>
+        <p:spPr bwMode="auto">
+          <a:xfrm>
+            <a:off x="5590811" y="4065215"/>
+            <a:ext cx="546189" cy="546192"/>
+          </a:xfrm>
+          <a:prstGeom prst="rect">
+            <a:avLst/>
+          </a:prstGeom>
+          <a:noFill/>
+          <a:extLst>
+            <a:ext uri="{909E8E84-426E-40DD-AFC4-6F175D3DCCD1}">
+              <a14:hiddenFill xmlns:a14="http://schemas.microsoft.com/office/drawing/2010/main">
+                <a:solidFill>
+                  <a:srgbClr val="FFFFFF"/>
+                </a:solidFill>
+              </a14:hiddenFill>
+            </a:ext>
+          </a:extLst>
+        </p:spPr>
+      </p:pic>
+      <p:pic>
+        <p:nvPicPr>
+          <p:cNvPr id="11" name="Picture 6" descr="バツのマークのイラスト「×」">
+            <a:extLst>
+              <a:ext uri="{FF2B5EF4-FFF2-40B4-BE49-F238E27FC236}">
+                <a16:creationId xmlns:a16="http://schemas.microsoft.com/office/drawing/2014/main" id="{87FFA0C6-2709-C03E-FC5A-3E60693235D4}"/>
+              </a:ext>
+            </a:extLst>
+          </p:cNvPr>
+          <p:cNvPicPr>
+            <a:picLocks noChangeAspect="1" noChangeArrowheads="1"/>
+          </p:cNvPicPr>
+          <p:nvPr/>
+        </p:nvPicPr>
+        <p:blipFill>
+          <a:blip r:embed="rId11" cstate="print">
+            <a:extLst>
+              <a:ext uri="{28A0092B-C50C-407E-A947-70E740481C1C}">
+                <a14:useLocalDpi xmlns:a14="http://schemas.microsoft.com/office/drawing/2010/main" val="0"/>
+              </a:ext>
+            </a:extLst>
+          </a:blip>
+          <a:srcRect/>
+          <a:stretch>
+            <a:fillRect/>
+          </a:stretch>
+        </p:blipFill>
+        <p:spPr bwMode="auto">
+          <a:xfrm>
+            <a:off x="1707971" y="1647597"/>
+            <a:ext cx="546189" cy="546192"/>
+          </a:xfrm>
+          <a:prstGeom prst="rect">
+            <a:avLst/>
+          </a:prstGeom>
+          <a:noFill/>
+          <a:extLst>
+            <a:ext uri="{909E8E84-426E-40DD-AFC4-6F175D3DCCD1}">
+              <a14:hiddenFill xmlns:a14="http://schemas.microsoft.com/office/drawing/2010/main">
+                <a:solidFill>
+                  <a:srgbClr val="FFFFFF"/>
+                </a:solidFill>
+              </a14:hiddenFill>
+            </a:ext>
+          </a:extLst>
+        </p:spPr>
+      </p:pic>
+      <p:cxnSp>
+        <p:nvCxnSpPr>
+          <p:cNvPr id="28" name="直線矢印コネクタ 27">
+            <a:extLst>
+              <a:ext uri="{FF2B5EF4-FFF2-40B4-BE49-F238E27FC236}">
+                <a16:creationId xmlns:a16="http://schemas.microsoft.com/office/drawing/2014/main" id="{76802383-5963-9A8C-B07F-B5A8CD1A9D76}"/>
+              </a:ext>
+            </a:extLst>
+          </p:cNvPr>
+          <p:cNvCxnSpPr>
+            <a:cxnSpLocks/>
+          </p:cNvCxnSpPr>
+          <p:nvPr/>
+        </p:nvCxnSpPr>
+        <p:spPr>
+          <a:xfrm flipH="1">
+            <a:off x="1954015" y="908720"/>
+            <a:ext cx="3909891" cy="0"/>
+          </a:xfrm>
+          <a:prstGeom prst="straightConnector1">
+            <a:avLst/>
+          </a:prstGeom>
+          <a:ln w="9525">
+            <a:solidFill>
+              <a:schemeClr val="tx1"/>
+            </a:solidFill>
+            <a:headEnd type="triangle"/>
+            <a:tailEnd type="triangle"/>
+          </a:ln>
+          <a:effectLst/>
+        </p:spPr>
+        <p:style>
+          <a:lnRef idx="2">
+            <a:schemeClr val="accent1"/>
+          </a:lnRef>
+          <a:fillRef idx="0">
+            <a:schemeClr val="accent1"/>
+          </a:fillRef>
+          <a:effectRef idx="1">
+            <a:schemeClr val="accent1"/>
+          </a:effectRef>
+          <a:fontRef idx="minor">
+            <a:schemeClr val="tx1"/>
+          </a:fontRef>
+        </p:style>
+      </p:cxnSp>
+      <mc:AlternateContent xmlns:mc="http://schemas.openxmlformats.org/markup-compatibility/2006">
+        <mc:Choice xmlns:a14="http://schemas.microsoft.com/office/drawing/2010/main" Requires="a14">
+          <p:sp>
+            <p:nvSpPr>
+              <p:cNvPr id="32" name="テキスト ボックス 31">
+                <a:extLst>
+                  <a:ext uri="{FF2B5EF4-FFF2-40B4-BE49-F238E27FC236}">
+                    <a16:creationId xmlns:a16="http://schemas.microsoft.com/office/drawing/2014/main" id="{23D76877-D98F-7291-98FC-B82F1D1E1467}"/>
+                  </a:ext>
+                </a:extLst>
+              </p:cNvPr>
+              <p:cNvSpPr txBox="1"/>
+              <p:nvPr/>
+            </p:nvSpPr>
+            <p:spPr>
+              <a:xfrm>
+                <a:off x="3851920" y="332656"/>
+                <a:ext cx="319383" cy="492443"/>
+              </a:xfrm>
+              <a:prstGeom prst="rect">
+                <a:avLst/>
+              </a:prstGeom>
+              <a:noFill/>
+            </p:spPr>
+            <p:txBody>
+              <a:bodyPr wrap="none" lIns="0" tIns="0" rIns="0" bIns="0" rtlCol="0">
+                <a:spAutoFit/>
+              </a:bodyPr>
+              <a:lstStyle/>
+              <a:p>
+                <a:pPr/>
+                <a14:m>
+                  <m:oMathPara xmlns:m="http://schemas.openxmlformats.org/officeDocument/2006/math">
+                    <m:oMathParaPr>
+                      <m:jc m:val="centerGroup"/>
+                    </m:oMathParaPr>
+                    <m:oMath xmlns:m="http://schemas.openxmlformats.org/officeDocument/2006/math">
+                      <m:r>
+                        <a:rPr kumimoji="1" lang="en-US" altLang="ja-JP" sz="3200" b="0" i="1" smtClean="0">
+                          <a:latin typeface="Cambria Math" panose="02040503050406030204" pitchFamily="18" charset="0"/>
+                        </a:rPr>
+                        <m:t>𝐿</m:t>
+                      </m:r>
+                    </m:oMath>
+                  </m:oMathPara>
+                </a14:m>
+                <a:endParaRPr kumimoji="1" lang="ja-JP" altLang="en-US" sz="3200" dirty="0"/>
+              </a:p>
+            </p:txBody>
+          </p:sp>
+        </mc:Choice>
+        <mc:Fallback>
+          <p:sp>
+            <p:nvSpPr>
+              <p:cNvPr id="32" name="テキスト ボックス 31">
+                <a:extLst>
+                  <a:ext uri="{FF2B5EF4-FFF2-40B4-BE49-F238E27FC236}">
+                    <a16:creationId xmlns:a16="http://schemas.microsoft.com/office/drawing/2014/main" id="{23D76877-D98F-7291-98FC-B82F1D1E1467}"/>
+                  </a:ext>
+                </a:extLst>
+              </p:cNvPr>
+              <p:cNvSpPr txBox="1">
+                <a:spLocks noRot="1" noChangeAspect="1" noMove="1" noResize="1" noEditPoints="1" noAdjustHandles="1" noChangeArrowheads="1" noChangeShapeType="1" noTextEdit="1"/>
+              </p:cNvSpPr>
+              <p:nvPr/>
+            </p:nvSpPr>
+            <p:spPr>
+              <a:xfrm>
+                <a:off x="3851920" y="332656"/>
+                <a:ext cx="319383" cy="492443"/>
+              </a:xfrm>
+              <a:prstGeom prst="rect">
+                <a:avLst/>
+              </a:prstGeom>
+              <a:blipFill>
+                <a:blip r:embed="rId12"/>
+                <a:stretch>
+                  <a:fillRect l="-26923" r="-23077" b="-5128"/>
+                </a:stretch>
+              </a:blipFill>
+            </p:spPr>
+            <p:txBody>
+              <a:bodyPr/>
+              <a:lstStyle/>
+              <a:p>
+                <a:r>
+                  <a:rPr lang="ja-JP" altLang="en-US">
+                    <a:noFill/>
+                  </a:rPr>
+                  <a:t> </a:t>
+                </a:r>
+              </a:p>
+            </p:txBody>
+          </p:sp>
+        </mc:Fallback>
+      </mc:AlternateContent>
+      <p:sp>
+        <p:nvSpPr>
+          <p:cNvPr id="33" name="テキスト ボックス 32">
+            <a:extLst>
+              <a:ext uri="{FF2B5EF4-FFF2-40B4-BE49-F238E27FC236}">
+                <a16:creationId xmlns:a16="http://schemas.microsoft.com/office/drawing/2014/main" id="{CF1D78C2-A6D0-EE96-12C9-D1AD5581A580}"/>
+              </a:ext>
+            </a:extLst>
+          </p:cNvPr>
+          <p:cNvSpPr txBox="1"/>
+          <p:nvPr/>
+        </p:nvSpPr>
+        <p:spPr>
+          <a:xfrm>
+            <a:off x="4909427" y="2691140"/>
+            <a:ext cx="487765" cy="471242"/>
+          </a:xfrm>
+          <a:prstGeom prst="rect">
+            <a:avLst/>
+          </a:prstGeom>
+          <a:noFill/>
+        </p:spPr>
+        <p:txBody>
+          <a:bodyPr wrap="square" rtlCol="0">
+            <a:spAutoFit/>
+          </a:bodyPr>
+          <a:lstStyle/>
+          <a:p>
+            <a:r>
+              <a:rPr kumimoji="1" lang="en-US" altLang="ja-JP" sz="2400" dirty="0"/>
+              <a:t>X</a:t>
+            </a:r>
+            <a:endParaRPr kumimoji="1" lang="ja-JP" altLang="en-US" sz="2400"/>
+          </a:p>
+        </p:txBody>
+      </p:sp>
     </p:spTree>
     <p:extLst>
       <p:ext uri="{BB962C8B-B14F-4D97-AF65-F5344CB8AC3E}">
@@ -1961,6 +2235,1279 @@
 </file>
 
 <file path=ppt/slides/slide2.xml><?xml version="1.0" encoding="utf-8"?>
+<p:sld xmlns:a="http://schemas.openxmlformats.org/drawingml/2006/main" xmlns:r="http://schemas.openxmlformats.org/officeDocument/2006/relationships" xmlns:p="http://schemas.openxmlformats.org/presentationml/2006/main">
+  <p:cSld>
+    <p:spTree>
+      <p:nvGrpSpPr>
+        <p:cNvPr id="1" name=""/>
+        <p:cNvGrpSpPr/>
+        <p:nvPr/>
+      </p:nvGrpSpPr>
+      <p:grpSpPr>
+        <a:xfrm>
+          <a:off x="0" y="0"/>
+          <a:ext cx="0" cy="0"/>
+          <a:chOff x="0" y="0"/>
+          <a:chExt cx="0" cy="0"/>
+        </a:xfrm>
+      </p:grpSpPr>
+      <p:pic>
+        <p:nvPicPr>
+          <p:cNvPr id="40" name="図 39">
+            <a:extLst>
+              <a:ext uri="{FF2B5EF4-FFF2-40B4-BE49-F238E27FC236}">
+                <a16:creationId xmlns:a16="http://schemas.microsoft.com/office/drawing/2014/main" id="{D8BAC686-E04D-A811-AB8B-6356D73BE594}"/>
+              </a:ext>
+            </a:extLst>
+          </p:cNvPr>
+          <p:cNvPicPr>
+            <a:picLocks noChangeAspect="1"/>
+          </p:cNvPicPr>
+          <p:nvPr/>
+        </p:nvPicPr>
+        <p:blipFill>
+          <a:blip r:embed="rId2"/>
+          <a:stretch>
+            <a:fillRect/>
+          </a:stretch>
+        </p:blipFill>
+        <p:spPr>
+          <a:xfrm>
+            <a:off x="61525" y="1181135"/>
+            <a:ext cx="4987658" cy="3330105"/>
+          </a:xfrm>
+          <a:prstGeom prst="rect">
+            <a:avLst/>
+          </a:prstGeom>
+        </p:spPr>
+      </p:pic>
+      <p:grpSp>
+        <p:nvGrpSpPr>
+          <p:cNvPr id="22" name="グループ化 21">
+            <a:extLst>
+              <a:ext uri="{FF2B5EF4-FFF2-40B4-BE49-F238E27FC236}">
+                <a16:creationId xmlns:a16="http://schemas.microsoft.com/office/drawing/2014/main" id="{B9D2A89A-9DF8-3394-0608-F925BDF90E2B}"/>
+              </a:ext>
+            </a:extLst>
+          </p:cNvPr>
+          <p:cNvGrpSpPr/>
+          <p:nvPr/>
+        </p:nvGrpSpPr>
+        <p:grpSpPr>
+          <a:xfrm>
+            <a:off x="4572000" y="1340768"/>
+            <a:ext cx="4232176" cy="3236623"/>
+            <a:chOff x="2400442" y="179290"/>
+            <a:chExt cx="5267902" cy="4028711"/>
+          </a:xfrm>
+        </p:grpSpPr>
+        <p:cxnSp>
+          <p:nvCxnSpPr>
+            <p:cNvPr id="23" name="直線矢印コネクタ 22">
+              <a:extLst>
+                <a:ext uri="{FF2B5EF4-FFF2-40B4-BE49-F238E27FC236}">
+                  <a16:creationId xmlns:a16="http://schemas.microsoft.com/office/drawing/2014/main" id="{D917F960-F537-EE86-2C7E-BE9723203A0B}"/>
+                </a:ext>
+              </a:extLst>
+            </p:cNvPr>
+            <p:cNvCxnSpPr>
+              <a:cxnSpLocks/>
+            </p:cNvCxnSpPr>
+            <p:nvPr/>
+          </p:nvCxnSpPr>
+          <p:spPr>
+            <a:xfrm>
+              <a:off x="2771800" y="2276872"/>
+              <a:ext cx="4896544" cy="0"/>
+            </a:xfrm>
+            <a:prstGeom prst="straightConnector1">
+              <a:avLst/>
+            </a:prstGeom>
+            <a:ln w="9525">
+              <a:solidFill>
+                <a:schemeClr val="tx1"/>
+              </a:solidFill>
+              <a:headEnd type="none" w="med" len="med"/>
+              <a:tailEnd type="triangle" w="med" len="med"/>
+            </a:ln>
+            <a:effectLst/>
+          </p:spPr>
+          <p:style>
+            <a:lnRef idx="2">
+              <a:schemeClr val="accent1"/>
+            </a:lnRef>
+            <a:fillRef idx="0">
+              <a:schemeClr val="accent1"/>
+            </a:fillRef>
+            <a:effectRef idx="1">
+              <a:schemeClr val="accent1"/>
+            </a:effectRef>
+            <a:fontRef idx="minor">
+              <a:schemeClr val="tx1"/>
+            </a:fontRef>
+          </p:style>
+        </p:cxnSp>
+        <p:cxnSp>
+          <p:nvCxnSpPr>
+            <p:cNvPr id="24" name="直線矢印コネクタ 23">
+              <a:extLst>
+                <a:ext uri="{FF2B5EF4-FFF2-40B4-BE49-F238E27FC236}">
+                  <a16:creationId xmlns:a16="http://schemas.microsoft.com/office/drawing/2014/main" id="{5DB575F5-B363-197B-0882-326B81DD7E5C}"/>
+                </a:ext>
+              </a:extLst>
+            </p:cNvPr>
+            <p:cNvCxnSpPr/>
+            <p:nvPr/>
+          </p:nvCxnSpPr>
+          <p:spPr>
+            <a:xfrm flipV="1">
+              <a:off x="6141092" y="179290"/>
+              <a:ext cx="0" cy="3875857"/>
+            </a:xfrm>
+            <a:prstGeom prst="straightConnector1">
+              <a:avLst/>
+            </a:prstGeom>
+            <a:ln w="9525">
+              <a:solidFill>
+                <a:schemeClr val="tx1"/>
+              </a:solidFill>
+              <a:headEnd type="none"/>
+              <a:tailEnd type="triangle"/>
+            </a:ln>
+            <a:effectLst/>
+          </p:spPr>
+          <p:style>
+            <a:lnRef idx="2">
+              <a:schemeClr val="accent1"/>
+            </a:lnRef>
+            <a:fillRef idx="0">
+              <a:schemeClr val="accent1"/>
+            </a:fillRef>
+            <a:effectRef idx="1">
+              <a:schemeClr val="accent1"/>
+            </a:effectRef>
+            <a:fontRef idx="minor">
+              <a:schemeClr val="tx1"/>
+            </a:fontRef>
+          </p:style>
+        </p:cxnSp>
+        <p:cxnSp>
+          <p:nvCxnSpPr>
+            <p:cNvPr id="25" name="直線コネクタ 24">
+              <a:extLst>
+                <a:ext uri="{FF2B5EF4-FFF2-40B4-BE49-F238E27FC236}">
+                  <a16:creationId xmlns:a16="http://schemas.microsoft.com/office/drawing/2014/main" id="{DFFE2079-506B-BF5E-01E9-2990E76473FC}"/>
+                </a:ext>
+              </a:extLst>
+            </p:cNvPr>
+            <p:cNvCxnSpPr>
+              <a:cxnSpLocks/>
+            </p:cNvCxnSpPr>
+            <p:nvPr/>
+          </p:nvCxnSpPr>
+          <p:spPr>
+            <a:xfrm>
+              <a:off x="2771800" y="1009494"/>
+              <a:ext cx="3369292" cy="1261090"/>
+            </a:xfrm>
+            <a:prstGeom prst="line">
+              <a:avLst/>
+            </a:prstGeom>
+            <a:ln w="9525">
+              <a:solidFill>
+                <a:schemeClr val="tx1"/>
+              </a:solidFill>
+              <a:headEnd type="none"/>
+              <a:tailEnd type="none"/>
+            </a:ln>
+            <a:effectLst/>
+          </p:spPr>
+          <p:style>
+            <a:lnRef idx="2">
+              <a:schemeClr val="accent1"/>
+            </a:lnRef>
+            <a:fillRef idx="0">
+              <a:schemeClr val="accent1"/>
+            </a:fillRef>
+            <a:effectRef idx="1">
+              <a:schemeClr val="accent1"/>
+            </a:effectRef>
+            <a:fontRef idx="minor">
+              <a:schemeClr val="tx1"/>
+            </a:fontRef>
+          </p:style>
+        </p:cxnSp>
+        <p:cxnSp>
+          <p:nvCxnSpPr>
+            <p:cNvPr id="26" name="直線コネクタ 25">
+              <a:extLst>
+                <a:ext uri="{FF2B5EF4-FFF2-40B4-BE49-F238E27FC236}">
+                  <a16:creationId xmlns:a16="http://schemas.microsoft.com/office/drawing/2014/main" id="{2EFCB006-83F6-323F-5721-5C2FDEFCDC18}"/>
+                </a:ext>
+              </a:extLst>
+            </p:cNvPr>
+            <p:cNvCxnSpPr>
+              <a:cxnSpLocks/>
+            </p:cNvCxnSpPr>
+            <p:nvPr/>
+          </p:nvCxnSpPr>
+          <p:spPr>
+            <a:xfrm>
+              <a:off x="6132031" y="2270584"/>
+              <a:ext cx="1044356" cy="1483521"/>
+            </a:xfrm>
+            <a:prstGeom prst="line">
+              <a:avLst/>
+            </a:prstGeom>
+            <a:ln w="9525">
+              <a:solidFill>
+                <a:schemeClr val="tx1"/>
+              </a:solidFill>
+              <a:headEnd type="none"/>
+              <a:tailEnd type="none"/>
+            </a:ln>
+            <a:effectLst/>
+          </p:spPr>
+          <p:style>
+            <a:lnRef idx="2">
+              <a:schemeClr val="accent1"/>
+            </a:lnRef>
+            <a:fillRef idx="0">
+              <a:schemeClr val="accent1"/>
+            </a:fillRef>
+            <a:effectRef idx="1">
+              <a:schemeClr val="accent1"/>
+            </a:effectRef>
+            <a:fontRef idx="minor">
+              <a:schemeClr val="tx1"/>
+            </a:fontRef>
+          </p:style>
+        </p:cxnSp>
+        <mc:AlternateContent xmlns:mc="http://schemas.openxmlformats.org/markup-compatibility/2006">
+          <mc:Choice xmlns:a14="http://schemas.microsoft.com/office/drawing/2010/main" Requires="a14">
+            <p:sp>
+              <p:nvSpPr>
+                <p:cNvPr id="27" name="テキスト ボックス 26">
+                  <a:extLst>
+                    <a:ext uri="{FF2B5EF4-FFF2-40B4-BE49-F238E27FC236}">
+                      <a16:creationId xmlns:a16="http://schemas.microsoft.com/office/drawing/2014/main" id="{6AC41BA1-1A09-6454-9FE6-FF27D72F7C67}"/>
+                    </a:ext>
+                  </a:extLst>
+                </p:cNvPr>
+                <p:cNvSpPr txBox="1"/>
+                <p:nvPr/>
+              </p:nvSpPr>
+              <p:spPr>
+                <a:xfrm>
+                  <a:off x="3789803" y="1614833"/>
+                  <a:ext cx="668405" cy="369332"/>
+                </a:xfrm>
+                <a:prstGeom prst="rect">
+                  <a:avLst/>
+                </a:prstGeom>
+                <a:noFill/>
+              </p:spPr>
+              <p:txBody>
+                <a:bodyPr wrap="square" lIns="0" tIns="0" rIns="0" bIns="0" rtlCol="0">
+                  <a:spAutoFit/>
+                </a:bodyPr>
+                <a:lstStyle/>
+                <a:p>
+                  <a:pPr/>
+                  <a14:m>
+                    <m:oMathPara xmlns:m="http://schemas.openxmlformats.org/officeDocument/2006/math">
+                      <m:oMathParaPr>
+                        <m:jc m:val="centerGroup"/>
+                      </m:oMathParaPr>
+                      <m:oMath xmlns:m="http://schemas.openxmlformats.org/officeDocument/2006/math">
+                        <m:sSub>
+                          <m:sSubPr>
+                            <m:ctrlPr>
+                              <a:rPr kumimoji="1" lang="en-US" altLang="ja-JP" sz="2400" b="0" i="1" smtClean="0">
+                                <a:latin typeface="Cambria Math" panose="02040503050406030204" pitchFamily="18" charset="0"/>
+                              </a:rPr>
+                            </m:ctrlPr>
+                          </m:sSubPr>
+                          <m:e>
+                            <m:r>
+                              <a:rPr kumimoji="1" lang="en-US" altLang="ja-JP" sz="2400" b="0" i="1" smtClean="0">
+                                <a:latin typeface="Cambria Math" panose="02040503050406030204" pitchFamily="18" charset="0"/>
+                              </a:rPr>
+                              <m:t>𝑙</m:t>
+                            </m:r>
+                          </m:e>
+                          <m:sub>
+                            <m:r>
+                              <a:rPr kumimoji="1" lang="en-US" altLang="ja-JP" sz="2400" b="0" i="1" smtClean="0">
+                                <a:latin typeface="Cambria Math" panose="02040503050406030204" pitchFamily="18" charset="0"/>
+                              </a:rPr>
+                              <m:t>𝐴</m:t>
+                            </m:r>
+                          </m:sub>
+                        </m:sSub>
+                      </m:oMath>
+                    </m:oMathPara>
+                  </a14:m>
+                  <a:endParaRPr kumimoji="1" lang="ja-JP" altLang="en-US" sz="2400" dirty="0"/>
+                </a:p>
+              </p:txBody>
+            </p:sp>
+          </mc:Choice>
+          <mc:Fallback>
+            <p:sp>
+              <p:nvSpPr>
+                <p:cNvPr id="27" name="テキスト ボックス 26">
+                  <a:extLst>
+                    <a:ext uri="{FF2B5EF4-FFF2-40B4-BE49-F238E27FC236}">
+                      <a16:creationId xmlns:a16="http://schemas.microsoft.com/office/drawing/2014/main" id="{6AC41BA1-1A09-6454-9FE6-FF27D72F7C67}"/>
+                    </a:ext>
+                  </a:extLst>
+                </p:cNvPr>
+                <p:cNvSpPr txBox="1">
+                  <a:spLocks noRot="1" noChangeAspect="1" noMove="1" noResize="1" noEditPoints="1" noAdjustHandles="1" noChangeArrowheads="1" noChangeShapeType="1" noTextEdit="1"/>
+                </p:cNvSpPr>
+                <p:nvPr/>
+              </p:nvSpPr>
+              <p:spPr>
+                <a:xfrm>
+                  <a:off x="3789803" y="1614833"/>
+                  <a:ext cx="668405" cy="369332"/>
+                </a:xfrm>
+                <a:prstGeom prst="rect">
+                  <a:avLst/>
+                </a:prstGeom>
+                <a:blipFill>
+                  <a:blip r:embed="rId3"/>
+                  <a:stretch>
+                    <a:fillRect b="-41667"/>
+                  </a:stretch>
+                </a:blipFill>
+              </p:spPr>
+              <p:txBody>
+                <a:bodyPr/>
+                <a:lstStyle/>
+                <a:p>
+                  <a:r>
+                    <a:rPr lang="ja-JP" altLang="en-US">
+                      <a:noFill/>
+                    </a:rPr>
+                    <a:t> </a:t>
+                  </a:r>
+                </a:p>
+              </p:txBody>
+            </p:sp>
+          </mc:Fallback>
+        </mc:AlternateContent>
+        <mc:AlternateContent xmlns:mc="http://schemas.openxmlformats.org/markup-compatibility/2006" xmlns:a14="http://schemas.microsoft.com/office/drawing/2010/main">
+          <mc:Choice Requires="a14">
+            <p:sp>
+              <p:nvSpPr>
+                <p:cNvPr id="28" name="テキスト ボックス 27">
+                  <a:extLst>
+                    <a:ext uri="{FF2B5EF4-FFF2-40B4-BE49-F238E27FC236}">
+                      <a16:creationId xmlns:a16="http://schemas.microsoft.com/office/drawing/2014/main" id="{3956A9C7-4F9E-B8E4-2D4C-8FCDA8B79370}"/>
+                    </a:ext>
+                  </a:extLst>
+                </p:cNvPr>
+                <p:cNvSpPr txBox="1"/>
+                <p:nvPr/>
+              </p:nvSpPr>
+              <p:spPr>
+                <a:xfrm>
+                  <a:off x="6792930" y="2771578"/>
+                  <a:ext cx="554464" cy="369332"/>
+                </a:xfrm>
+                <a:prstGeom prst="rect">
+                  <a:avLst/>
+                </a:prstGeom>
+                <a:noFill/>
+              </p:spPr>
+              <p:txBody>
+                <a:bodyPr wrap="square" lIns="0" tIns="0" rIns="0" bIns="0" rtlCol="0">
+                  <a:spAutoFit/>
+                </a:bodyPr>
+                <a:lstStyle/>
+                <a:p>
+                  <a:pPr/>
+                  <a14:m>
+                    <m:oMathPara xmlns:m="http://schemas.openxmlformats.org/officeDocument/2006/math">
+                      <m:oMathParaPr>
+                        <m:jc m:val="centerGroup"/>
+                      </m:oMathParaPr>
+                      <m:oMath xmlns:m="http://schemas.openxmlformats.org/officeDocument/2006/math">
+                        <m:sSub>
+                          <m:sSubPr>
+                            <m:ctrlPr>
+                              <a:rPr kumimoji="1" lang="en-US" altLang="ja-JP" sz="2400" b="0" i="1" smtClean="0">
+                                <a:latin typeface="Cambria Math" panose="02040503050406030204" pitchFamily="18" charset="0"/>
+                              </a:rPr>
+                            </m:ctrlPr>
+                          </m:sSubPr>
+                          <m:e>
+                            <m:r>
+                              <a:rPr kumimoji="1" lang="en-US" altLang="ja-JP" sz="2400" b="0" i="1" smtClean="0">
+                                <a:latin typeface="Cambria Math" panose="02040503050406030204" pitchFamily="18" charset="0"/>
+                              </a:rPr>
+                              <m:t>𝑙</m:t>
+                            </m:r>
+                          </m:e>
+                          <m:sub>
+                            <m:r>
+                              <a:rPr kumimoji="1" lang="en-US" altLang="ja-JP" sz="2400" b="0" i="1" smtClean="0">
+                                <a:latin typeface="Cambria Math" panose="02040503050406030204" pitchFamily="18" charset="0"/>
+                              </a:rPr>
+                              <m:t>𝐵</m:t>
+                            </m:r>
+                          </m:sub>
+                        </m:sSub>
+                      </m:oMath>
+                    </m:oMathPara>
+                  </a14:m>
+                  <a:endParaRPr kumimoji="1" lang="ja-JP" altLang="en-US" sz="2400" dirty="0"/>
+                </a:p>
+              </p:txBody>
+            </p:sp>
+          </mc:Choice>
+          <mc:Fallback xmlns="">
+            <p:sp>
+              <p:nvSpPr>
+                <p:cNvPr id="13" name="テキスト ボックス 12">
+                  <a:extLst>
+                    <a:ext uri="{FF2B5EF4-FFF2-40B4-BE49-F238E27FC236}">
+                      <a16:creationId xmlns:a16="http://schemas.microsoft.com/office/drawing/2014/main" id="{5C7BB246-CA3B-661C-DA7B-5A1FEDB094CA}"/>
+                    </a:ext>
+                  </a:extLst>
+                </p:cNvPr>
+                <p:cNvSpPr txBox="1">
+                  <a:spLocks noRot="1" noChangeAspect="1" noMove="1" noResize="1" noEditPoints="1" noAdjustHandles="1" noChangeArrowheads="1" noChangeShapeType="1" noTextEdit="1"/>
+                </p:cNvSpPr>
+                <p:nvPr/>
+              </p:nvSpPr>
+              <p:spPr>
+                <a:xfrm>
+                  <a:off x="6792930" y="2771578"/>
+                  <a:ext cx="554464" cy="369332"/>
+                </a:xfrm>
+                <a:prstGeom prst="rect">
+                  <a:avLst/>
+                </a:prstGeom>
+                <a:blipFill>
+                  <a:blip r:embed="rId4"/>
+                  <a:stretch>
+                    <a:fillRect b="-13115"/>
+                  </a:stretch>
+                </a:blipFill>
+              </p:spPr>
+              <p:txBody>
+                <a:bodyPr/>
+                <a:lstStyle/>
+                <a:p>
+                  <a:r>
+                    <a:rPr lang="ja-JP" altLang="en-US">
+                      <a:noFill/>
+                    </a:rPr>
+                    <a:t> </a:t>
+                  </a:r>
+                </a:p>
+              </p:txBody>
+            </p:sp>
+          </mc:Fallback>
+        </mc:AlternateContent>
+        <mc:AlternateContent xmlns:mc="http://schemas.openxmlformats.org/markup-compatibility/2006" xmlns:a14="http://schemas.microsoft.com/office/drawing/2010/main">
+          <mc:Choice Requires="a14">
+            <p:sp>
+              <p:nvSpPr>
+                <p:cNvPr id="29" name="テキスト ボックス 28">
+                  <a:extLst>
+                    <a:ext uri="{FF2B5EF4-FFF2-40B4-BE49-F238E27FC236}">
+                      <a16:creationId xmlns:a16="http://schemas.microsoft.com/office/drawing/2014/main" id="{BCEDA8A6-45ED-7230-8DC5-0CBE8ECCE686}"/>
+                    </a:ext>
+                  </a:extLst>
+                </p:cNvPr>
+                <p:cNvSpPr txBox="1"/>
+                <p:nvPr/>
+              </p:nvSpPr>
+              <p:spPr>
+                <a:xfrm>
+                  <a:off x="4312210" y="573856"/>
+                  <a:ext cx="475866" cy="727052"/>
+                </a:xfrm>
+                <a:prstGeom prst="rect">
+                  <a:avLst/>
+                </a:prstGeom>
+                <a:noFill/>
+              </p:spPr>
+              <p:txBody>
+                <a:bodyPr wrap="none" lIns="0" tIns="0" rIns="0" bIns="0" rtlCol="0">
+                  <a:spAutoFit/>
+                </a:bodyPr>
+                <a:lstStyle/>
+                <a:p>
+                  <a:pPr/>
+                  <a14:m>
+                    <m:oMathPara xmlns:m="http://schemas.openxmlformats.org/officeDocument/2006/math">
+                      <m:oMathParaPr>
+                        <m:jc m:val="centerGroup"/>
+                      </m:oMathParaPr>
+                      <m:oMath xmlns:m="http://schemas.openxmlformats.org/officeDocument/2006/math">
+                        <m:r>
+                          <a:rPr kumimoji="1" lang="en-US" altLang="ja-JP" sz="2400" b="0" i="1" smtClean="0">
+                            <a:latin typeface="Cambria Math" panose="02040503050406030204" pitchFamily="18" charset="0"/>
+                          </a:rPr>
+                          <m:t>𝑥</m:t>
+                        </m:r>
+                      </m:oMath>
+                    </m:oMathPara>
+                  </a14:m>
+                  <a:endParaRPr kumimoji="1" lang="ja-JP" altLang="en-US" sz="2400" dirty="0"/>
+                </a:p>
+              </p:txBody>
+            </p:sp>
+          </mc:Choice>
+          <mc:Fallback xmlns="">
+            <p:sp>
+              <p:nvSpPr>
+                <p:cNvPr id="14" name="テキスト ボックス 13">
+                  <a:extLst>
+                    <a:ext uri="{FF2B5EF4-FFF2-40B4-BE49-F238E27FC236}">
+                      <a16:creationId xmlns:a16="http://schemas.microsoft.com/office/drawing/2014/main" id="{A76FCFFA-A131-1754-8796-5767EEF70745}"/>
+                    </a:ext>
+                  </a:extLst>
+                </p:cNvPr>
+                <p:cNvSpPr txBox="1">
+                  <a:spLocks noRot="1" noChangeAspect="1" noMove="1" noResize="1" noEditPoints="1" noAdjustHandles="1" noChangeArrowheads="1" noChangeShapeType="1" noTextEdit="1"/>
+                </p:cNvSpPr>
+                <p:nvPr/>
+              </p:nvSpPr>
+              <p:spPr>
+                <a:xfrm>
+                  <a:off x="4312210" y="573856"/>
+                  <a:ext cx="475866" cy="727052"/>
+                </a:xfrm>
+                <a:prstGeom prst="rect">
+                  <a:avLst/>
+                </a:prstGeom>
+                <a:blipFill>
+                  <a:blip r:embed="rId5"/>
+                  <a:stretch>
+                    <a:fillRect/>
+                  </a:stretch>
+                </a:blipFill>
+              </p:spPr>
+              <p:txBody>
+                <a:bodyPr/>
+                <a:lstStyle/>
+                <a:p>
+                  <a:r>
+                    <a:rPr lang="ja-JP" altLang="en-US">
+                      <a:noFill/>
+                    </a:rPr>
+                    <a:t> </a:t>
+                  </a:r>
+                </a:p>
+              </p:txBody>
+            </p:sp>
+          </mc:Fallback>
+        </mc:AlternateContent>
+        <mc:AlternateContent xmlns:mc="http://schemas.openxmlformats.org/markup-compatibility/2006" xmlns:a14="http://schemas.microsoft.com/office/drawing/2010/main">
+          <mc:Choice Requires="a14">
+            <p:sp>
+              <p:nvSpPr>
+                <p:cNvPr id="30" name="テキスト ボックス 29">
+                  <a:extLst>
+                    <a:ext uri="{FF2B5EF4-FFF2-40B4-BE49-F238E27FC236}">
+                      <a16:creationId xmlns:a16="http://schemas.microsoft.com/office/drawing/2014/main" id="{8294F2B2-F3CB-1181-44B1-B8B3B7E816D3}"/>
+                    </a:ext>
+                  </a:extLst>
+                </p:cNvPr>
+                <p:cNvSpPr txBox="1"/>
+                <p:nvPr/>
+              </p:nvSpPr>
+              <p:spPr>
+                <a:xfrm>
+                  <a:off x="6230788" y="3838669"/>
+                  <a:ext cx="777585" cy="369332"/>
+                </a:xfrm>
+                <a:prstGeom prst="rect">
+                  <a:avLst/>
+                </a:prstGeom>
+                <a:noFill/>
+              </p:spPr>
+              <p:txBody>
+                <a:bodyPr wrap="none" lIns="0" tIns="0" rIns="0" bIns="0" rtlCol="0">
+                  <a:spAutoFit/>
+                </a:bodyPr>
+                <a:lstStyle/>
+                <a:p>
+                  <a:pPr/>
+                  <a14:m>
+                    <m:oMathPara xmlns:m="http://schemas.openxmlformats.org/officeDocument/2006/math">
+                      <m:oMathParaPr>
+                        <m:jc m:val="centerGroup"/>
+                      </m:oMathParaPr>
+                      <m:oMath xmlns:m="http://schemas.openxmlformats.org/officeDocument/2006/math">
+                        <m:r>
+                          <a:rPr kumimoji="1" lang="en-US" altLang="ja-JP" sz="2400" b="0" i="1" smtClean="0">
+                            <a:latin typeface="Cambria Math" panose="02040503050406030204" pitchFamily="18" charset="0"/>
+                          </a:rPr>
+                          <m:t>𝐿</m:t>
+                        </m:r>
+                        <m:r>
+                          <a:rPr kumimoji="1" lang="en-US" altLang="ja-JP" sz="2400" b="0" i="1" smtClean="0">
+                            <a:latin typeface="Cambria Math" panose="02040503050406030204" pitchFamily="18" charset="0"/>
+                          </a:rPr>
+                          <m:t>−</m:t>
+                        </m:r>
+                        <m:r>
+                          <a:rPr kumimoji="1" lang="en-US" altLang="ja-JP" sz="2400" b="0" i="1" smtClean="0">
+                            <a:latin typeface="Cambria Math" panose="02040503050406030204" pitchFamily="18" charset="0"/>
+                          </a:rPr>
+                          <m:t>𝑥</m:t>
+                        </m:r>
+                      </m:oMath>
+                    </m:oMathPara>
+                  </a14:m>
+                  <a:endParaRPr kumimoji="1" lang="ja-JP" altLang="en-US" sz="2400" dirty="0"/>
+                </a:p>
+              </p:txBody>
+            </p:sp>
+          </mc:Choice>
+          <mc:Fallback xmlns="">
+            <p:sp>
+              <p:nvSpPr>
+                <p:cNvPr id="15" name="テキスト ボックス 14">
+                  <a:extLst>
+                    <a:ext uri="{FF2B5EF4-FFF2-40B4-BE49-F238E27FC236}">
+                      <a16:creationId xmlns:a16="http://schemas.microsoft.com/office/drawing/2014/main" id="{DB8AC21A-180F-B992-7A4C-CCD30F88577B}"/>
+                    </a:ext>
+                  </a:extLst>
+                </p:cNvPr>
+                <p:cNvSpPr txBox="1">
+                  <a:spLocks noRot="1" noChangeAspect="1" noMove="1" noResize="1" noEditPoints="1" noAdjustHandles="1" noChangeArrowheads="1" noChangeShapeType="1" noTextEdit="1"/>
+                </p:cNvSpPr>
+                <p:nvPr/>
+              </p:nvSpPr>
+              <p:spPr>
+                <a:xfrm>
+                  <a:off x="6230788" y="3838669"/>
+                  <a:ext cx="777585" cy="369332"/>
+                </a:xfrm>
+                <a:prstGeom prst="rect">
+                  <a:avLst/>
+                </a:prstGeom>
+                <a:blipFill>
+                  <a:blip r:embed="rId6"/>
+                  <a:stretch>
+                    <a:fillRect l="-8594" r="-3906" b="-6557"/>
+                  </a:stretch>
+                </a:blipFill>
+              </p:spPr>
+              <p:txBody>
+                <a:bodyPr/>
+                <a:lstStyle/>
+                <a:p>
+                  <a:r>
+                    <a:rPr lang="ja-JP" altLang="en-US">
+                      <a:noFill/>
+                    </a:rPr>
+                    <a:t> </a:t>
+                  </a:r>
+                </a:p>
+              </p:txBody>
+            </p:sp>
+          </mc:Fallback>
+        </mc:AlternateContent>
+        <p:sp>
+          <p:nvSpPr>
+            <p:cNvPr id="31" name="フリーフォーム 30">
+              <a:extLst>
+                <a:ext uri="{FF2B5EF4-FFF2-40B4-BE49-F238E27FC236}">
+                  <a16:creationId xmlns:a16="http://schemas.microsoft.com/office/drawing/2014/main" id="{DDED2285-5A0C-F139-5372-3CC3785A3CE1}"/>
+                </a:ext>
+              </a:extLst>
+            </p:cNvPr>
+            <p:cNvSpPr/>
+            <p:nvPr/>
+          </p:nvSpPr>
+          <p:spPr>
+            <a:xfrm>
+              <a:off x="6137934" y="2546102"/>
+              <a:ext cx="184150" cy="53996"/>
+            </a:xfrm>
+            <a:custGeom>
+              <a:avLst/>
+              <a:gdLst>
+                <a:gd name="connsiteX0" fmla="*/ 0 w 184150"/>
+                <a:gd name="connsiteY0" fmla="*/ 44450 h 53996"/>
+                <a:gd name="connsiteX1" fmla="*/ 82550 w 184150"/>
+                <a:gd name="connsiteY1" fmla="*/ 50800 h 53996"/>
+                <a:gd name="connsiteX2" fmla="*/ 184150 w 184150"/>
+                <a:gd name="connsiteY2" fmla="*/ 0 h 53996"/>
+              </a:gdLst>
+              <a:ahLst/>
+              <a:cxnLst>
+                <a:cxn ang="0">
+                  <a:pos x="connsiteX0" y="connsiteY0"/>
+                </a:cxn>
+                <a:cxn ang="0">
+                  <a:pos x="connsiteX1" y="connsiteY1"/>
+                </a:cxn>
+                <a:cxn ang="0">
+                  <a:pos x="connsiteX2" y="connsiteY2"/>
+                </a:cxn>
+              </a:cxnLst>
+              <a:rect l="l" t="t" r="r" b="b"/>
+              <a:pathLst>
+                <a:path w="184150" h="53996">
+                  <a:moveTo>
+                    <a:pt x="0" y="44450"/>
+                  </a:moveTo>
+                  <a:cubicBezTo>
+                    <a:pt x="25929" y="51329"/>
+                    <a:pt x="51858" y="58208"/>
+                    <a:pt x="82550" y="50800"/>
+                  </a:cubicBezTo>
+                  <a:cubicBezTo>
+                    <a:pt x="113242" y="43392"/>
+                    <a:pt x="148696" y="21696"/>
+                    <a:pt x="184150" y="0"/>
+                  </a:cubicBezTo>
+                </a:path>
+              </a:pathLst>
+            </a:custGeom>
+            <a:noFill/>
+            <a:ln>
+              <a:solidFill>
+                <a:schemeClr val="tx1"/>
+              </a:solidFill>
+            </a:ln>
+          </p:spPr>
+          <p:txBody>
+            <a:bodyPr rtlCol="0" anchor="ctr"/>
+            <a:lstStyle/>
+            <a:p>
+              <a:pPr algn="ctr"/>
+              <a:endParaRPr kumimoji="1" lang="ja-JP" altLang="en-US"/>
+            </a:p>
+          </p:txBody>
+        </p:sp>
+        <mc:AlternateContent xmlns:mc="http://schemas.openxmlformats.org/markup-compatibility/2006" xmlns:a14="http://schemas.microsoft.com/office/drawing/2010/main">
+          <mc:Choice Requires="a14">
+            <p:sp>
+              <p:nvSpPr>
+                <p:cNvPr id="32" name="テキスト ボックス 31">
+                  <a:extLst>
+                    <a:ext uri="{FF2B5EF4-FFF2-40B4-BE49-F238E27FC236}">
+                      <a16:creationId xmlns:a16="http://schemas.microsoft.com/office/drawing/2014/main" id="{E010A8F7-693E-D6FE-C7EA-0D8EFEACF4C6}"/>
+                    </a:ext>
+                  </a:extLst>
+                </p:cNvPr>
+                <p:cNvSpPr txBox="1"/>
+                <p:nvPr/>
+              </p:nvSpPr>
+              <p:spPr>
+                <a:xfrm>
+                  <a:off x="6083325" y="2654574"/>
+                  <a:ext cx="554464" cy="369332"/>
+                </a:xfrm>
+                <a:prstGeom prst="rect">
+                  <a:avLst/>
+                </a:prstGeom>
+                <a:noFill/>
+              </p:spPr>
+              <p:txBody>
+                <a:bodyPr wrap="square" lIns="0" tIns="0" rIns="0" bIns="0" rtlCol="0">
+                  <a:spAutoFit/>
+                </a:bodyPr>
+                <a:lstStyle/>
+                <a:p>
+                  <a:pPr/>
+                  <a14:m>
+                    <m:oMathPara xmlns:m="http://schemas.openxmlformats.org/officeDocument/2006/math">
+                      <m:oMathParaPr>
+                        <m:jc m:val="centerGroup"/>
+                      </m:oMathParaPr>
+                      <m:oMath xmlns:m="http://schemas.openxmlformats.org/officeDocument/2006/math">
+                        <m:sSub>
+                          <m:sSubPr>
+                            <m:ctrlPr>
+                              <a:rPr kumimoji="1" lang="en-US" altLang="ja-JP" sz="2400" b="0" i="1" smtClean="0">
+                                <a:latin typeface="Cambria Math" panose="02040503050406030204" pitchFamily="18" charset="0"/>
+                              </a:rPr>
+                            </m:ctrlPr>
+                          </m:sSubPr>
+                          <m:e>
+                            <m:r>
+                              <a:rPr kumimoji="1" lang="en-US" altLang="ja-JP" sz="2400" b="0" i="1" smtClean="0">
+                                <a:latin typeface="Cambria Math" panose="02040503050406030204" pitchFamily="18" charset="0"/>
+                              </a:rPr>
+                              <m:t>𝜃</m:t>
+                            </m:r>
+                          </m:e>
+                          <m:sub>
+                            <m:r>
+                              <a:rPr kumimoji="1" lang="en-US" altLang="ja-JP" sz="2400" b="0" i="1" smtClean="0">
+                                <a:latin typeface="Cambria Math" panose="02040503050406030204" pitchFamily="18" charset="0"/>
+                              </a:rPr>
+                              <m:t>𝐵</m:t>
+                            </m:r>
+                          </m:sub>
+                        </m:sSub>
+                      </m:oMath>
+                    </m:oMathPara>
+                  </a14:m>
+                  <a:endParaRPr kumimoji="1" lang="ja-JP" altLang="en-US" sz="2400" dirty="0"/>
+                </a:p>
+              </p:txBody>
+            </p:sp>
+          </mc:Choice>
+          <mc:Fallback xmlns="">
+            <p:sp>
+              <p:nvSpPr>
+                <p:cNvPr id="27" name="テキスト ボックス 26">
+                  <a:extLst>
+                    <a:ext uri="{FF2B5EF4-FFF2-40B4-BE49-F238E27FC236}">
+                      <a16:creationId xmlns:a16="http://schemas.microsoft.com/office/drawing/2014/main" id="{3707BF5E-340B-0F2A-3601-097184F91D8C}"/>
+                    </a:ext>
+                  </a:extLst>
+                </p:cNvPr>
+                <p:cNvSpPr txBox="1">
+                  <a:spLocks noRot="1" noChangeAspect="1" noMove="1" noResize="1" noEditPoints="1" noAdjustHandles="1" noChangeArrowheads="1" noChangeShapeType="1" noTextEdit="1"/>
+                </p:cNvSpPr>
+                <p:nvPr/>
+              </p:nvSpPr>
+              <p:spPr>
+                <a:xfrm>
+                  <a:off x="6083325" y="2654574"/>
+                  <a:ext cx="554464" cy="369332"/>
+                </a:xfrm>
+                <a:prstGeom prst="rect">
+                  <a:avLst/>
+                </a:prstGeom>
+                <a:blipFill>
+                  <a:blip r:embed="rId7"/>
+                  <a:stretch>
+                    <a:fillRect b="-13115"/>
+                  </a:stretch>
+                </a:blipFill>
+              </p:spPr>
+              <p:txBody>
+                <a:bodyPr/>
+                <a:lstStyle/>
+                <a:p>
+                  <a:r>
+                    <a:rPr lang="ja-JP" altLang="en-US">
+                      <a:noFill/>
+                    </a:rPr>
+                    <a:t> </a:t>
+                  </a:r>
+                </a:p>
+              </p:txBody>
+            </p:sp>
+          </mc:Fallback>
+        </mc:AlternateContent>
+        <p:cxnSp>
+          <p:nvCxnSpPr>
+            <p:cNvPr id="33" name="直線コネクタ 32">
+              <a:extLst>
+                <a:ext uri="{FF2B5EF4-FFF2-40B4-BE49-F238E27FC236}">
+                  <a16:creationId xmlns:a16="http://schemas.microsoft.com/office/drawing/2014/main" id="{593B4BAB-12C1-56C9-5125-480474810D43}"/>
+                </a:ext>
+              </a:extLst>
+            </p:cNvPr>
+            <p:cNvCxnSpPr/>
+            <p:nvPr/>
+          </p:nvCxnSpPr>
+          <p:spPr>
+            <a:xfrm>
+              <a:off x="2771800" y="1009494"/>
+              <a:ext cx="3369292" cy="0"/>
+            </a:xfrm>
+            <a:prstGeom prst="line">
+              <a:avLst/>
+            </a:prstGeom>
+            <a:ln w="9525">
+              <a:solidFill>
+                <a:schemeClr val="tx1"/>
+              </a:solidFill>
+              <a:headEnd type="none"/>
+              <a:tailEnd type="none"/>
+            </a:ln>
+            <a:effectLst/>
+          </p:spPr>
+          <p:style>
+            <a:lnRef idx="2">
+              <a:schemeClr val="accent1"/>
+            </a:lnRef>
+            <a:fillRef idx="0">
+              <a:schemeClr val="accent1"/>
+            </a:fillRef>
+            <a:effectRef idx="1">
+              <a:schemeClr val="accent1"/>
+            </a:effectRef>
+            <a:fontRef idx="minor">
+              <a:schemeClr val="tx1"/>
+            </a:fontRef>
+          </p:style>
+        </p:cxnSp>
+        <p:cxnSp>
+          <p:nvCxnSpPr>
+            <p:cNvPr id="34" name="直線コネクタ 33">
+              <a:extLst>
+                <a:ext uri="{FF2B5EF4-FFF2-40B4-BE49-F238E27FC236}">
+                  <a16:creationId xmlns:a16="http://schemas.microsoft.com/office/drawing/2014/main" id="{565F2318-CB29-98E9-646E-B69BE11DCF57}"/>
+                </a:ext>
+              </a:extLst>
+            </p:cNvPr>
+            <p:cNvCxnSpPr>
+              <a:cxnSpLocks/>
+            </p:cNvCxnSpPr>
+            <p:nvPr/>
+          </p:nvCxnSpPr>
+          <p:spPr>
+            <a:xfrm>
+              <a:off x="6132031" y="3754105"/>
+              <a:ext cx="1044355" cy="0"/>
+            </a:xfrm>
+            <a:prstGeom prst="line">
+              <a:avLst/>
+            </a:prstGeom>
+            <a:ln w="9525">
+              <a:solidFill>
+                <a:schemeClr val="tx1"/>
+              </a:solidFill>
+              <a:headEnd type="none"/>
+              <a:tailEnd type="none"/>
+            </a:ln>
+            <a:effectLst/>
+          </p:spPr>
+          <p:style>
+            <a:lnRef idx="2">
+              <a:schemeClr val="accent1"/>
+            </a:lnRef>
+            <a:fillRef idx="0">
+              <a:schemeClr val="accent1"/>
+            </a:fillRef>
+            <a:effectRef idx="1">
+              <a:schemeClr val="accent1"/>
+            </a:effectRef>
+            <a:fontRef idx="minor">
+              <a:schemeClr val="tx1"/>
+            </a:fontRef>
+          </p:style>
+        </p:cxnSp>
+        <mc:AlternateContent xmlns:mc="http://schemas.openxmlformats.org/markup-compatibility/2006" xmlns:a14="http://schemas.microsoft.com/office/drawing/2010/main">
+          <mc:Choice Requires="a14">
+            <p:sp>
+              <p:nvSpPr>
+                <p:cNvPr id="35" name="テキスト ボックス 34">
+                  <a:extLst>
+                    <a:ext uri="{FF2B5EF4-FFF2-40B4-BE49-F238E27FC236}">
+                      <a16:creationId xmlns:a16="http://schemas.microsoft.com/office/drawing/2014/main" id="{BF9FB1EC-F35F-803D-D6DF-454562F08216}"/>
+                    </a:ext>
+                  </a:extLst>
+                </p:cNvPr>
+                <p:cNvSpPr txBox="1"/>
+                <p:nvPr/>
+              </p:nvSpPr>
+              <p:spPr>
+                <a:xfrm>
+                  <a:off x="5528861" y="1494944"/>
+                  <a:ext cx="554464" cy="369332"/>
+                </a:xfrm>
+                <a:prstGeom prst="rect">
+                  <a:avLst/>
+                </a:prstGeom>
+                <a:noFill/>
+              </p:spPr>
+              <p:txBody>
+                <a:bodyPr wrap="square" lIns="0" tIns="0" rIns="0" bIns="0" rtlCol="0">
+                  <a:spAutoFit/>
+                </a:bodyPr>
+                <a:lstStyle/>
+                <a:p>
+                  <a:pPr/>
+                  <a14:m>
+                    <m:oMathPara xmlns:m="http://schemas.openxmlformats.org/officeDocument/2006/math">
+                      <m:oMathParaPr>
+                        <m:jc m:val="centerGroup"/>
+                      </m:oMathParaPr>
+                      <m:oMath xmlns:m="http://schemas.openxmlformats.org/officeDocument/2006/math">
+                        <m:sSub>
+                          <m:sSubPr>
+                            <m:ctrlPr>
+                              <a:rPr kumimoji="1" lang="en-US" altLang="ja-JP" sz="2400" b="0" i="1" smtClean="0">
+                                <a:latin typeface="Cambria Math" panose="02040503050406030204" pitchFamily="18" charset="0"/>
+                              </a:rPr>
+                            </m:ctrlPr>
+                          </m:sSubPr>
+                          <m:e>
+                            <m:r>
+                              <a:rPr kumimoji="1" lang="en-US" altLang="ja-JP" sz="2400" b="0" i="1" smtClean="0">
+                                <a:latin typeface="Cambria Math" panose="02040503050406030204" pitchFamily="18" charset="0"/>
+                              </a:rPr>
+                              <m:t>𝜃</m:t>
+                            </m:r>
+                          </m:e>
+                          <m:sub>
+                            <m:r>
+                              <a:rPr kumimoji="1" lang="en-US" altLang="ja-JP" sz="2400" b="0" i="1" smtClean="0">
+                                <a:latin typeface="Cambria Math" panose="02040503050406030204" pitchFamily="18" charset="0"/>
+                              </a:rPr>
+                              <m:t>𝐴</m:t>
+                            </m:r>
+                          </m:sub>
+                        </m:sSub>
+                      </m:oMath>
+                    </m:oMathPara>
+                  </a14:m>
+                  <a:endParaRPr kumimoji="1" lang="ja-JP" altLang="en-US" sz="2400" dirty="0"/>
+                </a:p>
+              </p:txBody>
+            </p:sp>
+          </mc:Choice>
+          <mc:Fallback xmlns="">
+            <p:sp>
+              <p:nvSpPr>
+                <p:cNvPr id="36" name="テキスト ボックス 35">
+                  <a:extLst>
+                    <a:ext uri="{FF2B5EF4-FFF2-40B4-BE49-F238E27FC236}">
+                      <a16:creationId xmlns:a16="http://schemas.microsoft.com/office/drawing/2014/main" id="{768B53B6-4B9F-E779-5A36-0A82A6E1169F}"/>
+                    </a:ext>
+                  </a:extLst>
+                </p:cNvPr>
+                <p:cNvSpPr txBox="1">
+                  <a:spLocks noRot="1" noChangeAspect="1" noMove="1" noResize="1" noEditPoints="1" noAdjustHandles="1" noChangeArrowheads="1" noChangeShapeType="1" noTextEdit="1"/>
+                </p:cNvSpPr>
+                <p:nvPr/>
+              </p:nvSpPr>
+              <p:spPr>
+                <a:xfrm>
+                  <a:off x="5528861" y="1494944"/>
+                  <a:ext cx="554464" cy="369332"/>
+                </a:xfrm>
+                <a:prstGeom prst="rect">
+                  <a:avLst/>
+                </a:prstGeom>
+                <a:blipFill>
+                  <a:blip r:embed="rId8"/>
+                  <a:stretch>
+                    <a:fillRect b="-15000"/>
+                  </a:stretch>
+                </a:blipFill>
+              </p:spPr>
+              <p:txBody>
+                <a:bodyPr/>
+                <a:lstStyle/>
+                <a:p>
+                  <a:r>
+                    <a:rPr lang="ja-JP" altLang="en-US">
+                      <a:noFill/>
+                    </a:rPr>
+                    <a:t> </a:t>
+                  </a:r>
+                </a:p>
+              </p:txBody>
+            </p:sp>
+          </mc:Fallback>
+        </mc:AlternateContent>
+        <p:sp>
+          <p:nvSpPr>
+            <p:cNvPr id="36" name="フリーフォーム 35">
+              <a:extLst>
+                <a:ext uri="{FF2B5EF4-FFF2-40B4-BE49-F238E27FC236}">
+                  <a16:creationId xmlns:a16="http://schemas.microsoft.com/office/drawing/2014/main" id="{16C6F458-5D85-EDD0-31C7-0E4C6F666101}"/>
+                </a:ext>
+              </a:extLst>
+            </p:cNvPr>
+            <p:cNvSpPr/>
+            <p:nvPr/>
+          </p:nvSpPr>
+          <p:spPr>
+            <a:xfrm rot="19288572">
+              <a:off x="5860851" y="2022522"/>
+              <a:ext cx="303241" cy="61209"/>
+            </a:xfrm>
+            <a:custGeom>
+              <a:avLst/>
+              <a:gdLst>
+                <a:gd name="connsiteX0" fmla="*/ 0 w 250825"/>
+                <a:gd name="connsiteY0" fmla="*/ 136607 h 136607"/>
+                <a:gd name="connsiteX1" fmla="*/ 114300 w 250825"/>
+                <a:gd name="connsiteY1" fmla="*/ 82 h 136607"/>
+                <a:gd name="connsiteX2" fmla="*/ 250825 w 250825"/>
+                <a:gd name="connsiteY2" fmla="*/ 120732 h 136607"/>
+              </a:gdLst>
+              <a:ahLst/>
+              <a:cxnLst>
+                <a:cxn ang="0">
+                  <a:pos x="connsiteX0" y="connsiteY0"/>
+                </a:cxn>
+                <a:cxn ang="0">
+                  <a:pos x="connsiteX1" y="connsiteY1"/>
+                </a:cxn>
+                <a:cxn ang="0">
+                  <a:pos x="connsiteX2" y="connsiteY2"/>
+                </a:cxn>
+              </a:cxnLst>
+              <a:rect l="l" t="t" r="r" b="b"/>
+              <a:pathLst>
+                <a:path w="250825" h="136607">
+                  <a:moveTo>
+                    <a:pt x="0" y="136607"/>
+                  </a:moveTo>
+                  <a:cubicBezTo>
+                    <a:pt x="36248" y="69667"/>
+                    <a:pt x="72496" y="2728"/>
+                    <a:pt x="114300" y="82"/>
+                  </a:cubicBezTo>
+                  <a:cubicBezTo>
+                    <a:pt x="156104" y="-2564"/>
+                    <a:pt x="203464" y="59084"/>
+                    <a:pt x="250825" y="120732"/>
+                  </a:cubicBezTo>
+                </a:path>
+              </a:pathLst>
+            </a:custGeom>
+            <a:noFill/>
+            <a:ln>
+              <a:solidFill>
+                <a:schemeClr val="tx1"/>
+              </a:solidFill>
+            </a:ln>
+          </p:spPr>
+          <p:txBody>
+            <a:bodyPr rtlCol="0" anchor="ctr"/>
+            <a:lstStyle/>
+            <a:p>
+              <a:pPr algn="ctr"/>
+              <a:endParaRPr kumimoji="1" lang="ja-JP" altLang="en-US"/>
+            </a:p>
+          </p:txBody>
+        </p:sp>
+        <p:sp>
+          <p:nvSpPr>
+            <p:cNvPr id="37" name="テキスト ボックス 36">
+              <a:extLst>
+                <a:ext uri="{FF2B5EF4-FFF2-40B4-BE49-F238E27FC236}">
+                  <a16:creationId xmlns:a16="http://schemas.microsoft.com/office/drawing/2014/main" id="{5E013CAD-DA4C-F737-9485-55F817D1094F}"/>
+                </a:ext>
+              </a:extLst>
+            </p:cNvPr>
+            <p:cNvSpPr txBox="1"/>
+            <p:nvPr/>
+          </p:nvSpPr>
+          <p:spPr>
+            <a:xfrm>
+              <a:off x="2400442" y="706549"/>
+              <a:ext cx="281663" cy="461665"/>
+            </a:xfrm>
+            <a:prstGeom prst="rect">
+              <a:avLst/>
+            </a:prstGeom>
+            <a:noFill/>
+          </p:spPr>
+          <p:txBody>
+            <a:bodyPr wrap="square" rtlCol="0">
+              <a:spAutoFit/>
+            </a:bodyPr>
+            <a:lstStyle/>
+            <a:p>
+              <a:r>
+                <a:rPr kumimoji="1" lang="en-US" altLang="ja-JP" sz="2400" dirty="0"/>
+                <a:t>A</a:t>
+              </a:r>
+              <a:endParaRPr kumimoji="1" lang="ja-JP" altLang="en-US" sz="2400"/>
+            </a:p>
+          </p:txBody>
+        </p:sp>
+        <p:sp>
+          <p:nvSpPr>
+            <p:cNvPr id="38" name="テキスト ボックス 37">
+              <a:extLst>
+                <a:ext uri="{FF2B5EF4-FFF2-40B4-BE49-F238E27FC236}">
+                  <a16:creationId xmlns:a16="http://schemas.microsoft.com/office/drawing/2014/main" id="{42513663-5EEC-D09B-29D3-3C4EFB4200D0}"/>
+                </a:ext>
+              </a:extLst>
+            </p:cNvPr>
+            <p:cNvSpPr txBox="1"/>
+            <p:nvPr/>
+          </p:nvSpPr>
+          <p:spPr>
+            <a:xfrm>
+              <a:off x="7187404" y="3561670"/>
+              <a:ext cx="281663" cy="461665"/>
+            </a:xfrm>
+            <a:prstGeom prst="rect">
+              <a:avLst/>
+            </a:prstGeom>
+            <a:noFill/>
+          </p:spPr>
+          <p:txBody>
+            <a:bodyPr wrap="square" rtlCol="0">
+              <a:spAutoFit/>
+            </a:bodyPr>
+            <a:lstStyle/>
+            <a:p>
+              <a:r>
+                <a:rPr kumimoji="1" lang="en-US" altLang="ja-JP" sz="2400" dirty="0"/>
+                <a:t>B</a:t>
+              </a:r>
+              <a:endParaRPr kumimoji="1" lang="ja-JP" altLang="en-US" sz="2400"/>
+            </a:p>
+          </p:txBody>
+        </p:sp>
+        <p:sp>
+          <p:nvSpPr>
+            <p:cNvPr id="39" name="テキスト ボックス 38">
+              <a:extLst>
+                <a:ext uri="{FF2B5EF4-FFF2-40B4-BE49-F238E27FC236}">
+                  <a16:creationId xmlns:a16="http://schemas.microsoft.com/office/drawing/2014/main" id="{8DF5F3B9-EECE-5045-B6E9-ED3BAD4BDFFD}"/>
+                </a:ext>
+              </a:extLst>
+            </p:cNvPr>
+            <p:cNvSpPr txBox="1"/>
+            <p:nvPr/>
+          </p:nvSpPr>
+          <p:spPr>
+            <a:xfrm>
+              <a:off x="6166256" y="1793209"/>
+              <a:ext cx="471531" cy="574647"/>
+            </a:xfrm>
+            <a:prstGeom prst="rect">
+              <a:avLst/>
+            </a:prstGeom>
+            <a:noFill/>
+          </p:spPr>
+          <p:txBody>
+            <a:bodyPr wrap="square" rtlCol="0">
+              <a:spAutoFit/>
+            </a:bodyPr>
+            <a:lstStyle/>
+            <a:p>
+              <a:r>
+                <a:rPr kumimoji="1" lang="en-US" altLang="ja-JP" sz="2400" dirty="0"/>
+                <a:t>X</a:t>
+              </a:r>
+              <a:endParaRPr kumimoji="1" lang="ja-JP" altLang="en-US" sz="2400"/>
+            </a:p>
+          </p:txBody>
+        </p:sp>
+      </p:grpSp>
+    </p:spTree>
+    <p:extLst>
+      <p:ext uri="{BB962C8B-B14F-4D97-AF65-F5344CB8AC3E}">
+        <p14:creationId xmlns:p14="http://schemas.microsoft.com/office/powerpoint/2010/main" val="729021413"/>
+      </p:ext>
+    </p:extLst>
+  </p:cSld>
+  <p:clrMapOvr>
+    <a:masterClrMapping/>
+  </p:clrMapOvr>
+</p:sld>
+</file>
+
+<file path=ppt/slides/slide3.xml><?xml version="1.0" encoding="utf-8"?>
 <p:sld xmlns:a="http://schemas.openxmlformats.org/drawingml/2006/main" xmlns:r="http://schemas.openxmlformats.org/officeDocument/2006/relationships" xmlns:p="http://schemas.openxmlformats.org/presentationml/2006/main">
   <p:cSld>
     <p:spTree>
@@ -2195,7 +3742,7 @@
               </p:nvSpPr>
               <p:spPr>
                 <a:xfrm>
-                  <a:off x="3696586" y="1547442"/>
+                  <a:off x="3789803" y="1614833"/>
                   <a:ext cx="668405" cy="369332"/>
                 </a:xfrm>
                 <a:prstGeom prst="rect">
@@ -2266,7 +3813,7 @@
               </p:nvSpPr>
               <p:spPr>
                 <a:xfrm>
-                  <a:off x="3696586" y="1547442"/>
+                  <a:off x="3789803" y="1614833"/>
                   <a:ext cx="668405" cy="369332"/>
                 </a:xfrm>
                 <a:prstGeom prst="rect">
@@ -2275,7 +3822,7 @@
                 <a:blipFill>
                   <a:blip r:embed="rId2"/>
                   <a:stretch>
-                    <a:fillRect b="-14754"/>
+                    <a:fillRect b="-13333"/>
                   </a:stretch>
                 </a:blipFill>
               </p:spPr>
@@ -2294,8 +3841,8 @@
             </p:sp>
           </mc:Fallback>
         </mc:AlternateContent>
-        <mc:AlternateContent xmlns:mc="http://schemas.openxmlformats.org/markup-compatibility/2006">
-          <mc:Choice xmlns:a14="http://schemas.microsoft.com/office/drawing/2010/main" Requires="a14">
+        <mc:AlternateContent xmlns:mc="http://schemas.openxmlformats.org/markup-compatibility/2006" xmlns:a14="http://schemas.microsoft.com/office/drawing/2010/main">
+          <mc:Choice Requires="a14">
             <p:sp>
               <p:nvSpPr>
                 <p:cNvPr id="13" name="テキスト ボックス 12">
@@ -2364,7 +3911,7 @@
               </p:txBody>
             </p:sp>
           </mc:Choice>
-          <mc:Fallback>
+          <mc:Fallback xmlns="">
             <p:sp>
               <p:nvSpPr>
                 <p:cNvPr id="13" name="テキスト ボックス 12">
@@ -2409,8 +3956,8 @@
             </p:sp>
           </mc:Fallback>
         </mc:AlternateContent>
-        <mc:AlternateContent xmlns:mc="http://schemas.openxmlformats.org/markup-compatibility/2006">
-          <mc:Choice xmlns:a14="http://schemas.microsoft.com/office/drawing/2010/main" Requires="a14">
+        <mc:AlternateContent xmlns:mc="http://schemas.openxmlformats.org/markup-compatibility/2006" xmlns:a14="http://schemas.microsoft.com/office/drawing/2010/main">
+          <mc:Choice Requires="a14">
             <p:sp>
               <p:nvSpPr>
                 <p:cNvPr id="14" name="テキスト ボックス 13">
@@ -2460,7 +4007,7 @@
               </p:txBody>
             </p:sp>
           </mc:Choice>
-          <mc:Fallback>
+          <mc:Fallback xmlns="">
             <p:sp>
               <p:nvSpPr>
                 <p:cNvPr id="14" name="テキスト ボックス 13">
@@ -2505,8 +4052,8 @@
             </p:sp>
           </mc:Fallback>
         </mc:AlternateContent>
-        <mc:AlternateContent xmlns:mc="http://schemas.openxmlformats.org/markup-compatibility/2006">
-          <mc:Choice xmlns:a14="http://schemas.microsoft.com/office/drawing/2010/main" Requires="a14">
+        <mc:AlternateContent xmlns:mc="http://schemas.openxmlformats.org/markup-compatibility/2006" xmlns:a14="http://schemas.microsoft.com/office/drawing/2010/main">
+          <mc:Choice Requires="a14">
             <p:sp>
               <p:nvSpPr>
                 <p:cNvPr id="15" name="テキスト ボックス 14">
@@ -2568,7 +4115,7 @@
               </p:txBody>
             </p:sp>
           </mc:Choice>
-          <mc:Fallback>
+          <mc:Fallback xmlns="">
             <p:sp>
               <p:nvSpPr>
                 <p:cNvPr id="15" name="テキスト ボックス 14">
@@ -2687,8 +4234,8 @@
             </a:p>
           </p:txBody>
         </p:sp>
-        <mc:AlternateContent xmlns:mc="http://schemas.openxmlformats.org/markup-compatibility/2006">
-          <mc:Choice xmlns:a14="http://schemas.microsoft.com/office/drawing/2010/main" Requires="a14">
+        <mc:AlternateContent xmlns:mc="http://schemas.openxmlformats.org/markup-compatibility/2006" xmlns:a14="http://schemas.microsoft.com/office/drawing/2010/main">
+          <mc:Choice Requires="a14">
             <p:sp>
               <p:nvSpPr>
                 <p:cNvPr id="27" name="テキスト ボックス 26">
@@ -2757,7 +4304,7 @@
               </p:txBody>
             </p:sp>
           </mc:Choice>
-          <mc:Fallback>
+          <mc:Fallback xmlns="">
             <p:sp>
               <p:nvSpPr>
                 <p:cNvPr id="27" name="テキスト ボックス 26">
@@ -2892,8 +4439,8 @@
             </a:fontRef>
           </p:style>
         </p:cxnSp>
-        <mc:AlternateContent xmlns:mc="http://schemas.openxmlformats.org/markup-compatibility/2006">
-          <mc:Choice xmlns:a14="http://schemas.microsoft.com/office/drawing/2010/main" Requires="a14">
+        <mc:AlternateContent xmlns:mc="http://schemas.openxmlformats.org/markup-compatibility/2006" xmlns:a14="http://schemas.microsoft.com/office/drawing/2010/main">
+          <mc:Choice Requires="a14">
             <p:sp>
               <p:nvSpPr>
                 <p:cNvPr id="36" name="テキスト ボックス 35">
@@ -2962,7 +4509,7 @@
               </p:txBody>
             </p:sp>
           </mc:Choice>
-          <mc:Fallback>
+          <mc:Fallback xmlns="">
             <p:sp>
               <p:nvSpPr>
                 <p:cNvPr id="36" name="テキスト ボックス 35">
@@ -3190,8 +4737,8 @@
           </p:txBody>
         </p:sp>
       </p:grpSp>
-      <mc:AlternateContent xmlns:mc="http://schemas.openxmlformats.org/markup-compatibility/2006">
-        <mc:Choice xmlns:a14="http://schemas.microsoft.com/office/drawing/2010/main" Requires="a14">
+      <mc:AlternateContent xmlns:mc="http://schemas.openxmlformats.org/markup-compatibility/2006" xmlns:a14="http://schemas.microsoft.com/office/drawing/2010/main">
+        <mc:Choice Requires="a14">
           <p:sp>
             <p:nvSpPr>
               <p:cNvPr id="30" name="テキスト ボックス 29">
@@ -3220,6 +4767,7 @@
               </a:bodyPr>
               <a:lstStyle/>
               <a:p>
+                <a:pPr/>
                 <a14:m>
                   <m:oMathPara xmlns:m="http://schemas.openxmlformats.org/officeDocument/2006/math">
                     <m:oMathParaPr>
@@ -3410,7 +4958,7 @@
             </p:txBody>
           </p:sp>
         </mc:Choice>
-        <mc:Fallback>
+        <mc:Fallback xmlns="">
           <p:sp>
             <p:nvSpPr>
               <p:cNvPr id="30" name="テキスト ボックス 29">
@@ -3498,7 +5046,7 @@
 </p:sld>
 </file>
 
-<file path=ppt/slides/slide3.xml><?xml version="1.0" encoding="utf-8"?>
+<file path=ppt/slides/slide4.xml><?xml version="1.0" encoding="utf-8"?>
 <p:sld xmlns:a="http://schemas.openxmlformats.org/drawingml/2006/main" xmlns:r="http://schemas.openxmlformats.org/officeDocument/2006/relationships" xmlns:p="http://schemas.openxmlformats.org/presentationml/2006/main">
   <p:cSld>
     <p:spTree>
@@ -4727,7 +6275,7 @@
 </p:sld>
 </file>
 
-<file path=ppt/slides/slide4.xml><?xml version="1.0" encoding="utf-8"?>
+<file path=ppt/slides/slide5.xml><?xml version="1.0" encoding="utf-8"?>
 <p:sld xmlns:a="http://schemas.openxmlformats.org/drawingml/2006/main" xmlns:r="http://schemas.openxmlformats.org/officeDocument/2006/relationships" xmlns:p="http://schemas.openxmlformats.org/presentationml/2006/main">
   <p:cSld>
     <p:spTree>
@@ -5387,8 +6935,8 @@
           </a:p>
         </p:txBody>
       </p:sp>
-      <mc:AlternateContent xmlns:mc="http://schemas.openxmlformats.org/markup-compatibility/2006">
-        <mc:Choice xmlns:a14="http://schemas.microsoft.com/office/drawing/2010/main" Requires="a14">
+      <mc:AlternateContent xmlns:mc="http://schemas.openxmlformats.org/markup-compatibility/2006" xmlns:a14="http://schemas.microsoft.com/office/drawing/2010/main">
+        <mc:Choice Requires="a14">
           <p:sp>
             <p:nvSpPr>
               <p:cNvPr id="29" name="テキスト ボックス 28">
@@ -5463,7 +7011,7 @@
             </p:txBody>
           </p:sp>
         </mc:Choice>
-        <mc:Fallback>
+        <mc:Fallback xmlns="">
           <p:sp>
             <p:nvSpPr>
               <p:cNvPr id="29" name="テキスト ボックス 28">
@@ -5508,8 +7056,8 @@
           </p:sp>
         </mc:Fallback>
       </mc:AlternateContent>
-      <mc:AlternateContent xmlns:mc="http://schemas.openxmlformats.org/markup-compatibility/2006">
-        <mc:Choice xmlns:a14="http://schemas.microsoft.com/office/drawing/2010/main" Requires="a14">
+      <mc:AlternateContent xmlns:mc="http://schemas.openxmlformats.org/markup-compatibility/2006" xmlns:a14="http://schemas.microsoft.com/office/drawing/2010/main">
+        <mc:Choice Requires="a14">
           <p:sp>
             <p:nvSpPr>
               <p:cNvPr id="30" name="テキスト ボックス 29">
@@ -5578,7 +7126,7 @@
             </p:txBody>
           </p:sp>
         </mc:Choice>
-        <mc:Fallback>
+        <mc:Fallback xmlns="">
           <p:sp>
             <p:nvSpPr>
               <p:cNvPr id="30" name="テキスト ボックス 29">
@@ -5623,8 +7171,8 @@
           </p:sp>
         </mc:Fallback>
       </mc:AlternateContent>
-      <mc:AlternateContent xmlns:mc="http://schemas.openxmlformats.org/markup-compatibility/2006">
-        <mc:Choice xmlns:a14="http://schemas.microsoft.com/office/drawing/2010/main" Requires="a14">
+      <mc:AlternateContent xmlns:mc="http://schemas.openxmlformats.org/markup-compatibility/2006" xmlns:a14="http://schemas.microsoft.com/office/drawing/2010/main">
+        <mc:Choice Requires="a14">
           <p:sp>
             <p:nvSpPr>
               <p:cNvPr id="31" name="テキスト ボックス 30">
@@ -5693,7 +7241,7 @@
             </p:txBody>
           </p:sp>
         </mc:Choice>
-        <mc:Fallback>
+        <mc:Fallback xmlns="">
           <p:sp>
             <p:nvSpPr>
               <p:cNvPr id="31" name="テキスト ボックス 30">
@@ -5830,8 +7378,8 @@
           </a:fontRef>
         </p:style>
       </p:cxnSp>
-      <mc:AlternateContent xmlns:mc="http://schemas.openxmlformats.org/markup-compatibility/2006">
-        <mc:Choice xmlns:a14="http://schemas.microsoft.com/office/drawing/2010/main" Requires="a14">
+      <mc:AlternateContent xmlns:mc="http://schemas.openxmlformats.org/markup-compatibility/2006" xmlns:a14="http://schemas.microsoft.com/office/drawing/2010/main">
+        <mc:Choice Requires="a14">
           <p:sp>
             <p:nvSpPr>
               <p:cNvPr id="44" name="テキスト ボックス 43">
@@ -5906,7 +7454,7 @@
             </p:txBody>
           </p:sp>
         </mc:Choice>
-        <mc:Fallback>
+        <mc:Fallback xmlns="">
           <p:sp>
             <p:nvSpPr>
               <p:cNvPr id="44" name="テキスト ボックス 43">
@@ -5951,8 +7499,8 @@
           </p:sp>
         </mc:Fallback>
       </mc:AlternateContent>
-      <mc:AlternateContent xmlns:mc="http://schemas.openxmlformats.org/markup-compatibility/2006">
-        <mc:Choice xmlns:a14="http://schemas.microsoft.com/office/drawing/2010/main" Requires="a14">
+      <mc:AlternateContent xmlns:mc="http://schemas.openxmlformats.org/markup-compatibility/2006" xmlns:a14="http://schemas.microsoft.com/office/drawing/2010/main">
+        <mc:Choice Requires="a14">
           <p:sp>
             <p:nvSpPr>
               <p:cNvPr id="56" name="テキスト ボックス 55">
@@ -6021,7 +7569,7 @@
             </p:txBody>
           </p:sp>
         </mc:Choice>
-        <mc:Fallback>
+        <mc:Fallback xmlns="">
           <p:sp>
             <p:nvSpPr>
               <p:cNvPr id="56" name="テキスト ボックス 55">
@@ -6066,8 +7614,8 @@
           </p:sp>
         </mc:Fallback>
       </mc:AlternateContent>
-      <mc:AlternateContent xmlns:mc="http://schemas.openxmlformats.org/markup-compatibility/2006">
-        <mc:Choice xmlns:a14="http://schemas.microsoft.com/office/drawing/2010/main" Requires="a14">
+      <mc:AlternateContent xmlns:mc="http://schemas.openxmlformats.org/markup-compatibility/2006" xmlns:a14="http://schemas.microsoft.com/office/drawing/2010/main">
+        <mc:Choice Requires="a14">
           <p:sp>
             <p:nvSpPr>
               <p:cNvPr id="57" name="テキスト ボックス 56">
@@ -6142,7 +7690,7 @@
             </p:txBody>
           </p:sp>
         </mc:Choice>
-        <mc:Fallback>
+        <mc:Fallback xmlns="">
           <p:sp>
             <p:nvSpPr>
               <p:cNvPr id="57" name="テキスト ボックス 56">
@@ -6231,8 +7779,8 @@
           </a:fontRef>
         </p:style>
       </p:cxnSp>
-      <mc:AlternateContent xmlns:mc="http://schemas.openxmlformats.org/markup-compatibility/2006">
-        <mc:Choice xmlns:a14="http://schemas.microsoft.com/office/drawing/2010/main" Requires="a14">
+      <mc:AlternateContent xmlns:mc="http://schemas.openxmlformats.org/markup-compatibility/2006" xmlns:a14="http://schemas.microsoft.com/office/drawing/2010/main">
+        <mc:Choice Requires="a14">
           <p:sp>
             <p:nvSpPr>
               <p:cNvPr id="60" name="テキスト ボックス 59">
@@ -6291,7 +7839,7 @@
             </p:txBody>
           </p:sp>
         </mc:Choice>
-        <mc:Fallback>
+        <mc:Fallback xmlns="">
           <p:sp>
             <p:nvSpPr>
               <p:cNvPr id="60" name="テキスト ボックス 59">
@@ -6336,8 +7884,8 @@
           </p:sp>
         </mc:Fallback>
       </mc:AlternateContent>
-      <mc:AlternateContent xmlns:mc="http://schemas.openxmlformats.org/markup-compatibility/2006">
-        <mc:Choice xmlns:a14="http://schemas.microsoft.com/office/drawing/2010/main" Requires="a14">
+      <mc:AlternateContent xmlns:mc="http://schemas.openxmlformats.org/markup-compatibility/2006" xmlns:a14="http://schemas.microsoft.com/office/drawing/2010/main">
+        <mc:Choice Requires="a14">
           <p:sp>
             <p:nvSpPr>
               <p:cNvPr id="2" name="テキスト ボックス 60">
@@ -6500,7 +8048,7 @@
             </p:txBody>
           </p:sp>
         </mc:Choice>
-        <mc:Fallback>
+        <mc:Fallback xmlns="">
           <p:sp>
             <p:nvSpPr>
               <p:cNvPr id="2" name="テキスト ボックス 60">
@@ -6545,8 +8093,8 @@
           </p:sp>
         </mc:Fallback>
       </mc:AlternateContent>
-      <mc:AlternateContent xmlns:mc="http://schemas.openxmlformats.org/markup-compatibility/2006">
-        <mc:Choice xmlns:a14="http://schemas.microsoft.com/office/drawing/2010/main" Requires="a14">
+      <mc:AlternateContent xmlns:mc="http://schemas.openxmlformats.org/markup-compatibility/2006" xmlns:a14="http://schemas.microsoft.com/office/drawing/2010/main">
+        <mc:Choice Requires="a14">
           <p:sp>
             <p:nvSpPr>
               <p:cNvPr id="3" name="テキスト ボックス 60">
@@ -6715,7 +8263,7 @@
             </p:txBody>
           </p:sp>
         </mc:Choice>
-        <mc:Fallback>
+        <mc:Fallback xmlns="">
           <p:sp>
             <p:nvSpPr>
               <p:cNvPr id="3" name="テキスト ボックス 60">
@@ -6760,8 +8308,8 @@
           </p:sp>
         </mc:Fallback>
       </mc:AlternateContent>
-      <mc:AlternateContent xmlns:mc="http://schemas.openxmlformats.org/markup-compatibility/2006">
-        <mc:Choice xmlns:a14="http://schemas.microsoft.com/office/drawing/2010/main" Requires="a14">
+      <mc:AlternateContent xmlns:mc="http://schemas.openxmlformats.org/markup-compatibility/2006" xmlns:a14="http://schemas.microsoft.com/office/drawing/2010/main">
+        <mc:Choice Requires="a14">
           <p:sp>
             <p:nvSpPr>
               <p:cNvPr id="4" name="テキスト ボックス 60">
@@ -6930,7 +8478,7 @@
             </p:txBody>
           </p:sp>
         </mc:Choice>
-        <mc:Fallback>
+        <mc:Fallback xmlns="">
           <p:sp>
             <p:nvSpPr>
               <p:cNvPr id="4" name="テキスト ボックス 60">
@@ -6975,8 +8523,8 @@
           </p:sp>
         </mc:Fallback>
       </mc:AlternateContent>
-      <mc:AlternateContent xmlns:mc="http://schemas.openxmlformats.org/markup-compatibility/2006">
-        <mc:Choice xmlns:a14="http://schemas.microsoft.com/office/drawing/2010/main" Requires="a14">
+      <mc:AlternateContent xmlns:mc="http://schemas.openxmlformats.org/markup-compatibility/2006" xmlns:a14="http://schemas.microsoft.com/office/drawing/2010/main">
+        <mc:Choice Requires="a14">
           <p:sp>
             <p:nvSpPr>
               <p:cNvPr id="5" name="テキスト ボックス 4">
@@ -7005,6 +8553,7 @@
               </a:bodyPr>
               <a:lstStyle/>
               <a:p>
+                <a:pPr/>
                 <a14:m>
                   <m:oMathPara xmlns:m="http://schemas.openxmlformats.org/officeDocument/2006/math">
                     <m:oMathParaPr>
@@ -7261,13 +8810,7 @@
                                     <a:rPr kumimoji="1" lang="en-US" altLang="ja-JP" sz="2400" b="0" i="1" smtClean="0">
                                       <a:latin typeface="Cambria Math" panose="02040503050406030204" pitchFamily="18" charset="0"/>
                                     </a:rPr>
-                                    <m:t>+</m:t>
-                                  </m:r>
-                                  <m:r>
-                                    <a:rPr kumimoji="1" lang="en-US" altLang="ja-JP" sz="2400" b="0" i="1" smtClean="0">
-                                      <a:latin typeface="Cambria Math" panose="02040503050406030204" pitchFamily="18" charset="0"/>
-                                    </a:rPr>
-                                    <m:t>1</m:t>
+                                    <m:t>+1</m:t>
                                   </m:r>
                                 </m:sub>
                               </m:sSub>
@@ -7302,13 +8845,7 @@
                                 <a:rPr kumimoji="1" lang="en-US" altLang="ja-JP" sz="2400" b="0" i="1" smtClean="0">
                                   <a:latin typeface="Cambria Math" panose="02040503050406030204" pitchFamily="18" charset="0"/>
                                 </a:rPr>
-                                <m:t>+</m:t>
-                              </m:r>
-                              <m:r>
-                                <a:rPr kumimoji="1" lang="en-US" altLang="ja-JP" sz="2400" b="0" i="1" smtClean="0">
-                                  <a:latin typeface="Cambria Math" panose="02040503050406030204" pitchFamily="18" charset="0"/>
-                                </a:rPr>
-                                <m:t>1</m:t>
+                                <m:t>+1</m:t>
                               </m:r>
                             </m:sub>
                           </m:sSub>
@@ -7320,13 +8857,12 @@
                 <a:endParaRPr kumimoji="1" lang="ja-JP" altLang="en-US" sz="2400" dirty="0"/>
               </a:p>
               <a:p>
-                <a:pPr/>
                 <a:endParaRPr lang="ja-JP" altLang="en-US" sz="2400" dirty="0"/>
               </a:p>
             </p:txBody>
           </p:sp>
         </mc:Choice>
-        <mc:Fallback>
+        <mc:Fallback xmlns="">
           <p:sp>
             <p:nvSpPr>
               <p:cNvPr id="5" name="テキスト ボックス 4">

--- a/variational_principle/fig/fig.pptx
+++ b/variational_principle/fig/fig.pptx
@@ -5,7 +5,7 @@
     <p:sldMasterId id="2147483648" r:id="rId1"/>
   </p:sldMasterIdLst>
   <p:notesMasterIdLst>
-    <p:notesMasterId r:id="rId7"/>
+    <p:notesMasterId r:id="rId9"/>
   </p:notesMasterIdLst>
   <p:sldIdLst>
     <p:sldId id="260" r:id="rId2"/>
@@ -13,6 +13,8 @@
     <p:sldId id="257" r:id="rId4"/>
     <p:sldId id="258" r:id="rId5"/>
     <p:sldId id="259" r:id="rId6"/>
+    <p:sldId id="262" r:id="rId7"/>
+    <p:sldId id="263" r:id="rId8"/>
   </p:sldIdLst>
   <p:sldSz cx="9144000" cy="6858000" type="screen4x3"/>
   <p:notesSz cx="6858000" cy="9144000"/>
@@ -216,7 +218,7 @@
             <a:fld id="{D2C63D3F-0352-EF45-A95C-C8137A1B6577}" type="datetimeFigureOut">
               <a:rPr lang="ja-JP" altLang="en-US" smtClean="0"/>
               <a:pPr/>
-              <a:t>2023/5/2</a:t>
+              <a:t>2023/6/17</a:t>
             </a:fld>
             <a:endParaRPr lang="ja-JP" altLang="en-US"/>
           </a:p>
@@ -516,6 +518,91 @@
     </a:lvl9pPr>
   </p:notesStyle>
 </p:notesMaster>
+</file>
+
+<file path=ppt/notesSlides/notesSlide1.xml><?xml version="1.0" encoding="utf-8"?>
+<p:notes xmlns:a="http://schemas.openxmlformats.org/drawingml/2006/main" xmlns:r="http://schemas.openxmlformats.org/officeDocument/2006/relationships" xmlns:p="http://schemas.openxmlformats.org/presentationml/2006/main">
+  <p:cSld>
+    <p:spTree>
+      <p:nvGrpSpPr>
+        <p:cNvPr id="1" name=""/>
+        <p:cNvGrpSpPr/>
+        <p:nvPr/>
+      </p:nvGrpSpPr>
+      <p:grpSpPr>
+        <a:xfrm>
+          <a:off x="0" y="0"/>
+          <a:ext cx="0" cy="0"/>
+          <a:chOff x="0" y="0"/>
+          <a:chExt cx="0" cy="0"/>
+        </a:xfrm>
+      </p:grpSpPr>
+      <p:sp>
+        <p:nvSpPr>
+          <p:cNvPr id="2" name="スライド イメージ プレースホルダー 1"/>
+          <p:cNvSpPr>
+            <a:spLocks noGrp="1" noRot="1" noChangeAspect="1"/>
+          </p:cNvSpPr>
+          <p:nvPr>
+            <p:ph type="sldImg"/>
+          </p:nvPr>
+        </p:nvSpPr>
+        <p:spPr/>
+      </p:sp>
+      <p:sp>
+        <p:nvSpPr>
+          <p:cNvPr id="3" name="ノート プレースホルダー 2"/>
+          <p:cNvSpPr>
+            <a:spLocks noGrp="1"/>
+          </p:cNvSpPr>
+          <p:nvPr>
+            <p:ph type="body" idx="1"/>
+          </p:nvPr>
+        </p:nvSpPr>
+        <p:spPr/>
+        <p:txBody>
+          <a:bodyPr/>
+          <a:lstStyle/>
+          <a:p>
+            <a:endParaRPr kumimoji="1" lang="ja-JP" altLang="en-US"/>
+          </a:p>
+        </p:txBody>
+      </p:sp>
+      <p:sp>
+        <p:nvSpPr>
+          <p:cNvPr id="4" name="スライド番号プレースホルダー 3"/>
+          <p:cNvSpPr>
+            <a:spLocks noGrp="1"/>
+          </p:cNvSpPr>
+          <p:nvPr>
+            <p:ph type="sldNum" sz="quarter" idx="5"/>
+          </p:nvPr>
+        </p:nvSpPr>
+        <p:spPr/>
+        <p:txBody>
+          <a:bodyPr/>
+          <a:lstStyle/>
+          <a:p>
+            <a:fld id="{658B8C6D-C3B1-8D4B-883D-F931C7D3B8B2}" type="slidenum">
+              <a:rPr lang="ja-JP" altLang="en-US" smtClean="0"/>
+              <a:pPr/>
+              <a:t>6</a:t>
+            </a:fld>
+            <a:endParaRPr lang="ja-JP" altLang="en-US"/>
+          </a:p>
+        </p:txBody>
+      </p:sp>
+    </p:spTree>
+    <p:extLst>
+      <p:ext uri="{BB962C8B-B14F-4D97-AF65-F5344CB8AC3E}">
+        <p14:creationId xmlns:p14="http://schemas.microsoft.com/office/powerpoint/2010/main" val="15369144"/>
+      </p:ext>
+    </p:extLst>
+  </p:cSld>
+  <p:clrMapOvr>
+    <a:masterClrMapping/>
+  </p:clrMapOvr>
+</p:notes>
 </file>
 
 <file path=ppt/slideLayouts/slideLayout1.xml><?xml version="1.0" encoding="utf-8"?>
@@ -1357,8 +1444,8 @@
           </p:sp>
         </mc:Fallback>
       </mc:AlternateContent>
-      <mc:AlternateContent xmlns:mc="http://schemas.openxmlformats.org/markup-compatibility/2006">
-        <mc:Choice xmlns:a14="http://schemas.microsoft.com/office/drawing/2010/main" Requires="a14">
+      <mc:AlternateContent xmlns:mc="http://schemas.openxmlformats.org/markup-compatibility/2006" xmlns:a14="http://schemas.microsoft.com/office/drawing/2010/main">
+        <mc:Choice Requires="a14">
           <p:sp>
             <p:nvSpPr>
               <p:cNvPr id="15" name="テキスト ボックス 14">
@@ -1427,7 +1514,7 @@
             </p:txBody>
           </p:sp>
         </mc:Choice>
-        <mc:Fallback>
+        <mc:Fallback xmlns="">
           <p:sp>
             <p:nvSpPr>
               <p:cNvPr id="15" name="テキスト ボックス 14">
@@ -1625,8 +1712,8 @@
           </a:p>
         </p:txBody>
       </p:sp>
-      <mc:AlternateContent xmlns:mc="http://schemas.openxmlformats.org/markup-compatibility/2006">
-        <mc:Choice xmlns:a14="http://schemas.microsoft.com/office/drawing/2010/main" Requires="a14">
+      <mc:AlternateContent xmlns:mc="http://schemas.openxmlformats.org/markup-compatibility/2006" xmlns:a14="http://schemas.microsoft.com/office/drawing/2010/main">
+        <mc:Choice Requires="a14">
           <p:sp>
             <p:nvSpPr>
               <p:cNvPr id="21" name="テキスト ボックス 20">
@@ -1814,7 +1901,7 @@
             </p:txBody>
           </p:sp>
         </mc:Choice>
-        <mc:Fallback>
+        <mc:Fallback xmlns="">
           <p:sp>
             <p:nvSpPr>
               <p:cNvPr id="21" name="テキスト ボックス 20">
@@ -2089,8 +2176,8 @@
           </a:fontRef>
         </p:style>
       </p:cxnSp>
-      <mc:AlternateContent xmlns:mc="http://schemas.openxmlformats.org/markup-compatibility/2006">
-        <mc:Choice xmlns:a14="http://schemas.microsoft.com/office/drawing/2010/main" Requires="a14">
+      <mc:AlternateContent xmlns:mc="http://schemas.openxmlformats.org/markup-compatibility/2006" xmlns:a14="http://schemas.microsoft.com/office/drawing/2010/main">
+        <mc:Choice Requires="a14">
           <p:sp>
             <p:nvSpPr>
               <p:cNvPr id="32" name="テキスト ボックス 31">
@@ -2140,7 +2227,7 @@
             </p:txBody>
           </p:sp>
         </mc:Choice>
-        <mc:Fallback>
+        <mc:Fallback xmlns="">
           <p:sp>
             <p:nvSpPr>
               <p:cNvPr id="32" name="テキスト ボックス 31">
@@ -2483,8 +2570,8 @@
             </a:fontRef>
           </p:style>
         </p:cxnSp>
-        <mc:AlternateContent xmlns:mc="http://schemas.openxmlformats.org/markup-compatibility/2006">
-          <mc:Choice xmlns:a14="http://schemas.microsoft.com/office/drawing/2010/main" Requires="a14">
+        <mc:AlternateContent xmlns:mc="http://schemas.openxmlformats.org/markup-compatibility/2006" xmlns:a14="http://schemas.microsoft.com/office/drawing/2010/main">
+          <mc:Choice Requires="a14">
             <p:sp>
               <p:nvSpPr>
                 <p:cNvPr id="27" name="テキスト ボックス 26">
@@ -2553,7 +2640,7 @@
               </p:txBody>
             </p:sp>
           </mc:Choice>
-          <mc:Fallback>
+          <mc:Fallback xmlns="">
             <p:sp>
               <p:nvSpPr>
                 <p:cNvPr id="27" name="テキスト ボックス 26">
@@ -3726,8 +3813,8 @@
             </a:fontRef>
           </p:style>
         </p:cxnSp>
-        <mc:AlternateContent xmlns:mc="http://schemas.openxmlformats.org/markup-compatibility/2006">
-          <mc:Choice xmlns:a14="http://schemas.microsoft.com/office/drawing/2010/main" Requires="a14">
+        <mc:AlternateContent xmlns:mc="http://schemas.openxmlformats.org/markup-compatibility/2006" xmlns:a14="http://schemas.microsoft.com/office/drawing/2010/main">
+          <mc:Choice Requires="a14">
             <p:sp>
               <p:nvSpPr>
                 <p:cNvPr id="11" name="テキスト ボックス 10">
@@ -3796,7 +3883,7 @@
               </p:txBody>
             </p:sp>
           </mc:Choice>
-          <mc:Fallback>
+          <mc:Fallback xmlns="">
             <p:sp>
               <p:nvSpPr>
                 <p:cNvPr id="11" name="テキスト ボックス 10">
@@ -9079,6 +9166,3691 @@
 </p:sld>
 </file>
 
+<file path=ppt/slides/slide6.xml><?xml version="1.0" encoding="utf-8"?>
+<p:sld xmlns:a="http://schemas.openxmlformats.org/drawingml/2006/main" xmlns:r="http://schemas.openxmlformats.org/officeDocument/2006/relationships" xmlns:p="http://schemas.openxmlformats.org/presentationml/2006/main">
+  <p:cSld>
+    <p:spTree>
+      <p:nvGrpSpPr>
+        <p:cNvPr id="1" name=""/>
+        <p:cNvGrpSpPr/>
+        <p:nvPr/>
+      </p:nvGrpSpPr>
+      <p:grpSpPr>
+        <a:xfrm>
+          <a:off x="0" y="0"/>
+          <a:ext cx="0" cy="0"/>
+          <a:chOff x="0" y="0"/>
+          <a:chExt cx="0" cy="0"/>
+        </a:xfrm>
+      </p:grpSpPr>
+      <p:sp>
+        <p:nvSpPr>
+          <p:cNvPr id="2" name="正方形/長方形 1">
+            <a:extLst>
+              <a:ext uri="{FF2B5EF4-FFF2-40B4-BE49-F238E27FC236}">
+                <a16:creationId xmlns:a16="http://schemas.microsoft.com/office/drawing/2014/main" id="{63599C16-FD51-1020-7235-C29539D97381}"/>
+              </a:ext>
+            </a:extLst>
+          </p:cNvPr>
+          <p:cNvSpPr/>
+          <p:nvPr/>
+        </p:nvSpPr>
+        <p:spPr>
+          <a:xfrm>
+            <a:off x="188413" y="940829"/>
+            <a:ext cx="864096" cy="1152128"/>
+          </a:xfrm>
+          <a:prstGeom prst="rect">
+            <a:avLst/>
+          </a:prstGeom>
+          <a:solidFill>
+            <a:srgbClr val="0070C0"/>
+          </a:solidFill>
+          <a:ln>
+            <a:noFill/>
+          </a:ln>
+        </p:spPr>
+        <p:txBody>
+          <a:bodyPr wrap="square" rtlCol="0" anchor="ctr">
+            <a:spAutoFit/>
+          </a:bodyPr>
+          <a:lstStyle/>
+          <a:p>
+            <a:pPr algn="ctr"/>
+            <a:endParaRPr kumimoji="1" lang="ja-JP" altLang="en-US" sz="2400" dirty="0"/>
+          </a:p>
+        </p:txBody>
+      </p:sp>
+      <p:sp>
+        <p:nvSpPr>
+          <p:cNvPr id="3" name="正方形/長方形 2">
+            <a:extLst>
+              <a:ext uri="{FF2B5EF4-FFF2-40B4-BE49-F238E27FC236}">
+                <a16:creationId xmlns:a16="http://schemas.microsoft.com/office/drawing/2014/main" id="{092EB154-E7E5-7E5C-1B48-B11F7230600E}"/>
+              </a:ext>
+            </a:extLst>
+          </p:cNvPr>
+          <p:cNvSpPr/>
+          <p:nvPr/>
+        </p:nvSpPr>
+        <p:spPr>
+          <a:xfrm>
+            <a:off x="1912155" y="1264865"/>
+            <a:ext cx="576064" cy="504056"/>
+          </a:xfrm>
+          <a:prstGeom prst="rect">
+            <a:avLst/>
+          </a:prstGeom>
+          <a:solidFill>
+            <a:srgbClr val="0070C0"/>
+          </a:solidFill>
+          <a:ln>
+            <a:solidFill>
+              <a:schemeClr val="tx1"/>
+            </a:solidFill>
+          </a:ln>
+        </p:spPr>
+        <p:txBody>
+          <a:bodyPr wrap="square" rtlCol="0" anchor="ctr">
+            <a:spAutoFit/>
+          </a:bodyPr>
+          <a:lstStyle/>
+          <a:p>
+            <a:pPr algn="ctr"/>
+            <a:endParaRPr kumimoji="1" lang="ja-JP" altLang="en-US" sz="2400" dirty="0"/>
+          </a:p>
+        </p:txBody>
+      </p:sp>
+      <p:sp>
+        <p:nvSpPr>
+          <p:cNvPr id="4" name="正方形/長方形 3">
+            <a:extLst>
+              <a:ext uri="{FF2B5EF4-FFF2-40B4-BE49-F238E27FC236}">
+                <a16:creationId xmlns:a16="http://schemas.microsoft.com/office/drawing/2014/main" id="{462D6040-9B5F-E43E-8912-0DB28AB4E32F}"/>
+              </a:ext>
+            </a:extLst>
+          </p:cNvPr>
+          <p:cNvSpPr/>
+          <p:nvPr/>
+        </p:nvSpPr>
+        <p:spPr>
+          <a:xfrm>
+            <a:off x="3923928" y="940829"/>
+            <a:ext cx="864096" cy="1152128"/>
+          </a:xfrm>
+          <a:prstGeom prst="rect">
+            <a:avLst/>
+          </a:prstGeom>
+          <a:solidFill>
+            <a:srgbClr val="FF0000"/>
+          </a:solidFill>
+          <a:ln>
+            <a:noFill/>
+          </a:ln>
+        </p:spPr>
+        <p:txBody>
+          <a:bodyPr wrap="square" rtlCol="0" anchor="ctr">
+            <a:spAutoFit/>
+          </a:bodyPr>
+          <a:lstStyle/>
+          <a:p>
+            <a:pPr algn="ctr"/>
+            <a:endParaRPr kumimoji="1" lang="ja-JP" altLang="en-US" sz="2400" dirty="0"/>
+          </a:p>
+        </p:txBody>
+      </p:sp>
+      <p:sp>
+        <p:nvSpPr>
+          <p:cNvPr id="5" name="正方形/長方形 4">
+            <a:extLst>
+              <a:ext uri="{FF2B5EF4-FFF2-40B4-BE49-F238E27FC236}">
+                <a16:creationId xmlns:a16="http://schemas.microsoft.com/office/drawing/2014/main" id="{0F4604F5-B42B-1026-E741-9C9BB76D71BD}"/>
+              </a:ext>
+            </a:extLst>
+          </p:cNvPr>
+          <p:cNvSpPr/>
+          <p:nvPr/>
+        </p:nvSpPr>
+        <p:spPr>
+          <a:xfrm>
+            <a:off x="2488219" y="1264865"/>
+            <a:ext cx="576064" cy="504056"/>
+          </a:xfrm>
+          <a:prstGeom prst="rect">
+            <a:avLst/>
+          </a:prstGeom>
+          <a:solidFill>
+            <a:srgbClr val="FF0000"/>
+          </a:solidFill>
+          <a:ln>
+            <a:solidFill>
+              <a:schemeClr val="tx1"/>
+            </a:solidFill>
+          </a:ln>
+        </p:spPr>
+        <p:txBody>
+          <a:bodyPr wrap="square" rtlCol="0" anchor="ctr">
+            <a:spAutoFit/>
+          </a:bodyPr>
+          <a:lstStyle/>
+          <a:p>
+            <a:pPr algn="ctr"/>
+            <a:endParaRPr kumimoji="1" lang="ja-JP" altLang="en-US" sz="2400" dirty="0"/>
+          </a:p>
+        </p:txBody>
+      </p:sp>
+      <p:sp>
+        <p:nvSpPr>
+          <p:cNvPr id="6" name="テキスト ボックス 5">
+            <a:extLst>
+              <a:ext uri="{FF2B5EF4-FFF2-40B4-BE49-F238E27FC236}">
+                <a16:creationId xmlns:a16="http://schemas.microsoft.com/office/drawing/2014/main" id="{599E8E05-7268-901C-58CA-9452D251B817}"/>
+              </a:ext>
+            </a:extLst>
+          </p:cNvPr>
+          <p:cNvSpPr txBox="1"/>
+          <p:nvPr/>
+        </p:nvSpPr>
+        <p:spPr>
+          <a:xfrm>
+            <a:off x="1912154" y="1264865"/>
+            <a:ext cx="325730" cy="461665"/>
+          </a:xfrm>
+          <a:prstGeom prst="rect">
+            <a:avLst/>
+          </a:prstGeom>
+          <a:noFill/>
+        </p:spPr>
+        <p:txBody>
+          <a:bodyPr wrap="none" rtlCol="0">
+            <a:spAutoFit/>
+          </a:bodyPr>
+          <a:lstStyle/>
+          <a:p>
+            <a:r>
+              <a:rPr kumimoji="1" lang="en-US" altLang="ja-JP" sz="2400" dirty="0">
+                <a:solidFill>
+                  <a:schemeClr val="bg1"/>
+                </a:solidFill>
+              </a:rPr>
+              <a:t>S</a:t>
+            </a:r>
+            <a:endParaRPr kumimoji="1" lang="ja-JP" altLang="en-US" sz="2400" dirty="0">
+              <a:solidFill>
+                <a:schemeClr val="bg1"/>
+              </a:solidFill>
+            </a:endParaRPr>
+          </a:p>
+        </p:txBody>
+      </p:sp>
+      <p:sp>
+        <p:nvSpPr>
+          <p:cNvPr id="7" name="テキスト ボックス 6">
+            <a:extLst>
+              <a:ext uri="{FF2B5EF4-FFF2-40B4-BE49-F238E27FC236}">
+                <a16:creationId xmlns:a16="http://schemas.microsoft.com/office/drawing/2014/main" id="{D6E90748-DA87-2A6C-CDCD-3F347A0B67B8}"/>
+              </a:ext>
+            </a:extLst>
+          </p:cNvPr>
+          <p:cNvSpPr txBox="1"/>
+          <p:nvPr/>
+        </p:nvSpPr>
+        <p:spPr>
+          <a:xfrm>
+            <a:off x="2699792" y="1264865"/>
+            <a:ext cx="383438" cy="461665"/>
+          </a:xfrm>
+          <a:prstGeom prst="rect">
+            <a:avLst/>
+          </a:prstGeom>
+          <a:noFill/>
+        </p:spPr>
+        <p:txBody>
+          <a:bodyPr wrap="none" rtlCol="0">
+            <a:spAutoFit/>
+          </a:bodyPr>
+          <a:lstStyle/>
+          <a:p>
+            <a:r>
+              <a:rPr kumimoji="1" lang="en-US" altLang="ja-JP" sz="2400" dirty="0">
+                <a:solidFill>
+                  <a:schemeClr val="bg1"/>
+                </a:solidFill>
+              </a:rPr>
+              <a:t>N</a:t>
+            </a:r>
+            <a:endParaRPr kumimoji="1" lang="ja-JP" altLang="en-US" sz="2400" dirty="0">
+              <a:solidFill>
+                <a:schemeClr val="bg1"/>
+              </a:solidFill>
+            </a:endParaRPr>
+          </a:p>
+        </p:txBody>
+      </p:sp>
+      <p:sp>
+        <p:nvSpPr>
+          <p:cNvPr id="10" name="テキスト ボックス 9">
+            <a:extLst>
+              <a:ext uri="{FF2B5EF4-FFF2-40B4-BE49-F238E27FC236}">
+                <a16:creationId xmlns:a16="http://schemas.microsoft.com/office/drawing/2014/main" id="{98F51AC0-8638-5BFE-7F51-7D864C7A1406}"/>
+              </a:ext>
+            </a:extLst>
+          </p:cNvPr>
+          <p:cNvSpPr txBox="1"/>
+          <p:nvPr/>
+        </p:nvSpPr>
+        <p:spPr>
+          <a:xfrm>
+            <a:off x="3921882" y="1264864"/>
+            <a:ext cx="383438" cy="461665"/>
+          </a:xfrm>
+          <a:prstGeom prst="rect">
+            <a:avLst/>
+          </a:prstGeom>
+          <a:noFill/>
+        </p:spPr>
+        <p:txBody>
+          <a:bodyPr wrap="none" rtlCol="0">
+            <a:spAutoFit/>
+          </a:bodyPr>
+          <a:lstStyle/>
+          <a:p>
+            <a:r>
+              <a:rPr kumimoji="1" lang="en-US" altLang="ja-JP" sz="2400" dirty="0">
+                <a:solidFill>
+                  <a:schemeClr val="bg1"/>
+                </a:solidFill>
+              </a:rPr>
+              <a:t>N</a:t>
+            </a:r>
+            <a:endParaRPr kumimoji="1" lang="ja-JP" altLang="en-US" sz="2400" dirty="0">
+              <a:solidFill>
+                <a:schemeClr val="bg1"/>
+              </a:solidFill>
+            </a:endParaRPr>
+          </a:p>
+        </p:txBody>
+      </p:sp>
+      <p:sp>
+        <p:nvSpPr>
+          <p:cNvPr id="11" name="テキスト ボックス 10">
+            <a:extLst>
+              <a:ext uri="{FF2B5EF4-FFF2-40B4-BE49-F238E27FC236}">
+                <a16:creationId xmlns:a16="http://schemas.microsoft.com/office/drawing/2014/main" id="{50DADAC9-C7D3-3DBC-65A9-847539684A5F}"/>
+              </a:ext>
+            </a:extLst>
+          </p:cNvPr>
+          <p:cNvSpPr txBox="1"/>
+          <p:nvPr/>
+        </p:nvSpPr>
+        <p:spPr>
+          <a:xfrm>
+            <a:off x="687368" y="1283244"/>
+            <a:ext cx="325730" cy="461665"/>
+          </a:xfrm>
+          <a:prstGeom prst="rect">
+            <a:avLst/>
+          </a:prstGeom>
+          <a:noFill/>
+        </p:spPr>
+        <p:txBody>
+          <a:bodyPr wrap="none" rtlCol="0">
+            <a:spAutoFit/>
+          </a:bodyPr>
+          <a:lstStyle/>
+          <a:p>
+            <a:r>
+              <a:rPr kumimoji="1" lang="en-US" altLang="ja-JP" sz="2400" dirty="0">
+                <a:solidFill>
+                  <a:schemeClr val="bg1"/>
+                </a:solidFill>
+              </a:rPr>
+              <a:t>S</a:t>
+            </a:r>
+            <a:endParaRPr kumimoji="1" lang="ja-JP" altLang="en-US" sz="2400" dirty="0">
+              <a:solidFill>
+                <a:schemeClr val="bg1"/>
+              </a:solidFill>
+            </a:endParaRPr>
+          </a:p>
+        </p:txBody>
+      </p:sp>
+      <p:cxnSp>
+        <p:nvCxnSpPr>
+          <p:cNvPr id="13" name="直線コネクタ 12">
+            <a:extLst>
+              <a:ext uri="{FF2B5EF4-FFF2-40B4-BE49-F238E27FC236}">
+                <a16:creationId xmlns:a16="http://schemas.microsoft.com/office/drawing/2014/main" id="{DB44FC45-C52A-B141-C3FA-77EF51B46F68}"/>
+              </a:ext>
+            </a:extLst>
+          </p:cNvPr>
+          <p:cNvCxnSpPr/>
+          <p:nvPr/>
+        </p:nvCxnSpPr>
+        <p:spPr>
+          <a:xfrm>
+            <a:off x="3921882" y="940829"/>
+            <a:ext cx="0" cy="1152128"/>
+          </a:xfrm>
+          <a:prstGeom prst="line">
+            <a:avLst/>
+          </a:prstGeom>
+          <a:ln w="28575">
+            <a:solidFill>
+              <a:schemeClr val="tx1"/>
+            </a:solidFill>
+            <a:headEnd type="none"/>
+            <a:tailEnd type="none"/>
+          </a:ln>
+          <a:effectLst/>
+        </p:spPr>
+        <p:style>
+          <a:lnRef idx="2">
+            <a:schemeClr val="accent1"/>
+          </a:lnRef>
+          <a:fillRef idx="0">
+            <a:schemeClr val="accent1"/>
+          </a:fillRef>
+          <a:effectRef idx="1">
+            <a:schemeClr val="accent1"/>
+          </a:effectRef>
+          <a:fontRef idx="minor">
+            <a:schemeClr val="tx1"/>
+          </a:fontRef>
+        </p:style>
+      </p:cxnSp>
+      <p:cxnSp>
+        <p:nvCxnSpPr>
+          <p:cNvPr id="14" name="直線コネクタ 13">
+            <a:extLst>
+              <a:ext uri="{FF2B5EF4-FFF2-40B4-BE49-F238E27FC236}">
+                <a16:creationId xmlns:a16="http://schemas.microsoft.com/office/drawing/2014/main" id="{A1653B62-C093-DED1-0205-FEA8108B5818}"/>
+              </a:ext>
+            </a:extLst>
+          </p:cNvPr>
+          <p:cNvCxnSpPr/>
+          <p:nvPr/>
+        </p:nvCxnSpPr>
+        <p:spPr>
+          <a:xfrm>
+            <a:off x="1040897" y="940829"/>
+            <a:ext cx="0" cy="1152128"/>
+          </a:xfrm>
+          <a:prstGeom prst="line">
+            <a:avLst/>
+          </a:prstGeom>
+          <a:ln w="28575">
+            <a:solidFill>
+              <a:schemeClr val="tx1"/>
+            </a:solidFill>
+            <a:headEnd type="none"/>
+            <a:tailEnd type="none"/>
+          </a:ln>
+          <a:effectLst/>
+        </p:spPr>
+        <p:style>
+          <a:lnRef idx="2">
+            <a:schemeClr val="accent1"/>
+          </a:lnRef>
+          <a:fillRef idx="0">
+            <a:schemeClr val="accent1"/>
+          </a:fillRef>
+          <a:effectRef idx="1">
+            <a:schemeClr val="accent1"/>
+          </a:effectRef>
+          <a:fontRef idx="minor">
+            <a:schemeClr val="tx1"/>
+          </a:fontRef>
+        </p:style>
+      </p:cxnSp>
+      <p:cxnSp>
+        <p:nvCxnSpPr>
+          <p:cNvPr id="15" name="直線コネクタ 14">
+            <a:extLst>
+              <a:ext uri="{FF2B5EF4-FFF2-40B4-BE49-F238E27FC236}">
+                <a16:creationId xmlns:a16="http://schemas.microsoft.com/office/drawing/2014/main" id="{F40CD264-2C96-9765-8728-F2870B5A78BD}"/>
+              </a:ext>
+            </a:extLst>
+          </p:cNvPr>
+          <p:cNvCxnSpPr>
+            <a:cxnSpLocks/>
+          </p:cNvCxnSpPr>
+          <p:nvPr/>
+        </p:nvCxnSpPr>
+        <p:spPr>
+          <a:xfrm>
+            <a:off x="3921882" y="940829"/>
+            <a:ext cx="866142" cy="0"/>
+          </a:xfrm>
+          <a:prstGeom prst="line">
+            <a:avLst/>
+          </a:prstGeom>
+          <a:ln w="28575">
+            <a:solidFill>
+              <a:schemeClr val="tx1"/>
+            </a:solidFill>
+            <a:headEnd type="none"/>
+            <a:tailEnd type="none"/>
+          </a:ln>
+          <a:effectLst/>
+        </p:spPr>
+        <p:style>
+          <a:lnRef idx="2">
+            <a:schemeClr val="accent1"/>
+          </a:lnRef>
+          <a:fillRef idx="0">
+            <a:schemeClr val="accent1"/>
+          </a:fillRef>
+          <a:effectRef idx="1">
+            <a:schemeClr val="accent1"/>
+          </a:effectRef>
+          <a:fontRef idx="minor">
+            <a:schemeClr val="tx1"/>
+          </a:fontRef>
+        </p:style>
+      </p:cxnSp>
+      <p:cxnSp>
+        <p:nvCxnSpPr>
+          <p:cNvPr id="18" name="直線コネクタ 17">
+            <a:extLst>
+              <a:ext uri="{FF2B5EF4-FFF2-40B4-BE49-F238E27FC236}">
+                <a16:creationId xmlns:a16="http://schemas.microsoft.com/office/drawing/2014/main" id="{8B6AA8A5-E6A4-B72B-981E-D56AB8C9468B}"/>
+              </a:ext>
+            </a:extLst>
+          </p:cNvPr>
+          <p:cNvCxnSpPr>
+            <a:cxnSpLocks/>
+          </p:cNvCxnSpPr>
+          <p:nvPr/>
+        </p:nvCxnSpPr>
+        <p:spPr>
+          <a:xfrm>
+            <a:off x="3921882" y="2092957"/>
+            <a:ext cx="866142" cy="0"/>
+          </a:xfrm>
+          <a:prstGeom prst="line">
+            <a:avLst/>
+          </a:prstGeom>
+          <a:ln w="28575">
+            <a:solidFill>
+              <a:schemeClr val="tx1"/>
+            </a:solidFill>
+            <a:headEnd type="none"/>
+            <a:tailEnd type="none"/>
+          </a:ln>
+          <a:effectLst/>
+        </p:spPr>
+        <p:style>
+          <a:lnRef idx="2">
+            <a:schemeClr val="accent1"/>
+          </a:lnRef>
+          <a:fillRef idx="0">
+            <a:schemeClr val="accent1"/>
+          </a:fillRef>
+          <a:effectRef idx="1">
+            <a:schemeClr val="accent1"/>
+          </a:effectRef>
+          <a:fontRef idx="minor">
+            <a:schemeClr val="tx1"/>
+          </a:fontRef>
+        </p:style>
+      </p:cxnSp>
+      <p:cxnSp>
+        <p:nvCxnSpPr>
+          <p:cNvPr id="19" name="直線コネクタ 18">
+            <a:extLst>
+              <a:ext uri="{FF2B5EF4-FFF2-40B4-BE49-F238E27FC236}">
+                <a16:creationId xmlns:a16="http://schemas.microsoft.com/office/drawing/2014/main" id="{ADE3AB34-3218-130C-C0FB-73FEFA2DE973}"/>
+              </a:ext>
+            </a:extLst>
+          </p:cNvPr>
+          <p:cNvCxnSpPr>
+            <a:cxnSpLocks/>
+          </p:cNvCxnSpPr>
+          <p:nvPr/>
+        </p:nvCxnSpPr>
+        <p:spPr>
+          <a:xfrm>
+            <a:off x="186367" y="940829"/>
+            <a:ext cx="866142" cy="0"/>
+          </a:xfrm>
+          <a:prstGeom prst="line">
+            <a:avLst/>
+          </a:prstGeom>
+          <a:ln w="28575">
+            <a:solidFill>
+              <a:schemeClr val="tx1"/>
+            </a:solidFill>
+            <a:headEnd type="none"/>
+            <a:tailEnd type="none"/>
+          </a:ln>
+          <a:effectLst/>
+        </p:spPr>
+        <p:style>
+          <a:lnRef idx="2">
+            <a:schemeClr val="accent1"/>
+          </a:lnRef>
+          <a:fillRef idx="0">
+            <a:schemeClr val="accent1"/>
+          </a:fillRef>
+          <a:effectRef idx="1">
+            <a:schemeClr val="accent1"/>
+          </a:effectRef>
+          <a:fontRef idx="minor">
+            <a:schemeClr val="tx1"/>
+          </a:fontRef>
+        </p:style>
+      </p:cxnSp>
+      <p:cxnSp>
+        <p:nvCxnSpPr>
+          <p:cNvPr id="20" name="直線コネクタ 19">
+            <a:extLst>
+              <a:ext uri="{FF2B5EF4-FFF2-40B4-BE49-F238E27FC236}">
+                <a16:creationId xmlns:a16="http://schemas.microsoft.com/office/drawing/2014/main" id="{4D78652F-2F17-5A4B-6A3B-7C0A5E9E4374}"/>
+              </a:ext>
+            </a:extLst>
+          </p:cNvPr>
+          <p:cNvCxnSpPr>
+            <a:cxnSpLocks/>
+          </p:cNvCxnSpPr>
+          <p:nvPr/>
+        </p:nvCxnSpPr>
+        <p:spPr>
+          <a:xfrm>
+            <a:off x="186367" y="2092957"/>
+            <a:ext cx="866142" cy="0"/>
+          </a:xfrm>
+          <a:prstGeom prst="line">
+            <a:avLst/>
+          </a:prstGeom>
+          <a:ln w="28575">
+            <a:solidFill>
+              <a:schemeClr val="tx1"/>
+            </a:solidFill>
+            <a:headEnd type="none"/>
+            <a:tailEnd type="none"/>
+          </a:ln>
+          <a:effectLst/>
+        </p:spPr>
+        <p:style>
+          <a:lnRef idx="2">
+            <a:schemeClr val="accent1"/>
+          </a:lnRef>
+          <a:fillRef idx="0">
+            <a:schemeClr val="accent1"/>
+          </a:fillRef>
+          <a:effectRef idx="1">
+            <a:schemeClr val="accent1"/>
+          </a:effectRef>
+          <a:fontRef idx="minor">
+            <a:schemeClr val="tx1"/>
+          </a:fontRef>
+        </p:style>
+      </p:cxnSp>
+      <p:cxnSp>
+        <p:nvCxnSpPr>
+          <p:cNvPr id="22" name="直線コネクタ 21">
+            <a:extLst>
+              <a:ext uri="{FF2B5EF4-FFF2-40B4-BE49-F238E27FC236}">
+                <a16:creationId xmlns:a16="http://schemas.microsoft.com/office/drawing/2014/main" id="{61995654-08C4-178E-EDA9-BCE233A7CD3A}"/>
+              </a:ext>
+            </a:extLst>
+          </p:cNvPr>
+          <p:cNvCxnSpPr>
+            <a:cxnSpLocks/>
+          </p:cNvCxnSpPr>
+          <p:nvPr/>
+        </p:nvCxnSpPr>
+        <p:spPr>
+          <a:xfrm>
+            <a:off x="5364088" y="2312815"/>
+            <a:ext cx="2880320" cy="0"/>
+          </a:xfrm>
+          <a:prstGeom prst="line">
+            <a:avLst/>
+          </a:prstGeom>
+          <a:ln w="9525">
+            <a:solidFill>
+              <a:schemeClr val="tx1"/>
+            </a:solidFill>
+            <a:headEnd type="none" w="med" len="med"/>
+            <a:tailEnd type="triangle" w="med" len="med"/>
+          </a:ln>
+          <a:effectLst/>
+        </p:spPr>
+        <p:style>
+          <a:lnRef idx="2">
+            <a:schemeClr val="accent1"/>
+          </a:lnRef>
+          <a:fillRef idx="0">
+            <a:schemeClr val="accent1"/>
+          </a:fillRef>
+          <a:effectRef idx="1">
+            <a:schemeClr val="accent1"/>
+          </a:effectRef>
+          <a:fontRef idx="minor">
+            <a:schemeClr val="tx1"/>
+          </a:fontRef>
+        </p:style>
+      </p:cxnSp>
+      <p:cxnSp>
+        <p:nvCxnSpPr>
+          <p:cNvPr id="24" name="直線コネクタ 23">
+            <a:extLst>
+              <a:ext uri="{FF2B5EF4-FFF2-40B4-BE49-F238E27FC236}">
+                <a16:creationId xmlns:a16="http://schemas.microsoft.com/office/drawing/2014/main" id="{49741886-51DC-17BA-8C8E-9702D732C0FB}"/>
+              </a:ext>
+            </a:extLst>
+          </p:cNvPr>
+          <p:cNvCxnSpPr>
+            <a:cxnSpLocks/>
+          </p:cNvCxnSpPr>
+          <p:nvPr/>
+        </p:nvCxnSpPr>
+        <p:spPr>
+          <a:xfrm flipV="1">
+            <a:off x="5516488" y="476672"/>
+            <a:ext cx="0" cy="2376264"/>
+          </a:xfrm>
+          <a:prstGeom prst="line">
+            <a:avLst/>
+          </a:prstGeom>
+          <a:ln w="9525">
+            <a:solidFill>
+              <a:schemeClr val="tx1"/>
+            </a:solidFill>
+            <a:headEnd type="none" w="med" len="med"/>
+            <a:tailEnd type="triangle" w="med" len="med"/>
+          </a:ln>
+          <a:effectLst/>
+        </p:spPr>
+        <p:style>
+          <a:lnRef idx="2">
+            <a:schemeClr val="accent1"/>
+          </a:lnRef>
+          <a:fillRef idx="0">
+            <a:schemeClr val="accent1"/>
+          </a:fillRef>
+          <a:effectRef idx="1">
+            <a:schemeClr val="accent1"/>
+          </a:effectRef>
+          <a:fontRef idx="minor">
+            <a:schemeClr val="tx1"/>
+          </a:fontRef>
+        </p:style>
+      </p:cxnSp>
+      <p:cxnSp>
+        <p:nvCxnSpPr>
+          <p:cNvPr id="26" name="直線コネクタ 25">
+            <a:extLst>
+              <a:ext uri="{FF2B5EF4-FFF2-40B4-BE49-F238E27FC236}">
+                <a16:creationId xmlns:a16="http://schemas.microsoft.com/office/drawing/2014/main" id="{CDEBC1AB-7203-80A8-1C9A-4E07AF3E9450}"/>
+              </a:ext>
+            </a:extLst>
+          </p:cNvPr>
+          <p:cNvCxnSpPr>
+            <a:cxnSpLocks/>
+          </p:cNvCxnSpPr>
+          <p:nvPr/>
+        </p:nvCxnSpPr>
+        <p:spPr>
+          <a:xfrm>
+            <a:off x="202910" y="2308981"/>
+            <a:ext cx="4585114" cy="0"/>
+          </a:xfrm>
+          <a:prstGeom prst="line">
+            <a:avLst/>
+          </a:prstGeom>
+          <a:ln w="9525">
+            <a:solidFill>
+              <a:schemeClr val="tx1"/>
+            </a:solidFill>
+            <a:headEnd type="none" w="med" len="med"/>
+            <a:tailEnd type="triangle" w="med" len="med"/>
+          </a:ln>
+          <a:effectLst/>
+        </p:spPr>
+        <p:style>
+          <a:lnRef idx="2">
+            <a:schemeClr val="accent1"/>
+          </a:lnRef>
+          <a:fillRef idx="0">
+            <a:schemeClr val="accent1"/>
+          </a:fillRef>
+          <a:effectRef idx="1">
+            <a:schemeClr val="accent1"/>
+          </a:effectRef>
+          <a:fontRef idx="minor">
+            <a:schemeClr val="tx1"/>
+          </a:fontRef>
+        </p:style>
+      </p:cxnSp>
+      <p:cxnSp>
+        <p:nvCxnSpPr>
+          <p:cNvPr id="29" name="直線コネクタ 28">
+            <a:extLst>
+              <a:ext uri="{FF2B5EF4-FFF2-40B4-BE49-F238E27FC236}">
+                <a16:creationId xmlns:a16="http://schemas.microsoft.com/office/drawing/2014/main" id="{58CEE9C2-13F7-8A46-61E1-47457F358052}"/>
+              </a:ext>
+            </a:extLst>
+          </p:cNvPr>
+          <p:cNvCxnSpPr/>
+          <p:nvPr/>
+        </p:nvCxnSpPr>
+        <p:spPr>
+          <a:xfrm>
+            <a:off x="2488219" y="724805"/>
+            <a:ext cx="0" cy="1728192"/>
+          </a:xfrm>
+          <a:prstGeom prst="line">
+            <a:avLst/>
+          </a:prstGeom>
+          <a:ln w="9525">
+            <a:solidFill>
+              <a:schemeClr val="tx1"/>
+            </a:solidFill>
+            <a:prstDash val="dash"/>
+            <a:headEnd type="none"/>
+            <a:tailEnd type="none"/>
+          </a:ln>
+          <a:effectLst/>
+        </p:spPr>
+        <p:style>
+          <a:lnRef idx="2">
+            <a:schemeClr val="accent1"/>
+          </a:lnRef>
+          <a:fillRef idx="0">
+            <a:schemeClr val="accent1"/>
+          </a:fillRef>
+          <a:effectRef idx="1">
+            <a:schemeClr val="accent1"/>
+          </a:effectRef>
+          <a:fontRef idx="minor">
+            <a:schemeClr val="tx1"/>
+          </a:fontRef>
+        </p:style>
+      </p:cxnSp>
+      <mc:AlternateContent xmlns:mc="http://schemas.openxmlformats.org/markup-compatibility/2006">
+        <mc:Choice xmlns:a14="http://schemas.microsoft.com/office/drawing/2010/main" Requires="a14">
+          <p:sp>
+            <p:nvSpPr>
+              <p:cNvPr id="30" name="テキスト ボックス 29">
+                <a:extLst>
+                  <a:ext uri="{FF2B5EF4-FFF2-40B4-BE49-F238E27FC236}">
+                    <a16:creationId xmlns:a16="http://schemas.microsoft.com/office/drawing/2014/main" id="{52224ECB-8FEF-9606-955E-4AEC13FFBCC2}"/>
+                  </a:ext>
+                </a:extLst>
+              </p:cNvPr>
+              <p:cNvSpPr txBox="1"/>
+              <p:nvPr/>
+            </p:nvSpPr>
+            <p:spPr>
+              <a:xfrm>
+                <a:off x="2302206" y="2407640"/>
+                <a:ext cx="372025" cy="369332"/>
+              </a:xfrm>
+              <a:prstGeom prst="rect">
+                <a:avLst/>
+              </a:prstGeom>
+              <a:noFill/>
+            </p:spPr>
+            <p:txBody>
+              <a:bodyPr wrap="none" lIns="0" tIns="0" rIns="0" bIns="0" rtlCol="0">
+                <a:spAutoFit/>
+              </a:bodyPr>
+              <a:lstStyle/>
+              <a:p>
+                <a14:m>
+                  <m:oMathPara xmlns:m="http://schemas.openxmlformats.org/officeDocument/2006/math">
+                    <m:oMathParaPr>
+                      <m:jc m:val="centerGroup"/>
+                    </m:oMathParaPr>
+                    <m:oMath xmlns:m="http://schemas.openxmlformats.org/officeDocument/2006/math">
+                      <m:sSub>
+                        <m:sSubPr>
+                          <m:ctrlPr>
+                            <a:rPr kumimoji="1" lang="en-US" altLang="ja-JP" sz="2400" b="0" i="1" smtClean="0">
+                              <a:latin typeface="Cambria Math" panose="02040503050406030204" pitchFamily="18" charset="0"/>
+                            </a:rPr>
+                          </m:ctrlPr>
+                        </m:sSubPr>
+                        <m:e>
+                          <m:r>
+                            <a:rPr kumimoji="1" lang="en-US" altLang="ja-JP" sz="2400" b="0" i="1" smtClean="0">
+                              <a:latin typeface="Cambria Math" panose="02040503050406030204" pitchFamily="18" charset="0"/>
+                            </a:rPr>
+                            <m:t>𝑥</m:t>
+                          </m:r>
+                        </m:e>
+                        <m:sub>
+                          <m:r>
+                            <a:rPr kumimoji="1" lang="en-US" altLang="ja-JP" sz="2400" b="0" i="1" smtClean="0">
+                              <a:latin typeface="Cambria Math" panose="02040503050406030204" pitchFamily="18" charset="0"/>
+                            </a:rPr>
+                            <m:t>0</m:t>
+                          </m:r>
+                        </m:sub>
+                      </m:sSub>
+                    </m:oMath>
+                  </m:oMathPara>
+                </a14:m>
+                <a:endParaRPr kumimoji="1" lang="ja-JP" altLang="en-US" sz="2400" dirty="0"/>
+              </a:p>
+            </p:txBody>
+          </p:sp>
+        </mc:Choice>
+        <mc:Fallback>
+          <p:sp>
+            <p:nvSpPr>
+              <p:cNvPr id="30" name="テキスト ボックス 29">
+                <a:extLst>
+                  <a:ext uri="{FF2B5EF4-FFF2-40B4-BE49-F238E27FC236}">
+                    <a16:creationId xmlns:a16="http://schemas.microsoft.com/office/drawing/2014/main" id="{52224ECB-8FEF-9606-955E-4AEC13FFBCC2}"/>
+                  </a:ext>
+                </a:extLst>
+              </p:cNvPr>
+              <p:cNvSpPr txBox="1">
+                <a:spLocks noRot="1" noChangeAspect="1" noMove="1" noResize="1" noEditPoints="1" noAdjustHandles="1" noChangeArrowheads="1" noChangeShapeType="1" noTextEdit="1"/>
+              </p:cNvSpPr>
+              <p:nvPr/>
+            </p:nvSpPr>
+            <p:spPr>
+              <a:xfrm>
+                <a:off x="2302206" y="2407640"/>
+                <a:ext cx="372025" cy="369332"/>
+              </a:xfrm>
+              <a:prstGeom prst="rect">
+                <a:avLst/>
+              </a:prstGeom>
+              <a:blipFill>
+                <a:blip r:embed="rId3"/>
+                <a:stretch>
+                  <a:fillRect l="-10000" r="-6667" b="-16667"/>
+                </a:stretch>
+              </a:blipFill>
+            </p:spPr>
+            <p:txBody>
+              <a:bodyPr/>
+              <a:lstStyle/>
+              <a:p>
+                <a:r>
+                  <a:rPr lang="ja-JP" altLang="en-US">
+                    <a:noFill/>
+                  </a:rPr>
+                  <a:t> </a:t>
+                </a:r>
+              </a:p>
+            </p:txBody>
+          </p:sp>
+        </mc:Fallback>
+      </mc:AlternateContent>
+      <p:cxnSp>
+        <p:nvCxnSpPr>
+          <p:cNvPr id="33" name="直線コネクタ 32">
+            <a:extLst>
+              <a:ext uri="{FF2B5EF4-FFF2-40B4-BE49-F238E27FC236}">
+                <a16:creationId xmlns:a16="http://schemas.microsoft.com/office/drawing/2014/main" id="{A4DDDD08-7087-2EFA-60FA-EF4A9FBE8FF9}"/>
+              </a:ext>
+            </a:extLst>
+          </p:cNvPr>
+          <p:cNvCxnSpPr>
+            <a:cxnSpLocks/>
+          </p:cNvCxnSpPr>
+          <p:nvPr/>
+        </p:nvCxnSpPr>
+        <p:spPr>
+          <a:xfrm>
+            <a:off x="5876528" y="1700746"/>
+            <a:ext cx="1944216" cy="1188133"/>
+          </a:xfrm>
+          <a:prstGeom prst="line">
+            <a:avLst/>
+          </a:prstGeom>
+          <a:ln w="28575">
+            <a:solidFill>
+              <a:srgbClr val="00B050"/>
+            </a:solidFill>
+            <a:headEnd type="none"/>
+            <a:tailEnd type="none"/>
+          </a:ln>
+          <a:effectLst/>
+        </p:spPr>
+        <p:style>
+          <a:lnRef idx="2">
+            <a:schemeClr val="accent1"/>
+          </a:lnRef>
+          <a:fillRef idx="0">
+            <a:schemeClr val="accent1"/>
+          </a:fillRef>
+          <a:effectRef idx="1">
+            <a:schemeClr val="accent1"/>
+          </a:effectRef>
+          <a:fontRef idx="minor">
+            <a:schemeClr val="tx1"/>
+          </a:fontRef>
+        </p:style>
+      </p:cxnSp>
+      <mc:AlternateContent xmlns:mc="http://schemas.openxmlformats.org/markup-compatibility/2006">
+        <mc:Choice xmlns:a14="http://schemas.microsoft.com/office/drawing/2010/main" Requires="a14">
+          <p:sp>
+            <p:nvSpPr>
+              <p:cNvPr id="36" name="テキスト ボックス 35">
+                <a:extLst>
+                  <a:ext uri="{FF2B5EF4-FFF2-40B4-BE49-F238E27FC236}">
+                    <a16:creationId xmlns:a16="http://schemas.microsoft.com/office/drawing/2014/main" id="{B8C451E8-606C-2374-8EE8-21E10FEA20DC}"/>
+                  </a:ext>
+                </a:extLst>
+              </p:cNvPr>
+              <p:cNvSpPr txBox="1"/>
+              <p:nvPr/>
+            </p:nvSpPr>
+            <p:spPr>
+              <a:xfrm>
+                <a:off x="6614043" y="2852936"/>
+                <a:ext cx="372025" cy="369332"/>
+              </a:xfrm>
+              <a:prstGeom prst="rect">
+                <a:avLst/>
+              </a:prstGeom>
+              <a:noFill/>
+            </p:spPr>
+            <p:txBody>
+              <a:bodyPr wrap="none" lIns="0" tIns="0" rIns="0" bIns="0" rtlCol="0">
+                <a:spAutoFit/>
+              </a:bodyPr>
+              <a:lstStyle/>
+              <a:p>
+                <a14:m>
+                  <m:oMathPara xmlns:m="http://schemas.openxmlformats.org/officeDocument/2006/math">
+                    <m:oMathParaPr>
+                      <m:jc m:val="centerGroup"/>
+                    </m:oMathParaPr>
+                    <m:oMath xmlns:m="http://schemas.openxmlformats.org/officeDocument/2006/math">
+                      <m:sSub>
+                        <m:sSubPr>
+                          <m:ctrlPr>
+                            <a:rPr kumimoji="1" lang="en-US" altLang="ja-JP" sz="2400" b="0" i="1" smtClean="0">
+                              <a:latin typeface="Cambria Math" panose="02040503050406030204" pitchFamily="18" charset="0"/>
+                            </a:rPr>
+                          </m:ctrlPr>
+                        </m:sSubPr>
+                        <m:e>
+                          <m:r>
+                            <a:rPr kumimoji="1" lang="en-US" altLang="ja-JP" sz="2400" b="0" i="1" smtClean="0">
+                              <a:latin typeface="Cambria Math" panose="02040503050406030204" pitchFamily="18" charset="0"/>
+                            </a:rPr>
+                            <m:t>𝑥</m:t>
+                          </m:r>
+                        </m:e>
+                        <m:sub>
+                          <m:r>
+                            <a:rPr kumimoji="1" lang="en-US" altLang="ja-JP" sz="2400" b="0" i="1" smtClean="0">
+                              <a:latin typeface="Cambria Math" panose="02040503050406030204" pitchFamily="18" charset="0"/>
+                            </a:rPr>
+                            <m:t>0</m:t>
+                          </m:r>
+                        </m:sub>
+                      </m:sSub>
+                    </m:oMath>
+                  </m:oMathPara>
+                </a14:m>
+                <a:endParaRPr kumimoji="1" lang="ja-JP" altLang="en-US" sz="2400" dirty="0"/>
+              </a:p>
+            </p:txBody>
+          </p:sp>
+        </mc:Choice>
+        <mc:Fallback>
+          <p:sp>
+            <p:nvSpPr>
+              <p:cNvPr id="36" name="テキスト ボックス 35">
+                <a:extLst>
+                  <a:ext uri="{FF2B5EF4-FFF2-40B4-BE49-F238E27FC236}">
+                    <a16:creationId xmlns:a16="http://schemas.microsoft.com/office/drawing/2014/main" id="{B8C451E8-606C-2374-8EE8-21E10FEA20DC}"/>
+                  </a:ext>
+                </a:extLst>
+              </p:cNvPr>
+              <p:cNvSpPr txBox="1">
+                <a:spLocks noRot="1" noChangeAspect="1" noMove="1" noResize="1" noEditPoints="1" noAdjustHandles="1" noChangeArrowheads="1" noChangeShapeType="1" noTextEdit="1"/>
+              </p:cNvSpPr>
+              <p:nvPr/>
+            </p:nvSpPr>
+            <p:spPr>
+              <a:xfrm>
+                <a:off x="6614043" y="2852936"/>
+                <a:ext cx="372025" cy="369332"/>
+              </a:xfrm>
+              <a:prstGeom prst="rect">
+                <a:avLst/>
+              </a:prstGeom>
+              <a:blipFill>
+                <a:blip r:embed="rId4"/>
+                <a:stretch>
+                  <a:fillRect l="-9677" r="-3226" b="-16667"/>
+                </a:stretch>
+              </a:blipFill>
+            </p:spPr>
+            <p:txBody>
+              <a:bodyPr/>
+              <a:lstStyle/>
+              <a:p>
+                <a:r>
+                  <a:rPr lang="ja-JP" altLang="en-US">
+                    <a:noFill/>
+                  </a:rPr>
+                  <a:t> </a:t>
+                </a:r>
+              </a:p>
+            </p:txBody>
+          </p:sp>
+        </mc:Fallback>
+      </mc:AlternateContent>
+      <p:cxnSp>
+        <p:nvCxnSpPr>
+          <p:cNvPr id="37" name="直線コネクタ 36">
+            <a:extLst>
+              <a:ext uri="{FF2B5EF4-FFF2-40B4-BE49-F238E27FC236}">
+                <a16:creationId xmlns:a16="http://schemas.microsoft.com/office/drawing/2014/main" id="{5F279EFF-CDAD-4CFB-F1CD-A902EE400DBD}"/>
+              </a:ext>
+            </a:extLst>
+          </p:cNvPr>
+          <p:cNvCxnSpPr>
+            <a:cxnSpLocks/>
+          </p:cNvCxnSpPr>
+          <p:nvPr/>
+        </p:nvCxnSpPr>
+        <p:spPr>
+          <a:xfrm>
+            <a:off x="6884640" y="692696"/>
+            <a:ext cx="0" cy="1980159"/>
+          </a:xfrm>
+          <a:prstGeom prst="line">
+            <a:avLst/>
+          </a:prstGeom>
+          <a:ln w="9525">
+            <a:solidFill>
+              <a:schemeClr val="tx1"/>
+            </a:solidFill>
+            <a:prstDash val="dash"/>
+            <a:headEnd type="none"/>
+            <a:tailEnd type="none"/>
+          </a:ln>
+          <a:effectLst/>
+        </p:spPr>
+        <p:style>
+          <a:lnRef idx="2">
+            <a:schemeClr val="accent1"/>
+          </a:lnRef>
+          <a:fillRef idx="0">
+            <a:schemeClr val="accent1"/>
+          </a:fillRef>
+          <a:effectRef idx="1">
+            <a:schemeClr val="accent1"/>
+          </a:effectRef>
+          <a:fontRef idx="minor">
+            <a:schemeClr val="tx1"/>
+          </a:fontRef>
+        </p:style>
+      </p:cxnSp>
+      <p:sp>
+        <p:nvSpPr>
+          <p:cNvPr id="45" name="フリーフォーム 44">
+            <a:extLst>
+              <a:ext uri="{FF2B5EF4-FFF2-40B4-BE49-F238E27FC236}">
+                <a16:creationId xmlns:a16="http://schemas.microsoft.com/office/drawing/2014/main" id="{2485A2DA-685B-B8BF-5085-D1367CA10A18}"/>
+              </a:ext>
+            </a:extLst>
+          </p:cNvPr>
+          <p:cNvSpPr/>
+          <p:nvPr/>
+        </p:nvSpPr>
+        <p:spPr>
+          <a:xfrm>
+            <a:off x="5876528" y="883874"/>
+            <a:ext cx="1939762" cy="924916"/>
+          </a:xfrm>
+          <a:custGeom>
+            <a:avLst/>
+            <a:gdLst>
+              <a:gd name="connsiteX0" fmla="*/ 0 w 1839310"/>
+              <a:gd name="connsiteY0" fmla="*/ 0 h 924916"/>
+              <a:gd name="connsiteX1" fmla="*/ 924910 w 1839310"/>
+              <a:gd name="connsiteY1" fmla="*/ 924911 h 924916"/>
+              <a:gd name="connsiteX2" fmla="*/ 1839310 w 1839310"/>
+              <a:gd name="connsiteY2" fmla="*/ 10511 h 924916"/>
+            </a:gdLst>
+            <a:ahLst/>
+            <a:cxnLst>
+              <a:cxn ang="0">
+                <a:pos x="connsiteX0" y="connsiteY0"/>
+              </a:cxn>
+              <a:cxn ang="0">
+                <a:pos x="connsiteX1" y="connsiteY1"/>
+              </a:cxn>
+              <a:cxn ang="0">
+                <a:pos x="connsiteX2" y="connsiteY2"/>
+              </a:cxn>
+            </a:cxnLst>
+            <a:rect l="l" t="t" r="r" b="b"/>
+            <a:pathLst>
+              <a:path w="1839310" h="924916">
+                <a:moveTo>
+                  <a:pt x="0" y="0"/>
+                </a:moveTo>
+                <a:cubicBezTo>
+                  <a:pt x="309179" y="461579"/>
+                  <a:pt x="618358" y="923159"/>
+                  <a:pt x="924910" y="924911"/>
+                </a:cubicBezTo>
+                <a:cubicBezTo>
+                  <a:pt x="1231462" y="926663"/>
+                  <a:pt x="1535386" y="468587"/>
+                  <a:pt x="1839310" y="10511"/>
+                </a:cubicBezTo>
+              </a:path>
+            </a:pathLst>
+          </a:custGeom>
+          <a:noFill/>
+          <a:ln w="38100">
+            <a:solidFill>
+              <a:srgbClr val="FFC000"/>
+            </a:solidFill>
+          </a:ln>
+        </p:spPr>
+        <p:txBody>
+          <a:bodyPr rtlCol="0" anchor="ctr"/>
+          <a:lstStyle/>
+          <a:p>
+            <a:pPr algn="ctr"/>
+            <a:endParaRPr kumimoji="1" lang="ja-JP" altLang="en-US"/>
+          </a:p>
+        </p:txBody>
+      </p:sp>
+      <mc:AlternateContent xmlns:mc="http://schemas.openxmlformats.org/markup-compatibility/2006">
+        <mc:Choice xmlns:a14="http://schemas.microsoft.com/office/drawing/2010/main" Requires="a14">
+          <p:sp>
+            <p:nvSpPr>
+              <p:cNvPr id="47" name="テキスト ボックス 46">
+                <a:extLst>
+                  <a:ext uri="{FF2B5EF4-FFF2-40B4-BE49-F238E27FC236}">
+                    <a16:creationId xmlns:a16="http://schemas.microsoft.com/office/drawing/2014/main" id="{B1B298E2-F33F-06F1-1D50-7FECBCAD943F}"/>
+                  </a:ext>
+                </a:extLst>
+              </p:cNvPr>
+              <p:cNvSpPr txBox="1"/>
+              <p:nvPr/>
+            </p:nvSpPr>
+            <p:spPr>
+              <a:xfrm>
+                <a:off x="7536955" y="447196"/>
+                <a:ext cx="715837" cy="369332"/>
+              </a:xfrm>
+              <a:prstGeom prst="rect">
+                <a:avLst/>
+              </a:prstGeom>
+              <a:noFill/>
+            </p:spPr>
+            <p:txBody>
+              <a:bodyPr wrap="none" lIns="0" tIns="0" rIns="0" bIns="0" rtlCol="0">
+                <a:spAutoFit/>
+              </a:bodyPr>
+              <a:lstStyle/>
+              <a:p>
+                <a14:m>
+                  <m:oMathPara xmlns:m="http://schemas.openxmlformats.org/officeDocument/2006/math">
+                    <m:oMathParaPr>
+                      <m:jc m:val="centerGroup"/>
+                    </m:oMathParaPr>
+                    <m:oMath xmlns:m="http://schemas.openxmlformats.org/officeDocument/2006/math">
+                      <m:r>
+                        <a:rPr kumimoji="1" lang="en-US" altLang="ja-JP" sz="2400" b="0" i="1" smtClean="0">
+                          <a:latin typeface="Cambria Math" panose="02040503050406030204" pitchFamily="18" charset="0"/>
+                        </a:rPr>
+                        <m:t>𝑈</m:t>
+                      </m:r>
+                      <m:r>
+                        <a:rPr kumimoji="1" lang="en-US" altLang="ja-JP" sz="2400" b="0" i="1" smtClean="0">
+                          <a:latin typeface="Cambria Math" panose="02040503050406030204" pitchFamily="18" charset="0"/>
+                        </a:rPr>
+                        <m:t>(</m:t>
+                      </m:r>
+                      <m:r>
+                        <a:rPr kumimoji="1" lang="en-US" altLang="ja-JP" sz="2400" b="0" i="1" smtClean="0">
+                          <a:latin typeface="Cambria Math" panose="02040503050406030204" pitchFamily="18" charset="0"/>
+                        </a:rPr>
+                        <m:t>𝑥</m:t>
+                      </m:r>
+                      <m:r>
+                        <a:rPr kumimoji="1" lang="en-US" altLang="ja-JP" sz="2400" b="0" i="1" smtClean="0">
+                          <a:latin typeface="Cambria Math" panose="02040503050406030204" pitchFamily="18" charset="0"/>
+                        </a:rPr>
+                        <m:t>)</m:t>
+                      </m:r>
+                    </m:oMath>
+                  </m:oMathPara>
+                </a14:m>
+                <a:endParaRPr kumimoji="1" lang="ja-JP" altLang="en-US" sz="2400" dirty="0"/>
+              </a:p>
+            </p:txBody>
+          </p:sp>
+        </mc:Choice>
+        <mc:Fallback>
+          <p:sp>
+            <p:nvSpPr>
+              <p:cNvPr id="47" name="テキスト ボックス 46">
+                <a:extLst>
+                  <a:ext uri="{FF2B5EF4-FFF2-40B4-BE49-F238E27FC236}">
+                    <a16:creationId xmlns:a16="http://schemas.microsoft.com/office/drawing/2014/main" id="{B1B298E2-F33F-06F1-1D50-7FECBCAD943F}"/>
+                  </a:ext>
+                </a:extLst>
+              </p:cNvPr>
+              <p:cNvSpPr txBox="1">
+                <a:spLocks noRot="1" noChangeAspect="1" noMove="1" noResize="1" noEditPoints="1" noAdjustHandles="1" noChangeArrowheads="1" noChangeShapeType="1" noTextEdit="1"/>
+              </p:cNvSpPr>
+              <p:nvPr/>
+            </p:nvSpPr>
+            <p:spPr>
+              <a:xfrm>
+                <a:off x="7536955" y="447196"/>
+                <a:ext cx="715837" cy="369332"/>
+              </a:xfrm>
+              <a:prstGeom prst="rect">
+                <a:avLst/>
+              </a:prstGeom>
+              <a:blipFill>
+                <a:blip r:embed="rId5"/>
+                <a:stretch>
+                  <a:fillRect l="-8772" r="-15789" b="-33333"/>
+                </a:stretch>
+              </a:blipFill>
+            </p:spPr>
+            <p:txBody>
+              <a:bodyPr/>
+              <a:lstStyle/>
+              <a:p>
+                <a:r>
+                  <a:rPr lang="ja-JP" altLang="en-US">
+                    <a:noFill/>
+                  </a:rPr>
+                  <a:t> </a:t>
+                </a:r>
+              </a:p>
+            </p:txBody>
+          </p:sp>
+        </mc:Fallback>
+      </mc:AlternateContent>
+      <mc:AlternateContent xmlns:mc="http://schemas.openxmlformats.org/markup-compatibility/2006">
+        <mc:Choice xmlns:a14="http://schemas.microsoft.com/office/drawing/2010/main" Requires="a14">
+          <p:sp>
+            <p:nvSpPr>
+              <p:cNvPr id="48" name="テキスト ボックス 47">
+                <a:extLst>
+                  <a:ext uri="{FF2B5EF4-FFF2-40B4-BE49-F238E27FC236}">
+                    <a16:creationId xmlns:a16="http://schemas.microsoft.com/office/drawing/2014/main" id="{D38B44E4-3E24-BAF9-4420-B53EBAA30DE7}"/>
+                  </a:ext>
+                </a:extLst>
+              </p:cNvPr>
+              <p:cNvSpPr txBox="1"/>
+              <p:nvPr/>
+            </p:nvSpPr>
+            <p:spPr>
+              <a:xfrm>
+                <a:off x="7842422" y="2704213"/>
+                <a:ext cx="715837" cy="369332"/>
+              </a:xfrm>
+              <a:prstGeom prst="rect">
+                <a:avLst/>
+              </a:prstGeom>
+              <a:noFill/>
+            </p:spPr>
+            <p:txBody>
+              <a:bodyPr wrap="none" lIns="0" tIns="0" rIns="0" bIns="0" rtlCol="0">
+                <a:spAutoFit/>
+              </a:bodyPr>
+              <a:lstStyle/>
+              <a:p>
+                <a14:m>
+                  <m:oMathPara xmlns:m="http://schemas.openxmlformats.org/officeDocument/2006/math">
+                    <m:oMathParaPr>
+                      <m:jc m:val="centerGroup"/>
+                    </m:oMathParaPr>
+                    <m:oMath xmlns:m="http://schemas.openxmlformats.org/officeDocument/2006/math">
+                      <m:r>
+                        <a:rPr kumimoji="1" lang="en-US" altLang="ja-JP" sz="2400" b="0" i="1" smtClean="0">
+                          <a:latin typeface="Cambria Math" panose="02040503050406030204" pitchFamily="18" charset="0"/>
+                        </a:rPr>
+                        <m:t>𝐹</m:t>
+                      </m:r>
+                      <m:r>
+                        <a:rPr kumimoji="1" lang="en-US" altLang="ja-JP" sz="2400" b="0" i="1" smtClean="0">
+                          <a:latin typeface="Cambria Math" panose="02040503050406030204" pitchFamily="18" charset="0"/>
+                        </a:rPr>
+                        <m:t>(</m:t>
+                      </m:r>
+                      <m:r>
+                        <a:rPr kumimoji="1" lang="en-US" altLang="ja-JP" sz="2400" b="0" i="1" smtClean="0">
+                          <a:latin typeface="Cambria Math" panose="02040503050406030204" pitchFamily="18" charset="0"/>
+                        </a:rPr>
+                        <m:t>𝑥</m:t>
+                      </m:r>
+                      <m:r>
+                        <a:rPr kumimoji="1" lang="en-US" altLang="ja-JP" sz="2400" b="0" i="1" smtClean="0">
+                          <a:latin typeface="Cambria Math" panose="02040503050406030204" pitchFamily="18" charset="0"/>
+                        </a:rPr>
+                        <m:t>)</m:t>
+                      </m:r>
+                    </m:oMath>
+                  </m:oMathPara>
+                </a14:m>
+                <a:endParaRPr kumimoji="1" lang="ja-JP" altLang="en-US" sz="2400" dirty="0"/>
+              </a:p>
+            </p:txBody>
+          </p:sp>
+        </mc:Choice>
+        <mc:Fallback>
+          <p:sp>
+            <p:nvSpPr>
+              <p:cNvPr id="48" name="テキスト ボックス 47">
+                <a:extLst>
+                  <a:ext uri="{FF2B5EF4-FFF2-40B4-BE49-F238E27FC236}">
+                    <a16:creationId xmlns:a16="http://schemas.microsoft.com/office/drawing/2014/main" id="{D38B44E4-3E24-BAF9-4420-B53EBAA30DE7}"/>
+                  </a:ext>
+                </a:extLst>
+              </p:cNvPr>
+              <p:cNvSpPr txBox="1">
+                <a:spLocks noRot="1" noChangeAspect="1" noMove="1" noResize="1" noEditPoints="1" noAdjustHandles="1" noChangeArrowheads="1" noChangeShapeType="1" noTextEdit="1"/>
+              </p:cNvSpPr>
+              <p:nvPr/>
+            </p:nvSpPr>
+            <p:spPr>
+              <a:xfrm>
+                <a:off x="7842422" y="2704213"/>
+                <a:ext cx="715837" cy="369332"/>
+              </a:xfrm>
+              <a:prstGeom prst="rect">
+                <a:avLst/>
+              </a:prstGeom>
+              <a:blipFill>
+                <a:blip r:embed="rId6"/>
+                <a:stretch>
+                  <a:fillRect l="-8772" r="-14035" b="-37931"/>
+                </a:stretch>
+              </a:blipFill>
+            </p:spPr>
+            <p:txBody>
+              <a:bodyPr/>
+              <a:lstStyle/>
+              <a:p>
+                <a:r>
+                  <a:rPr lang="ja-JP" altLang="en-US">
+                    <a:noFill/>
+                  </a:rPr>
+                  <a:t> </a:t>
+                </a:r>
+              </a:p>
+            </p:txBody>
+          </p:sp>
+        </mc:Fallback>
+      </mc:AlternateContent>
+      <mc:AlternateContent xmlns:mc="http://schemas.openxmlformats.org/markup-compatibility/2006">
+        <mc:Choice xmlns:a14="http://schemas.microsoft.com/office/drawing/2010/main" Requires="a14">
+          <p:sp>
+            <p:nvSpPr>
+              <p:cNvPr id="49" name="テキスト ボックス 48">
+                <a:extLst>
+                  <a:ext uri="{FF2B5EF4-FFF2-40B4-BE49-F238E27FC236}">
+                    <a16:creationId xmlns:a16="http://schemas.microsoft.com/office/drawing/2014/main" id="{EEC82685-3A45-B2B2-1C61-56538EBDFAD6}"/>
+                  </a:ext>
+                </a:extLst>
+              </p:cNvPr>
+              <p:cNvSpPr txBox="1"/>
+              <p:nvPr/>
+            </p:nvSpPr>
+            <p:spPr>
+              <a:xfrm>
+                <a:off x="8303024" y="2110146"/>
+                <a:ext cx="241733" cy="369332"/>
+              </a:xfrm>
+              <a:prstGeom prst="rect">
+                <a:avLst/>
+              </a:prstGeom>
+              <a:noFill/>
+            </p:spPr>
+            <p:txBody>
+              <a:bodyPr wrap="none" lIns="0" tIns="0" rIns="0" bIns="0" rtlCol="0">
+                <a:spAutoFit/>
+              </a:bodyPr>
+              <a:lstStyle/>
+              <a:p>
+                <a14:m>
+                  <m:oMathPara xmlns:m="http://schemas.openxmlformats.org/officeDocument/2006/math">
+                    <m:oMathParaPr>
+                      <m:jc m:val="centerGroup"/>
+                    </m:oMathParaPr>
+                    <m:oMath xmlns:m="http://schemas.openxmlformats.org/officeDocument/2006/math">
+                      <m:r>
+                        <a:rPr kumimoji="1" lang="en-US" altLang="ja-JP" sz="2400" b="0" i="1" smtClean="0">
+                          <a:latin typeface="Cambria Math" panose="02040503050406030204" pitchFamily="18" charset="0"/>
+                        </a:rPr>
+                        <m:t>𝑥</m:t>
+                      </m:r>
+                    </m:oMath>
+                  </m:oMathPara>
+                </a14:m>
+                <a:endParaRPr kumimoji="1" lang="ja-JP" altLang="en-US" sz="2400" dirty="0"/>
+              </a:p>
+            </p:txBody>
+          </p:sp>
+        </mc:Choice>
+        <mc:Fallback>
+          <p:sp>
+            <p:nvSpPr>
+              <p:cNvPr id="49" name="テキスト ボックス 48">
+                <a:extLst>
+                  <a:ext uri="{FF2B5EF4-FFF2-40B4-BE49-F238E27FC236}">
+                    <a16:creationId xmlns:a16="http://schemas.microsoft.com/office/drawing/2014/main" id="{EEC82685-3A45-B2B2-1C61-56538EBDFAD6}"/>
+                  </a:ext>
+                </a:extLst>
+              </p:cNvPr>
+              <p:cNvSpPr txBox="1">
+                <a:spLocks noRot="1" noChangeAspect="1" noMove="1" noResize="1" noEditPoints="1" noAdjustHandles="1" noChangeArrowheads="1" noChangeShapeType="1" noTextEdit="1"/>
+              </p:cNvSpPr>
+              <p:nvPr/>
+            </p:nvSpPr>
+            <p:spPr>
+              <a:xfrm>
+                <a:off x="8303024" y="2110146"/>
+                <a:ext cx="241733" cy="369332"/>
+              </a:xfrm>
+              <a:prstGeom prst="rect">
+                <a:avLst/>
+              </a:prstGeom>
+              <a:blipFill>
+                <a:blip r:embed="rId7"/>
+                <a:stretch>
+                  <a:fillRect l="-15000" r="-10000"/>
+                </a:stretch>
+              </a:blipFill>
+            </p:spPr>
+            <p:txBody>
+              <a:bodyPr/>
+              <a:lstStyle/>
+              <a:p>
+                <a:r>
+                  <a:rPr lang="ja-JP" altLang="en-US">
+                    <a:noFill/>
+                  </a:rPr>
+                  <a:t> </a:t>
+                </a:r>
+              </a:p>
+            </p:txBody>
+          </p:sp>
+        </mc:Fallback>
+      </mc:AlternateContent>
+      <p:sp>
+        <p:nvSpPr>
+          <p:cNvPr id="51" name="正方形/長方形 50">
+            <a:extLst>
+              <a:ext uri="{FF2B5EF4-FFF2-40B4-BE49-F238E27FC236}">
+                <a16:creationId xmlns:a16="http://schemas.microsoft.com/office/drawing/2014/main" id="{B3C27433-2495-B62A-E71D-688B55CDA684}"/>
+              </a:ext>
+            </a:extLst>
+          </p:cNvPr>
+          <p:cNvSpPr/>
+          <p:nvPr/>
+        </p:nvSpPr>
+        <p:spPr>
+          <a:xfrm>
+            <a:off x="188413" y="4113137"/>
+            <a:ext cx="864096" cy="1152128"/>
+          </a:xfrm>
+          <a:prstGeom prst="rect">
+            <a:avLst/>
+          </a:prstGeom>
+          <a:solidFill>
+            <a:srgbClr val="0070C0"/>
+          </a:solidFill>
+          <a:ln>
+            <a:noFill/>
+          </a:ln>
+        </p:spPr>
+        <p:txBody>
+          <a:bodyPr wrap="square" rtlCol="0" anchor="ctr">
+            <a:spAutoFit/>
+          </a:bodyPr>
+          <a:lstStyle/>
+          <a:p>
+            <a:pPr algn="ctr"/>
+            <a:endParaRPr kumimoji="1" lang="ja-JP" altLang="en-US" sz="2400" dirty="0"/>
+          </a:p>
+        </p:txBody>
+      </p:sp>
+      <p:sp>
+        <p:nvSpPr>
+          <p:cNvPr id="52" name="正方形/長方形 51">
+            <a:extLst>
+              <a:ext uri="{FF2B5EF4-FFF2-40B4-BE49-F238E27FC236}">
+                <a16:creationId xmlns:a16="http://schemas.microsoft.com/office/drawing/2014/main" id="{38036A98-647A-878C-4002-9CB95A69EBBA}"/>
+              </a:ext>
+            </a:extLst>
+          </p:cNvPr>
+          <p:cNvSpPr/>
+          <p:nvPr/>
+        </p:nvSpPr>
+        <p:spPr>
+          <a:xfrm>
+            <a:off x="1912155" y="4437173"/>
+            <a:ext cx="576064" cy="504056"/>
+          </a:xfrm>
+          <a:prstGeom prst="rect">
+            <a:avLst/>
+          </a:prstGeom>
+          <a:solidFill>
+            <a:srgbClr val="FF0000"/>
+          </a:solidFill>
+          <a:ln>
+            <a:solidFill>
+              <a:schemeClr val="tx1"/>
+            </a:solidFill>
+          </a:ln>
+        </p:spPr>
+        <p:txBody>
+          <a:bodyPr wrap="square" rtlCol="0" anchor="ctr">
+            <a:spAutoFit/>
+          </a:bodyPr>
+          <a:lstStyle/>
+          <a:p>
+            <a:pPr algn="ctr"/>
+            <a:endParaRPr kumimoji="1" lang="ja-JP" altLang="en-US" sz="2400" dirty="0"/>
+          </a:p>
+        </p:txBody>
+      </p:sp>
+      <p:sp>
+        <p:nvSpPr>
+          <p:cNvPr id="53" name="正方形/長方形 52">
+            <a:extLst>
+              <a:ext uri="{FF2B5EF4-FFF2-40B4-BE49-F238E27FC236}">
+                <a16:creationId xmlns:a16="http://schemas.microsoft.com/office/drawing/2014/main" id="{932163D1-9B11-287A-A604-44453B092AFE}"/>
+              </a:ext>
+            </a:extLst>
+          </p:cNvPr>
+          <p:cNvSpPr/>
+          <p:nvPr/>
+        </p:nvSpPr>
+        <p:spPr>
+          <a:xfrm>
+            <a:off x="3923928" y="4113137"/>
+            <a:ext cx="864096" cy="1152128"/>
+          </a:xfrm>
+          <a:prstGeom prst="rect">
+            <a:avLst/>
+          </a:prstGeom>
+          <a:solidFill>
+            <a:srgbClr val="FF0000"/>
+          </a:solidFill>
+          <a:ln>
+            <a:noFill/>
+          </a:ln>
+        </p:spPr>
+        <p:txBody>
+          <a:bodyPr wrap="square" rtlCol="0" anchor="ctr">
+            <a:spAutoFit/>
+          </a:bodyPr>
+          <a:lstStyle/>
+          <a:p>
+            <a:pPr algn="ctr"/>
+            <a:endParaRPr kumimoji="1" lang="ja-JP" altLang="en-US" sz="2400" dirty="0"/>
+          </a:p>
+        </p:txBody>
+      </p:sp>
+      <p:sp>
+        <p:nvSpPr>
+          <p:cNvPr id="54" name="正方形/長方形 53">
+            <a:extLst>
+              <a:ext uri="{FF2B5EF4-FFF2-40B4-BE49-F238E27FC236}">
+                <a16:creationId xmlns:a16="http://schemas.microsoft.com/office/drawing/2014/main" id="{F81114DB-8D62-DC2C-E66E-6A61A46DAEE0}"/>
+              </a:ext>
+            </a:extLst>
+          </p:cNvPr>
+          <p:cNvSpPr/>
+          <p:nvPr/>
+        </p:nvSpPr>
+        <p:spPr>
+          <a:xfrm>
+            <a:off x="2488219" y="4437173"/>
+            <a:ext cx="576064" cy="504056"/>
+          </a:xfrm>
+          <a:prstGeom prst="rect">
+            <a:avLst/>
+          </a:prstGeom>
+          <a:solidFill>
+            <a:srgbClr val="0070C0"/>
+          </a:solidFill>
+          <a:ln>
+            <a:solidFill>
+              <a:schemeClr val="tx1"/>
+            </a:solidFill>
+          </a:ln>
+        </p:spPr>
+        <p:txBody>
+          <a:bodyPr wrap="square" rtlCol="0" anchor="ctr">
+            <a:spAutoFit/>
+          </a:bodyPr>
+          <a:lstStyle/>
+          <a:p>
+            <a:pPr algn="ctr"/>
+            <a:endParaRPr kumimoji="1" lang="ja-JP" altLang="en-US" sz="2400" dirty="0"/>
+          </a:p>
+        </p:txBody>
+      </p:sp>
+      <p:sp>
+        <p:nvSpPr>
+          <p:cNvPr id="55" name="テキスト ボックス 54">
+            <a:extLst>
+              <a:ext uri="{FF2B5EF4-FFF2-40B4-BE49-F238E27FC236}">
+                <a16:creationId xmlns:a16="http://schemas.microsoft.com/office/drawing/2014/main" id="{46105475-F74E-510B-99F9-8927E3DCA275}"/>
+              </a:ext>
+            </a:extLst>
+          </p:cNvPr>
+          <p:cNvSpPr txBox="1"/>
+          <p:nvPr/>
+        </p:nvSpPr>
+        <p:spPr>
+          <a:xfrm>
+            <a:off x="1912154" y="4437173"/>
+            <a:ext cx="383438" cy="461665"/>
+          </a:xfrm>
+          <a:prstGeom prst="rect">
+            <a:avLst/>
+          </a:prstGeom>
+          <a:noFill/>
+        </p:spPr>
+        <p:txBody>
+          <a:bodyPr wrap="none" rtlCol="0">
+            <a:spAutoFit/>
+          </a:bodyPr>
+          <a:lstStyle/>
+          <a:p>
+            <a:r>
+              <a:rPr kumimoji="1" lang="en-US" altLang="ja-JP" sz="2400" dirty="0">
+                <a:solidFill>
+                  <a:schemeClr val="bg1"/>
+                </a:solidFill>
+              </a:rPr>
+              <a:t>N</a:t>
+            </a:r>
+            <a:endParaRPr kumimoji="1" lang="ja-JP" altLang="en-US" sz="2400" dirty="0">
+              <a:solidFill>
+                <a:schemeClr val="bg1"/>
+              </a:solidFill>
+            </a:endParaRPr>
+          </a:p>
+        </p:txBody>
+      </p:sp>
+      <p:sp>
+        <p:nvSpPr>
+          <p:cNvPr id="56" name="テキスト ボックス 55">
+            <a:extLst>
+              <a:ext uri="{FF2B5EF4-FFF2-40B4-BE49-F238E27FC236}">
+                <a16:creationId xmlns:a16="http://schemas.microsoft.com/office/drawing/2014/main" id="{F57210B6-60A7-0078-85C0-A65E1D1E75EA}"/>
+              </a:ext>
+            </a:extLst>
+          </p:cNvPr>
+          <p:cNvSpPr txBox="1"/>
+          <p:nvPr/>
+        </p:nvSpPr>
+        <p:spPr>
+          <a:xfrm>
+            <a:off x="2699792" y="4437173"/>
+            <a:ext cx="325730" cy="461665"/>
+          </a:xfrm>
+          <a:prstGeom prst="rect">
+            <a:avLst/>
+          </a:prstGeom>
+          <a:noFill/>
+        </p:spPr>
+        <p:txBody>
+          <a:bodyPr wrap="none" rtlCol="0">
+            <a:spAutoFit/>
+          </a:bodyPr>
+          <a:lstStyle/>
+          <a:p>
+            <a:r>
+              <a:rPr kumimoji="1" lang="en-US" altLang="ja-JP" sz="2400" dirty="0">
+                <a:solidFill>
+                  <a:schemeClr val="bg1"/>
+                </a:solidFill>
+              </a:rPr>
+              <a:t>S</a:t>
+            </a:r>
+            <a:endParaRPr kumimoji="1" lang="ja-JP" altLang="en-US" sz="2400" dirty="0">
+              <a:solidFill>
+                <a:schemeClr val="bg1"/>
+              </a:solidFill>
+            </a:endParaRPr>
+          </a:p>
+        </p:txBody>
+      </p:sp>
+      <p:sp>
+        <p:nvSpPr>
+          <p:cNvPr id="57" name="テキスト ボックス 56">
+            <a:extLst>
+              <a:ext uri="{FF2B5EF4-FFF2-40B4-BE49-F238E27FC236}">
+                <a16:creationId xmlns:a16="http://schemas.microsoft.com/office/drawing/2014/main" id="{08B5D861-C66E-5492-77D5-0332338C5329}"/>
+              </a:ext>
+            </a:extLst>
+          </p:cNvPr>
+          <p:cNvSpPr txBox="1"/>
+          <p:nvPr/>
+        </p:nvSpPr>
+        <p:spPr>
+          <a:xfrm>
+            <a:off x="3921882" y="4437172"/>
+            <a:ext cx="383438" cy="461665"/>
+          </a:xfrm>
+          <a:prstGeom prst="rect">
+            <a:avLst/>
+          </a:prstGeom>
+          <a:noFill/>
+        </p:spPr>
+        <p:txBody>
+          <a:bodyPr wrap="none" rtlCol="0">
+            <a:spAutoFit/>
+          </a:bodyPr>
+          <a:lstStyle/>
+          <a:p>
+            <a:r>
+              <a:rPr kumimoji="1" lang="en-US" altLang="ja-JP" sz="2400" dirty="0">
+                <a:solidFill>
+                  <a:schemeClr val="bg1"/>
+                </a:solidFill>
+              </a:rPr>
+              <a:t>N</a:t>
+            </a:r>
+            <a:endParaRPr kumimoji="1" lang="ja-JP" altLang="en-US" sz="2400" dirty="0">
+              <a:solidFill>
+                <a:schemeClr val="bg1"/>
+              </a:solidFill>
+            </a:endParaRPr>
+          </a:p>
+        </p:txBody>
+      </p:sp>
+      <p:sp>
+        <p:nvSpPr>
+          <p:cNvPr id="58" name="テキスト ボックス 57">
+            <a:extLst>
+              <a:ext uri="{FF2B5EF4-FFF2-40B4-BE49-F238E27FC236}">
+                <a16:creationId xmlns:a16="http://schemas.microsoft.com/office/drawing/2014/main" id="{C5DD2A14-6E0E-494E-029A-86AEB87D4D5C}"/>
+              </a:ext>
+            </a:extLst>
+          </p:cNvPr>
+          <p:cNvSpPr txBox="1"/>
+          <p:nvPr/>
+        </p:nvSpPr>
+        <p:spPr>
+          <a:xfrm>
+            <a:off x="687368" y="4455552"/>
+            <a:ext cx="325730" cy="461665"/>
+          </a:xfrm>
+          <a:prstGeom prst="rect">
+            <a:avLst/>
+          </a:prstGeom>
+          <a:noFill/>
+        </p:spPr>
+        <p:txBody>
+          <a:bodyPr wrap="none" rtlCol="0">
+            <a:spAutoFit/>
+          </a:bodyPr>
+          <a:lstStyle/>
+          <a:p>
+            <a:r>
+              <a:rPr kumimoji="1" lang="en-US" altLang="ja-JP" sz="2400" dirty="0">
+                <a:solidFill>
+                  <a:schemeClr val="bg1"/>
+                </a:solidFill>
+              </a:rPr>
+              <a:t>S</a:t>
+            </a:r>
+            <a:endParaRPr kumimoji="1" lang="ja-JP" altLang="en-US" sz="2400" dirty="0">
+              <a:solidFill>
+                <a:schemeClr val="bg1"/>
+              </a:solidFill>
+            </a:endParaRPr>
+          </a:p>
+        </p:txBody>
+      </p:sp>
+      <p:cxnSp>
+        <p:nvCxnSpPr>
+          <p:cNvPr id="59" name="直線コネクタ 58">
+            <a:extLst>
+              <a:ext uri="{FF2B5EF4-FFF2-40B4-BE49-F238E27FC236}">
+                <a16:creationId xmlns:a16="http://schemas.microsoft.com/office/drawing/2014/main" id="{BA680BC9-47EF-26B1-630D-0DE8C65319DF}"/>
+              </a:ext>
+            </a:extLst>
+          </p:cNvPr>
+          <p:cNvCxnSpPr/>
+          <p:nvPr/>
+        </p:nvCxnSpPr>
+        <p:spPr>
+          <a:xfrm>
+            <a:off x="3921882" y="4113137"/>
+            <a:ext cx="0" cy="1152128"/>
+          </a:xfrm>
+          <a:prstGeom prst="line">
+            <a:avLst/>
+          </a:prstGeom>
+          <a:ln w="28575">
+            <a:solidFill>
+              <a:schemeClr val="tx1"/>
+            </a:solidFill>
+            <a:headEnd type="none"/>
+            <a:tailEnd type="none"/>
+          </a:ln>
+          <a:effectLst/>
+        </p:spPr>
+        <p:style>
+          <a:lnRef idx="2">
+            <a:schemeClr val="accent1"/>
+          </a:lnRef>
+          <a:fillRef idx="0">
+            <a:schemeClr val="accent1"/>
+          </a:fillRef>
+          <a:effectRef idx="1">
+            <a:schemeClr val="accent1"/>
+          </a:effectRef>
+          <a:fontRef idx="minor">
+            <a:schemeClr val="tx1"/>
+          </a:fontRef>
+        </p:style>
+      </p:cxnSp>
+      <p:cxnSp>
+        <p:nvCxnSpPr>
+          <p:cNvPr id="60" name="直線コネクタ 59">
+            <a:extLst>
+              <a:ext uri="{FF2B5EF4-FFF2-40B4-BE49-F238E27FC236}">
+                <a16:creationId xmlns:a16="http://schemas.microsoft.com/office/drawing/2014/main" id="{91700394-D136-0E71-298D-8D3B0D53763D}"/>
+              </a:ext>
+            </a:extLst>
+          </p:cNvPr>
+          <p:cNvCxnSpPr/>
+          <p:nvPr/>
+        </p:nvCxnSpPr>
+        <p:spPr>
+          <a:xfrm>
+            <a:off x="1040897" y="4113137"/>
+            <a:ext cx="0" cy="1152128"/>
+          </a:xfrm>
+          <a:prstGeom prst="line">
+            <a:avLst/>
+          </a:prstGeom>
+          <a:ln w="28575">
+            <a:solidFill>
+              <a:schemeClr val="tx1"/>
+            </a:solidFill>
+            <a:headEnd type="none"/>
+            <a:tailEnd type="none"/>
+          </a:ln>
+          <a:effectLst/>
+        </p:spPr>
+        <p:style>
+          <a:lnRef idx="2">
+            <a:schemeClr val="accent1"/>
+          </a:lnRef>
+          <a:fillRef idx="0">
+            <a:schemeClr val="accent1"/>
+          </a:fillRef>
+          <a:effectRef idx="1">
+            <a:schemeClr val="accent1"/>
+          </a:effectRef>
+          <a:fontRef idx="minor">
+            <a:schemeClr val="tx1"/>
+          </a:fontRef>
+        </p:style>
+      </p:cxnSp>
+      <p:cxnSp>
+        <p:nvCxnSpPr>
+          <p:cNvPr id="61" name="直線コネクタ 60">
+            <a:extLst>
+              <a:ext uri="{FF2B5EF4-FFF2-40B4-BE49-F238E27FC236}">
+                <a16:creationId xmlns:a16="http://schemas.microsoft.com/office/drawing/2014/main" id="{4E9F9858-35D7-7AEB-5470-96FF841FD0DB}"/>
+              </a:ext>
+            </a:extLst>
+          </p:cNvPr>
+          <p:cNvCxnSpPr>
+            <a:cxnSpLocks/>
+          </p:cNvCxnSpPr>
+          <p:nvPr/>
+        </p:nvCxnSpPr>
+        <p:spPr>
+          <a:xfrm>
+            <a:off x="3921882" y="4113137"/>
+            <a:ext cx="866142" cy="0"/>
+          </a:xfrm>
+          <a:prstGeom prst="line">
+            <a:avLst/>
+          </a:prstGeom>
+          <a:ln w="28575">
+            <a:solidFill>
+              <a:schemeClr val="tx1"/>
+            </a:solidFill>
+            <a:headEnd type="none"/>
+            <a:tailEnd type="none"/>
+          </a:ln>
+          <a:effectLst/>
+        </p:spPr>
+        <p:style>
+          <a:lnRef idx="2">
+            <a:schemeClr val="accent1"/>
+          </a:lnRef>
+          <a:fillRef idx="0">
+            <a:schemeClr val="accent1"/>
+          </a:fillRef>
+          <a:effectRef idx="1">
+            <a:schemeClr val="accent1"/>
+          </a:effectRef>
+          <a:fontRef idx="minor">
+            <a:schemeClr val="tx1"/>
+          </a:fontRef>
+        </p:style>
+      </p:cxnSp>
+      <p:cxnSp>
+        <p:nvCxnSpPr>
+          <p:cNvPr id="62" name="直線コネクタ 61">
+            <a:extLst>
+              <a:ext uri="{FF2B5EF4-FFF2-40B4-BE49-F238E27FC236}">
+                <a16:creationId xmlns:a16="http://schemas.microsoft.com/office/drawing/2014/main" id="{2EBA278A-B02F-6CB3-8349-8662DDED8009}"/>
+              </a:ext>
+            </a:extLst>
+          </p:cNvPr>
+          <p:cNvCxnSpPr>
+            <a:cxnSpLocks/>
+          </p:cNvCxnSpPr>
+          <p:nvPr/>
+        </p:nvCxnSpPr>
+        <p:spPr>
+          <a:xfrm>
+            <a:off x="3921882" y="5265265"/>
+            <a:ext cx="866142" cy="0"/>
+          </a:xfrm>
+          <a:prstGeom prst="line">
+            <a:avLst/>
+          </a:prstGeom>
+          <a:ln w="28575">
+            <a:solidFill>
+              <a:schemeClr val="tx1"/>
+            </a:solidFill>
+            <a:headEnd type="none"/>
+            <a:tailEnd type="none"/>
+          </a:ln>
+          <a:effectLst/>
+        </p:spPr>
+        <p:style>
+          <a:lnRef idx="2">
+            <a:schemeClr val="accent1"/>
+          </a:lnRef>
+          <a:fillRef idx="0">
+            <a:schemeClr val="accent1"/>
+          </a:fillRef>
+          <a:effectRef idx="1">
+            <a:schemeClr val="accent1"/>
+          </a:effectRef>
+          <a:fontRef idx="minor">
+            <a:schemeClr val="tx1"/>
+          </a:fontRef>
+        </p:style>
+      </p:cxnSp>
+      <p:cxnSp>
+        <p:nvCxnSpPr>
+          <p:cNvPr id="63" name="直線コネクタ 62">
+            <a:extLst>
+              <a:ext uri="{FF2B5EF4-FFF2-40B4-BE49-F238E27FC236}">
+                <a16:creationId xmlns:a16="http://schemas.microsoft.com/office/drawing/2014/main" id="{044D9CC0-12B7-55EF-A25A-150EE6BACAA4}"/>
+              </a:ext>
+            </a:extLst>
+          </p:cNvPr>
+          <p:cNvCxnSpPr>
+            <a:cxnSpLocks/>
+          </p:cNvCxnSpPr>
+          <p:nvPr/>
+        </p:nvCxnSpPr>
+        <p:spPr>
+          <a:xfrm>
+            <a:off x="186367" y="4113137"/>
+            <a:ext cx="866142" cy="0"/>
+          </a:xfrm>
+          <a:prstGeom prst="line">
+            <a:avLst/>
+          </a:prstGeom>
+          <a:ln w="28575">
+            <a:solidFill>
+              <a:schemeClr val="tx1"/>
+            </a:solidFill>
+            <a:headEnd type="none"/>
+            <a:tailEnd type="none"/>
+          </a:ln>
+          <a:effectLst/>
+        </p:spPr>
+        <p:style>
+          <a:lnRef idx="2">
+            <a:schemeClr val="accent1"/>
+          </a:lnRef>
+          <a:fillRef idx="0">
+            <a:schemeClr val="accent1"/>
+          </a:fillRef>
+          <a:effectRef idx="1">
+            <a:schemeClr val="accent1"/>
+          </a:effectRef>
+          <a:fontRef idx="minor">
+            <a:schemeClr val="tx1"/>
+          </a:fontRef>
+        </p:style>
+      </p:cxnSp>
+      <p:cxnSp>
+        <p:nvCxnSpPr>
+          <p:cNvPr id="64" name="直線コネクタ 63">
+            <a:extLst>
+              <a:ext uri="{FF2B5EF4-FFF2-40B4-BE49-F238E27FC236}">
+                <a16:creationId xmlns:a16="http://schemas.microsoft.com/office/drawing/2014/main" id="{EA96A2C1-F374-22E9-6F18-BAF50F55414E}"/>
+              </a:ext>
+            </a:extLst>
+          </p:cNvPr>
+          <p:cNvCxnSpPr>
+            <a:cxnSpLocks/>
+          </p:cNvCxnSpPr>
+          <p:nvPr/>
+        </p:nvCxnSpPr>
+        <p:spPr>
+          <a:xfrm>
+            <a:off x="186367" y="5265265"/>
+            <a:ext cx="866142" cy="0"/>
+          </a:xfrm>
+          <a:prstGeom prst="line">
+            <a:avLst/>
+          </a:prstGeom>
+          <a:ln w="28575">
+            <a:solidFill>
+              <a:schemeClr val="tx1"/>
+            </a:solidFill>
+            <a:headEnd type="none"/>
+            <a:tailEnd type="none"/>
+          </a:ln>
+          <a:effectLst/>
+        </p:spPr>
+        <p:style>
+          <a:lnRef idx="2">
+            <a:schemeClr val="accent1"/>
+          </a:lnRef>
+          <a:fillRef idx="0">
+            <a:schemeClr val="accent1"/>
+          </a:fillRef>
+          <a:effectRef idx="1">
+            <a:schemeClr val="accent1"/>
+          </a:effectRef>
+          <a:fontRef idx="minor">
+            <a:schemeClr val="tx1"/>
+          </a:fontRef>
+        </p:style>
+      </p:cxnSp>
+      <p:cxnSp>
+        <p:nvCxnSpPr>
+          <p:cNvPr id="65" name="直線コネクタ 64">
+            <a:extLst>
+              <a:ext uri="{FF2B5EF4-FFF2-40B4-BE49-F238E27FC236}">
+                <a16:creationId xmlns:a16="http://schemas.microsoft.com/office/drawing/2014/main" id="{162F1A2F-57B5-C259-A90C-7F299F9928EB}"/>
+              </a:ext>
+            </a:extLst>
+          </p:cNvPr>
+          <p:cNvCxnSpPr>
+            <a:cxnSpLocks/>
+          </p:cNvCxnSpPr>
+          <p:nvPr/>
+        </p:nvCxnSpPr>
+        <p:spPr>
+          <a:xfrm>
+            <a:off x="5364088" y="5485123"/>
+            <a:ext cx="2880320" cy="0"/>
+          </a:xfrm>
+          <a:prstGeom prst="line">
+            <a:avLst/>
+          </a:prstGeom>
+          <a:ln w="9525">
+            <a:solidFill>
+              <a:schemeClr val="tx1"/>
+            </a:solidFill>
+            <a:headEnd type="none" w="med" len="med"/>
+            <a:tailEnd type="triangle" w="med" len="med"/>
+          </a:ln>
+          <a:effectLst/>
+        </p:spPr>
+        <p:style>
+          <a:lnRef idx="2">
+            <a:schemeClr val="accent1"/>
+          </a:lnRef>
+          <a:fillRef idx="0">
+            <a:schemeClr val="accent1"/>
+          </a:fillRef>
+          <a:effectRef idx="1">
+            <a:schemeClr val="accent1"/>
+          </a:effectRef>
+          <a:fontRef idx="minor">
+            <a:schemeClr val="tx1"/>
+          </a:fontRef>
+        </p:style>
+      </p:cxnSp>
+      <p:cxnSp>
+        <p:nvCxnSpPr>
+          <p:cNvPr id="66" name="直線コネクタ 65">
+            <a:extLst>
+              <a:ext uri="{FF2B5EF4-FFF2-40B4-BE49-F238E27FC236}">
+                <a16:creationId xmlns:a16="http://schemas.microsoft.com/office/drawing/2014/main" id="{BD4482FF-E2F4-48A1-5372-2915EDD4CEFD}"/>
+              </a:ext>
+            </a:extLst>
+          </p:cNvPr>
+          <p:cNvCxnSpPr>
+            <a:cxnSpLocks/>
+          </p:cNvCxnSpPr>
+          <p:nvPr/>
+        </p:nvCxnSpPr>
+        <p:spPr>
+          <a:xfrm flipV="1">
+            <a:off x="5516488" y="3648980"/>
+            <a:ext cx="0" cy="2376264"/>
+          </a:xfrm>
+          <a:prstGeom prst="line">
+            <a:avLst/>
+          </a:prstGeom>
+          <a:ln w="9525">
+            <a:solidFill>
+              <a:schemeClr val="tx1"/>
+            </a:solidFill>
+            <a:headEnd type="none" w="med" len="med"/>
+            <a:tailEnd type="triangle" w="med" len="med"/>
+          </a:ln>
+          <a:effectLst/>
+        </p:spPr>
+        <p:style>
+          <a:lnRef idx="2">
+            <a:schemeClr val="accent1"/>
+          </a:lnRef>
+          <a:fillRef idx="0">
+            <a:schemeClr val="accent1"/>
+          </a:fillRef>
+          <a:effectRef idx="1">
+            <a:schemeClr val="accent1"/>
+          </a:effectRef>
+          <a:fontRef idx="minor">
+            <a:schemeClr val="tx1"/>
+          </a:fontRef>
+        </p:style>
+      </p:cxnSp>
+      <p:cxnSp>
+        <p:nvCxnSpPr>
+          <p:cNvPr id="67" name="直線コネクタ 66">
+            <a:extLst>
+              <a:ext uri="{FF2B5EF4-FFF2-40B4-BE49-F238E27FC236}">
+                <a16:creationId xmlns:a16="http://schemas.microsoft.com/office/drawing/2014/main" id="{5C640F30-A785-E8F1-C3E6-DEE56A2C790D}"/>
+              </a:ext>
+            </a:extLst>
+          </p:cNvPr>
+          <p:cNvCxnSpPr>
+            <a:cxnSpLocks/>
+          </p:cNvCxnSpPr>
+          <p:nvPr/>
+        </p:nvCxnSpPr>
+        <p:spPr>
+          <a:xfrm>
+            <a:off x="202910" y="5481289"/>
+            <a:ext cx="4585114" cy="0"/>
+          </a:xfrm>
+          <a:prstGeom prst="line">
+            <a:avLst/>
+          </a:prstGeom>
+          <a:ln w="9525">
+            <a:solidFill>
+              <a:schemeClr val="tx1"/>
+            </a:solidFill>
+            <a:headEnd type="none" w="med" len="med"/>
+            <a:tailEnd type="triangle" w="med" len="med"/>
+          </a:ln>
+          <a:effectLst/>
+        </p:spPr>
+        <p:style>
+          <a:lnRef idx="2">
+            <a:schemeClr val="accent1"/>
+          </a:lnRef>
+          <a:fillRef idx="0">
+            <a:schemeClr val="accent1"/>
+          </a:fillRef>
+          <a:effectRef idx="1">
+            <a:schemeClr val="accent1"/>
+          </a:effectRef>
+          <a:fontRef idx="minor">
+            <a:schemeClr val="tx1"/>
+          </a:fontRef>
+        </p:style>
+      </p:cxnSp>
+      <p:cxnSp>
+        <p:nvCxnSpPr>
+          <p:cNvPr id="68" name="直線コネクタ 67">
+            <a:extLst>
+              <a:ext uri="{FF2B5EF4-FFF2-40B4-BE49-F238E27FC236}">
+                <a16:creationId xmlns:a16="http://schemas.microsoft.com/office/drawing/2014/main" id="{2E7865C4-79A0-5094-EE85-2EAFAB1D3AD1}"/>
+              </a:ext>
+            </a:extLst>
+          </p:cNvPr>
+          <p:cNvCxnSpPr/>
+          <p:nvPr/>
+        </p:nvCxnSpPr>
+        <p:spPr>
+          <a:xfrm>
+            <a:off x="2488219" y="3897113"/>
+            <a:ext cx="0" cy="1728192"/>
+          </a:xfrm>
+          <a:prstGeom prst="line">
+            <a:avLst/>
+          </a:prstGeom>
+          <a:ln w="9525">
+            <a:solidFill>
+              <a:schemeClr val="tx1"/>
+            </a:solidFill>
+            <a:prstDash val="dash"/>
+            <a:headEnd type="none"/>
+            <a:tailEnd type="none"/>
+          </a:ln>
+          <a:effectLst/>
+        </p:spPr>
+        <p:style>
+          <a:lnRef idx="2">
+            <a:schemeClr val="accent1"/>
+          </a:lnRef>
+          <a:fillRef idx="0">
+            <a:schemeClr val="accent1"/>
+          </a:fillRef>
+          <a:effectRef idx="1">
+            <a:schemeClr val="accent1"/>
+          </a:effectRef>
+          <a:fontRef idx="minor">
+            <a:schemeClr val="tx1"/>
+          </a:fontRef>
+        </p:style>
+      </p:cxnSp>
+      <mc:AlternateContent xmlns:mc="http://schemas.openxmlformats.org/markup-compatibility/2006">
+        <mc:Choice xmlns:a14="http://schemas.microsoft.com/office/drawing/2010/main" Requires="a14">
+          <p:sp>
+            <p:nvSpPr>
+              <p:cNvPr id="69" name="テキスト ボックス 68">
+                <a:extLst>
+                  <a:ext uri="{FF2B5EF4-FFF2-40B4-BE49-F238E27FC236}">
+                    <a16:creationId xmlns:a16="http://schemas.microsoft.com/office/drawing/2014/main" id="{B631D55B-14F6-45E1-E578-51B7B4D16653}"/>
+                  </a:ext>
+                </a:extLst>
+              </p:cNvPr>
+              <p:cNvSpPr txBox="1"/>
+              <p:nvPr/>
+            </p:nvSpPr>
+            <p:spPr>
+              <a:xfrm>
+                <a:off x="2302206" y="5579948"/>
+                <a:ext cx="372025" cy="369332"/>
+              </a:xfrm>
+              <a:prstGeom prst="rect">
+                <a:avLst/>
+              </a:prstGeom>
+              <a:noFill/>
+            </p:spPr>
+            <p:txBody>
+              <a:bodyPr wrap="none" lIns="0" tIns="0" rIns="0" bIns="0" rtlCol="0">
+                <a:spAutoFit/>
+              </a:bodyPr>
+              <a:lstStyle/>
+              <a:p>
+                <a14:m>
+                  <m:oMathPara xmlns:m="http://schemas.openxmlformats.org/officeDocument/2006/math">
+                    <m:oMathParaPr>
+                      <m:jc m:val="centerGroup"/>
+                    </m:oMathParaPr>
+                    <m:oMath xmlns:m="http://schemas.openxmlformats.org/officeDocument/2006/math">
+                      <m:sSub>
+                        <m:sSubPr>
+                          <m:ctrlPr>
+                            <a:rPr kumimoji="1" lang="en-US" altLang="ja-JP" sz="2400" b="0" i="1" smtClean="0">
+                              <a:latin typeface="Cambria Math" panose="02040503050406030204" pitchFamily="18" charset="0"/>
+                            </a:rPr>
+                          </m:ctrlPr>
+                        </m:sSubPr>
+                        <m:e>
+                          <m:r>
+                            <a:rPr kumimoji="1" lang="en-US" altLang="ja-JP" sz="2400" b="0" i="1" smtClean="0">
+                              <a:latin typeface="Cambria Math" panose="02040503050406030204" pitchFamily="18" charset="0"/>
+                            </a:rPr>
+                            <m:t>𝑥</m:t>
+                          </m:r>
+                        </m:e>
+                        <m:sub>
+                          <m:r>
+                            <a:rPr kumimoji="1" lang="en-US" altLang="ja-JP" sz="2400" b="0" i="1" smtClean="0">
+                              <a:latin typeface="Cambria Math" panose="02040503050406030204" pitchFamily="18" charset="0"/>
+                            </a:rPr>
+                            <m:t>0</m:t>
+                          </m:r>
+                        </m:sub>
+                      </m:sSub>
+                    </m:oMath>
+                  </m:oMathPara>
+                </a14:m>
+                <a:endParaRPr kumimoji="1" lang="ja-JP" altLang="en-US" sz="2400" dirty="0"/>
+              </a:p>
+            </p:txBody>
+          </p:sp>
+        </mc:Choice>
+        <mc:Fallback>
+          <p:sp>
+            <p:nvSpPr>
+              <p:cNvPr id="69" name="テキスト ボックス 68">
+                <a:extLst>
+                  <a:ext uri="{FF2B5EF4-FFF2-40B4-BE49-F238E27FC236}">
+                    <a16:creationId xmlns:a16="http://schemas.microsoft.com/office/drawing/2014/main" id="{B631D55B-14F6-45E1-E578-51B7B4D16653}"/>
+                  </a:ext>
+                </a:extLst>
+              </p:cNvPr>
+              <p:cNvSpPr txBox="1">
+                <a:spLocks noRot="1" noChangeAspect="1" noMove="1" noResize="1" noEditPoints="1" noAdjustHandles="1" noChangeArrowheads="1" noChangeShapeType="1" noTextEdit="1"/>
+              </p:cNvSpPr>
+              <p:nvPr/>
+            </p:nvSpPr>
+            <p:spPr>
+              <a:xfrm>
+                <a:off x="2302206" y="5579948"/>
+                <a:ext cx="372025" cy="369332"/>
+              </a:xfrm>
+              <a:prstGeom prst="rect">
+                <a:avLst/>
+              </a:prstGeom>
+              <a:blipFill>
+                <a:blip r:embed="rId8"/>
+                <a:stretch>
+                  <a:fillRect l="-10000" r="-6667" b="-13333"/>
+                </a:stretch>
+              </a:blipFill>
+            </p:spPr>
+            <p:txBody>
+              <a:bodyPr/>
+              <a:lstStyle/>
+              <a:p>
+                <a:r>
+                  <a:rPr lang="ja-JP" altLang="en-US">
+                    <a:noFill/>
+                  </a:rPr>
+                  <a:t> </a:t>
+                </a:r>
+              </a:p>
+            </p:txBody>
+          </p:sp>
+        </mc:Fallback>
+      </mc:AlternateContent>
+      <p:cxnSp>
+        <p:nvCxnSpPr>
+          <p:cNvPr id="70" name="直線コネクタ 69">
+            <a:extLst>
+              <a:ext uri="{FF2B5EF4-FFF2-40B4-BE49-F238E27FC236}">
+                <a16:creationId xmlns:a16="http://schemas.microsoft.com/office/drawing/2014/main" id="{A6D437D9-BB26-A675-DAE8-A3B540B97CCB}"/>
+              </a:ext>
+            </a:extLst>
+          </p:cNvPr>
+          <p:cNvCxnSpPr>
+            <a:cxnSpLocks/>
+          </p:cNvCxnSpPr>
+          <p:nvPr/>
+        </p:nvCxnSpPr>
+        <p:spPr>
+          <a:xfrm flipV="1">
+            <a:off x="5906540" y="4941229"/>
+            <a:ext cx="1909750" cy="1119958"/>
+          </a:xfrm>
+          <a:prstGeom prst="line">
+            <a:avLst/>
+          </a:prstGeom>
+          <a:ln w="28575">
+            <a:solidFill>
+              <a:srgbClr val="00B050"/>
+            </a:solidFill>
+            <a:headEnd type="none"/>
+            <a:tailEnd type="none"/>
+          </a:ln>
+          <a:effectLst/>
+        </p:spPr>
+        <p:style>
+          <a:lnRef idx="2">
+            <a:schemeClr val="accent1"/>
+          </a:lnRef>
+          <a:fillRef idx="0">
+            <a:schemeClr val="accent1"/>
+          </a:fillRef>
+          <a:effectRef idx="1">
+            <a:schemeClr val="accent1"/>
+          </a:effectRef>
+          <a:fontRef idx="minor">
+            <a:schemeClr val="tx1"/>
+          </a:fontRef>
+        </p:style>
+      </p:cxnSp>
+      <mc:AlternateContent xmlns:mc="http://schemas.openxmlformats.org/markup-compatibility/2006">
+        <mc:Choice xmlns:a14="http://schemas.microsoft.com/office/drawing/2010/main" Requires="a14">
+          <p:sp>
+            <p:nvSpPr>
+              <p:cNvPr id="71" name="テキスト ボックス 70">
+                <a:extLst>
+                  <a:ext uri="{FF2B5EF4-FFF2-40B4-BE49-F238E27FC236}">
+                    <a16:creationId xmlns:a16="http://schemas.microsoft.com/office/drawing/2014/main" id="{71A7DEC6-374F-1885-67CA-3B921A19192E}"/>
+                  </a:ext>
+                </a:extLst>
+              </p:cNvPr>
+              <p:cNvSpPr txBox="1"/>
+              <p:nvPr/>
+            </p:nvSpPr>
+            <p:spPr>
+              <a:xfrm>
+                <a:off x="6614043" y="6025244"/>
+                <a:ext cx="372025" cy="369332"/>
+              </a:xfrm>
+              <a:prstGeom prst="rect">
+                <a:avLst/>
+              </a:prstGeom>
+              <a:noFill/>
+            </p:spPr>
+            <p:txBody>
+              <a:bodyPr wrap="none" lIns="0" tIns="0" rIns="0" bIns="0" rtlCol="0">
+                <a:spAutoFit/>
+              </a:bodyPr>
+              <a:lstStyle/>
+              <a:p>
+                <a14:m>
+                  <m:oMathPara xmlns:m="http://schemas.openxmlformats.org/officeDocument/2006/math">
+                    <m:oMathParaPr>
+                      <m:jc m:val="centerGroup"/>
+                    </m:oMathParaPr>
+                    <m:oMath xmlns:m="http://schemas.openxmlformats.org/officeDocument/2006/math">
+                      <m:sSub>
+                        <m:sSubPr>
+                          <m:ctrlPr>
+                            <a:rPr kumimoji="1" lang="en-US" altLang="ja-JP" sz="2400" b="0" i="1" smtClean="0">
+                              <a:latin typeface="Cambria Math" panose="02040503050406030204" pitchFamily="18" charset="0"/>
+                            </a:rPr>
+                          </m:ctrlPr>
+                        </m:sSubPr>
+                        <m:e>
+                          <m:r>
+                            <a:rPr kumimoji="1" lang="en-US" altLang="ja-JP" sz="2400" b="0" i="1" smtClean="0">
+                              <a:latin typeface="Cambria Math" panose="02040503050406030204" pitchFamily="18" charset="0"/>
+                            </a:rPr>
+                            <m:t>𝑥</m:t>
+                          </m:r>
+                        </m:e>
+                        <m:sub>
+                          <m:r>
+                            <a:rPr kumimoji="1" lang="en-US" altLang="ja-JP" sz="2400" b="0" i="1" smtClean="0">
+                              <a:latin typeface="Cambria Math" panose="02040503050406030204" pitchFamily="18" charset="0"/>
+                            </a:rPr>
+                            <m:t>0</m:t>
+                          </m:r>
+                        </m:sub>
+                      </m:sSub>
+                    </m:oMath>
+                  </m:oMathPara>
+                </a14:m>
+                <a:endParaRPr kumimoji="1" lang="ja-JP" altLang="en-US" sz="2400" dirty="0"/>
+              </a:p>
+            </p:txBody>
+          </p:sp>
+        </mc:Choice>
+        <mc:Fallback>
+          <p:sp>
+            <p:nvSpPr>
+              <p:cNvPr id="71" name="テキスト ボックス 70">
+                <a:extLst>
+                  <a:ext uri="{FF2B5EF4-FFF2-40B4-BE49-F238E27FC236}">
+                    <a16:creationId xmlns:a16="http://schemas.microsoft.com/office/drawing/2014/main" id="{71A7DEC6-374F-1885-67CA-3B921A19192E}"/>
+                  </a:ext>
+                </a:extLst>
+              </p:cNvPr>
+              <p:cNvSpPr txBox="1">
+                <a:spLocks noRot="1" noChangeAspect="1" noMove="1" noResize="1" noEditPoints="1" noAdjustHandles="1" noChangeArrowheads="1" noChangeShapeType="1" noTextEdit="1"/>
+              </p:cNvSpPr>
+              <p:nvPr/>
+            </p:nvSpPr>
+            <p:spPr>
+              <a:xfrm>
+                <a:off x="6614043" y="6025244"/>
+                <a:ext cx="372025" cy="369332"/>
+              </a:xfrm>
+              <a:prstGeom prst="rect">
+                <a:avLst/>
+              </a:prstGeom>
+              <a:blipFill>
+                <a:blip r:embed="rId9"/>
+                <a:stretch>
+                  <a:fillRect l="-9677" r="-3226" b="-13333"/>
+                </a:stretch>
+              </a:blipFill>
+            </p:spPr>
+            <p:txBody>
+              <a:bodyPr/>
+              <a:lstStyle/>
+              <a:p>
+                <a:r>
+                  <a:rPr lang="ja-JP" altLang="en-US">
+                    <a:noFill/>
+                  </a:rPr>
+                  <a:t> </a:t>
+                </a:r>
+              </a:p>
+            </p:txBody>
+          </p:sp>
+        </mc:Fallback>
+      </mc:AlternateContent>
+      <p:cxnSp>
+        <p:nvCxnSpPr>
+          <p:cNvPr id="72" name="直線コネクタ 71">
+            <a:extLst>
+              <a:ext uri="{FF2B5EF4-FFF2-40B4-BE49-F238E27FC236}">
+                <a16:creationId xmlns:a16="http://schemas.microsoft.com/office/drawing/2014/main" id="{B6F34AB3-6CAE-0925-96DA-8F5E81367798}"/>
+              </a:ext>
+            </a:extLst>
+          </p:cNvPr>
+          <p:cNvCxnSpPr>
+            <a:cxnSpLocks/>
+          </p:cNvCxnSpPr>
+          <p:nvPr/>
+        </p:nvCxnSpPr>
+        <p:spPr>
+          <a:xfrm>
+            <a:off x="6884640" y="3865004"/>
+            <a:ext cx="0" cy="1980159"/>
+          </a:xfrm>
+          <a:prstGeom prst="line">
+            <a:avLst/>
+          </a:prstGeom>
+          <a:ln w="9525">
+            <a:solidFill>
+              <a:schemeClr val="tx1"/>
+            </a:solidFill>
+            <a:prstDash val="dash"/>
+            <a:headEnd type="none"/>
+            <a:tailEnd type="none"/>
+          </a:ln>
+          <a:effectLst/>
+        </p:spPr>
+        <p:style>
+          <a:lnRef idx="2">
+            <a:schemeClr val="accent1"/>
+          </a:lnRef>
+          <a:fillRef idx="0">
+            <a:schemeClr val="accent1"/>
+          </a:fillRef>
+          <a:effectRef idx="1">
+            <a:schemeClr val="accent1"/>
+          </a:effectRef>
+          <a:fontRef idx="minor">
+            <a:schemeClr val="tx1"/>
+          </a:fontRef>
+        </p:style>
+      </p:cxnSp>
+      <p:sp>
+        <p:nvSpPr>
+          <p:cNvPr id="73" name="フリーフォーム 72">
+            <a:extLst>
+              <a:ext uri="{FF2B5EF4-FFF2-40B4-BE49-F238E27FC236}">
+                <a16:creationId xmlns:a16="http://schemas.microsoft.com/office/drawing/2014/main" id="{03C95E0B-5F28-1029-59E9-BAD7B09A5750}"/>
+              </a:ext>
+            </a:extLst>
+          </p:cNvPr>
+          <p:cNvSpPr/>
+          <p:nvPr/>
+        </p:nvSpPr>
+        <p:spPr>
+          <a:xfrm flipV="1">
+            <a:off x="5891465" y="4141208"/>
+            <a:ext cx="1965893" cy="937376"/>
+          </a:xfrm>
+          <a:custGeom>
+            <a:avLst/>
+            <a:gdLst>
+              <a:gd name="connsiteX0" fmla="*/ 0 w 1839310"/>
+              <a:gd name="connsiteY0" fmla="*/ 0 h 924916"/>
+              <a:gd name="connsiteX1" fmla="*/ 924910 w 1839310"/>
+              <a:gd name="connsiteY1" fmla="*/ 924911 h 924916"/>
+              <a:gd name="connsiteX2" fmla="*/ 1839310 w 1839310"/>
+              <a:gd name="connsiteY2" fmla="*/ 10511 h 924916"/>
+            </a:gdLst>
+            <a:ahLst/>
+            <a:cxnLst>
+              <a:cxn ang="0">
+                <a:pos x="connsiteX0" y="connsiteY0"/>
+              </a:cxn>
+              <a:cxn ang="0">
+                <a:pos x="connsiteX1" y="connsiteY1"/>
+              </a:cxn>
+              <a:cxn ang="0">
+                <a:pos x="connsiteX2" y="connsiteY2"/>
+              </a:cxn>
+            </a:cxnLst>
+            <a:rect l="l" t="t" r="r" b="b"/>
+            <a:pathLst>
+              <a:path w="1839310" h="924916">
+                <a:moveTo>
+                  <a:pt x="0" y="0"/>
+                </a:moveTo>
+                <a:cubicBezTo>
+                  <a:pt x="309179" y="461579"/>
+                  <a:pt x="618358" y="923159"/>
+                  <a:pt x="924910" y="924911"/>
+                </a:cubicBezTo>
+                <a:cubicBezTo>
+                  <a:pt x="1231462" y="926663"/>
+                  <a:pt x="1535386" y="468587"/>
+                  <a:pt x="1839310" y="10511"/>
+                </a:cubicBezTo>
+              </a:path>
+            </a:pathLst>
+          </a:custGeom>
+          <a:noFill/>
+          <a:ln w="38100">
+            <a:solidFill>
+              <a:srgbClr val="FFC000"/>
+            </a:solidFill>
+          </a:ln>
+        </p:spPr>
+        <p:txBody>
+          <a:bodyPr rtlCol="0" anchor="ctr"/>
+          <a:lstStyle/>
+          <a:p>
+            <a:pPr algn="ctr"/>
+            <a:endParaRPr kumimoji="1" lang="ja-JP" altLang="en-US"/>
+          </a:p>
+        </p:txBody>
+      </p:sp>
+      <mc:AlternateContent xmlns:mc="http://schemas.openxmlformats.org/markup-compatibility/2006">
+        <mc:Choice xmlns:a14="http://schemas.microsoft.com/office/drawing/2010/main" Requires="a14">
+          <p:sp>
+            <p:nvSpPr>
+              <p:cNvPr id="74" name="テキスト ボックス 73">
+                <a:extLst>
+                  <a:ext uri="{FF2B5EF4-FFF2-40B4-BE49-F238E27FC236}">
+                    <a16:creationId xmlns:a16="http://schemas.microsoft.com/office/drawing/2014/main" id="{4F84D12B-7037-5BF3-1110-1F48A629E7D6}"/>
+                  </a:ext>
+                </a:extLst>
+              </p:cNvPr>
+              <p:cNvSpPr txBox="1"/>
+              <p:nvPr/>
+            </p:nvSpPr>
+            <p:spPr>
+              <a:xfrm>
+                <a:off x="7458371" y="4031777"/>
+                <a:ext cx="715837" cy="369332"/>
+              </a:xfrm>
+              <a:prstGeom prst="rect">
+                <a:avLst/>
+              </a:prstGeom>
+              <a:noFill/>
+            </p:spPr>
+            <p:txBody>
+              <a:bodyPr wrap="none" lIns="0" tIns="0" rIns="0" bIns="0" rtlCol="0">
+                <a:spAutoFit/>
+              </a:bodyPr>
+              <a:lstStyle/>
+              <a:p>
+                <a14:m>
+                  <m:oMathPara xmlns:m="http://schemas.openxmlformats.org/officeDocument/2006/math">
+                    <m:oMathParaPr>
+                      <m:jc m:val="centerGroup"/>
+                    </m:oMathParaPr>
+                    <m:oMath xmlns:m="http://schemas.openxmlformats.org/officeDocument/2006/math">
+                      <m:r>
+                        <a:rPr kumimoji="1" lang="en-US" altLang="ja-JP" sz="2400" b="0" i="1" smtClean="0">
+                          <a:latin typeface="Cambria Math" panose="02040503050406030204" pitchFamily="18" charset="0"/>
+                        </a:rPr>
+                        <m:t>𝑈</m:t>
+                      </m:r>
+                      <m:r>
+                        <a:rPr kumimoji="1" lang="en-US" altLang="ja-JP" sz="2400" b="0" i="1" smtClean="0">
+                          <a:latin typeface="Cambria Math" panose="02040503050406030204" pitchFamily="18" charset="0"/>
+                        </a:rPr>
+                        <m:t>(</m:t>
+                      </m:r>
+                      <m:r>
+                        <a:rPr kumimoji="1" lang="en-US" altLang="ja-JP" sz="2400" b="0" i="1" smtClean="0">
+                          <a:latin typeface="Cambria Math" panose="02040503050406030204" pitchFamily="18" charset="0"/>
+                        </a:rPr>
+                        <m:t>𝑥</m:t>
+                      </m:r>
+                      <m:r>
+                        <a:rPr kumimoji="1" lang="en-US" altLang="ja-JP" sz="2400" b="0" i="1" smtClean="0">
+                          <a:latin typeface="Cambria Math" panose="02040503050406030204" pitchFamily="18" charset="0"/>
+                        </a:rPr>
+                        <m:t>)</m:t>
+                      </m:r>
+                    </m:oMath>
+                  </m:oMathPara>
+                </a14:m>
+                <a:endParaRPr kumimoji="1" lang="ja-JP" altLang="en-US" sz="2400" dirty="0"/>
+              </a:p>
+            </p:txBody>
+          </p:sp>
+        </mc:Choice>
+        <mc:Fallback>
+          <p:sp>
+            <p:nvSpPr>
+              <p:cNvPr id="74" name="テキスト ボックス 73">
+                <a:extLst>
+                  <a:ext uri="{FF2B5EF4-FFF2-40B4-BE49-F238E27FC236}">
+                    <a16:creationId xmlns:a16="http://schemas.microsoft.com/office/drawing/2014/main" id="{4F84D12B-7037-5BF3-1110-1F48A629E7D6}"/>
+                  </a:ext>
+                </a:extLst>
+              </p:cNvPr>
+              <p:cNvSpPr txBox="1">
+                <a:spLocks noRot="1" noChangeAspect="1" noMove="1" noResize="1" noEditPoints="1" noAdjustHandles="1" noChangeArrowheads="1" noChangeShapeType="1" noTextEdit="1"/>
+              </p:cNvSpPr>
+              <p:nvPr/>
+            </p:nvSpPr>
+            <p:spPr>
+              <a:xfrm>
+                <a:off x="7458371" y="4031777"/>
+                <a:ext cx="715837" cy="369332"/>
+              </a:xfrm>
+              <a:prstGeom prst="rect">
+                <a:avLst/>
+              </a:prstGeom>
+              <a:blipFill>
+                <a:blip r:embed="rId10"/>
+                <a:stretch>
+                  <a:fillRect l="-10526" r="-14035" b="-33333"/>
+                </a:stretch>
+              </a:blipFill>
+            </p:spPr>
+            <p:txBody>
+              <a:bodyPr/>
+              <a:lstStyle/>
+              <a:p>
+                <a:r>
+                  <a:rPr lang="ja-JP" altLang="en-US">
+                    <a:noFill/>
+                  </a:rPr>
+                  <a:t> </a:t>
+                </a:r>
+              </a:p>
+            </p:txBody>
+          </p:sp>
+        </mc:Fallback>
+      </mc:AlternateContent>
+      <mc:AlternateContent xmlns:mc="http://schemas.openxmlformats.org/markup-compatibility/2006">
+        <mc:Choice xmlns:a14="http://schemas.microsoft.com/office/drawing/2010/main" Requires="a14">
+          <p:sp>
+            <p:nvSpPr>
+              <p:cNvPr id="75" name="テキスト ボックス 74">
+                <a:extLst>
+                  <a:ext uri="{FF2B5EF4-FFF2-40B4-BE49-F238E27FC236}">
+                    <a16:creationId xmlns:a16="http://schemas.microsoft.com/office/drawing/2014/main" id="{A40B68F4-130C-A8EB-A7A8-4B9CA823C6E7}"/>
+                  </a:ext>
+                </a:extLst>
+              </p:cNvPr>
+              <p:cNvSpPr txBox="1"/>
+              <p:nvPr/>
+            </p:nvSpPr>
+            <p:spPr>
+              <a:xfrm>
+                <a:off x="5608371" y="5523742"/>
+                <a:ext cx="715837" cy="369332"/>
+              </a:xfrm>
+              <a:prstGeom prst="rect">
+                <a:avLst/>
+              </a:prstGeom>
+              <a:noFill/>
+            </p:spPr>
+            <p:txBody>
+              <a:bodyPr wrap="none" lIns="0" tIns="0" rIns="0" bIns="0" rtlCol="0">
+                <a:spAutoFit/>
+              </a:bodyPr>
+              <a:lstStyle/>
+              <a:p>
+                <a14:m>
+                  <m:oMathPara xmlns:m="http://schemas.openxmlformats.org/officeDocument/2006/math">
+                    <m:oMathParaPr>
+                      <m:jc m:val="centerGroup"/>
+                    </m:oMathParaPr>
+                    <m:oMath xmlns:m="http://schemas.openxmlformats.org/officeDocument/2006/math">
+                      <m:r>
+                        <a:rPr kumimoji="1" lang="en-US" altLang="ja-JP" sz="2400" b="0" i="1" smtClean="0">
+                          <a:latin typeface="Cambria Math" panose="02040503050406030204" pitchFamily="18" charset="0"/>
+                        </a:rPr>
+                        <m:t>𝐹</m:t>
+                      </m:r>
+                      <m:r>
+                        <a:rPr kumimoji="1" lang="en-US" altLang="ja-JP" sz="2400" b="0" i="1" smtClean="0">
+                          <a:latin typeface="Cambria Math" panose="02040503050406030204" pitchFamily="18" charset="0"/>
+                        </a:rPr>
+                        <m:t>(</m:t>
+                      </m:r>
+                      <m:r>
+                        <a:rPr kumimoji="1" lang="en-US" altLang="ja-JP" sz="2400" b="0" i="1" smtClean="0">
+                          <a:latin typeface="Cambria Math" panose="02040503050406030204" pitchFamily="18" charset="0"/>
+                        </a:rPr>
+                        <m:t>𝑥</m:t>
+                      </m:r>
+                      <m:r>
+                        <a:rPr kumimoji="1" lang="en-US" altLang="ja-JP" sz="2400" b="0" i="1" smtClean="0">
+                          <a:latin typeface="Cambria Math" panose="02040503050406030204" pitchFamily="18" charset="0"/>
+                        </a:rPr>
+                        <m:t>)</m:t>
+                      </m:r>
+                    </m:oMath>
+                  </m:oMathPara>
+                </a14:m>
+                <a:endParaRPr kumimoji="1" lang="ja-JP" altLang="en-US" sz="2400" dirty="0"/>
+              </a:p>
+            </p:txBody>
+          </p:sp>
+        </mc:Choice>
+        <mc:Fallback>
+          <p:sp>
+            <p:nvSpPr>
+              <p:cNvPr id="75" name="テキスト ボックス 74">
+                <a:extLst>
+                  <a:ext uri="{FF2B5EF4-FFF2-40B4-BE49-F238E27FC236}">
+                    <a16:creationId xmlns:a16="http://schemas.microsoft.com/office/drawing/2014/main" id="{A40B68F4-130C-A8EB-A7A8-4B9CA823C6E7}"/>
+                  </a:ext>
+                </a:extLst>
+              </p:cNvPr>
+              <p:cNvSpPr txBox="1">
+                <a:spLocks noRot="1" noChangeAspect="1" noMove="1" noResize="1" noEditPoints="1" noAdjustHandles="1" noChangeArrowheads="1" noChangeShapeType="1" noTextEdit="1"/>
+              </p:cNvSpPr>
+              <p:nvPr/>
+            </p:nvSpPr>
+            <p:spPr>
+              <a:xfrm>
+                <a:off x="5608371" y="5523742"/>
+                <a:ext cx="715837" cy="369332"/>
+              </a:xfrm>
+              <a:prstGeom prst="rect">
+                <a:avLst/>
+              </a:prstGeom>
+              <a:blipFill>
+                <a:blip r:embed="rId11"/>
+                <a:stretch>
+                  <a:fillRect l="-8772" r="-14035" b="-32258"/>
+                </a:stretch>
+              </a:blipFill>
+            </p:spPr>
+            <p:txBody>
+              <a:bodyPr/>
+              <a:lstStyle/>
+              <a:p>
+                <a:r>
+                  <a:rPr lang="ja-JP" altLang="en-US">
+                    <a:noFill/>
+                  </a:rPr>
+                  <a:t> </a:t>
+                </a:r>
+              </a:p>
+            </p:txBody>
+          </p:sp>
+        </mc:Fallback>
+      </mc:AlternateContent>
+      <mc:AlternateContent xmlns:mc="http://schemas.openxmlformats.org/markup-compatibility/2006">
+        <mc:Choice xmlns:a14="http://schemas.microsoft.com/office/drawing/2010/main" Requires="a14">
+          <p:sp>
+            <p:nvSpPr>
+              <p:cNvPr id="76" name="テキスト ボックス 75">
+                <a:extLst>
+                  <a:ext uri="{FF2B5EF4-FFF2-40B4-BE49-F238E27FC236}">
+                    <a16:creationId xmlns:a16="http://schemas.microsoft.com/office/drawing/2014/main" id="{96A9DBD8-8B80-60D0-18DB-E9786269C21E}"/>
+                  </a:ext>
+                </a:extLst>
+              </p:cNvPr>
+              <p:cNvSpPr txBox="1"/>
+              <p:nvPr/>
+            </p:nvSpPr>
+            <p:spPr>
+              <a:xfrm>
+                <a:off x="8303024" y="5282454"/>
+                <a:ext cx="241733" cy="369332"/>
+              </a:xfrm>
+              <a:prstGeom prst="rect">
+                <a:avLst/>
+              </a:prstGeom>
+              <a:noFill/>
+            </p:spPr>
+            <p:txBody>
+              <a:bodyPr wrap="none" lIns="0" tIns="0" rIns="0" bIns="0" rtlCol="0">
+                <a:spAutoFit/>
+              </a:bodyPr>
+              <a:lstStyle/>
+              <a:p>
+                <a14:m>
+                  <m:oMathPara xmlns:m="http://schemas.openxmlformats.org/officeDocument/2006/math">
+                    <m:oMathParaPr>
+                      <m:jc m:val="centerGroup"/>
+                    </m:oMathParaPr>
+                    <m:oMath xmlns:m="http://schemas.openxmlformats.org/officeDocument/2006/math">
+                      <m:r>
+                        <a:rPr kumimoji="1" lang="en-US" altLang="ja-JP" sz="2400" b="0" i="1" smtClean="0">
+                          <a:latin typeface="Cambria Math" panose="02040503050406030204" pitchFamily="18" charset="0"/>
+                        </a:rPr>
+                        <m:t>𝑥</m:t>
+                      </m:r>
+                    </m:oMath>
+                  </m:oMathPara>
+                </a14:m>
+                <a:endParaRPr kumimoji="1" lang="ja-JP" altLang="en-US" sz="2400" dirty="0"/>
+              </a:p>
+            </p:txBody>
+          </p:sp>
+        </mc:Choice>
+        <mc:Fallback>
+          <p:sp>
+            <p:nvSpPr>
+              <p:cNvPr id="76" name="テキスト ボックス 75">
+                <a:extLst>
+                  <a:ext uri="{FF2B5EF4-FFF2-40B4-BE49-F238E27FC236}">
+                    <a16:creationId xmlns:a16="http://schemas.microsoft.com/office/drawing/2014/main" id="{96A9DBD8-8B80-60D0-18DB-E9786269C21E}"/>
+                  </a:ext>
+                </a:extLst>
+              </p:cNvPr>
+              <p:cNvSpPr txBox="1">
+                <a:spLocks noRot="1" noChangeAspect="1" noMove="1" noResize="1" noEditPoints="1" noAdjustHandles="1" noChangeArrowheads="1" noChangeShapeType="1" noTextEdit="1"/>
+              </p:cNvSpPr>
+              <p:nvPr/>
+            </p:nvSpPr>
+            <p:spPr>
+              <a:xfrm>
+                <a:off x="8303024" y="5282454"/>
+                <a:ext cx="241733" cy="369332"/>
+              </a:xfrm>
+              <a:prstGeom prst="rect">
+                <a:avLst/>
+              </a:prstGeom>
+              <a:blipFill>
+                <a:blip r:embed="rId12"/>
+                <a:stretch>
+                  <a:fillRect l="-15000" r="-10000"/>
+                </a:stretch>
+              </a:blipFill>
+            </p:spPr>
+            <p:txBody>
+              <a:bodyPr/>
+              <a:lstStyle/>
+              <a:p>
+                <a:r>
+                  <a:rPr lang="ja-JP" altLang="en-US">
+                    <a:noFill/>
+                  </a:rPr>
+                  <a:t> </a:t>
+                </a:r>
+              </a:p>
+            </p:txBody>
+          </p:sp>
+        </mc:Fallback>
+      </mc:AlternateContent>
+    </p:spTree>
+    <p:extLst>
+      <p:ext uri="{BB962C8B-B14F-4D97-AF65-F5344CB8AC3E}">
+        <p14:creationId xmlns:p14="http://schemas.microsoft.com/office/powerpoint/2010/main" val="628126393"/>
+      </p:ext>
+    </p:extLst>
+  </p:cSld>
+  <p:clrMapOvr>
+    <a:masterClrMapping/>
+  </p:clrMapOvr>
+</p:sld>
+</file>
+
+<file path=ppt/slides/slide7.xml><?xml version="1.0" encoding="utf-8"?>
+<p:sld xmlns:a="http://schemas.openxmlformats.org/drawingml/2006/main" xmlns:r="http://schemas.openxmlformats.org/officeDocument/2006/relationships" xmlns:p="http://schemas.openxmlformats.org/presentationml/2006/main">
+  <p:cSld>
+    <p:spTree>
+      <p:nvGrpSpPr>
+        <p:cNvPr id="1" name=""/>
+        <p:cNvGrpSpPr/>
+        <p:nvPr/>
+      </p:nvGrpSpPr>
+      <p:grpSpPr>
+        <a:xfrm>
+          <a:off x="0" y="0"/>
+          <a:ext cx="0" cy="0"/>
+          <a:chOff x="0" y="0"/>
+          <a:chExt cx="0" cy="0"/>
+        </a:xfrm>
+      </p:grpSpPr>
+      <p:sp>
+        <p:nvSpPr>
+          <p:cNvPr id="5" name="フリーフォーム 4">
+            <a:extLst>
+              <a:ext uri="{FF2B5EF4-FFF2-40B4-BE49-F238E27FC236}">
+                <a16:creationId xmlns:a16="http://schemas.microsoft.com/office/drawing/2014/main" id="{30683042-7219-0F49-55BE-65BC78F48EB5}"/>
+              </a:ext>
+            </a:extLst>
+          </p:cNvPr>
+          <p:cNvSpPr/>
+          <p:nvPr/>
+        </p:nvSpPr>
+        <p:spPr>
+          <a:xfrm>
+            <a:off x="1979712" y="908720"/>
+            <a:ext cx="3881006" cy="3042927"/>
+          </a:xfrm>
+          <a:custGeom>
+            <a:avLst/>
+            <a:gdLst>
+              <a:gd name="connsiteX0" fmla="*/ 0 w 6789683"/>
+              <a:gd name="connsiteY0" fmla="*/ 4761186 h 4761186"/>
+              <a:gd name="connsiteX1" fmla="*/ 2196663 w 6789683"/>
+              <a:gd name="connsiteY1" fmla="*/ 1702676 h 4761186"/>
+              <a:gd name="connsiteX2" fmla="*/ 4845269 w 6789683"/>
+              <a:gd name="connsiteY2" fmla="*/ 2932386 h 4761186"/>
+              <a:gd name="connsiteX3" fmla="*/ 6789683 w 6789683"/>
+              <a:gd name="connsiteY3" fmla="*/ 0 h 4761186"/>
+            </a:gdLst>
+            <a:ahLst/>
+            <a:cxnLst>
+              <a:cxn ang="0">
+                <a:pos x="connsiteX0" y="connsiteY0"/>
+              </a:cxn>
+              <a:cxn ang="0">
+                <a:pos x="connsiteX1" y="connsiteY1"/>
+              </a:cxn>
+              <a:cxn ang="0">
+                <a:pos x="connsiteX2" y="connsiteY2"/>
+              </a:cxn>
+              <a:cxn ang="0">
+                <a:pos x="connsiteX3" y="connsiteY3"/>
+              </a:cxn>
+            </a:cxnLst>
+            <a:rect l="l" t="t" r="r" b="b"/>
+            <a:pathLst>
+              <a:path w="6789683" h="4761186">
+                <a:moveTo>
+                  <a:pt x="0" y="4761186"/>
+                </a:moveTo>
+                <a:cubicBezTo>
+                  <a:pt x="694559" y="3384331"/>
+                  <a:pt x="1389118" y="2007476"/>
+                  <a:pt x="2196663" y="1702676"/>
+                </a:cubicBezTo>
+                <a:cubicBezTo>
+                  <a:pt x="3004208" y="1397876"/>
+                  <a:pt x="4079766" y="3216165"/>
+                  <a:pt x="4845269" y="2932386"/>
+                </a:cubicBezTo>
+                <a:cubicBezTo>
+                  <a:pt x="5610772" y="2648607"/>
+                  <a:pt x="6200227" y="1324303"/>
+                  <a:pt x="6789683" y="0"/>
+                </a:cubicBezTo>
+              </a:path>
+            </a:pathLst>
+          </a:custGeom>
+          <a:noFill/>
+          <a:ln>
+            <a:solidFill>
+              <a:schemeClr val="tx1"/>
+            </a:solidFill>
+          </a:ln>
+        </p:spPr>
+        <p:txBody>
+          <a:bodyPr rtlCol="0" anchor="ctr"/>
+          <a:lstStyle/>
+          <a:p>
+            <a:pPr algn="ctr"/>
+            <a:endParaRPr kumimoji="1" lang="ja-JP" altLang="en-US"/>
+          </a:p>
+        </p:txBody>
+      </p:sp>
+      <p:cxnSp>
+        <p:nvCxnSpPr>
+          <p:cNvPr id="7" name="直線コネクタ 6">
+            <a:extLst>
+              <a:ext uri="{FF2B5EF4-FFF2-40B4-BE49-F238E27FC236}">
+                <a16:creationId xmlns:a16="http://schemas.microsoft.com/office/drawing/2014/main" id="{9C8CC546-8918-9528-BCE9-74ADDD999E4E}"/>
+              </a:ext>
+            </a:extLst>
+          </p:cNvPr>
+          <p:cNvCxnSpPr/>
+          <p:nvPr/>
+        </p:nvCxnSpPr>
+        <p:spPr>
+          <a:xfrm>
+            <a:off x="1907704" y="3645024"/>
+            <a:ext cx="4248472" cy="0"/>
+          </a:xfrm>
+          <a:prstGeom prst="line">
+            <a:avLst/>
+          </a:prstGeom>
+          <a:ln w="9525">
+            <a:solidFill>
+              <a:schemeClr val="tx1"/>
+            </a:solidFill>
+            <a:headEnd type="none" w="med" len="med"/>
+            <a:tailEnd type="triangle" w="med" len="med"/>
+          </a:ln>
+          <a:effectLst/>
+        </p:spPr>
+        <p:style>
+          <a:lnRef idx="2">
+            <a:schemeClr val="accent1"/>
+          </a:lnRef>
+          <a:fillRef idx="0">
+            <a:schemeClr val="accent1"/>
+          </a:fillRef>
+          <a:effectRef idx="1">
+            <a:schemeClr val="accent1"/>
+          </a:effectRef>
+          <a:fontRef idx="minor">
+            <a:schemeClr val="tx1"/>
+          </a:fontRef>
+        </p:style>
+      </p:cxnSp>
+      <p:cxnSp>
+        <p:nvCxnSpPr>
+          <p:cNvPr id="8" name="直線コネクタ 7">
+            <a:extLst>
+              <a:ext uri="{FF2B5EF4-FFF2-40B4-BE49-F238E27FC236}">
+                <a16:creationId xmlns:a16="http://schemas.microsoft.com/office/drawing/2014/main" id="{C937D683-82F4-A3CA-C8CE-CDB7D3E69B8C}"/>
+              </a:ext>
+            </a:extLst>
+          </p:cNvPr>
+          <p:cNvCxnSpPr>
+            <a:cxnSpLocks/>
+          </p:cNvCxnSpPr>
+          <p:nvPr/>
+        </p:nvCxnSpPr>
+        <p:spPr>
+          <a:xfrm flipV="1">
+            <a:off x="2123728" y="764704"/>
+            <a:ext cx="0" cy="3186943"/>
+          </a:xfrm>
+          <a:prstGeom prst="line">
+            <a:avLst/>
+          </a:prstGeom>
+          <a:ln w="9525">
+            <a:solidFill>
+              <a:schemeClr val="tx1"/>
+            </a:solidFill>
+            <a:headEnd type="none" w="med" len="med"/>
+            <a:tailEnd type="triangle" w="med" len="med"/>
+          </a:ln>
+          <a:effectLst/>
+        </p:spPr>
+        <p:style>
+          <a:lnRef idx="2">
+            <a:schemeClr val="accent1"/>
+          </a:lnRef>
+          <a:fillRef idx="0">
+            <a:schemeClr val="accent1"/>
+          </a:fillRef>
+          <a:effectRef idx="1">
+            <a:schemeClr val="accent1"/>
+          </a:effectRef>
+          <a:fontRef idx="minor">
+            <a:schemeClr val="tx1"/>
+          </a:fontRef>
+        </p:style>
+      </p:cxnSp>
+      <p:cxnSp>
+        <p:nvCxnSpPr>
+          <p:cNvPr id="10" name="直線コネクタ 9">
+            <a:extLst>
+              <a:ext uri="{FF2B5EF4-FFF2-40B4-BE49-F238E27FC236}">
+                <a16:creationId xmlns:a16="http://schemas.microsoft.com/office/drawing/2014/main" id="{43A6B5EB-69B6-98CD-01EB-91889F565C0D}"/>
+              </a:ext>
+            </a:extLst>
+          </p:cNvPr>
+          <p:cNvCxnSpPr>
+            <a:cxnSpLocks/>
+          </p:cNvCxnSpPr>
+          <p:nvPr/>
+        </p:nvCxnSpPr>
+        <p:spPr>
+          <a:xfrm>
+            <a:off x="3347864" y="1683205"/>
+            <a:ext cx="0" cy="2178831"/>
+          </a:xfrm>
+          <a:prstGeom prst="line">
+            <a:avLst/>
+          </a:prstGeom>
+          <a:ln w="9525">
+            <a:solidFill>
+              <a:schemeClr val="tx1"/>
+            </a:solidFill>
+            <a:prstDash val="dash"/>
+            <a:headEnd type="none"/>
+            <a:tailEnd type="none"/>
+          </a:ln>
+          <a:effectLst/>
+        </p:spPr>
+        <p:style>
+          <a:lnRef idx="2">
+            <a:schemeClr val="accent1"/>
+          </a:lnRef>
+          <a:fillRef idx="0">
+            <a:schemeClr val="accent1"/>
+          </a:fillRef>
+          <a:effectRef idx="1">
+            <a:schemeClr val="accent1"/>
+          </a:effectRef>
+          <a:fontRef idx="minor">
+            <a:schemeClr val="tx1"/>
+          </a:fontRef>
+        </p:style>
+      </p:cxnSp>
+      <p:cxnSp>
+        <p:nvCxnSpPr>
+          <p:cNvPr id="12" name="直線コネクタ 11">
+            <a:extLst>
+              <a:ext uri="{FF2B5EF4-FFF2-40B4-BE49-F238E27FC236}">
+                <a16:creationId xmlns:a16="http://schemas.microsoft.com/office/drawing/2014/main" id="{25D010B0-5A26-0269-D80B-F7856DD98E3F}"/>
+              </a:ext>
+            </a:extLst>
+          </p:cNvPr>
+          <p:cNvCxnSpPr>
+            <a:cxnSpLocks/>
+          </p:cNvCxnSpPr>
+          <p:nvPr/>
+        </p:nvCxnSpPr>
+        <p:spPr>
+          <a:xfrm>
+            <a:off x="4644008" y="1700808"/>
+            <a:ext cx="0" cy="2178831"/>
+          </a:xfrm>
+          <a:prstGeom prst="line">
+            <a:avLst/>
+          </a:prstGeom>
+          <a:ln w="9525">
+            <a:solidFill>
+              <a:schemeClr val="tx1"/>
+            </a:solidFill>
+            <a:prstDash val="dash"/>
+            <a:headEnd type="none"/>
+            <a:tailEnd type="none"/>
+          </a:ln>
+          <a:effectLst/>
+        </p:spPr>
+        <p:style>
+          <a:lnRef idx="2">
+            <a:schemeClr val="accent1"/>
+          </a:lnRef>
+          <a:fillRef idx="0">
+            <a:schemeClr val="accent1"/>
+          </a:fillRef>
+          <a:effectRef idx="1">
+            <a:schemeClr val="accent1"/>
+          </a:effectRef>
+          <a:fontRef idx="minor">
+            <a:schemeClr val="tx1"/>
+          </a:fontRef>
+        </p:style>
+      </p:cxnSp>
+      <p:sp>
+        <p:nvSpPr>
+          <p:cNvPr id="13" name="円/楕円 12">
+            <a:extLst>
+              <a:ext uri="{FF2B5EF4-FFF2-40B4-BE49-F238E27FC236}">
+                <a16:creationId xmlns:a16="http://schemas.microsoft.com/office/drawing/2014/main" id="{4E5154F3-2F2D-9FE3-54CF-1D15A34EB85B}"/>
+              </a:ext>
+            </a:extLst>
+          </p:cNvPr>
+          <p:cNvSpPr/>
+          <p:nvPr/>
+        </p:nvSpPr>
+        <p:spPr>
+          <a:xfrm>
+            <a:off x="4575174" y="2718215"/>
+            <a:ext cx="144016" cy="144016"/>
+          </a:xfrm>
+          <a:prstGeom prst="ellipse">
+            <a:avLst/>
+          </a:prstGeom>
+          <a:solidFill>
+            <a:srgbClr val="FF0000"/>
+          </a:solidFill>
+          <a:ln>
+            <a:solidFill>
+              <a:schemeClr val="tx1"/>
+            </a:solidFill>
+          </a:ln>
+        </p:spPr>
+        <p:txBody>
+          <a:bodyPr wrap="square" rtlCol="0" anchor="ctr">
+            <a:spAutoFit/>
+          </a:bodyPr>
+          <a:lstStyle/>
+          <a:p>
+            <a:pPr algn="ctr"/>
+            <a:endParaRPr kumimoji="1" lang="ja-JP" altLang="en-US" sz="2400" dirty="0"/>
+          </a:p>
+        </p:txBody>
+      </p:sp>
+      <p:sp>
+        <p:nvSpPr>
+          <p:cNvPr id="14" name="円/楕円 13">
+            <a:extLst>
+              <a:ext uri="{FF2B5EF4-FFF2-40B4-BE49-F238E27FC236}">
+                <a16:creationId xmlns:a16="http://schemas.microsoft.com/office/drawing/2014/main" id="{3DF02F61-68F6-ED1D-171E-38F32CAAA016}"/>
+              </a:ext>
+            </a:extLst>
+          </p:cNvPr>
+          <p:cNvSpPr/>
+          <p:nvPr/>
+        </p:nvSpPr>
+        <p:spPr>
+          <a:xfrm>
+            <a:off x="3275856" y="1916832"/>
+            <a:ext cx="144016" cy="144016"/>
+          </a:xfrm>
+          <a:prstGeom prst="ellipse">
+            <a:avLst/>
+          </a:prstGeom>
+          <a:solidFill>
+            <a:srgbClr val="FF0000"/>
+          </a:solidFill>
+          <a:ln>
+            <a:solidFill>
+              <a:schemeClr val="tx1"/>
+            </a:solidFill>
+          </a:ln>
+        </p:spPr>
+        <p:txBody>
+          <a:bodyPr wrap="square" rtlCol="0" anchor="ctr">
+            <a:spAutoFit/>
+          </a:bodyPr>
+          <a:lstStyle/>
+          <a:p>
+            <a:pPr algn="ctr"/>
+            <a:endParaRPr kumimoji="1" lang="ja-JP" altLang="en-US" sz="2400" dirty="0"/>
+          </a:p>
+        </p:txBody>
+      </p:sp>
+      <p:cxnSp>
+        <p:nvCxnSpPr>
+          <p:cNvPr id="15" name="直線コネクタ 14">
+            <a:extLst>
+              <a:ext uri="{FF2B5EF4-FFF2-40B4-BE49-F238E27FC236}">
+                <a16:creationId xmlns:a16="http://schemas.microsoft.com/office/drawing/2014/main" id="{9641732C-44D2-EF76-E34F-2BA4C090A592}"/>
+              </a:ext>
+            </a:extLst>
+          </p:cNvPr>
+          <p:cNvCxnSpPr>
+            <a:cxnSpLocks/>
+          </p:cNvCxnSpPr>
+          <p:nvPr/>
+        </p:nvCxnSpPr>
+        <p:spPr>
+          <a:xfrm>
+            <a:off x="5859154" y="872715"/>
+            <a:ext cx="0" cy="2970919"/>
+          </a:xfrm>
+          <a:prstGeom prst="line">
+            <a:avLst/>
+          </a:prstGeom>
+          <a:ln w="9525">
+            <a:solidFill>
+              <a:schemeClr val="tx1"/>
+            </a:solidFill>
+            <a:prstDash val="dash"/>
+            <a:headEnd type="none"/>
+            <a:tailEnd type="none"/>
+          </a:ln>
+          <a:effectLst/>
+        </p:spPr>
+        <p:style>
+          <a:lnRef idx="2">
+            <a:schemeClr val="accent1"/>
+          </a:lnRef>
+          <a:fillRef idx="0">
+            <a:schemeClr val="accent1"/>
+          </a:fillRef>
+          <a:effectRef idx="1">
+            <a:schemeClr val="accent1"/>
+          </a:effectRef>
+          <a:fontRef idx="minor">
+            <a:schemeClr val="tx1"/>
+          </a:fontRef>
+        </p:style>
+      </p:cxnSp>
+      <p:sp>
+        <p:nvSpPr>
+          <p:cNvPr id="18" name="円/楕円 17">
+            <a:extLst>
+              <a:ext uri="{FF2B5EF4-FFF2-40B4-BE49-F238E27FC236}">
+                <a16:creationId xmlns:a16="http://schemas.microsoft.com/office/drawing/2014/main" id="{56EB0546-827A-07D6-8D17-5B64E0BDAE5B}"/>
+              </a:ext>
+            </a:extLst>
+          </p:cNvPr>
+          <p:cNvSpPr/>
+          <p:nvPr/>
+        </p:nvSpPr>
+        <p:spPr>
+          <a:xfrm>
+            <a:off x="5788710" y="836712"/>
+            <a:ext cx="144016" cy="144016"/>
+          </a:xfrm>
+          <a:prstGeom prst="ellipse">
+            <a:avLst/>
+          </a:prstGeom>
+          <a:solidFill>
+            <a:srgbClr val="FF0000"/>
+          </a:solidFill>
+          <a:ln>
+            <a:solidFill>
+              <a:schemeClr val="tx1"/>
+            </a:solidFill>
+          </a:ln>
+        </p:spPr>
+        <p:txBody>
+          <a:bodyPr wrap="square" rtlCol="0" anchor="ctr">
+            <a:spAutoFit/>
+          </a:bodyPr>
+          <a:lstStyle/>
+          <a:p>
+            <a:pPr algn="ctr"/>
+            <a:endParaRPr kumimoji="1" lang="ja-JP" altLang="en-US" sz="2400" dirty="0"/>
+          </a:p>
+        </p:txBody>
+      </p:sp>
+      <p:sp>
+        <p:nvSpPr>
+          <p:cNvPr id="19" name="円/楕円 18">
+            <a:extLst>
+              <a:ext uri="{FF2B5EF4-FFF2-40B4-BE49-F238E27FC236}">
+                <a16:creationId xmlns:a16="http://schemas.microsoft.com/office/drawing/2014/main" id="{7BC0CAE2-18CE-9D81-EC11-72A12195422B}"/>
+              </a:ext>
+            </a:extLst>
+          </p:cNvPr>
+          <p:cNvSpPr/>
+          <p:nvPr/>
+        </p:nvSpPr>
+        <p:spPr>
+          <a:xfrm>
+            <a:off x="2048547" y="3573016"/>
+            <a:ext cx="144016" cy="144016"/>
+          </a:xfrm>
+          <a:prstGeom prst="ellipse">
+            <a:avLst/>
+          </a:prstGeom>
+          <a:solidFill>
+            <a:srgbClr val="FF0000"/>
+          </a:solidFill>
+          <a:ln>
+            <a:solidFill>
+              <a:schemeClr val="tx1"/>
+            </a:solidFill>
+          </a:ln>
+        </p:spPr>
+        <p:txBody>
+          <a:bodyPr wrap="square" rtlCol="0" anchor="ctr">
+            <a:spAutoFit/>
+          </a:bodyPr>
+          <a:lstStyle/>
+          <a:p>
+            <a:pPr algn="ctr"/>
+            <a:endParaRPr kumimoji="1" lang="ja-JP" altLang="en-US" sz="2400" dirty="0"/>
+          </a:p>
+        </p:txBody>
+      </p:sp>
+      <p:sp>
+        <p:nvSpPr>
+          <p:cNvPr id="20" name="テキスト ボックス 19">
+            <a:extLst>
+              <a:ext uri="{FF2B5EF4-FFF2-40B4-BE49-F238E27FC236}">
+                <a16:creationId xmlns:a16="http://schemas.microsoft.com/office/drawing/2014/main" id="{69E544D4-DE5C-ED54-3FB5-1FD2288EFEBD}"/>
+              </a:ext>
+            </a:extLst>
+          </p:cNvPr>
+          <p:cNvSpPr txBox="1"/>
+          <p:nvPr/>
+        </p:nvSpPr>
+        <p:spPr>
+          <a:xfrm>
+            <a:off x="3036465" y="1228110"/>
+            <a:ext cx="646331" cy="369332"/>
+          </a:xfrm>
+          <a:prstGeom prst="rect">
+            <a:avLst/>
+          </a:prstGeom>
+          <a:noFill/>
+        </p:spPr>
+        <p:txBody>
+          <a:bodyPr wrap="none" rtlCol="0">
+            <a:spAutoFit/>
+          </a:bodyPr>
+          <a:lstStyle/>
+          <a:p>
+            <a:r>
+              <a:rPr lang="ja-JP" altLang="en-US"/>
+              <a:t>極大</a:t>
+            </a:r>
+            <a:endParaRPr kumimoji="1" lang="ja-JP" altLang="en-US" dirty="0"/>
+          </a:p>
+        </p:txBody>
+      </p:sp>
+      <p:sp>
+        <p:nvSpPr>
+          <p:cNvPr id="21" name="テキスト ボックス 20">
+            <a:extLst>
+              <a:ext uri="{FF2B5EF4-FFF2-40B4-BE49-F238E27FC236}">
+                <a16:creationId xmlns:a16="http://schemas.microsoft.com/office/drawing/2014/main" id="{5020C38C-7F29-B6BA-8505-DA930DDB49C5}"/>
+              </a:ext>
+            </a:extLst>
+          </p:cNvPr>
+          <p:cNvSpPr txBox="1"/>
+          <p:nvPr/>
+        </p:nvSpPr>
+        <p:spPr>
+          <a:xfrm>
+            <a:off x="4680431" y="2821581"/>
+            <a:ext cx="646331" cy="369332"/>
+          </a:xfrm>
+          <a:prstGeom prst="rect">
+            <a:avLst/>
+          </a:prstGeom>
+          <a:noFill/>
+        </p:spPr>
+        <p:txBody>
+          <a:bodyPr wrap="none" rtlCol="0">
+            <a:spAutoFit/>
+          </a:bodyPr>
+          <a:lstStyle/>
+          <a:p>
+            <a:r>
+              <a:rPr lang="ja-JP" altLang="en-US"/>
+              <a:t>極小</a:t>
+            </a:r>
+            <a:endParaRPr kumimoji="1" lang="ja-JP" altLang="en-US" dirty="0"/>
+          </a:p>
+        </p:txBody>
+      </p:sp>
+      <p:sp>
+        <p:nvSpPr>
+          <p:cNvPr id="22" name="テキスト ボックス 21">
+            <a:extLst>
+              <a:ext uri="{FF2B5EF4-FFF2-40B4-BE49-F238E27FC236}">
+                <a16:creationId xmlns:a16="http://schemas.microsoft.com/office/drawing/2014/main" id="{3F88E018-B98D-1A12-91BB-604E9354D404}"/>
+              </a:ext>
+            </a:extLst>
+          </p:cNvPr>
+          <p:cNvSpPr txBox="1"/>
+          <p:nvPr/>
+        </p:nvSpPr>
+        <p:spPr>
+          <a:xfrm>
+            <a:off x="5465544" y="417432"/>
+            <a:ext cx="646331" cy="369332"/>
+          </a:xfrm>
+          <a:prstGeom prst="rect">
+            <a:avLst/>
+          </a:prstGeom>
+          <a:noFill/>
+        </p:spPr>
+        <p:txBody>
+          <a:bodyPr wrap="none" rtlCol="0">
+            <a:spAutoFit/>
+          </a:bodyPr>
+          <a:lstStyle/>
+          <a:p>
+            <a:r>
+              <a:rPr lang="ja-JP" altLang="en-US"/>
+              <a:t>最大</a:t>
+            </a:r>
+            <a:endParaRPr kumimoji="1" lang="ja-JP" altLang="en-US" dirty="0"/>
+          </a:p>
+        </p:txBody>
+      </p:sp>
+      <p:sp>
+        <p:nvSpPr>
+          <p:cNvPr id="23" name="テキスト ボックス 22">
+            <a:extLst>
+              <a:ext uri="{FF2B5EF4-FFF2-40B4-BE49-F238E27FC236}">
+                <a16:creationId xmlns:a16="http://schemas.microsoft.com/office/drawing/2014/main" id="{9B2891DD-0692-4837-A05A-2D6A4ECFAFFB}"/>
+              </a:ext>
+            </a:extLst>
+          </p:cNvPr>
+          <p:cNvSpPr txBox="1"/>
+          <p:nvPr/>
+        </p:nvSpPr>
+        <p:spPr>
+          <a:xfrm>
+            <a:off x="1396048" y="3199038"/>
+            <a:ext cx="646331" cy="369332"/>
+          </a:xfrm>
+          <a:prstGeom prst="rect">
+            <a:avLst/>
+          </a:prstGeom>
+          <a:noFill/>
+        </p:spPr>
+        <p:txBody>
+          <a:bodyPr wrap="none" rtlCol="0">
+            <a:spAutoFit/>
+          </a:bodyPr>
+          <a:lstStyle/>
+          <a:p>
+            <a:r>
+              <a:rPr lang="ja-JP" altLang="en-US"/>
+              <a:t>最小</a:t>
+            </a:r>
+            <a:endParaRPr kumimoji="1" lang="ja-JP" altLang="en-US" dirty="0"/>
+          </a:p>
+        </p:txBody>
+      </p:sp>
+    </p:spTree>
+    <p:extLst>
+      <p:ext uri="{BB962C8B-B14F-4D97-AF65-F5344CB8AC3E}">
+        <p14:creationId xmlns:p14="http://schemas.microsoft.com/office/powerpoint/2010/main" val="992823277"/>
+      </p:ext>
+    </p:extLst>
+  </p:cSld>
+  <p:clrMapOvr>
+    <a:masterClrMapping/>
+  </p:clrMapOvr>
+</p:sld>
+</file>
+
 <file path=ppt/theme/theme1.xml><?xml version="1.0" encoding="utf-8"?>
 <a:theme xmlns:a="http://schemas.openxmlformats.org/drawingml/2006/main" name="Office テーマ">
   <a:themeElements>

--- a/variational_principle/fig/fig.pptx
+++ b/variational_principle/fig/fig.pptx
@@ -12838,6 +12838,214 @@
           </a:p>
         </p:txBody>
       </p:sp>
+      <mc:AlternateContent xmlns:mc="http://schemas.openxmlformats.org/markup-compatibility/2006">
+        <mc:Choice xmlns:a14="http://schemas.microsoft.com/office/drawing/2010/main" Requires="a14">
+          <p:sp>
+            <p:nvSpPr>
+              <p:cNvPr id="24" name="テキスト ボックス 23">
+                <a:extLst>
+                  <a:ext uri="{FF2B5EF4-FFF2-40B4-BE49-F238E27FC236}">
+                    <a16:creationId xmlns:a16="http://schemas.microsoft.com/office/drawing/2014/main" id="{6343AEDE-A94C-21A5-30F9-981ADF4B3E2D}"/>
+                  </a:ext>
+                </a:extLst>
+              </p:cNvPr>
+              <p:cNvSpPr txBox="1"/>
+              <p:nvPr/>
+            </p:nvSpPr>
+            <p:spPr>
+              <a:xfrm>
+                <a:off x="6202649" y="3457290"/>
+                <a:ext cx="241733" cy="369332"/>
+              </a:xfrm>
+              <a:prstGeom prst="rect">
+                <a:avLst/>
+              </a:prstGeom>
+              <a:noFill/>
+            </p:spPr>
+            <p:txBody>
+              <a:bodyPr wrap="none" lIns="0" tIns="0" rIns="0" bIns="0" rtlCol="0">
+                <a:spAutoFit/>
+              </a:bodyPr>
+              <a:lstStyle/>
+              <a:p>
+                <a14:m>
+                  <m:oMathPara xmlns:m="http://schemas.openxmlformats.org/officeDocument/2006/math">
+                    <m:oMathParaPr>
+                      <m:jc m:val="centerGroup"/>
+                    </m:oMathParaPr>
+                    <m:oMath xmlns:m="http://schemas.openxmlformats.org/officeDocument/2006/math">
+                      <m:r>
+                        <a:rPr kumimoji="1" lang="en-US" altLang="ja-JP" sz="2400" b="0" i="1" smtClean="0">
+                          <a:latin typeface="Cambria Math" panose="02040503050406030204" pitchFamily="18" charset="0"/>
+                        </a:rPr>
+                        <m:t>𝑥</m:t>
+                      </m:r>
+                    </m:oMath>
+                  </m:oMathPara>
+                </a14:m>
+                <a:endParaRPr kumimoji="1" lang="ja-JP" altLang="en-US" sz="2400" dirty="0"/>
+              </a:p>
+            </p:txBody>
+          </p:sp>
+        </mc:Choice>
+        <mc:Fallback>
+          <p:sp>
+            <p:nvSpPr>
+              <p:cNvPr id="24" name="テキスト ボックス 23">
+                <a:extLst>
+                  <a:ext uri="{FF2B5EF4-FFF2-40B4-BE49-F238E27FC236}">
+                    <a16:creationId xmlns:a16="http://schemas.microsoft.com/office/drawing/2014/main" id="{6343AEDE-A94C-21A5-30F9-981ADF4B3E2D}"/>
+                  </a:ext>
+                </a:extLst>
+              </p:cNvPr>
+              <p:cNvSpPr txBox="1">
+                <a:spLocks noRot="1" noChangeAspect="1" noMove="1" noResize="1" noEditPoints="1" noAdjustHandles="1" noChangeArrowheads="1" noChangeShapeType="1" noTextEdit="1"/>
+              </p:cNvSpPr>
+              <p:nvPr/>
+            </p:nvSpPr>
+            <p:spPr>
+              <a:xfrm>
+                <a:off x="6202649" y="3457290"/>
+                <a:ext cx="241733" cy="369332"/>
+              </a:xfrm>
+              <a:prstGeom prst="rect">
+                <a:avLst/>
+              </a:prstGeom>
+              <a:blipFill>
+                <a:blip r:embed="rId2"/>
+                <a:stretch>
+                  <a:fillRect l="-15000" r="-10000"/>
+                </a:stretch>
+              </a:blipFill>
+            </p:spPr>
+            <p:txBody>
+              <a:bodyPr/>
+              <a:lstStyle/>
+              <a:p>
+                <a:r>
+                  <a:rPr lang="ja-JP" altLang="en-US">
+                    <a:noFill/>
+                  </a:rPr>
+                  <a:t> </a:t>
+                </a:r>
+              </a:p>
+            </p:txBody>
+          </p:sp>
+        </mc:Fallback>
+      </mc:AlternateContent>
+      <mc:AlternateContent xmlns:mc="http://schemas.openxmlformats.org/markup-compatibility/2006">
+        <mc:Choice xmlns:a14="http://schemas.microsoft.com/office/drawing/2010/main" Requires="a14">
+          <p:sp>
+            <p:nvSpPr>
+              <p:cNvPr id="25" name="テキスト ボックス 24">
+                <a:extLst>
+                  <a:ext uri="{FF2B5EF4-FFF2-40B4-BE49-F238E27FC236}">
+                    <a16:creationId xmlns:a16="http://schemas.microsoft.com/office/drawing/2014/main" id="{BF2975CB-C286-F4B2-6827-B73132C45A9F}"/>
+                  </a:ext>
+                </a:extLst>
+              </p:cNvPr>
+              <p:cNvSpPr txBox="1"/>
+              <p:nvPr/>
+            </p:nvSpPr>
+            <p:spPr>
+              <a:xfrm>
+                <a:off x="1703792" y="375842"/>
+                <a:ext cx="677173" cy="369332"/>
+              </a:xfrm>
+              <a:prstGeom prst="rect">
+                <a:avLst/>
+              </a:prstGeom>
+              <a:noFill/>
+            </p:spPr>
+            <p:txBody>
+              <a:bodyPr wrap="none" lIns="0" tIns="0" rIns="0" bIns="0" rtlCol="0">
+                <a:spAutoFit/>
+              </a:bodyPr>
+              <a:lstStyle/>
+              <a:p>
+                <a14:m>
+                  <m:oMathPara xmlns:m="http://schemas.openxmlformats.org/officeDocument/2006/math">
+                    <m:oMathParaPr>
+                      <m:jc m:val="centerGroup"/>
+                    </m:oMathParaPr>
+                    <m:oMath xmlns:m="http://schemas.openxmlformats.org/officeDocument/2006/math">
+                      <m:r>
+                        <a:rPr kumimoji="1" lang="en-US" altLang="ja-JP" sz="2400" b="0" i="1" smtClean="0">
+                          <a:latin typeface="Cambria Math" panose="02040503050406030204" pitchFamily="18" charset="0"/>
+                        </a:rPr>
+                        <m:t>𝑓</m:t>
+                      </m:r>
+                      <m:r>
+                        <a:rPr kumimoji="1" lang="en-US" altLang="ja-JP" sz="2400" b="0" i="1" smtClean="0">
+                          <a:latin typeface="Cambria Math" panose="02040503050406030204" pitchFamily="18" charset="0"/>
+                        </a:rPr>
+                        <m:t>(</m:t>
+                      </m:r>
+                      <m:r>
+                        <a:rPr kumimoji="1" lang="en-US" altLang="ja-JP" sz="2400" b="0" i="1" smtClean="0">
+                          <a:latin typeface="Cambria Math" panose="02040503050406030204" pitchFamily="18" charset="0"/>
+                        </a:rPr>
+                        <m:t>𝑥</m:t>
+                      </m:r>
+                      <m:r>
+                        <a:rPr kumimoji="1" lang="en-US" altLang="ja-JP" sz="2400" b="0" i="1" smtClean="0">
+                          <a:latin typeface="Cambria Math" panose="02040503050406030204" pitchFamily="18" charset="0"/>
+                        </a:rPr>
+                        <m:t>)</m:t>
+                      </m:r>
+                    </m:oMath>
+                  </m:oMathPara>
+                </a14:m>
+                <a:endParaRPr kumimoji="1" lang="ja-JP" altLang="en-US" sz="2400" dirty="0"/>
+              </a:p>
+            </p:txBody>
+          </p:sp>
+        </mc:Choice>
+        <mc:Fallback>
+          <p:sp>
+            <p:nvSpPr>
+              <p:cNvPr id="25" name="テキスト ボックス 24">
+                <a:extLst>
+                  <a:ext uri="{FF2B5EF4-FFF2-40B4-BE49-F238E27FC236}">
+                    <a16:creationId xmlns:a16="http://schemas.microsoft.com/office/drawing/2014/main" id="{BF2975CB-C286-F4B2-6827-B73132C45A9F}"/>
+                  </a:ext>
+                </a:extLst>
+              </p:cNvPr>
+              <p:cNvSpPr txBox="1">
+                <a:spLocks noRot="1" noChangeAspect="1" noMove="1" noResize="1" noEditPoints="1" noAdjustHandles="1" noChangeArrowheads="1" noChangeShapeType="1" noTextEdit="1"/>
+              </p:cNvSpPr>
+              <p:nvPr/>
+            </p:nvSpPr>
+            <p:spPr>
+              <a:xfrm>
+                <a:off x="1703792" y="375842"/>
+                <a:ext cx="677173" cy="369332"/>
+              </a:xfrm>
+              <a:prstGeom prst="rect">
+                <a:avLst/>
+              </a:prstGeom>
+              <a:blipFill>
+                <a:blip r:embed="rId3"/>
+                <a:stretch>
+                  <a:fillRect l="-14545" r="-14545" b="-33333"/>
+                </a:stretch>
+              </a:blipFill>
+            </p:spPr>
+            <p:txBody>
+              <a:bodyPr/>
+              <a:lstStyle/>
+              <a:p>
+                <a:r>
+                  <a:rPr lang="ja-JP" altLang="en-US">
+                    <a:noFill/>
+                  </a:rPr>
+                  <a:t> </a:t>
+                </a:r>
+              </a:p>
+            </p:txBody>
+          </p:sp>
+        </mc:Fallback>
+      </mc:AlternateContent>
     </p:spTree>
     <p:extLst>
       <p:ext uri="{BB962C8B-B14F-4D97-AF65-F5344CB8AC3E}">

--- a/variational_principle/fig/fig.pptx
+++ b/variational_principle/fig/fig.pptx
@@ -5,7 +5,7 @@
     <p:sldMasterId id="2147483648" r:id="rId1"/>
   </p:sldMasterIdLst>
   <p:notesMasterIdLst>
-    <p:notesMasterId r:id="rId9"/>
+    <p:notesMasterId r:id="rId10"/>
   </p:notesMasterIdLst>
   <p:sldIdLst>
     <p:sldId id="260" r:id="rId2"/>
@@ -13,8 +13,9 @@
     <p:sldId id="257" r:id="rId4"/>
     <p:sldId id="258" r:id="rId5"/>
     <p:sldId id="259" r:id="rId6"/>
-    <p:sldId id="262" r:id="rId7"/>
-    <p:sldId id="263" r:id="rId8"/>
+    <p:sldId id="264" r:id="rId7"/>
+    <p:sldId id="262" r:id="rId8"/>
+    <p:sldId id="263" r:id="rId9"/>
   </p:sldIdLst>
   <p:sldSz cx="9144000" cy="6858000" type="screen4x3"/>
   <p:notesSz cx="6858000" cy="9144000"/>
@@ -218,7 +219,7 @@
             <a:fld id="{D2C63D3F-0352-EF45-A95C-C8137A1B6577}" type="datetimeFigureOut">
               <a:rPr lang="ja-JP" altLang="en-US" smtClean="0"/>
               <a:pPr/>
-              <a:t>2023/6/17</a:t>
+              <a:t>2023/6/27</a:t>
             </a:fld>
             <a:endParaRPr lang="ja-JP" altLang="en-US"/>
           </a:p>
@@ -586,7 +587,7 @@
             <a:fld id="{658B8C6D-C3B1-8D4B-883D-F931C7D3B8B2}" type="slidenum">
               <a:rPr lang="ja-JP" altLang="en-US" smtClean="0"/>
               <a:pPr/>
-              <a:t>6</a:t>
+              <a:t>7</a:t>
             </a:fld>
             <a:endParaRPr lang="ja-JP" altLang="en-US"/>
           </a:p>
@@ -9183,6 +9184,1687 @@
           <a:chExt cx="0" cy="0"/>
         </a:xfrm>
       </p:grpSpPr>
+      <p:cxnSp>
+        <p:nvCxnSpPr>
+          <p:cNvPr id="2" name="直線矢印コネクタ 1">
+            <a:extLst>
+              <a:ext uri="{FF2B5EF4-FFF2-40B4-BE49-F238E27FC236}">
+                <a16:creationId xmlns:a16="http://schemas.microsoft.com/office/drawing/2014/main" id="{8A1AC67C-A23F-4B67-4F9E-91C6410DE00B}"/>
+              </a:ext>
+            </a:extLst>
+          </p:cNvPr>
+          <p:cNvCxnSpPr/>
+          <p:nvPr/>
+        </p:nvCxnSpPr>
+        <p:spPr>
+          <a:xfrm flipV="1">
+            <a:off x="1691680" y="548680"/>
+            <a:ext cx="0" cy="3875857"/>
+          </a:xfrm>
+          <a:prstGeom prst="straightConnector1">
+            <a:avLst/>
+          </a:prstGeom>
+          <a:ln w="9525">
+            <a:solidFill>
+              <a:schemeClr val="tx1"/>
+            </a:solidFill>
+            <a:headEnd type="none"/>
+            <a:tailEnd type="triangle"/>
+          </a:ln>
+          <a:effectLst/>
+        </p:spPr>
+        <p:style>
+          <a:lnRef idx="2">
+            <a:schemeClr val="accent1"/>
+          </a:lnRef>
+          <a:fillRef idx="0">
+            <a:schemeClr val="accent1"/>
+          </a:fillRef>
+          <a:effectRef idx="1">
+            <a:schemeClr val="accent1"/>
+          </a:effectRef>
+          <a:fontRef idx="minor">
+            <a:schemeClr val="tx1"/>
+          </a:fontRef>
+        </p:style>
+      </p:cxnSp>
+      <p:cxnSp>
+        <p:nvCxnSpPr>
+          <p:cNvPr id="4" name="直線矢印コネクタ 3">
+            <a:extLst>
+              <a:ext uri="{FF2B5EF4-FFF2-40B4-BE49-F238E27FC236}">
+                <a16:creationId xmlns:a16="http://schemas.microsoft.com/office/drawing/2014/main" id="{EDB7755B-8ED8-AFAB-FB8C-C466333C720C}"/>
+              </a:ext>
+            </a:extLst>
+          </p:cNvPr>
+          <p:cNvCxnSpPr>
+            <a:cxnSpLocks/>
+          </p:cNvCxnSpPr>
+          <p:nvPr/>
+        </p:nvCxnSpPr>
+        <p:spPr>
+          <a:xfrm>
+            <a:off x="1259632" y="4149080"/>
+            <a:ext cx="4896544" cy="0"/>
+          </a:xfrm>
+          <a:prstGeom prst="straightConnector1">
+            <a:avLst/>
+          </a:prstGeom>
+          <a:ln w="9525">
+            <a:solidFill>
+              <a:schemeClr val="tx1"/>
+            </a:solidFill>
+            <a:headEnd type="none"/>
+            <a:tailEnd type="triangle"/>
+          </a:ln>
+          <a:effectLst/>
+        </p:spPr>
+        <p:style>
+          <a:lnRef idx="2">
+            <a:schemeClr val="accent1"/>
+          </a:lnRef>
+          <a:fillRef idx="0">
+            <a:schemeClr val="accent1"/>
+          </a:fillRef>
+          <a:effectRef idx="1">
+            <a:schemeClr val="accent1"/>
+          </a:effectRef>
+          <a:fontRef idx="minor">
+            <a:schemeClr val="tx1"/>
+          </a:fontRef>
+        </p:style>
+      </p:cxnSp>
+      <p:cxnSp>
+        <p:nvCxnSpPr>
+          <p:cNvPr id="6" name="直線コネクタ 5">
+            <a:extLst>
+              <a:ext uri="{FF2B5EF4-FFF2-40B4-BE49-F238E27FC236}">
+                <a16:creationId xmlns:a16="http://schemas.microsoft.com/office/drawing/2014/main" id="{09B82486-AB7D-E080-5B82-80D1F171B886}"/>
+              </a:ext>
+            </a:extLst>
+          </p:cNvPr>
+          <p:cNvCxnSpPr>
+            <a:cxnSpLocks/>
+          </p:cNvCxnSpPr>
+          <p:nvPr/>
+        </p:nvCxnSpPr>
+        <p:spPr>
+          <a:xfrm flipV="1">
+            <a:off x="2411760" y="2636912"/>
+            <a:ext cx="0" cy="1656184"/>
+          </a:xfrm>
+          <a:prstGeom prst="line">
+            <a:avLst/>
+          </a:prstGeom>
+          <a:ln w="9525">
+            <a:solidFill>
+              <a:schemeClr val="tx1"/>
+            </a:solidFill>
+            <a:prstDash val="dash"/>
+            <a:headEnd type="none"/>
+            <a:tailEnd type="none"/>
+          </a:ln>
+          <a:effectLst/>
+        </p:spPr>
+        <p:style>
+          <a:lnRef idx="2">
+            <a:schemeClr val="accent1"/>
+          </a:lnRef>
+          <a:fillRef idx="0">
+            <a:schemeClr val="accent1"/>
+          </a:fillRef>
+          <a:effectRef idx="1">
+            <a:schemeClr val="accent1"/>
+          </a:effectRef>
+          <a:fontRef idx="minor">
+            <a:schemeClr val="tx1"/>
+          </a:fontRef>
+        </p:style>
+      </p:cxnSp>
+      <p:cxnSp>
+        <p:nvCxnSpPr>
+          <p:cNvPr id="10" name="直線コネクタ 9">
+            <a:extLst>
+              <a:ext uri="{FF2B5EF4-FFF2-40B4-BE49-F238E27FC236}">
+                <a16:creationId xmlns:a16="http://schemas.microsoft.com/office/drawing/2014/main" id="{7656D990-76D4-C023-201F-DCDBA8AC848C}"/>
+              </a:ext>
+            </a:extLst>
+          </p:cNvPr>
+          <p:cNvCxnSpPr>
+            <a:cxnSpLocks/>
+          </p:cNvCxnSpPr>
+          <p:nvPr/>
+        </p:nvCxnSpPr>
+        <p:spPr>
+          <a:xfrm flipV="1">
+            <a:off x="5292080" y="1124744"/>
+            <a:ext cx="0" cy="3168352"/>
+          </a:xfrm>
+          <a:prstGeom prst="line">
+            <a:avLst/>
+          </a:prstGeom>
+          <a:ln w="9525">
+            <a:solidFill>
+              <a:schemeClr val="tx1"/>
+            </a:solidFill>
+            <a:prstDash val="dash"/>
+            <a:headEnd type="none"/>
+            <a:tailEnd type="none"/>
+          </a:ln>
+          <a:effectLst/>
+        </p:spPr>
+        <p:style>
+          <a:lnRef idx="2">
+            <a:schemeClr val="accent1"/>
+          </a:lnRef>
+          <a:fillRef idx="0">
+            <a:schemeClr val="accent1"/>
+          </a:fillRef>
+          <a:effectRef idx="1">
+            <a:schemeClr val="accent1"/>
+          </a:effectRef>
+          <a:fontRef idx="minor">
+            <a:schemeClr val="tx1"/>
+          </a:fontRef>
+        </p:style>
+      </p:cxnSp>
+      <p:sp>
+        <p:nvSpPr>
+          <p:cNvPr id="12" name="フリーフォーム: 図形 11">
+            <a:extLst>
+              <a:ext uri="{FF2B5EF4-FFF2-40B4-BE49-F238E27FC236}">
+                <a16:creationId xmlns:a16="http://schemas.microsoft.com/office/drawing/2014/main" id="{490A4B15-54CF-D63F-6375-F7713DE2FFEC}"/>
+              </a:ext>
+            </a:extLst>
+          </p:cNvPr>
+          <p:cNvSpPr/>
+          <p:nvPr/>
+        </p:nvSpPr>
+        <p:spPr>
+          <a:xfrm>
+            <a:off x="2416629" y="3755559"/>
+            <a:ext cx="2852057" cy="402784"/>
+          </a:xfrm>
+          <a:custGeom>
+            <a:avLst/>
+            <a:gdLst>
+              <a:gd name="connsiteX0" fmla="*/ 0 w 2852057"/>
+              <a:gd name="connsiteY0" fmla="*/ 402784 h 402784"/>
+              <a:gd name="connsiteX1" fmla="*/ 1404257 w 2852057"/>
+              <a:gd name="connsiteY1" fmla="*/ 12 h 402784"/>
+              <a:gd name="connsiteX2" fmla="*/ 2852057 w 2852057"/>
+              <a:gd name="connsiteY2" fmla="*/ 391898 h 402784"/>
+            </a:gdLst>
+            <a:ahLst/>
+            <a:cxnLst>
+              <a:cxn ang="0">
+                <a:pos x="connsiteX0" y="connsiteY0"/>
+              </a:cxn>
+              <a:cxn ang="0">
+                <a:pos x="connsiteX1" y="connsiteY1"/>
+              </a:cxn>
+              <a:cxn ang="0">
+                <a:pos x="connsiteX2" y="connsiteY2"/>
+              </a:cxn>
+            </a:cxnLst>
+            <a:rect l="l" t="t" r="r" b="b"/>
+            <a:pathLst>
+              <a:path w="2852057" h="402784">
+                <a:moveTo>
+                  <a:pt x="0" y="402784"/>
+                </a:moveTo>
+                <a:cubicBezTo>
+                  <a:pt x="464457" y="202305"/>
+                  <a:pt x="928914" y="1826"/>
+                  <a:pt x="1404257" y="12"/>
+                </a:cubicBezTo>
+                <a:cubicBezTo>
+                  <a:pt x="1879600" y="-1802"/>
+                  <a:pt x="2365828" y="195048"/>
+                  <a:pt x="2852057" y="391898"/>
+                </a:cubicBezTo>
+              </a:path>
+            </a:pathLst>
+          </a:custGeom>
+          <a:noFill/>
+          <a:ln>
+            <a:solidFill>
+              <a:schemeClr val="tx1"/>
+            </a:solidFill>
+          </a:ln>
+        </p:spPr>
+        <p:txBody>
+          <a:bodyPr rtlCol="0" anchor="ctr"/>
+          <a:lstStyle/>
+          <a:p>
+            <a:pPr algn="ctr"/>
+            <a:endParaRPr kumimoji="1" lang="ja-JP" altLang="en-US"/>
+          </a:p>
+        </p:txBody>
+      </p:sp>
+      <mc:AlternateContent xmlns:mc="http://schemas.openxmlformats.org/markup-compatibility/2006">
+        <mc:Choice xmlns:a14="http://schemas.microsoft.com/office/drawing/2010/main" Requires="a14">
+          <p:sp>
+            <p:nvSpPr>
+              <p:cNvPr id="13" name="テキスト ボックス 12">
+                <a:extLst>
+                  <a:ext uri="{FF2B5EF4-FFF2-40B4-BE49-F238E27FC236}">
+                    <a16:creationId xmlns:a16="http://schemas.microsoft.com/office/drawing/2014/main" id="{2A9FFEF7-CDE6-814A-A142-335051AD4181}"/>
+                  </a:ext>
+                </a:extLst>
+              </p:cNvPr>
+              <p:cNvSpPr txBox="1"/>
+              <p:nvPr/>
+            </p:nvSpPr>
+            <p:spPr>
+              <a:xfrm>
+                <a:off x="4355976" y="3356992"/>
+                <a:ext cx="714811" cy="369332"/>
+              </a:xfrm>
+              <a:prstGeom prst="rect">
+                <a:avLst/>
+              </a:prstGeom>
+              <a:noFill/>
+            </p:spPr>
+            <p:txBody>
+              <a:bodyPr wrap="none" lIns="0" tIns="0" rIns="0" bIns="0" rtlCol="0">
+                <a:spAutoFit/>
+              </a:bodyPr>
+              <a:lstStyle/>
+              <a:p>
+                <a14:m>
+                  <m:oMathPara xmlns:m="http://schemas.openxmlformats.org/officeDocument/2006/math">
+                    <m:oMathParaPr>
+                      <m:jc m:val="centerGroup"/>
+                    </m:oMathParaPr>
+                    <m:oMath xmlns:m="http://schemas.openxmlformats.org/officeDocument/2006/math">
+                      <m:r>
+                        <a:rPr kumimoji="1" lang="en-US" altLang="ja-JP" sz="2400" b="0" i="1" smtClean="0">
+                          <a:latin typeface="Cambria Math" panose="02040503050406030204" pitchFamily="18" charset="0"/>
+                        </a:rPr>
+                        <m:t>𝜙</m:t>
+                      </m:r>
+                      <m:r>
+                        <a:rPr kumimoji="1" lang="en-US" altLang="ja-JP" sz="2400" b="0" i="1" smtClean="0">
+                          <a:latin typeface="Cambria Math" panose="02040503050406030204" pitchFamily="18" charset="0"/>
+                        </a:rPr>
+                        <m:t>(</m:t>
+                      </m:r>
+                      <m:r>
+                        <a:rPr kumimoji="1" lang="en-US" altLang="ja-JP" sz="2400" b="0" i="1" smtClean="0">
+                          <a:latin typeface="Cambria Math" panose="02040503050406030204" pitchFamily="18" charset="0"/>
+                        </a:rPr>
+                        <m:t>𝑥</m:t>
+                      </m:r>
+                      <m:r>
+                        <a:rPr kumimoji="1" lang="en-US" altLang="ja-JP" sz="2400" b="0" i="1" smtClean="0">
+                          <a:latin typeface="Cambria Math" panose="02040503050406030204" pitchFamily="18" charset="0"/>
+                        </a:rPr>
+                        <m:t>)</m:t>
+                      </m:r>
+                    </m:oMath>
+                  </m:oMathPara>
+                </a14:m>
+                <a:endParaRPr kumimoji="1" lang="ja-JP" altLang="en-US" sz="2400" dirty="0"/>
+              </a:p>
+            </p:txBody>
+          </p:sp>
+        </mc:Choice>
+        <mc:Fallback>
+          <p:sp>
+            <p:nvSpPr>
+              <p:cNvPr id="13" name="テキスト ボックス 12">
+                <a:extLst>
+                  <a:ext uri="{FF2B5EF4-FFF2-40B4-BE49-F238E27FC236}">
+                    <a16:creationId xmlns:a16="http://schemas.microsoft.com/office/drawing/2014/main" id="{2A9FFEF7-CDE6-814A-A142-335051AD4181}"/>
+                  </a:ext>
+                </a:extLst>
+              </p:cNvPr>
+              <p:cNvSpPr txBox="1">
+                <a:spLocks noRot="1" noChangeAspect="1" noMove="1" noResize="1" noEditPoints="1" noAdjustHandles="1" noChangeArrowheads="1" noChangeShapeType="1" noTextEdit="1"/>
+              </p:cNvSpPr>
+              <p:nvPr/>
+            </p:nvSpPr>
+            <p:spPr>
+              <a:xfrm>
+                <a:off x="4355976" y="3356992"/>
+                <a:ext cx="714811" cy="369332"/>
+              </a:xfrm>
+              <a:prstGeom prst="rect">
+                <a:avLst/>
+              </a:prstGeom>
+              <a:blipFill>
+                <a:blip r:embed="rId2"/>
+                <a:stretch>
+                  <a:fillRect l="-14530" r="-14530" b="-35000"/>
+                </a:stretch>
+              </a:blipFill>
+            </p:spPr>
+            <p:txBody>
+              <a:bodyPr/>
+              <a:lstStyle/>
+              <a:p>
+                <a:r>
+                  <a:rPr lang="ja-JP" altLang="en-US">
+                    <a:noFill/>
+                  </a:rPr>
+                  <a:t> </a:t>
+                </a:r>
+              </a:p>
+            </p:txBody>
+          </p:sp>
+        </mc:Fallback>
+      </mc:AlternateContent>
+      <mc:AlternateContent xmlns:mc="http://schemas.openxmlformats.org/markup-compatibility/2006">
+        <mc:Choice xmlns:a14="http://schemas.microsoft.com/office/drawing/2010/main" Requires="a14">
+          <p:sp>
+            <p:nvSpPr>
+              <p:cNvPr id="14" name="テキスト ボックス 13">
+                <a:extLst>
+                  <a:ext uri="{FF2B5EF4-FFF2-40B4-BE49-F238E27FC236}">
+                    <a16:creationId xmlns:a16="http://schemas.microsoft.com/office/drawing/2014/main" id="{D42681BC-A314-5115-3213-256701EE5FEF}"/>
+                  </a:ext>
+                </a:extLst>
+              </p:cNvPr>
+              <p:cNvSpPr txBox="1"/>
+              <p:nvPr/>
+            </p:nvSpPr>
+            <p:spPr>
+              <a:xfrm>
+                <a:off x="2267744" y="4293096"/>
+                <a:ext cx="321755" cy="369332"/>
+              </a:xfrm>
+              <a:prstGeom prst="rect">
+                <a:avLst/>
+              </a:prstGeom>
+              <a:noFill/>
+            </p:spPr>
+            <p:txBody>
+              <a:bodyPr wrap="none" lIns="0" tIns="0" rIns="0" bIns="0" rtlCol="0">
+                <a:spAutoFit/>
+              </a:bodyPr>
+              <a:lstStyle/>
+              <a:p>
+                <a14:m>
+                  <m:oMathPara xmlns:m="http://schemas.openxmlformats.org/officeDocument/2006/math">
+                    <m:oMathParaPr>
+                      <m:jc m:val="centerGroup"/>
+                    </m:oMathParaPr>
+                    <m:oMath xmlns:m="http://schemas.openxmlformats.org/officeDocument/2006/math">
+                      <m:sSub>
+                        <m:sSubPr>
+                          <m:ctrlPr>
+                            <a:rPr kumimoji="1" lang="en-US" altLang="ja-JP" sz="2400" b="0" i="1" smtClean="0">
+                              <a:latin typeface="Cambria Math" panose="02040503050406030204" pitchFamily="18" charset="0"/>
+                            </a:rPr>
+                          </m:ctrlPr>
+                        </m:sSubPr>
+                        <m:e>
+                          <m:r>
+                            <a:rPr kumimoji="1" lang="en-US" altLang="ja-JP" sz="2400" b="0" i="1" smtClean="0">
+                              <a:latin typeface="Cambria Math" panose="02040503050406030204" pitchFamily="18" charset="0"/>
+                            </a:rPr>
+                            <m:t>𝑡</m:t>
+                          </m:r>
+                        </m:e>
+                        <m:sub>
+                          <m:r>
+                            <a:rPr kumimoji="1" lang="en-US" altLang="ja-JP" sz="2400" b="0" i="1" smtClean="0">
+                              <a:latin typeface="Cambria Math" panose="02040503050406030204" pitchFamily="18" charset="0"/>
+                            </a:rPr>
+                            <m:t>1</m:t>
+                          </m:r>
+                        </m:sub>
+                      </m:sSub>
+                    </m:oMath>
+                  </m:oMathPara>
+                </a14:m>
+                <a:endParaRPr kumimoji="1" lang="ja-JP" altLang="en-US" sz="2400" dirty="0"/>
+              </a:p>
+            </p:txBody>
+          </p:sp>
+        </mc:Choice>
+        <mc:Fallback>
+          <p:sp>
+            <p:nvSpPr>
+              <p:cNvPr id="14" name="テキスト ボックス 13">
+                <a:extLst>
+                  <a:ext uri="{FF2B5EF4-FFF2-40B4-BE49-F238E27FC236}">
+                    <a16:creationId xmlns:a16="http://schemas.microsoft.com/office/drawing/2014/main" id="{D42681BC-A314-5115-3213-256701EE5FEF}"/>
+                  </a:ext>
+                </a:extLst>
+              </p:cNvPr>
+              <p:cNvSpPr txBox="1">
+                <a:spLocks noRot="1" noChangeAspect="1" noMove="1" noResize="1" noEditPoints="1" noAdjustHandles="1" noChangeArrowheads="1" noChangeShapeType="1" noTextEdit="1"/>
+              </p:cNvSpPr>
+              <p:nvPr/>
+            </p:nvSpPr>
+            <p:spPr>
+              <a:xfrm>
+                <a:off x="2267744" y="4293096"/>
+                <a:ext cx="321755" cy="369332"/>
+              </a:xfrm>
+              <a:prstGeom prst="rect">
+                <a:avLst/>
+              </a:prstGeom>
+              <a:blipFill>
+                <a:blip r:embed="rId3"/>
+                <a:stretch>
+                  <a:fillRect l="-16981" r="-7547" b="-13115"/>
+                </a:stretch>
+              </a:blipFill>
+            </p:spPr>
+            <p:txBody>
+              <a:bodyPr/>
+              <a:lstStyle/>
+              <a:p>
+                <a:r>
+                  <a:rPr lang="ja-JP" altLang="en-US">
+                    <a:noFill/>
+                  </a:rPr>
+                  <a:t> </a:t>
+                </a:r>
+              </a:p>
+            </p:txBody>
+          </p:sp>
+        </mc:Fallback>
+      </mc:AlternateContent>
+      <mc:AlternateContent xmlns:mc="http://schemas.openxmlformats.org/markup-compatibility/2006">
+        <mc:Choice xmlns:a14="http://schemas.microsoft.com/office/drawing/2010/main" Requires="a14">
+          <p:sp>
+            <p:nvSpPr>
+              <p:cNvPr id="15" name="テキスト ボックス 14">
+                <a:extLst>
+                  <a:ext uri="{FF2B5EF4-FFF2-40B4-BE49-F238E27FC236}">
+                    <a16:creationId xmlns:a16="http://schemas.microsoft.com/office/drawing/2014/main" id="{BCCA0C91-809C-5FB0-7042-0EF17590BF66}"/>
+                  </a:ext>
+                </a:extLst>
+              </p:cNvPr>
+              <p:cNvSpPr txBox="1"/>
+              <p:nvPr/>
+            </p:nvSpPr>
+            <p:spPr>
+              <a:xfrm>
+                <a:off x="5148064" y="4293096"/>
+                <a:ext cx="328873" cy="369332"/>
+              </a:xfrm>
+              <a:prstGeom prst="rect">
+                <a:avLst/>
+              </a:prstGeom>
+              <a:noFill/>
+            </p:spPr>
+            <p:txBody>
+              <a:bodyPr wrap="none" lIns="0" tIns="0" rIns="0" bIns="0" rtlCol="0">
+                <a:spAutoFit/>
+              </a:bodyPr>
+              <a:lstStyle/>
+              <a:p>
+                <a14:m>
+                  <m:oMathPara xmlns:m="http://schemas.openxmlformats.org/officeDocument/2006/math">
+                    <m:oMathParaPr>
+                      <m:jc m:val="centerGroup"/>
+                    </m:oMathParaPr>
+                    <m:oMath xmlns:m="http://schemas.openxmlformats.org/officeDocument/2006/math">
+                      <m:sSub>
+                        <m:sSubPr>
+                          <m:ctrlPr>
+                            <a:rPr kumimoji="1" lang="en-US" altLang="ja-JP" sz="2400" b="0" i="1" smtClean="0">
+                              <a:latin typeface="Cambria Math" panose="02040503050406030204" pitchFamily="18" charset="0"/>
+                            </a:rPr>
+                          </m:ctrlPr>
+                        </m:sSubPr>
+                        <m:e>
+                          <m:r>
+                            <a:rPr kumimoji="1" lang="en-US" altLang="ja-JP" sz="2400" b="0" i="1" smtClean="0">
+                              <a:latin typeface="Cambria Math" panose="02040503050406030204" pitchFamily="18" charset="0"/>
+                            </a:rPr>
+                            <m:t>𝑡</m:t>
+                          </m:r>
+                        </m:e>
+                        <m:sub>
+                          <m:r>
+                            <a:rPr kumimoji="1" lang="en-US" altLang="ja-JP" sz="2400" b="0" i="1" smtClean="0">
+                              <a:latin typeface="Cambria Math" panose="02040503050406030204" pitchFamily="18" charset="0"/>
+                            </a:rPr>
+                            <m:t>2</m:t>
+                          </m:r>
+                        </m:sub>
+                      </m:sSub>
+                    </m:oMath>
+                  </m:oMathPara>
+                </a14:m>
+                <a:endParaRPr kumimoji="1" lang="ja-JP" altLang="en-US" sz="2400" dirty="0"/>
+              </a:p>
+            </p:txBody>
+          </p:sp>
+        </mc:Choice>
+        <mc:Fallback>
+          <p:sp>
+            <p:nvSpPr>
+              <p:cNvPr id="15" name="テキスト ボックス 14">
+                <a:extLst>
+                  <a:ext uri="{FF2B5EF4-FFF2-40B4-BE49-F238E27FC236}">
+                    <a16:creationId xmlns:a16="http://schemas.microsoft.com/office/drawing/2014/main" id="{BCCA0C91-809C-5FB0-7042-0EF17590BF66}"/>
+                  </a:ext>
+                </a:extLst>
+              </p:cNvPr>
+              <p:cNvSpPr txBox="1">
+                <a:spLocks noRot="1" noChangeAspect="1" noMove="1" noResize="1" noEditPoints="1" noAdjustHandles="1" noChangeArrowheads="1" noChangeShapeType="1" noTextEdit="1"/>
+              </p:cNvSpPr>
+              <p:nvPr/>
+            </p:nvSpPr>
+            <p:spPr>
+              <a:xfrm>
+                <a:off x="5148064" y="4293096"/>
+                <a:ext cx="328873" cy="369332"/>
+              </a:xfrm>
+              <a:prstGeom prst="rect">
+                <a:avLst/>
+              </a:prstGeom>
+              <a:blipFill>
+                <a:blip r:embed="rId4"/>
+                <a:stretch>
+                  <a:fillRect l="-16667" r="-7407" b="-13115"/>
+                </a:stretch>
+              </a:blipFill>
+            </p:spPr>
+            <p:txBody>
+              <a:bodyPr/>
+              <a:lstStyle/>
+              <a:p>
+                <a:r>
+                  <a:rPr lang="ja-JP" altLang="en-US">
+                    <a:noFill/>
+                  </a:rPr>
+                  <a:t> </a:t>
+                </a:r>
+              </a:p>
+            </p:txBody>
+          </p:sp>
+        </mc:Fallback>
+      </mc:AlternateContent>
+      <p:sp>
+        <p:nvSpPr>
+          <p:cNvPr id="16" name="フリーフォーム: 図形 15">
+            <a:extLst>
+              <a:ext uri="{FF2B5EF4-FFF2-40B4-BE49-F238E27FC236}">
+                <a16:creationId xmlns:a16="http://schemas.microsoft.com/office/drawing/2014/main" id="{8176076A-B885-7AB5-ADE1-7E69DF80FB55}"/>
+              </a:ext>
+            </a:extLst>
+          </p:cNvPr>
+          <p:cNvSpPr/>
+          <p:nvPr/>
+        </p:nvSpPr>
+        <p:spPr>
+          <a:xfrm>
+            <a:off x="2416629" y="1268760"/>
+            <a:ext cx="2875451" cy="1670383"/>
+          </a:xfrm>
+          <a:custGeom>
+            <a:avLst/>
+            <a:gdLst>
+              <a:gd name="connsiteX0" fmla="*/ 0 w 2917371"/>
+              <a:gd name="connsiteY0" fmla="*/ 1567543 h 1567543"/>
+              <a:gd name="connsiteX1" fmla="*/ 1578428 w 2917371"/>
+              <a:gd name="connsiteY1" fmla="*/ 1055914 h 1567543"/>
+              <a:gd name="connsiteX2" fmla="*/ 2917371 w 2917371"/>
+              <a:gd name="connsiteY2" fmla="*/ 0 h 1567543"/>
+            </a:gdLst>
+            <a:ahLst/>
+            <a:cxnLst>
+              <a:cxn ang="0">
+                <a:pos x="connsiteX0" y="connsiteY0"/>
+              </a:cxn>
+              <a:cxn ang="0">
+                <a:pos x="connsiteX1" y="connsiteY1"/>
+              </a:cxn>
+              <a:cxn ang="0">
+                <a:pos x="connsiteX2" y="connsiteY2"/>
+              </a:cxn>
+            </a:cxnLst>
+            <a:rect l="l" t="t" r="r" b="b"/>
+            <a:pathLst>
+              <a:path w="2917371" h="1567543">
+                <a:moveTo>
+                  <a:pt x="0" y="1567543"/>
+                </a:moveTo>
+                <a:cubicBezTo>
+                  <a:pt x="546100" y="1442357"/>
+                  <a:pt x="1092200" y="1317171"/>
+                  <a:pt x="1578428" y="1055914"/>
+                </a:cubicBezTo>
+                <a:cubicBezTo>
+                  <a:pt x="2064656" y="794657"/>
+                  <a:pt x="2491013" y="397328"/>
+                  <a:pt x="2917371" y="0"/>
+                </a:cubicBezTo>
+              </a:path>
+            </a:pathLst>
+          </a:custGeom>
+          <a:solidFill>
+            <a:schemeClr val="accent2">
+              <a:lumMod val="40000"/>
+              <a:lumOff val="60000"/>
+            </a:schemeClr>
+          </a:solidFill>
+          <a:ln>
+            <a:solidFill>
+              <a:schemeClr val="tx1"/>
+            </a:solidFill>
+          </a:ln>
+        </p:spPr>
+        <p:txBody>
+          <a:bodyPr rtlCol="0" anchor="ctr"/>
+          <a:lstStyle/>
+          <a:p>
+            <a:pPr algn="ctr"/>
+            <a:endParaRPr kumimoji="1" lang="ja-JP" altLang="en-US"/>
+          </a:p>
+        </p:txBody>
+      </p:sp>
+      <p:sp>
+        <p:nvSpPr>
+          <p:cNvPr id="17" name="フリーフォーム: 図形 16">
+            <a:extLst>
+              <a:ext uri="{FF2B5EF4-FFF2-40B4-BE49-F238E27FC236}">
+                <a16:creationId xmlns:a16="http://schemas.microsoft.com/office/drawing/2014/main" id="{7A42F232-5A51-51AA-0137-EBE404B99542}"/>
+              </a:ext>
+            </a:extLst>
+          </p:cNvPr>
+          <p:cNvSpPr/>
+          <p:nvPr/>
+        </p:nvSpPr>
+        <p:spPr>
+          <a:xfrm>
+            <a:off x="2416628" y="1268760"/>
+            <a:ext cx="2875451" cy="1681269"/>
+          </a:xfrm>
+          <a:custGeom>
+            <a:avLst/>
+            <a:gdLst>
+              <a:gd name="connsiteX0" fmla="*/ 0 w 2873828"/>
+              <a:gd name="connsiteY0" fmla="*/ 1621972 h 1621972"/>
+              <a:gd name="connsiteX1" fmla="*/ 1393371 w 2873828"/>
+              <a:gd name="connsiteY1" fmla="*/ 620486 h 1621972"/>
+              <a:gd name="connsiteX2" fmla="*/ 2873828 w 2873828"/>
+              <a:gd name="connsiteY2" fmla="*/ 0 h 1621972"/>
+            </a:gdLst>
+            <a:ahLst/>
+            <a:cxnLst>
+              <a:cxn ang="0">
+                <a:pos x="connsiteX0" y="connsiteY0"/>
+              </a:cxn>
+              <a:cxn ang="0">
+                <a:pos x="connsiteX1" y="connsiteY1"/>
+              </a:cxn>
+              <a:cxn ang="0">
+                <a:pos x="connsiteX2" y="connsiteY2"/>
+              </a:cxn>
+            </a:cxnLst>
+            <a:rect l="l" t="t" r="r" b="b"/>
+            <a:pathLst>
+              <a:path w="2873828" h="1621972">
+                <a:moveTo>
+                  <a:pt x="0" y="1621972"/>
+                </a:moveTo>
+                <a:cubicBezTo>
+                  <a:pt x="457200" y="1256393"/>
+                  <a:pt x="914400" y="890815"/>
+                  <a:pt x="1393371" y="620486"/>
+                </a:cubicBezTo>
+                <a:cubicBezTo>
+                  <a:pt x="1872342" y="350157"/>
+                  <a:pt x="2373085" y="175078"/>
+                  <a:pt x="2873828" y="0"/>
+                </a:cubicBezTo>
+              </a:path>
+            </a:pathLst>
+          </a:custGeom>
+          <a:solidFill>
+            <a:schemeClr val="accent2">
+              <a:lumMod val="40000"/>
+              <a:lumOff val="60000"/>
+            </a:schemeClr>
+          </a:solidFill>
+          <a:ln>
+            <a:solidFill>
+              <a:schemeClr val="tx1"/>
+            </a:solidFill>
+          </a:ln>
+        </p:spPr>
+        <p:txBody>
+          <a:bodyPr rtlCol="0" anchor="ctr"/>
+          <a:lstStyle/>
+          <a:p>
+            <a:pPr algn="ctr"/>
+            <a:endParaRPr kumimoji="1" lang="ja-JP" altLang="en-US"/>
+          </a:p>
+        </p:txBody>
+      </p:sp>
+      <mc:AlternateContent xmlns:mc="http://schemas.openxmlformats.org/markup-compatibility/2006">
+        <mc:Choice xmlns:a14="http://schemas.microsoft.com/office/drawing/2010/main" Requires="a14">
+          <p:sp>
+            <p:nvSpPr>
+              <p:cNvPr id="18" name="テキスト ボックス 17">
+                <a:extLst>
+                  <a:ext uri="{FF2B5EF4-FFF2-40B4-BE49-F238E27FC236}">
+                    <a16:creationId xmlns:a16="http://schemas.microsoft.com/office/drawing/2014/main" id="{411829A9-F30B-6ECA-205C-77B641D1FC52}"/>
+                  </a:ext>
+                </a:extLst>
+              </p:cNvPr>
+              <p:cNvSpPr txBox="1"/>
+              <p:nvPr/>
+            </p:nvSpPr>
+            <p:spPr>
+              <a:xfrm>
+                <a:off x="5580112" y="2204864"/>
+                <a:ext cx="1132233" cy="369332"/>
+              </a:xfrm>
+              <a:prstGeom prst="rect">
+                <a:avLst/>
+              </a:prstGeom>
+              <a:noFill/>
+            </p:spPr>
+            <p:txBody>
+              <a:bodyPr wrap="none" lIns="0" tIns="0" rIns="0" bIns="0" rtlCol="0">
+                <a:spAutoFit/>
+              </a:bodyPr>
+              <a:lstStyle/>
+              <a:p>
+                <a14:m>
+                  <m:oMathPara xmlns:m="http://schemas.openxmlformats.org/officeDocument/2006/math">
+                    <m:oMathParaPr>
+                      <m:jc m:val="centerGroup"/>
+                    </m:oMathParaPr>
+                    <m:oMath xmlns:m="http://schemas.openxmlformats.org/officeDocument/2006/math">
+                      <m:r>
+                        <a:rPr kumimoji="1" lang="en-US" altLang="ja-JP" sz="2400" b="0" i="1" smtClean="0">
+                          <a:latin typeface="Cambria Math" panose="02040503050406030204" pitchFamily="18" charset="0"/>
+                        </a:rPr>
+                        <m:t>𝐹</m:t>
+                      </m:r>
+                      <m:d>
+                        <m:dPr>
+                          <m:ctrlPr>
+                            <a:rPr kumimoji="1" lang="ja-JP" altLang="en-US" sz="2400" b="0" i="1" dirty="0" smtClean="0">
+                              <a:latin typeface="Cambria Math" panose="02040503050406030204" pitchFamily="18" charset="0"/>
+                            </a:rPr>
+                          </m:ctrlPr>
+                        </m:dPr>
+                        <m:e>
+                          <m:r>
+                            <a:rPr lang="en-US" altLang="ja-JP" sz="2400" i="1">
+                              <a:latin typeface="Cambria Math" panose="02040503050406030204" pitchFamily="18" charset="0"/>
+                            </a:rPr>
+                            <m:t>𝑓</m:t>
+                          </m:r>
+                          <m:r>
+                            <a:rPr lang="en-US" altLang="ja-JP" sz="2400" i="1">
+                              <a:latin typeface="Cambria Math" panose="02040503050406030204" pitchFamily="18" charset="0"/>
+                            </a:rPr>
+                            <m:t>(</m:t>
+                          </m:r>
+                          <m:r>
+                            <a:rPr lang="en-US" altLang="ja-JP" sz="2400" i="1">
+                              <a:latin typeface="Cambria Math" panose="02040503050406030204" pitchFamily="18" charset="0"/>
+                            </a:rPr>
+                            <m:t>𝑥</m:t>
+                          </m:r>
+                          <m:r>
+                            <a:rPr lang="en-US" altLang="ja-JP" sz="2400" i="1">
+                              <a:latin typeface="Cambria Math" panose="02040503050406030204" pitchFamily="18" charset="0"/>
+                            </a:rPr>
+                            <m:t>)</m:t>
+                          </m:r>
+                        </m:e>
+                      </m:d>
+                    </m:oMath>
+                  </m:oMathPara>
+                </a14:m>
+                <a:endParaRPr kumimoji="1" lang="ja-JP" altLang="en-US" sz="2400" dirty="0"/>
+              </a:p>
+            </p:txBody>
+          </p:sp>
+        </mc:Choice>
+        <mc:Fallback>
+          <p:sp>
+            <p:nvSpPr>
+              <p:cNvPr id="18" name="テキスト ボックス 17">
+                <a:extLst>
+                  <a:ext uri="{FF2B5EF4-FFF2-40B4-BE49-F238E27FC236}">
+                    <a16:creationId xmlns:a16="http://schemas.microsoft.com/office/drawing/2014/main" id="{411829A9-F30B-6ECA-205C-77B641D1FC52}"/>
+                  </a:ext>
+                </a:extLst>
+              </p:cNvPr>
+              <p:cNvSpPr txBox="1">
+                <a:spLocks noRot="1" noChangeAspect="1" noMove="1" noResize="1" noEditPoints="1" noAdjustHandles="1" noChangeArrowheads="1" noChangeShapeType="1" noTextEdit="1"/>
+              </p:cNvSpPr>
+              <p:nvPr/>
+            </p:nvSpPr>
+            <p:spPr>
+              <a:xfrm>
+                <a:off x="5580112" y="2204864"/>
+                <a:ext cx="1132233" cy="369332"/>
+              </a:xfrm>
+              <a:prstGeom prst="rect">
+                <a:avLst/>
+              </a:prstGeom>
+              <a:blipFill>
+                <a:blip r:embed="rId5"/>
+                <a:stretch>
+                  <a:fillRect l="-5914" b="-35000"/>
+                </a:stretch>
+              </a:blipFill>
+            </p:spPr>
+            <p:txBody>
+              <a:bodyPr/>
+              <a:lstStyle/>
+              <a:p>
+                <a:r>
+                  <a:rPr lang="ja-JP" altLang="en-US">
+                    <a:noFill/>
+                  </a:rPr>
+                  <a:t> </a:t>
+                </a:r>
+              </a:p>
+            </p:txBody>
+          </p:sp>
+        </mc:Fallback>
+      </mc:AlternateContent>
+      <mc:AlternateContent xmlns:mc="http://schemas.openxmlformats.org/markup-compatibility/2006">
+        <mc:Choice xmlns:a14="http://schemas.microsoft.com/office/drawing/2010/main" Requires="a14">
+          <p:sp>
+            <p:nvSpPr>
+              <p:cNvPr id="19" name="テキスト ボックス 18">
+                <a:extLst>
+                  <a:ext uri="{FF2B5EF4-FFF2-40B4-BE49-F238E27FC236}">
+                    <a16:creationId xmlns:a16="http://schemas.microsoft.com/office/drawing/2014/main" id="{74EFE3E6-B2E0-8D20-7E42-9D358B7C422C}"/>
+                  </a:ext>
+                </a:extLst>
+              </p:cNvPr>
+              <p:cNvSpPr txBox="1"/>
+              <p:nvPr/>
+            </p:nvSpPr>
+            <p:spPr>
+              <a:xfrm>
+                <a:off x="1907704" y="908720"/>
+                <a:ext cx="2282613" cy="369332"/>
+              </a:xfrm>
+              <a:prstGeom prst="rect">
+                <a:avLst/>
+              </a:prstGeom>
+              <a:noFill/>
+            </p:spPr>
+            <p:txBody>
+              <a:bodyPr wrap="none" lIns="0" tIns="0" rIns="0" bIns="0" rtlCol="0">
+                <a:spAutoFit/>
+              </a:bodyPr>
+              <a:lstStyle/>
+              <a:p>
+                <a14:m>
+                  <m:oMathPara xmlns:m="http://schemas.openxmlformats.org/officeDocument/2006/math">
+                    <m:oMathParaPr>
+                      <m:jc m:val="centerGroup"/>
+                    </m:oMathParaPr>
+                    <m:oMath xmlns:m="http://schemas.openxmlformats.org/officeDocument/2006/math">
+                      <m:r>
+                        <a:rPr kumimoji="1" lang="en-US" altLang="ja-JP" sz="2400" b="0" i="1" smtClean="0">
+                          <a:latin typeface="Cambria Math" panose="02040503050406030204" pitchFamily="18" charset="0"/>
+                        </a:rPr>
+                        <m:t>𝐹</m:t>
+                      </m:r>
+                      <m:d>
+                        <m:dPr>
+                          <m:ctrlPr>
+                            <a:rPr kumimoji="1" lang="en-US" altLang="ja-JP" sz="2400" b="0" i="1" smtClean="0">
+                              <a:latin typeface="Cambria Math" panose="02040503050406030204" pitchFamily="18" charset="0"/>
+                            </a:rPr>
+                          </m:ctrlPr>
+                        </m:dPr>
+                        <m:e>
+                          <m:r>
+                            <a:rPr lang="en-US" altLang="ja-JP" sz="2400" i="1">
+                              <a:latin typeface="Cambria Math" panose="02040503050406030204" pitchFamily="18" charset="0"/>
+                            </a:rPr>
+                            <m:t>𝑓</m:t>
+                          </m:r>
+                          <m:d>
+                            <m:dPr>
+                              <m:ctrlPr>
+                                <a:rPr lang="en-US" altLang="ja-JP" sz="2400" i="1">
+                                  <a:latin typeface="Cambria Math" panose="02040503050406030204" pitchFamily="18" charset="0"/>
+                                </a:rPr>
+                              </m:ctrlPr>
+                            </m:dPr>
+                            <m:e>
+                              <m:r>
+                                <a:rPr lang="en-US" altLang="ja-JP" sz="2400" i="1">
+                                  <a:latin typeface="Cambria Math" panose="02040503050406030204" pitchFamily="18" charset="0"/>
+                                </a:rPr>
+                                <m:t>𝑥</m:t>
+                              </m:r>
+                            </m:e>
+                          </m:d>
+                          <m:r>
+                            <a:rPr lang="en-US" altLang="ja-JP" sz="2400" i="1">
+                              <a:latin typeface="Cambria Math" panose="02040503050406030204" pitchFamily="18" charset="0"/>
+                            </a:rPr>
+                            <m:t>+</m:t>
+                          </m:r>
+                          <m:r>
+                            <a:rPr lang="en-US" altLang="ja-JP" sz="2400" i="1">
+                              <a:latin typeface="Cambria Math" panose="02040503050406030204" pitchFamily="18" charset="0"/>
+                            </a:rPr>
+                            <m:t>𝜀𝜙</m:t>
+                          </m:r>
+                          <m:r>
+                            <a:rPr lang="en-US" altLang="ja-JP" sz="2400" i="1">
+                              <a:latin typeface="Cambria Math" panose="02040503050406030204" pitchFamily="18" charset="0"/>
+                            </a:rPr>
+                            <m:t>(</m:t>
+                          </m:r>
+                          <m:r>
+                            <a:rPr lang="en-US" altLang="ja-JP" sz="2400" i="1">
+                              <a:latin typeface="Cambria Math" panose="02040503050406030204" pitchFamily="18" charset="0"/>
+                            </a:rPr>
+                            <m:t>𝑥</m:t>
+                          </m:r>
+                          <m:r>
+                            <a:rPr lang="en-US" altLang="ja-JP" sz="2400" i="1">
+                              <a:latin typeface="Cambria Math" panose="02040503050406030204" pitchFamily="18" charset="0"/>
+                            </a:rPr>
+                            <m:t>)</m:t>
+                          </m:r>
+                        </m:e>
+                      </m:d>
+                    </m:oMath>
+                  </m:oMathPara>
+                </a14:m>
+                <a:endParaRPr kumimoji="1" lang="ja-JP" altLang="en-US" sz="2400" dirty="0"/>
+              </a:p>
+            </p:txBody>
+          </p:sp>
+        </mc:Choice>
+        <mc:Fallback>
+          <p:sp>
+            <p:nvSpPr>
+              <p:cNvPr id="19" name="テキスト ボックス 18">
+                <a:extLst>
+                  <a:ext uri="{FF2B5EF4-FFF2-40B4-BE49-F238E27FC236}">
+                    <a16:creationId xmlns:a16="http://schemas.microsoft.com/office/drawing/2014/main" id="{74EFE3E6-B2E0-8D20-7E42-9D358B7C422C}"/>
+                  </a:ext>
+                </a:extLst>
+              </p:cNvPr>
+              <p:cNvSpPr txBox="1">
+                <a:spLocks noRot="1" noChangeAspect="1" noMove="1" noResize="1" noEditPoints="1" noAdjustHandles="1" noChangeArrowheads="1" noChangeShapeType="1" noTextEdit="1"/>
+              </p:cNvSpPr>
+              <p:nvPr/>
+            </p:nvSpPr>
+            <p:spPr>
+              <a:xfrm>
+                <a:off x="1907704" y="908720"/>
+                <a:ext cx="2282613" cy="369332"/>
+              </a:xfrm>
+              <a:prstGeom prst="rect">
+                <a:avLst/>
+              </a:prstGeom>
+              <a:blipFill>
+                <a:blip r:embed="rId6"/>
+                <a:stretch>
+                  <a:fillRect l="-2941" b="-34426"/>
+                </a:stretch>
+              </a:blipFill>
+            </p:spPr>
+            <p:txBody>
+              <a:bodyPr/>
+              <a:lstStyle/>
+              <a:p>
+                <a:r>
+                  <a:rPr lang="ja-JP" altLang="en-US">
+                    <a:noFill/>
+                  </a:rPr>
+                  <a:t> </a:t>
+                </a:r>
+              </a:p>
+            </p:txBody>
+          </p:sp>
+        </mc:Fallback>
+      </mc:AlternateContent>
+      <p:cxnSp>
+        <p:nvCxnSpPr>
+          <p:cNvPr id="25" name="直線矢印コネクタ 24">
+            <a:extLst>
+              <a:ext uri="{FF2B5EF4-FFF2-40B4-BE49-F238E27FC236}">
+                <a16:creationId xmlns:a16="http://schemas.microsoft.com/office/drawing/2014/main" id="{C596CECE-31A7-8A03-C223-0410FA4AA822}"/>
+              </a:ext>
+            </a:extLst>
+          </p:cNvPr>
+          <p:cNvCxnSpPr/>
+          <p:nvPr/>
+        </p:nvCxnSpPr>
+        <p:spPr>
+          <a:xfrm>
+            <a:off x="2627784" y="1412776"/>
+            <a:ext cx="648072" cy="720080"/>
+          </a:xfrm>
+          <a:prstGeom prst="straightConnector1">
+            <a:avLst/>
+          </a:prstGeom>
+          <a:ln w="9525">
+            <a:solidFill>
+              <a:schemeClr val="tx1"/>
+            </a:solidFill>
+            <a:headEnd type="none"/>
+            <a:tailEnd type="triangle"/>
+          </a:ln>
+          <a:effectLst/>
+        </p:spPr>
+        <p:style>
+          <a:lnRef idx="2">
+            <a:schemeClr val="accent1"/>
+          </a:lnRef>
+          <a:fillRef idx="0">
+            <a:schemeClr val="accent1"/>
+          </a:fillRef>
+          <a:effectRef idx="1">
+            <a:schemeClr val="accent1"/>
+          </a:effectRef>
+          <a:fontRef idx="minor">
+            <a:schemeClr val="tx1"/>
+          </a:fontRef>
+        </p:style>
+      </p:cxnSp>
+      <p:cxnSp>
+        <p:nvCxnSpPr>
+          <p:cNvPr id="27" name="直線矢印コネクタ 26">
+            <a:extLst>
+              <a:ext uri="{FF2B5EF4-FFF2-40B4-BE49-F238E27FC236}">
+                <a16:creationId xmlns:a16="http://schemas.microsoft.com/office/drawing/2014/main" id="{652EEBF4-0D8B-1D08-E8D2-ADB43B2295D9}"/>
+              </a:ext>
+            </a:extLst>
+          </p:cNvPr>
+          <p:cNvCxnSpPr>
+            <a:stCxn id="18" idx="1"/>
+          </p:cNvCxnSpPr>
+          <p:nvPr/>
+        </p:nvCxnSpPr>
+        <p:spPr>
+          <a:xfrm flipH="1" flipV="1">
+            <a:off x="4716016" y="1988840"/>
+            <a:ext cx="864096" cy="400690"/>
+          </a:xfrm>
+          <a:prstGeom prst="straightConnector1">
+            <a:avLst/>
+          </a:prstGeom>
+          <a:ln w="9525">
+            <a:solidFill>
+              <a:schemeClr val="tx1"/>
+            </a:solidFill>
+            <a:headEnd type="none"/>
+            <a:tailEnd type="triangle"/>
+          </a:ln>
+          <a:effectLst/>
+        </p:spPr>
+        <p:style>
+          <a:lnRef idx="2">
+            <a:schemeClr val="accent1"/>
+          </a:lnRef>
+          <a:fillRef idx="0">
+            <a:schemeClr val="accent1"/>
+          </a:fillRef>
+          <a:effectRef idx="1">
+            <a:schemeClr val="accent1"/>
+          </a:effectRef>
+          <a:fontRef idx="minor">
+            <a:schemeClr val="tx1"/>
+          </a:fontRef>
+        </p:style>
+      </p:cxnSp>
+      <mc:AlternateContent xmlns:mc="http://schemas.openxmlformats.org/markup-compatibility/2006">
+        <mc:Choice xmlns:a14="http://schemas.microsoft.com/office/drawing/2010/main" Requires="a14">
+          <p:sp>
+            <p:nvSpPr>
+              <p:cNvPr id="28" name="テキスト ボックス 27">
+                <a:extLst>
+                  <a:ext uri="{FF2B5EF4-FFF2-40B4-BE49-F238E27FC236}">
+                    <a16:creationId xmlns:a16="http://schemas.microsoft.com/office/drawing/2014/main" id="{2F94481C-6D6F-7EEE-33C1-7977264CC50F}"/>
+                  </a:ext>
+                </a:extLst>
+              </p:cNvPr>
+              <p:cNvSpPr txBox="1"/>
+              <p:nvPr/>
+            </p:nvSpPr>
+            <p:spPr>
+              <a:xfrm>
+                <a:off x="6372200" y="3923764"/>
+                <a:ext cx="198259" cy="369332"/>
+              </a:xfrm>
+              <a:prstGeom prst="rect">
+                <a:avLst/>
+              </a:prstGeom>
+              <a:noFill/>
+            </p:spPr>
+            <p:txBody>
+              <a:bodyPr wrap="none" lIns="0" tIns="0" rIns="0" bIns="0" rtlCol="0">
+                <a:spAutoFit/>
+              </a:bodyPr>
+              <a:lstStyle/>
+              <a:p>
+                <a14:m>
+                  <m:oMathPara xmlns:m="http://schemas.openxmlformats.org/officeDocument/2006/math">
+                    <m:oMathParaPr>
+                      <m:jc m:val="centerGroup"/>
+                    </m:oMathParaPr>
+                    <m:oMath xmlns:m="http://schemas.openxmlformats.org/officeDocument/2006/math">
+                      <m:r>
+                        <a:rPr kumimoji="1" lang="en-US" altLang="ja-JP" sz="2400" b="0" i="1" smtClean="0">
+                          <a:latin typeface="Cambria Math" panose="02040503050406030204" pitchFamily="18" charset="0"/>
+                        </a:rPr>
+                        <m:t>𝑡</m:t>
+                      </m:r>
+                    </m:oMath>
+                  </m:oMathPara>
+                </a14:m>
+                <a:endParaRPr kumimoji="1" lang="ja-JP" altLang="en-US" sz="2400" dirty="0"/>
+              </a:p>
+            </p:txBody>
+          </p:sp>
+        </mc:Choice>
+        <mc:Fallback>
+          <p:sp>
+            <p:nvSpPr>
+              <p:cNvPr id="28" name="テキスト ボックス 27">
+                <a:extLst>
+                  <a:ext uri="{FF2B5EF4-FFF2-40B4-BE49-F238E27FC236}">
+                    <a16:creationId xmlns:a16="http://schemas.microsoft.com/office/drawing/2014/main" id="{2F94481C-6D6F-7EEE-33C1-7977264CC50F}"/>
+                  </a:ext>
+                </a:extLst>
+              </p:cNvPr>
+              <p:cNvSpPr txBox="1">
+                <a:spLocks noRot="1" noChangeAspect="1" noMove="1" noResize="1" noEditPoints="1" noAdjustHandles="1" noChangeArrowheads="1" noChangeShapeType="1" noTextEdit="1"/>
+              </p:cNvSpPr>
+              <p:nvPr/>
+            </p:nvSpPr>
+            <p:spPr>
+              <a:xfrm>
+                <a:off x="6372200" y="3923764"/>
+                <a:ext cx="198259" cy="369332"/>
+              </a:xfrm>
+              <a:prstGeom prst="rect">
+                <a:avLst/>
+              </a:prstGeom>
+              <a:blipFill>
+                <a:blip r:embed="rId7"/>
+                <a:stretch>
+                  <a:fillRect l="-27273" r="-27273" b="-3333"/>
+                </a:stretch>
+              </a:blipFill>
+            </p:spPr>
+            <p:txBody>
+              <a:bodyPr/>
+              <a:lstStyle/>
+              <a:p>
+                <a:r>
+                  <a:rPr lang="ja-JP" altLang="en-US">
+                    <a:noFill/>
+                  </a:rPr>
+                  <a:t> </a:t>
+                </a:r>
+              </a:p>
+            </p:txBody>
+          </p:sp>
+        </mc:Fallback>
+      </mc:AlternateContent>
+      <mc:AlternateContent xmlns:mc="http://schemas.openxmlformats.org/markup-compatibility/2006">
+        <mc:Choice xmlns:a14="http://schemas.microsoft.com/office/drawing/2010/main" Requires="a14">
+          <p:sp>
+            <p:nvSpPr>
+              <p:cNvPr id="29" name="テキスト ボックス 28">
+                <a:extLst>
+                  <a:ext uri="{FF2B5EF4-FFF2-40B4-BE49-F238E27FC236}">
+                    <a16:creationId xmlns:a16="http://schemas.microsoft.com/office/drawing/2014/main" id="{FB62F848-B3FF-311C-7E0C-C15C0BF3384D}"/>
+                  </a:ext>
+                </a:extLst>
+              </p:cNvPr>
+              <p:cNvSpPr txBox="1"/>
+              <p:nvPr/>
+            </p:nvSpPr>
+            <p:spPr>
+              <a:xfrm>
+                <a:off x="4499992" y="548680"/>
+                <a:ext cx="360804" cy="369332"/>
+              </a:xfrm>
+              <a:prstGeom prst="rect">
+                <a:avLst/>
+              </a:prstGeom>
+              <a:noFill/>
+            </p:spPr>
+            <p:txBody>
+              <a:bodyPr wrap="none" lIns="0" tIns="0" rIns="0" bIns="0" rtlCol="0">
+                <a:spAutoFit/>
+              </a:bodyPr>
+              <a:lstStyle/>
+              <a:p>
+                <a14:m>
+                  <m:oMathPara xmlns:m="http://schemas.openxmlformats.org/officeDocument/2006/math">
+                    <m:oMathParaPr>
+                      <m:jc m:val="centerGroup"/>
+                    </m:oMathParaPr>
+                    <m:oMath xmlns:m="http://schemas.openxmlformats.org/officeDocument/2006/math">
+                      <m:r>
+                        <a:rPr kumimoji="1" lang="en-US" altLang="ja-JP" sz="2400" b="0" i="1" smtClean="0">
+                          <a:latin typeface="Cambria Math" panose="02040503050406030204" pitchFamily="18" charset="0"/>
+                        </a:rPr>
+                        <m:t>𝛿</m:t>
+                      </m:r>
+                      <m:r>
+                        <a:rPr kumimoji="1" lang="en-US" altLang="ja-JP" sz="2400" b="0" i="1" smtClean="0">
+                          <a:latin typeface="Cambria Math" panose="02040503050406030204" pitchFamily="18" charset="0"/>
+                        </a:rPr>
+                        <m:t>𝐼</m:t>
+                      </m:r>
+                    </m:oMath>
+                  </m:oMathPara>
+                </a14:m>
+                <a:endParaRPr kumimoji="1" lang="ja-JP" altLang="en-US" sz="2400" dirty="0"/>
+              </a:p>
+            </p:txBody>
+          </p:sp>
+        </mc:Choice>
+        <mc:Fallback>
+          <p:sp>
+            <p:nvSpPr>
+              <p:cNvPr id="29" name="テキスト ボックス 28">
+                <a:extLst>
+                  <a:ext uri="{FF2B5EF4-FFF2-40B4-BE49-F238E27FC236}">
+                    <a16:creationId xmlns:a16="http://schemas.microsoft.com/office/drawing/2014/main" id="{FB62F848-B3FF-311C-7E0C-C15C0BF3384D}"/>
+                  </a:ext>
+                </a:extLst>
+              </p:cNvPr>
+              <p:cNvSpPr txBox="1">
+                <a:spLocks noRot="1" noChangeAspect="1" noMove="1" noResize="1" noEditPoints="1" noAdjustHandles="1" noChangeArrowheads="1" noChangeShapeType="1" noTextEdit="1"/>
+              </p:cNvSpPr>
+              <p:nvPr/>
+            </p:nvSpPr>
+            <p:spPr>
+              <a:xfrm>
+                <a:off x="4499992" y="548680"/>
+                <a:ext cx="360804" cy="369332"/>
+              </a:xfrm>
+              <a:prstGeom prst="rect">
+                <a:avLst/>
+              </a:prstGeom>
+              <a:blipFill>
+                <a:blip r:embed="rId8"/>
+                <a:stretch>
+                  <a:fillRect l="-20339" r="-18644" b="-6557"/>
+                </a:stretch>
+              </a:blipFill>
+            </p:spPr>
+            <p:txBody>
+              <a:bodyPr/>
+              <a:lstStyle/>
+              <a:p>
+                <a:r>
+                  <a:rPr lang="ja-JP" altLang="en-US">
+                    <a:noFill/>
+                  </a:rPr>
+                  <a:t> </a:t>
+                </a:r>
+              </a:p>
+            </p:txBody>
+          </p:sp>
+        </mc:Fallback>
+      </mc:AlternateContent>
+      <p:cxnSp>
+        <p:nvCxnSpPr>
+          <p:cNvPr id="31" name="直線矢印コネクタ 30">
+            <a:extLst>
+              <a:ext uri="{FF2B5EF4-FFF2-40B4-BE49-F238E27FC236}">
+                <a16:creationId xmlns:a16="http://schemas.microsoft.com/office/drawing/2014/main" id="{FA40F125-D48A-2E3F-9735-9E11BA0D2740}"/>
+              </a:ext>
+            </a:extLst>
+          </p:cNvPr>
+          <p:cNvCxnSpPr>
+            <a:stCxn id="29" idx="2"/>
+          </p:cNvCxnSpPr>
+          <p:nvPr/>
+        </p:nvCxnSpPr>
+        <p:spPr>
+          <a:xfrm flipH="1">
+            <a:off x="4644008" y="918012"/>
+            <a:ext cx="36386" cy="782796"/>
+          </a:xfrm>
+          <a:prstGeom prst="straightConnector1">
+            <a:avLst/>
+          </a:prstGeom>
+          <a:ln w="9525">
+            <a:solidFill>
+              <a:schemeClr val="tx1"/>
+            </a:solidFill>
+            <a:headEnd type="none"/>
+            <a:tailEnd type="triangle"/>
+          </a:ln>
+          <a:effectLst/>
+        </p:spPr>
+        <p:style>
+          <a:lnRef idx="2">
+            <a:schemeClr val="accent1"/>
+          </a:lnRef>
+          <a:fillRef idx="0">
+            <a:schemeClr val="accent1"/>
+          </a:fillRef>
+          <a:effectRef idx="1">
+            <a:schemeClr val="accent1"/>
+          </a:effectRef>
+          <a:fontRef idx="minor">
+            <a:schemeClr val="tx1"/>
+          </a:fontRef>
+        </p:style>
+      </p:cxnSp>
+      <mc:AlternateContent xmlns:mc="http://schemas.openxmlformats.org/markup-compatibility/2006">
+        <mc:Choice xmlns:a14="http://schemas.microsoft.com/office/drawing/2010/main" Requires="a14">
+          <p:sp>
+            <p:nvSpPr>
+              <p:cNvPr id="32" name="テキスト ボックス 31">
+                <a:extLst>
+                  <a:ext uri="{FF2B5EF4-FFF2-40B4-BE49-F238E27FC236}">
+                    <a16:creationId xmlns:a16="http://schemas.microsoft.com/office/drawing/2014/main" id="{50276A2B-2080-187E-4EEA-11143D0772CA}"/>
+                  </a:ext>
+                </a:extLst>
+              </p:cNvPr>
+              <p:cNvSpPr txBox="1"/>
+              <p:nvPr/>
+            </p:nvSpPr>
+            <p:spPr>
+              <a:xfrm>
+                <a:off x="1115616" y="5085184"/>
+                <a:ext cx="3601883" cy="869405"/>
+              </a:xfrm>
+              <a:prstGeom prst="rect">
+                <a:avLst/>
+              </a:prstGeom>
+              <a:noFill/>
+            </p:spPr>
+            <p:txBody>
+              <a:bodyPr wrap="none" lIns="0" tIns="0" rIns="0" bIns="0" rtlCol="0">
+                <a:spAutoFit/>
+              </a:bodyPr>
+              <a:lstStyle/>
+              <a:p>
+                <a14:m>
+                  <m:oMathPara xmlns:m="http://schemas.openxmlformats.org/officeDocument/2006/math">
+                    <m:oMathParaPr>
+                      <m:jc m:val="centerGroup"/>
+                    </m:oMathParaPr>
+                    <m:oMath xmlns:m="http://schemas.openxmlformats.org/officeDocument/2006/math">
+                      <m:r>
+                        <a:rPr kumimoji="1" lang="en-US" altLang="ja-JP" sz="2400" b="0" i="1" smtClean="0">
+                          <a:latin typeface="Cambria Math" panose="02040503050406030204" pitchFamily="18" charset="0"/>
+                        </a:rPr>
+                        <m:t>𝛿</m:t>
+                      </m:r>
+                      <m:r>
+                        <a:rPr kumimoji="1" lang="en-US" altLang="ja-JP" sz="2400" b="0" i="1" smtClean="0">
+                          <a:latin typeface="Cambria Math" panose="02040503050406030204" pitchFamily="18" charset="0"/>
+                        </a:rPr>
+                        <m:t>𝐼</m:t>
+                      </m:r>
+                      <m:r>
+                        <a:rPr kumimoji="1" lang="en-US" altLang="ja-JP" sz="2400" b="0" i="1" smtClean="0">
+                          <a:latin typeface="Cambria Math" panose="02040503050406030204" pitchFamily="18" charset="0"/>
+                        </a:rPr>
+                        <m:t>=</m:t>
+                      </m:r>
+                      <m:r>
+                        <a:rPr kumimoji="1" lang="en-US" altLang="ja-JP" sz="2400" b="0" i="1" smtClean="0">
+                          <a:latin typeface="Cambria Math" panose="02040503050406030204" pitchFamily="18" charset="0"/>
+                        </a:rPr>
+                        <m:t>𝜀</m:t>
+                      </m:r>
+                      <m:nary>
+                        <m:naryPr>
+                          <m:ctrlPr>
+                            <a:rPr kumimoji="1" lang="en-US" altLang="ja-JP" sz="2400" b="0" i="1" smtClean="0">
+                              <a:latin typeface="Cambria Math" panose="02040503050406030204" pitchFamily="18" charset="0"/>
+                            </a:rPr>
+                          </m:ctrlPr>
+                        </m:naryPr>
+                        <m:sub>
+                          <m:sSub>
+                            <m:sSubPr>
+                              <m:ctrlPr>
+                                <a:rPr kumimoji="1" lang="en-US" altLang="ja-JP" sz="2400" b="0" i="1" smtClean="0">
+                                  <a:latin typeface="Cambria Math" panose="02040503050406030204" pitchFamily="18" charset="0"/>
+                                </a:rPr>
+                              </m:ctrlPr>
+                            </m:sSubPr>
+                            <m:e>
+                              <m:r>
+                                <m:rPr>
+                                  <m:brk m:alnAt="23"/>
+                                </m:rPr>
+                                <a:rPr kumimoji="1" lang="en-US" altLang="ja-JP" sz="2400" b="0" i="1" smtClean="0">
+                                  <a:latin typeface="Cambria Math" panose="02040503050406030204" pitchFamily="18" charset="0"/>
+                                </a:rPr>
+                                <m:t>𝑡</m:t>
+                              </m:r>
+                            </m:e>
+                            <m:sub>
+                              <m:r>
+                                <m:rPr>
+                                  <m:brk m:alnAt="23"/>
+                                </m:rPr>
+                                <a:rPr kumimoji="1" lang="en-US" altLang="ja-JP" sz="2400" b="0" i="1" smtClean="0">
+                                  <a:latin typeface="Cambria Math" panose="02040503050406030204" pitchFamily="18" charset="0"/>
+                                </a:rPr>
+                                <m:t>1</m:t>
+                              </m:r>
+                            </m:sub>
+                          </m:sSub>
+                        </m:sub>
+                        <m:sup>
+                          <m:sSub>
+                            <m:sSubPr>
+                              <m:ctrlPr>
+                                <a:rPr kumimoji="1" lang="en-US" altLang="ja-JP" sz="2400" b="0" i="1" smtClean="0">
+                                  <a:latin typeface="Cambria Math" panose="02040503050406030204" pitchFamily="18" charset="0"/>
+                                </a:rPr>
+                              </m:ctrlPr>
+                            </m:sSubPr>
+                            <m:e>
+                              <m:r>
+                                <a:rPr kumimoji="1" lang="en-US" altLang="ja-JP" sz="2400" b="0" i="1" smtClean="0">
+                                  <a:latin typeface="Cambria Math" panose="02040503050406030204" pitchFamily="18" charset="0"/>
+                                </a:rPr>
+                                <m:t>𝑡</m:t>
+                              </m:r>
+                            </m:e>
+                            <m:sub>
+                              <m:r>
+                                <a:rPr kumimoji="1" lang="en-US" altLang="ja-JP" sz="2400" b="0" i="1" smtClean="0">
+                                  <a:latin typeface="Cambria Math" panose="02040503050406030204" pitchFamily="18" charset="0"/>
+                                </a:rPr>
+                                <m:t>2</m:t>
+                              </m:r>
+                            </m:sub>
+                          </m:sSub>
+                        </m:sup>
+                        <m:e>
+                          <m:sSup>
+                            <m:sSupPr>
+                              <m:ctrlPr>
+                                <a:rPr kumimoji="1" lang="en-US" altLang="ja-JP" sz="2400" b="0" i="1" smtClean="0">
+                                  <a:latin typeface="Cambria Math" panose="02040503050406030204" pitchFamily="18" charset="0"/>
+                                </a:rPr>
+                              </m:ctrlPr>
+                            </m:sSupPr>
+                            <m:e>
+                              <m:r>
+                                <a:rPr kumimoji="1" lang="en-US" altLang="ja-JP" sz="2400" b="0" i="1" smtClean="0">
+                                  <a:latin typeface="Cambria Math" panose="02040503050406030204" pitchFamily="18" charset="0"/>
+                                </a:rPr>
+                                <m:t>𝐹</m:t>
+                              </m:r>
+                            </m:e>
+                            <m:sup>
+                              <m:r>
+                                <a:rPr kumimoji="1" lang="en-US" altLang="ja-JP" sz="2400" b="0" i="1" smtClean="0">
+                                  <a:latin typeface="Cambria Math" panose="02040503050406030204" pitchFamily="18" charset="0"/>
+                                </a:rPr>
+                                <m:t>′</m:t>
+                              </m:r>
+                            </m:sup>
+                          </m:sSup>
+                          <m:d>
+                            <m:dPr>
+                              <m:ctrlPr>
+                                <a:rPr kumimoji="1" lang="en-US" altLang="ja-JP" sz="2400" b="0" i="1" smtClean="0">
+                                  <a:latin typeface="Cambria Math" panose="02040503050406030204" pitchFamily="18" charset="0"/>
+                                </a:rPr>
+                              </m:ctrlPr>
+                            </m:dPr>
+                            <m:e>
+                              <m:r>
+                                <a:rPr kumimoji="1" lang="en-US" altLang="ja-JP" sz="2400" b="0" i="1" smtClean="0">
+                                  <a:latin typeface="Cambria Math" panose="02040503050406030204" pitchFamily="18" charset="0"/>
+                                </a:rPr>
+                                <m:t>𝑓</m:t>
+                              </m:r>
+                              <m:d>
+                                <m:dPr>
+                                  <m:ctrlPr>
+                                    <a:rPr kumimoji="1" lang="en-US" altLang="ja-JP" sz="2400" b="0" i="1" smtClean="0">
+                                      <a:latin typeface="Cambria Math" panose="02040503050406030204" pitchFamily="18" charset="0"/>
+                                    </a:rPr>
+                                  </m:ctrlPr>
+                                </m:dPr>
+                                <m:e>
+                                  <m:r>
+                                    <a:rPr kumimoji="1" lang="en-US" altLang="ja-JP" sz="2400" b="0" i="1" smtClean="0">
+                                      <a:latin typeface="Cambria Math" panose="02040503050406030204" pitchFamily="18" charset="0"/>
+                                    </a:rPr>
+                                    <m:t>𝑥</m:t>
+                                  </m:r>
+                                </m:e>
+                              </m:d>
+                            </m:e>
+                          </m:d>
+                          <m:r>
+                            <a:rPr kumimoji="1" lang="en-US" altLang="ja-JP" sz="2400" b="0" i="1" smtClean="0">
+                              <a:latin typeface="Cambria Math" panose="02040503050406030204" pitchFamily="18" charset="0"/>
+                            </a:rPr>
+                            <m:t>𝜙</m:t>
+                          </m:r>
+                          <m:r>
+                            <a:rPr kumimoji="1" lang="en-US" altLang="ja-JP" sz="2400" b="0" i="1" smtClean="0">
+                              <a:latin typeface="Cambria Math" panose="02040503050406030204" pitchFamily="18" charset="0"/>
+                            </a:rPr>
+                            <m:t>(</m:t>
+                          </m:r>
+                          <m:r>
+                            <a:rPr kumimoji="1" lang="en-US" altLang="ja-JP" sz="2400" b="0" i="1" smtClean="0">
+                              <a:latin typeface="Cambria Math" panose="02040503050406030204" pitchFamily="18" charset="0"/>
+                            </a:rPr>
+                            <m:t>𝑥</m:t>
+                          </m:r>
+                          <m:r>
+                            <a:rPr kumimoji="1" lang="en-US" altLang="ja-JP" sz="2400" b="0" i="1" smtClean="0">
+                              <a:latin typeface="Cambria Math" panose="02040503050406030204" pitchFamily="18" charset="0"/>
+                            </a:rPr>
+                            <m:t>)</m:t>
+                          </m:r>
+                          <m:r>
+                            <a:rPr kumimoji="1" lang="en-US" altLang="ja-JP" sz="2400" b="0" i="1" smtClean="0">
+                              <a:latin typeface="Cambria Math" panose="02040503050406030204" pitchFamily="18" charset="0"/>
+                            </a:rPr>
+                            <m:t>𝑑𝑥</m:t>
+                          </m:r>
+                        </m:e>
+                      </m:nary>
+                    </m:oMath>
+                  </m:oMathPara>
+                </a14:m>
+                <a:endParaRPr kumimoji="1" lang="ja-JP" altLang="en-US" sz="2400" dirty="0"/>
+              </a:p>
+            </p:txBody>
+          </p:sp>
+        </mc:Choice>
+        <mc:Fallback>
+          <p:sp>
+            <p:nvSpPr>
+              <p:cNvPr id="32" name="テキスト ボックス 31">
+                <a:extLst>
+                  <a:ext uri="{FF2B5EF4-FFF2-40B4-BE49-F238E27FC236}">
+                    <a16:creationId xmlns:a16="http://schemas.microsoft.com/office/drawing/2014/main" id="{50276A2B-2080-187E-4EEA-11143D0772CA}"/>
+                  </a:ext>
+                </a:extLst>
+              </p:cNvPr>
+              <p:cNvSpPr txBox="1">
+                <a:spLocks noRot="1" noChangeAspect="1" noMove="1" noResize="1" noEditPoints="1" noAdjustHandles="1" noChangeArrowheads="1" noChangeShapeType="1" noTextEdit="1"/>
+              </p:cNvSpPr>
+              <p:nvPr/>
+            </p:nvSpPr>
+            <p:spPr>
+              <a:xfrm>
+                <a:off x="1115616" y="5085184"/>
+                <a:ext cx="3601883" cy="869405"/>
+              </a:xfrm>
+              <a:prstGeom prst="rect">
+                <a:avLst/>
+              </a:prstGeom>
+              <a:blipFill>
+                <a:blip r:embed="rId9"/>
+                <a:stretch>
+                  <a:fillRect/>
+                </a:stretch>
+              </a:blipFill>
+            </p:spPr>
+            <p:txBody>
+              <a:bodyPr/>
+              <a:lstStyle/>
+              <a:p>
+                <a:r>
+                  <a:rPr lang="ja-JP" altLang="en-US">
+                    <a:noFill/>
+                  </a:rPr>
+                  <a:t> </a:t>
+                </a:r>
+              </a:p>
+            </p:txBody>
+          </p:sp>
+        </mc:Fallback>
+      </mc:AlternateContent>
+    </p:spTree>
+    <p:extLst>
+      <p:ext uri="{BB962C8B-B14F-4D97-AF65-F5344CB8AC3E}">
+        <p14:creationId xmlns:p14="http://schemas.microsoft.com/office/powerpoint/2010/main" val="2539212353"/>
+      </p:ext>
+    </p:extLst>
+  </p:cSld>
+  <p:clrMapOvr>
+    <a:masterClrMapping/>
+  </p:clrMapOvr>
+</p:sld>
+</file>
+
+<file path=ppt/slides/slide7.xml><?xml version="1.0" encoding="utf-8"?>
+<p:sld xmlns:a="http://schemas.openxmlformats.org/drawingml/2006/main" xmlns:r="http://schemas.openxmlformats.org/officeDocument/2006/relationships" xmlns:p="http://schemas.openxmlformats.org/presentationml/2006/main">
+  <p:cSld>
+    <p:spTree>
+      <p:nvGrpSpPr>
+        <p:cNvPr id="1" name=""/>
+        <p:cNvGrpSpPr/>
+        <p:nvPr/>
+      </p:nvGrpSpPr>
+      <p:grpSpPr>
+        <a:xfrm>
+          <a:off x="0" y="0"/>
+          <a:ext cx="0" cy="0"/>
+          <a:chOff x="0" y="0"/>
+          <a:chExt cx="0" cy="0"/>
+        </a:xfrm>
+      </p:grpSpPr>
       <p:sp>
         <p:nvSpPr>
           <p:cNvPr id="2" name="正方形/長方形 1">
@@ -9970,8 +11652,8 @@
           </a:fontRef>
         </p:style>
       </p:cxnSp>
-      <mc:AlternateContent xmlns:mc="http://schemas.openxmlformats.org/markup-compatibility/2006">
-        <mc:Choice xmlns:a14="http://schemas.microsoft.com/office/drawing/2010/main" Requires="a14">
+      <mc:AlternateContent xmlns:mc="http://schemas.openxmlformats.org/markup-compatibility/2006" xmlns:a14="http://schemas.microsoft.com/office/drawing/2010/main">
+        <mc:Choice Requires="a14">
           <p:sp>
             <p:nvSpPr>
               <p:cNvPr id="30" name="テキスト ボックス 29">
@@ -10000,6 +11682,7 @@
               </a:bodyPr>
               <a:lstStyle/>
               <a:p>
+                <a:pPr/>
                 <a14:m>
                   <m:oMathPara xmlns:m="http://schemas.openxmlformats.org/officeDocument/2006/math">
                     <m:oMathParaPr>
@@ -10039,7 +11722,7 @@
             </p:txBody>
           </p:sp>
         </mc:Choice>
-        <mc:Fallback>
+        <mc:Fallback xmlns="">
           <p:sp>
             <p:nvSpPr>
               <p:cNvPr id="30" name="テキスト ボックス 29">
@@ -10130,8 +11813,8 @@
           </a:fontRef>
         </p:style>
       </p:cxnSp>
-      <mc:AlternateContent xmlns:mc="http://schemas.openxmlformats.org/markup-compatibility/2006">
-        <mc:Choice xmlns:a14="http://schemas.microsoft.com/office/drawing/2010/main" Requires="a14">
+      <mc:AlternateContent xmlns:mc="http://schemas.openxmlformats.org/markup-compatibility/2006" xmlns:a14="http://schemas.microsoft.com/office/drawing/2010/main">
+        <mc:Choice Requires="a14">
           <p:sp>
             <p:nvSpPr>
               <p:cNvPr id="36" name="テキスト ボックス 35">
@@ -10160,6 +11843,7 @@
               </a:bodyPr>
               <a:lstStyle/>
               <a:p>
+                <a:pPr/>
                 <a14:m>
                   <m:oMathPara xmlns:m="http://schemas.openxmlformats.org/officeDocument/2006/math">
                     <m:oMathParaPr>
@@ -10199,7 +11883,7 @@
             </p:txBody>
           </p:sp>
         </mc:Choice>
-        <mc:Fallback>
+        <mc:Fallback xmlns="">
           <p:sp>
             <p:nvSpPr>
               <p:cNvPr id="36" name="テキスト ボックス 35">
@@ -10365,8 +12049,8 @@
           </a:p>
         </p:txBody>
       </p:sp>
-      <mc:AlternateContent xmlns:mc="http://schemas.openxmlformats.org/markup-compatibility/2006">
-        <mc:Choice xmlns:a14="http://schemas.microsoft.com/office/drawing/2010/main" Requires="a14">
+      <mc:AlternateContent xmlns:mc="http://schemas.openxmlformats.org/markup-compatibility/2006" xmlns:a14="http://schemas.microsoft.com/office/drawing/2010/main">
+        <mc:Choice Requires="a14">
           <p:sp>
             <p:nvSpPr>
               <p:cNvPr id="47" name="テキスト ボックス 46">
@@ -10395,6 +12079,7 @@
               </a:bodyPr>
               <a:lstStyle/>
               <a:p>
+                <a:pPr/>
                 <a14:m>
                   <m:oMathPara xmlns:m="http://schemas.openxmlformats.org/officeDocument/2006/math">
                     <m:oMathParaPr>
@@ -10433,7 +12118,7 @@
             </p:txBody>
           </p:sp>
         </mc:Choice>
-        <mc:Fallback>
+        <mc:Fallback xmlns="">
           <p:sp>
             <p:nvSpPr>
               <p:cNvPr id="47" name="テキスト ボックス 46">
@@ -10478,8 +12163,8 @@
           </p:sp>
         </mc:Fallback>
       </mc:AlternateContent>
-      <mc:AlternateContent xmlns:mc="http://schemas.openxmlformats.org/markup-compatibility/2006">
-        <mc:Choice xmlns:a14="http://schemas.microsoft.com/office/drawing/2010/main" Requires="a14">
+      <mc:AlternateContent xmlns:mc="http://schemas.openxmlformats.org/markup-compatibility/2006" xmlns:a14="http://schemas.microsoft.com/office/drawing/2010/main">
+        <mc:Choice Requires="a14">
           <p:sp>
             <p:nvSpPr>
               <p:cNvPr id="48" name="テキスト ボックス 47">
@@ -10508,6 +12193,7 @@
               </a:bodyPr>
               <a:lstStyle/>
               <a:p>
+                <a:pPr/>
                 <a14:m>
                   <m:oMathPara xmlns:m="http://schemas.openxmlformats.org/officeDocument/2006/math">
                     <m:oMathParaPr>
@@ -10546,7 +12232,7 @@
             </p:txBody>
           </p:sp>
         </mc:Choice>
-        <mc:Fallback>
+        <mc:Fallback xmlns="">
           <p:sp>
             <p:nvSpPr>
               <p:cNvPr id="48" name="テキスト ボックス 47">
@@ -10591,8 +12277,8 @@
           </p:sp>
         </mc:Fallback>
       </mc:AlternateContent>
-      <mc:AlternateContent xmlns:mc="http://schemas.openxmlformats.org/markup-compatibility/2006">
-        <mc:Choice xmlns:a14="http://schemas.microsoft.com/office/drawing/2010/main" Requires="a14">
+      <mc:AlternateContent xmlns:mc="http://schemas.openxmlformats.org/markup-compatibility/2006" xmlns:a14="http://schemas.microsoft.com/office/drawing/2010/main">
+        <mc:Choice Requires="a14">
           <p:sp>
             <p:nvSpPr>
               <p:cNvPr id="49" name="テキスト ボックス 48">
@@ -10621,6 +12307,7 @@
               </a:bodyPr>
               <a:lstStyle/>
               <a:p>
+                <a:pPr/>
                 <a14:m>
                   <m:oMathPara xmlns:m="http://schemas.openxmlformats.org/officeDocument/2006/math">
                     <m:oMathParaPr>
@@ -10641,7 +12328,7 @@
             </p:txBody>
           </p:sp>
         </mc:Choice>
-        <mc:Fallback>
+        <mc:Fallback xmlns="">
           <p:sp>
             <p:nvSpPr>
               <p:cNvPr id="49" name="テキスト ボックス 48">
@@ -11473,8 +13160,8 @@
           </a:fontRef>
         </p:style>
       </p:cxnSp>
-      <mc:AlternateContent xmlns:mc="http://schemas.openxmlformats.org/markup-compatibility/2006">
-        <mc:Choice xmlns:a14="http://schemas.microsoft.com/office/drawing/2010/main" Requires="a14">
+      <mc:AlternateContent xmlns:mc="http://schemas.openxmlformats.org/markup-compatibility/2006" xmlns:a14="http://schemas.microsoft.com/office/drawing/2010/main">
+        <mc:Choice Requires="a14">
           <p:sp>
             <p:nvSpPr>
               <p:cNvPr id="69" name="テキスト ボックス 68">
@@ -11503,6 +13190,7 @@
               </a:bodyPr>
               <a:lstStyle/>
               <a:p>
+                <a:pPr/>
                 <a14:m>
                   <m:oMathPara xmlns:m="http://schemas.openxmlformats.org/officeDocument/2006/math">
                     <m:oMathParaPr>
@@ -11542,7 +13230,7 @@
             </p:txBody>
           </p:sp>
         </mc:Choice>
-        <mc:Fallback>
+        <mc:Fallback xmlns="">
           <p:sp>
             <p:nvSpPr>
               <p:cNvPr id="69" name="テキスト ボックス 68">
@@ -11633,8 +13321,8 @@
           </a:fontRef>
         </p:style>
       </p:cxnSp>
-      <mc:AlternateContent xmlns:mc="http://schemas.openxmlformats.org/markup-compatibility/2006">
-        <mc:Choice xmlns:a14="http://schemas.microsoft.com/office/drawing/2010/main" Requires="a14">
+      <mc:AlternateContent xmlns:mc="http://schemas.openxmlformats.org/markup-compatibility/2006" xmlns:a14="http://schemas.microsoft.com/office/drawing/2010/main">
+        <mc:Choice Requires="a14">
           <p:sp>
             <p:nvSpPr>
               <p:cNvPr id="71" name="テキスト ボックス 70">
@@ -11663,6 +13351,7 @@
               </a:bodyPr>
               <a:lstStyle/>
               <a:p>
+                <a:pPr/>
                 <a14:m>
                   <m:oMathPara xmlns:m="http://schemas.openxmlformats.org/officeDocument/2006/math">
                     <m:oMathParaPr>
@@ -11702,7 +13391,7 @@
             </p:txBody>
           </p:sp>
         </mc:Choice>
-        <mc:Fallback>
+        <mc:Fallback xmlns="">
           <p:sp>
             <p:nvSpPr>
               <p:cNvPr id="71" name="テキスト ボックス 70">
@@ -11868,8 +13557,8 @@
           </a:p>
         </p:txBody>
       </p:sp>
-      <mc:AlternateContent xmlns:mc="http://schemas.openxmlformats.org/markup-compatibility/2006">
-        <mc:Choice xmlns:a14="http://schemas.microsoft.com/office/drawing/2010/main" Requires="a14">
+      <mc:AlternateContent xmlns:mc="http://schemas.openxmlformats.org/markup-compatibility/2006" xmlns:a14="http://schemas.microsoft.com/office/drawing/2010/main">
+        <mc:Choice Requires="a14">
           <p:sp>
             <p:nvSpPr>
               <p:cNvPr id="74" name="テキスト ボックス 73">
@@ -11898,6 +13587,7 @@
               </a:bodyPr>
               <a:lstStyle/>
               <a:p>
+                <a:pPr/>
                 <a14:m>
                   <m:oMathPara xmlns:m="http://schemas.openxmlformats.org/officeDocument/2006/math">
                     <m:oMathParaPr>
@@ -11936,7 +13626,7 @@
             </p:txBody>
           </p:sp>
         </mc:Choice>
-        <mc:Fallback>
+        <mc:Fallback xmlns="">
           <p:sp>
             <p:nvSpPr>
               <p:cNvPr id="74" name="テキスト ボックス 73">
@@ -11981,8 +13671,8 @@
           </p:sp>
         </mc:Fallback>
       </mc:AlternateContent>
-      <mc:AlternateContent xmlns:mc="http://schemas.openxmlformats.org/markup-compatibility/2006">
-        <mc:Choice xmlns:a14="http://schemas.microsoft.com/office/drawing/2010/main" Requires="a14">
+      <mc:AlternateContent xmlns:mc="http://schemas.openxmlformats.org/markup-compatibility/2006" xmlns:a14="http://schemas.microsoft.com/office/drawing/2010/main">
+        <mc:Choice Requires="a14">
           <p:sp>
             <p:nvSpPr>
               <p:cNvPr id="75" name="テキスト ボックス 74">
@@ -12011,6 +13701,7 @@
               </a:bodyPr>
               <a:lstStyle/>
               <a:p>
+                <a:pPr/>
                 <a14:m>
                   <m:oMathPara xmlns:m="http://schemas.openxmlformats.org/officeDocument/2006/math">
                     <m:oMathParaPr>
@@ -12049,7 +13740,7 @@
             </p:txBody>
           </p:sp>
         </mc:Choice>
-        <mc:Fallback>
+        <mc:Fallback xmlns="">
           <p:sp>
             <p:nvSpPr>
               <p:cNvPr id="75" name="テキスト ボックス 74">
@@ -12094,8 +13785,8 @@
           </p:sp>
         </mc:Fallback>
       </mc:AlternateContent>
-      <mc:AlternateContent xmlns:mc="http://schemas.openxmlformats.org/markup-compatibility/2006">
-        <mc:Choice xmlns:a14="http://schemas.microsoft.com/office/drawing/2010/main" Requires="a14">
+      <mc:AlternateContent xmlns:mc="http://schemas.openxmlformats.org/markup-compatibility/2006" xmlns:a14="http://schemas.microsoft.com/office/drawing/2010/main">
+        <mc:Choice Requires="a14">
           <p:sp>
             <p:nvSpPr>
               <p:cNvPr id="76" name="テキスト ボックス 75">
@@ -12124,6 +13815,7 @@
               </a:bodyPr>
               <a:lstStyle/>
               <a:p>
+                <a:pPr/>
                 <a14:m>
                   <m:oMathPara xmlns:m="http://schemas.openxmlformats.org/officeDocument/2006/math">
                     <m:oMathParaPr>
@@ -12144,7 +13836,7 @@
             </p:txBody>
           </p:sp>
         </mc:Choice>
-        <mc:Fallback>
+        <mc:Fallback xmlns="">
           <p:sp>
             <p:nvSpPr>
               <p:cNvPr id="76" name="テキスト ボックス 75">
@@ -12202,7 +13894,7 @@
 </p:sld>
 </file>
 
-<file path=ppt/slides/slide7.xml><?xml version="1.0" encoding="utf-8"?>
+<file path=ppt/slides/slide8.xml><?xml version="1.0" encoding="utf-8"?>
 <p:sld xmlns:a="http://schemas.openxmlformats.org/drawingml/2006/main" xmlns:r="http://schemas.openxmlformats.org/officeDocument/2006/relationships" xmlns:p="http://schemas.openxmlformats.org/presentationml/2006/main">
   <p:cSld>
     <p:spTree>
@@ -12838,8 +14530,8 @@
           </a:p>
         </p:txBody>
       </p:sp>
-      <mc:AlternateContent xmlns:mc="http://schemas.openxmlformats.org/markup-compatibility/2006">
-        <mc:Choice xmlns:a14="http://schemas.microsoft.com/office/drawing/2010/main" Requires="a14">
+      <mc:AlternateContent xmlns:mc="http://schemas.openxmlformats.org/markup-compatibility/2006" xmlns:a14="http://schemas.microsoft.com/office/drawing/2010/main">
+        <mc:Choice Requires="a14">
           <p:sp>
             <p:nvSpPr>
               <p:cNvPr id="24" name="テキスト ボックス 23">
@@ -12868,6 +14560,7 @@
               </a:bodyPr>
               <a:lstStyle/>
               <a:p>
+                <a:pPr/>
                 <a14:m>
                   <m:oMathPara xmlns:m="http://schemas.openxmlformats.org/officeDocument/2006/math">
                     <m:oMathParaPr>
@@ -12888,7 +14581,7 @@
             </p:txBody>
           </p:sp>
         </mc:Choice>
-        <mc:Fallback>
+        <mc:Fallback xmlns="">
           <p:sp>
             <p:nvSpPr>
               <p:cNvPr id="24" name="テキスト ボックス 23">
@@ -12933,8 +14626,8 @@
           </p:sp>
         </mc:Fallback>
       </mc:AlternateContent>
-      <mc:AlternateContent xmlns:mc="http://schemas.openxmlformats.org/markup-compatibility/2006">
-        <mc:Choice xmlns:a14="http://schemas.microsoft.com/office/drawing/2010/main" Requires="a14">
+      <mc:AlternateContent xmlns:mc="http://schemas.openxmlformats.org/markup-compatibility/2006" xmlns:a14="http://schemas.microsoft.com/office/drawing/2010/main">
+        <mc:Choice Requires="a14">
           <p:sp>
             <p:nvSpPr>
               <p:cNvPr id="25" name="テキスト ボックス 24">
@@ -12963,6 +14656,7 @@
               </a:bodyPr>
               <a:lstStyle/>
               <a:p>
+                <a:pPr/>
                 <a14:m>
                   <m:oMathPara xmlns:m="http://schemas.openxmlformats.org/officeDocument/2006/math">
                     <m:oMathParaPr>
@@ -13001,7 +14695,7 @@
             </p:txBody>
           </p:sp>
         </mc:Choice>
-        <mc:Fallback>
+        <mc:Fallback xmlns="">
           <p:sp>
             <p:nvSpPr>
               <p:cNvPr id="25" name="テキスト ボックス 24">
